--- a/for-poscreators/presentation/media/lead-presentation-creator-en.pptx
+++ b/for-poscreators/presentation/media/lead-presentation-creator-en.pptx
@@ -39,7 +39,7 @@
     <p:sldId id="314" r:id="rId30"/>
     <p:sldId id="317" r:id="rId31"/>
     <p:sldId id="318" r:id="rId32"/>
-    <p:sldId id="319" r:id="rId33"/>
+    <p:sldId id="322" r:id="rId33"/>
     <p:sldId id="311" r:id="rId34"/>
   </p:sldIdLst>
   <p:sldSz cx="12192000" cy="6858000"/>
@@ -183,7 +183,7 @@
             <p14:sldId id="314"/>
             <p14:sldId id="317"/>
             <p14:sldId id="318"/>
-            <p14:sldId id="319"/>
+            <p14:sldId id="322"/>
             <p14:sldId id="311"/>
           </p14:sldIdLst>
         </p14:section>
@@ -2245,1907 +2245,7 @@
 </dgm:colorsDef>
 </file>
 
-<file path=ppt/diagrams/colors2.xml><?xml version="1.0" encoding="utf-8"?>
-<dgm:colorsDef xmlns:dgm="http://schemas.openxmlformats.org/drawingml/2006/diagram" xmlns:a="http://schemas.openxmlformats.org/drawingml/2006/main" uniqueId="urn:microsoft.com/office/officeart/2005/8/colors/accent1_2">
-  <dgm:title val=""/>
-  <dgm:desc val=""/>
-  <dgm:catLst>
-    <dgm:cat type="accent1" pri="11200"/>
-  </dgm:catLst>
-  <dgm:styleLbl name="node0">
-    <dgm:fillClrLst meth="repeat">
-      <a:schemeClr val="accent1"/>
-    </dgm:fillClrLst>
-    <dgm:linClrLst meth="repeat">
-      <a:schemeClr val="lt1"/>
-    </dgm:linClrLst>
-    <dgm:effectClrLst/>
-    <dgm:txLinClrLst/>
-    <dgm:txFillClrLst/>
-    <dgm:txEffectClrLst/>
-  </dgm:styleLbl>
-  <dgm:styleLbl name="alignNode1">
-    <dgm:fillClrLst meth="repeat">
-      <a:schemeClr val="accent1"/>
-    </dgm:fillClrLst>
-    <dgm:linClrLst meth="repeat">
-      <a:schemeClr val="accent1"/>
-    </dgm:linClrLst>
-    <dgm:effectClrLst/>
-    <dgm:txLinClrLst/>
-    <dgm:txFillClrLst/>
-    <dgm:txEffectClrLst/>
-  </dgm:styleLbl>
-  <dgm:styleLbl name="node1">
-    <dgm:fillClrLst meth="repeat">
-      <a:schemeClr val="accent1"/>
-    </dgm:fillClrLst>
-    <dgm:linClrLst meth="repeat">
-      <a:schemeClr val="lt1"/>
-    </dgm:linClrLst>
-    <dgm:effectClrLst/>
-    <dgm:txLinClrLst/>
-    <dgm:txFillClrLst/>
-    <dgm:txEffectClrLst/>
-  </dgm:styleLbl>
-  <dgm:styleLbl name="lnNode1">
-    <dgm:fillClrLst meth="repeat">
-      <a:schemeClr val="accent1"/>
-    </dgm:fillClrLst>
-    <dgm:linClrLst meth="repeat">
-      <a:schemeClr val="lt1"/>
-    </dgm:linClrLst>
-    <dgm:effectClrLst/>
-    <dgm:txLinClrLst/>
-    <dgm:txFillClrLst/>
-    <dgm:txEffectClrLst/>
-  </dgm:styleLbl>
-  <dgm:styleLbl name="vennNode1">
-    <dgm:fillClrLst meth="repeat">
-      <a:schemeClr val="accent1">
-        <a:alpha val="50000"/>
-      </a:schemeClr>
-    </dgm:fillClrLst>
-    <dgm:linClrLst meth="repeat">
-      <a:schemeClr val="lt1"/>
-    </dgm:linClrLst>
-    <dgm:effectClrLst/>
-    <dgm:txLinClrLst/>
-    <dgm:txFillClrLst/>
-    <dgm:txEffectClrLst/>
-  </dgm:styleLbl>
-  <dgm:styleLbl name="node2">
-    <dgm:fillClrLst meth="repeat">
-      <a:schemeClr val="accent1"/>
-    </dgm:fillClrLst>
-    <dgm:linClrLst meth="repeat">
-      <a:schemeClr val="lt1"/>
-    </dgm:linClrLst>
-    <dgm:effectClrLst/>
-    <dgm:txLinClrLst/>
-    <dgm:txFillClrLst/>
-    <dgm:txEffectClrLst/>
-  </dgm:styleLbl>
-  <dgm:styleLbl name="node3">
-    <dgm:fillClrLst meth="repeat">
-      <a:schemeClr val="accent1"/>
-    </dgm:fillClrLst>
-    <dgm:linClrLst meth="repeat">
-      <a:schemeClr val="lt1"/>
-    </dgm:linClrLst>
-    <dgm:effectClrLst/>
-    <dgm:txLinClrLst/>
-    <dgm:txFillClrLst/>
-    <dgm:txEffectClrLst/>
-  </dgm:styleLbl>
-  <dgm:styleLbl name="node4">
-    <dgm:fillClrLst meth="repeat">
-      <a:schemeClr val="accent1"/>
-    </dgm:fillClrLst>
-    <dgm:linClrLst meth="repeat">
-      <a:schemeClr val="lt1"/>
-    </dgm:linClrLst>
-    <dgm:effectClrLst/>
-    <dgm:txLinClrLst/>
-    <dgm:txFillClrLst/>
-    <dgm:txEffectClrLst/>
-  </dgm:styleLbl>
-  <dgm:styleLbl name="fgImgPlace1">
-    <dgm:fillClrLst meth="repeat">
-      <a:schemeClr val="accent1">
-        <a:tint val="50000"/>
-      </a:schemeClr>
-    </dgm:fillClrLst>
-    <dgm:linClrLst meth="repeat">
-      <a:schemeClr val="lt1"/>
-    </dgm:linClrLst>
-    <dgm:effectClrLst/>
-    <dgm:txLinClrLst/>
-    <dgm:txFillClrLst meth="repeat">
-      <a:schemeClr val="lt1"/>
-    </dgm:txFillClrLst>
-    <dgm:txEffectClrLst/>
-  </dgm:styleLbl>
-  <dgm:styleLbl name="alignImgPlace1">
-    <dgm:fillClrLst meth="repeat">
-      <a:schemeClr val="accent1">
-        <a:tint val="50000"/>
-      </a:schemeClr>
-    </dgm:fillClrLst>
-    <dgm:linClrLst meth="repeat">
-      <a:schemeClr val="lt1"/>
-    </dgm:linClrLst>
-    <dgm:effectClrLst/>
-    <dgm:txLinClrLst/>
-    <dgm:txFillClrLst meth="repeat">
-      <a:schemeClr val="lt1"/>
-    </dgm:txFillClrLst>
-    <dgm:txEffectClrLst/>
-  </dgm:styleLbl>
-  <dgm:styleLbl name="bgImgPlace1">
-    <dgm:fillClrLst meth="repeat">
-      <a:schemeClr val="accent1">
-        <a:tint val="50000"/>
-      </a:schemeClr>
-    </dgm:fillClrLst>
-    <dgm:linClrLst meth="repeat">
-      <a:schemeClr val="lt1"/>
-    </dgm:linClrLst>
-    <dgm:effectClrLst/>
-    <dgm:txLinClrLst/>
-    <dgm:txFillClrLst meth="repeat">
-      <a:schemeClr val="lt1"/>
-    </dgm:txFillClrLst>
-    <dgm:txEffectClrLst/>
-  </dgm:styleLbl>
-  <dgm:styleLbl name="sibTrans2D1">
-    <dgm:fillClrLst meth="repeat">
-      <a:schemeClr val="accent1">
-        <a:tint val="60000"/>
-      </a:schemeClr>
-    </dgm:fillClrLst>
-    <dgm:linClrLst meth="repeat">
-      <a:schemeClr val="accent1">
-        <a:tint val="60000"/>
-      </a:schemeClr>
-    </dgm:linClrLst>
-    <dgm:effectClrLst/>
-    <dgm:txLinClrLst/>
-    <dgm:txFillClrLst/>
-    <dgm:txEffectClrLst/>
-  </dgm:styleLbl>
-  <dgm:styleLbl name="fgSibTrans2D1">
-    <dgm:fillClrLst meth="repeat">
-      <a:schemeClr val="accent1">
-        <a:tint val="60000"/>
-      </a:schemeClr>
-    </dgm:fillClrLst>
-    <dgm:linClrLst meth="repeat">
-      <a:schemeClr val="accent1">
-        <a:tint val="60000"/>
-      </a:schemeClr>
-    </dgm:linClrLst>
-    <dgm:effectClrLst/>
-    <dgm:txLinClrLst/>
-    <dgm:txFillClrLst/>
-    <dgm:txEffectClrLst/>
-  </dgm:styleLbl>
-  <dgm:styleLbl name="bgSibTrans2D1">
-    <dgm:fillClrLst meth="repeat">
-      <a:schemeClr val="accent1">
-        <a:tint val="60000"/>
-      </a:schemeClr>
-    </dgm:fillClrLst>
-    <dgm:linClrLst meth="repeat">
-      <a:schemeClr val="accent1">
-        <a:tint val="60000"/>
-      </a:schemeClr>
-    </dgm:linClrLst>
-    <dgm:effectClrLst/>
-    <dgm:txLinClrLst/>
-    <dgm:txFillClrLst/>
-    <dgm:txEffectClrLst/>
-  </dgm:styleLbl>
-  <dgm:styleLbl name="sibTrans1D1">
-    <dgm:fillClrLst meth="repeat">
-      <a:schemeClr val="accent1"/>
-    </dgm:fillClrLst>
-    <dgm:linClrLst meth="repeat">
-      <a:schemeClr val="accent1"/>
-    </dgm:linClrLst>
-    <dgm:effectClrLst/>
-    <dgm:txLinClrLst/>
-    <dgm:txFillClrLst meth="repeat">
-      <a:schemeClr val="tx1"/>
-    </dgm:txFillClrLst>
-    <dgm:txEffectClrLst/>
-  </dgm:styleLbl>
-  <dgm:styleLbl name="callout">
-    <dgm:fillClrLst meth="repeat">
-      <a:schemeClr val="accent1"/>
-    </dgm:fillClrLst>
-    <dgm:linClrLst meth="repeat">
-      <a:schemeClr val="accent1">
-        <a:tint val="50000"/>
-      </a:schemeClr>
-    </dgm:linClrLst>
-    <dgm:effectClrLst/>
-    <dgm:txLinClrLst/>
-    <dgm:txFillClrLst meth="repeat">
-      <a:schemeClr val="tx1"/>
-    </dgm:txFillClrLst>
-    <dgm:txEffectClrLst/>
-  </dgm:styleLbl>
-  <dgm:styleLbl name="asst0">
-    <dgm:fillClrLst meth="repeat">
-      <a:schemeClr val="accent1"/>
-    </dgm:fillClrLst>
-    <dgm:linClrLst meth="repeat">
-      <a:schemeClr val="lt1"/>
-    </dgm:linClrLst>
-    <dgm:effectClrLst/>
-    <dgm:txLinClrLst/>
-    <dgm:txFillClrLst/>
-    <dgm:txEffectClrLst/>
-  </dgm:styleLbl>
-  <dgm:styleLbl name="asst1">
-    <dgm:fillClrLst meth="repeat">
-      <a:schemeClr val="accent1"/>
-    </dgm:fillClrLst>
-    <dgm:linClrLst meth="repeat">
-      <a:schemeClr val="lt1"/>
-    </dgm:linClrLst>
-    <dgm:effectClrLst/>
-    <dgm:txLinClrLst/>
-    <dgm:txFillClrLst/>
-    <dgm:txEffectClrLst/>
-  </dgm:styleLbl>
-  <dgm:styleLbl name="asst2">
-    <dgm:fillClrLst meth="repeat">
-      <a:schemeClr val="accent1"/>
-    </dgm:fillClrLst>
-    <dgm:linClrLst meth="repeat">
-      <a:schemeClr val="lt1"/>
-    </dgm:linClrLst>
-    <dgm:effectClrLst/>
-    <dgm:txLinClrLst/>
-    <dgm:txFillClrLst/>
-    <dgm:txEffectClrLst/>
-  </dgm:styleLbl>
-  <dgm:styleLbl name="asst3">
-    <dgm:fillClrLst meth="repeat">
-      <a:schemeClr val="accent1"/>
-    </dgm:fillClrLst>
-    <dgm:linClrLst meth="repeat">
-      <a:schemeClr val="lt1"/>
-    </dgm:linClrLst>
-    <dgm:effectClrLst/>
-    <dgm:txLinClrLst/>
-    <dgm:txFillClrLst/>
-    <dgm:txEffectClrLst/>
-  </dgm:styleLbl>
-  <dgm:styleLbl name="asst4">
-    <dgm:fillClrLst meth="repeat">
-      <a:schemeClr val="accent1"/>
-    </dgm:fillClrLst>
-    <dgm:linClrLst meth="repeat">
-      <a:schemeClr val="lt1"/>
-    </dgm:linClrLst>
-    <dgm:effectClrLst/>
-    <dgm:txLinClrLst/>
-    <dgm:txFillClrLst/>
-    <dgm:txEffectClrLst/>
-  </dgm:styleLbl>
-  <dgm:styleLbl name="parChTrans2D1">
-    <dgm:fillClrLst meth="repeat">
-      <a:schemeClr val="accent1">
-        <a:tint val="60000"/>
-      </a:schemeClr>
-    </dgm:fillClrLst>
-    <dgm:linClrLst meth="repeat">
-      <a:schemeClr val="accent1">
-        <a:tint val="60000"/>
-      </a:schemeClr>
-    </dgm:linClrLst>
-    <dgm:effectClrLst/>
-    <dgm:txLinClrLst/>
-    <dgm:txFillClrLst meth="repeat">
-      <a:schemeClr val="lt1"/>
-    </dgm:txFillClrLst>
-    <dgm:txEffectClrLst/>
-  </dgm:styleLbl>
-  <dgm:styleLbl name="parChTrans2D2">
-    <dgm:fillClrLst meth="repeat">
-      <a:schemeClr val="accent1"/>
-    </dgm:fillClrLst>
-    <dgm:linClrLst meth="repeat">
-      <a:schemeClr val="accent1"/>
-    </dgm:linClrLst>
-    <dgm:effectClrLst/>
-    <dgm:txLinClrLst/>
-    <dgm:txFillClrLst meth="repeat">
-      <a:schemeClr val="lt1"/>
-    </dgm:txFillClrLst>
-    <dgm:txEffectClrLst/>
-  </dgm:styleLbl>
-  <dgm:styleLbl name="parChTrans2D3">
-    <dgm:fillClrLst meth="repeat">
-      <a:schemeClr val="accent1"/>
-    </dgm:fillClrLst>
-    <dgm:linClrLst meth="repeat">
-      <a:schemeClr val="accent1"/>
-    </dgm:linClrLst>
-    <dgm:effectClrLst/>
-    <dgm:txLinClrLst/>
-    <dgm:txFillClrLst meth="repeat">
-      <a:schemeClr val="lt1"/>
-    </dgm:txFillClrLst>
-    <dgm:txEffectClrLst/>
-  </dgm:styleLbl>
-  <dgm:styleLbl name="parChTrans2D4">
-    <dgm:fillClrLst meth="repeat">
-      <a:schemeClr val="accent1"/>
-    </dgm:fillClrLst>
-    <dgm:linClrLst meth="repeat">
-      <a:schemeClr val="accent1"/>
-    </dgm:linClrLst>
-    <dgm:effectClrLst/>
-    <dgm:txLinClrLst/>
-    <dgm:txFillClrLst meth="repeat">
-      <a:schemeClr val="lt1"/>
-    </dgm:txFillClrLst>
-    <dgm:txEffectClrLst/>
-  </dgm:styleLbl>
-  <dgm:styleLbl name="parChTrans1D1">
-    <dgm:fillClrLst meth="repeat">
-      <a:schemeClr val="accent1"/>
-    </dgm:fillClrLst>
-    <dgm:linClrLst meth="repeat">
-      <a:schemeClr val="accent1">
-        <a:shade val="60000"/>
-      </a:schemeClr>
-    </dgm:linClrLst>
-    <dgm:effectClrLst/>
-    <dgm:txLinClrLst/>
-    <dgm:txFillClrLst meth="repeat">
-      <a:schemeClr val="tx1"/>
-    </dgm:txFillClrLst>
-    <dgm:txEffectClrLst/>
-  </dgm:styleLbl>
-  <dgm:styleLbl name="parChTrans1D2">
-    <dgm:fillClrLst meth="repeat">
-      <a:schemeClr val="accent1"/>
-    </dgm:fillClrLst>
-    <dgm:linClrLst meth="repeat">
-      <a:schemeClr val="accent1">
-        <a:shade val="60000"/>
-      </a:schemeClr>
-    </dgm:linClrLst>
-    <dgm:effectClrLst/>
-    <dgm:txLinClrLst/>
-    <dgm:txFillClrLst meth="repeat">
-      <a:schemeClr val="tx1"/>
-    </dgm:txFillClrLst>
-    <dgm:txEffectClrLst/>
-  </dgm:styleLbl>
-  <dgm:styleLbl name="parChTrans1D3">
-    <dgm:fillClrLst meth="repeat">
-      <a:schemeClr val="accent1"/>
-    </dgm:fillClrLst>
-    <dgm:linClrLst meth="repeat">
-      <a:schemeClr val="accent1">
-        <a:shade val="80000"/>
-      </a:schemeClr>
-    </dgm:linClrLst>
-    <dgm:effectClrLst/>
-    <dgm:txLinClrLst/>
-    <dgm:txFillClrLst meth="repeat">
-      <a:schemeClr val="tx1"/>
-    </dgm:txFillClrLst>
-    <dgm:txEffectClrLst/>
-  </dgm:styleLbl>
-  <dgm:styleLbl name="parChTrans1D4">
-    <dgm:fillClrLst meth="repeat">
-      <a:schemeClr val="accent1"/>
-    </dgm:fillClrLst>
-    <dgm:linClrLst meth="repeat">
-      <a:schemeClr val="accent1">
-        <a:shade val="80000"/>
-      </a:schemeClr>
-    </dgm:linClrLst>
-    <dgm:effectClrLst/>
-    <dgm:txLinClrLst/>
-    <dgm:txFillClrLst meth="repeat">
-      <a:schemeClr val="tx1"/>
-    </dgm:txFillClrLst>
-    <dgm:txEffectClrLst/>
-  </dgm:styleLbl>
-  <dgm:styleLbl name="fgAcc1">
-    <dgm:fillClrLst meth="repeat">
-      <a:schemeClr val="lt1">
-        <a:alpha val="90000"/>
-      </a:schemeClr>
-    </dgm:fillClrLst>
-    <dgm:linClrLst meth="repeat">
-      <a:schemeClr val="accent1"/>
-    </dgm:linClrLst>
-    <dgm:effectClrLst/>
-    <dgm:txLinClrLst/>
-    <dgm:txFillClrLst meth="repeat">
-      <a:schemeClr val="dk1"/>
-    </dgm:txFillClrLst>
-    <dgm:txEffectClrLst/>
-  </dgm:styleLbl>
-  <dgm:styleLbl name="conFgAcc1">
-    <dgm:fillClrLst meth="repeat">
-      <a:schemeClr val="lt1">
-        <a:alpha val="90000"/>
-      </a:schemeClr>
-    </dgm:fillClrLst>
-    <dgm:linClrLst meth="repeat">
-      <a:schemeClr val="accent1"/>
-    </dgm:linClrLst>
-    <dgm:effectClrLst/>
-    <dgm:txLinClrLst/>
-    <dgm:txFillClrLst meth="repeat">
-      <a:schemeClr val="dk1"/>
-    </dgm:txFillClrLst>
-    <dgm:txEffectClrLst/>
-  </dgm:styleLbl>
-  <dgm:styleLbl name="alignAcc1">
-    <dgm:fillClrLst meth="repeat">
-      <a:schemeClr val="lt1">
-        <a:alpha val="90000"/>
-      </a:schemeClr>
-    </dgm:fillClrLst>
-    <dgm:linClrLst meth="repeat">
-      <a:schemeClr val="accent1"/>
-    </dgm:linClrLst>
-    <dgm:effectClrLst/>
-    <dgm:txLinClrLst/>
-    <dgm:txFillClrLst meth="repeat">
-      <a:schemeClr val="dk1"/>
-    </dgm:txFillClrLst>
-    <dgm:txEffectClrLst/>
-  </dgm:styleLbl>
-  <dgm:styleLbl name="trAlignAcc1">
-    <dgm:fillClrLst meth="repeat">
-      <a:schemeClr val="lt1">
-        <a:alpha val="40000"/>
-      </a:schemeClr>
-    </dgm:fillClrLst>
-    <dgm:linClrLst meth="repeat">
-      <a:schemeClr val="accent1"/>
-    </dgm:linClrLst>
-    <dgm:effectClrLst/>
-    <dgm:txLinClrLst/>
-    <dgm:txFillClrLst meth="repeat">
-      <a:schemeClr val="dk1"/>
-    </dgm:txFillClrLst>
-    <dgm:txEffectClrLst/>
-  </dgm:styleLbl>
-  <dgm:styleLbl name="bgAcc1">
-    <dgm:fillClrLst meth="repeat">
-      <a:schemeClr val="lt1">
-        <a:alpha val="90000"/>
-      </a:schemeClr>
-    </dgm:fillClrLst>
-    <dgm:linClrLst meth="repeat">
-      <a:schemeClr val="accent1"/>
-    </dgm:linClrLst>
-    <dgm:effectClrLst/>
-    <dgm:txLinClrLst/>
-    <dgm:txFillClrLst meth="repeat">
-      <a:schemeClr val="dk1"/>
-    </dgm:txFillClrLst>
-    <dgm:txEffectClrLst/>
-  </dgm:styleLbl>
-  <dgm:styleLbl name="solidFgAcc1">
-    <dgm:fillClrLst meth="repeat">
-      <a:schemeClr val="lt1"/>
-    </dgm:fillClrLst>
-    <dgm:linClrLst meth="repeat">
-      <a:schemeClr val="accent1"/>
-    </dgm:linClrLst>
-    <dgm:effectClrLst/>
-    <dgm:txLinClrLst/>
-    <dgm:txFillClrLst meth="repeat">
-      <a:schemeClr val="dk1"/>
-    </dgm:txFillClrLst>
-    <dgm:txEffectClrLst/>
-  </dgm:styleLbl>
-  <dgm:styleLbl name="solidAlignAcc1">
-    <dgm:fillClrLst meth="repeat">
-      <a:schemeClr val="lt1"/>
-    </dgm:fillClrLst>
-    <dgm:linClrLst meth="repeat">
-      <a:schemeClr val="accent1"/>
-    </dgm:linClrLst>
-    <dgm:effectClrLst/>
-    <dgm:txLinClrLst/>
-    <dgm:txFillClrLst meth="repeat">
-      <a:schemeClr val="dk1"/>
-    </dgm:txFillClrLst>
-    <dgm:txEffectClrLst/>
-  </dgm:styleLbl>
-  <dgm:styleLbl name="solidBgAcc1">
-    <dgm:fillClrLst meth="repeat">
-      <a:schemeClr val="lt1"/>
-    </dgm:fillClrLst>
-    <dgm:linClrLst meth="repeat">
-      <a:schemeClr val="accent1"/>
-    </dgm:linClrLst>
-    <dgm:effectClrLst/>
-    <dgm:txLinClrLst/>
-    <dgm:txFillClrLst meth="repeat">
-      <a:schemeClr val="dk1"/>
-    </dgm:txFillClrLst>
-    <dgm:txEffectClrLst/>
-  </dgm:styleLbl>
-  <dgm:styleLbl name="fgAccFollowNode1">
-    <dgm:fillClrLst meth="repeat">
-      <a:schemeClr val="accent1">
-        <a:alpha val="90000"/>
-        <a:tint val="40000"/>
-      </a:schemeClr>
-    </dgm:fillClrLst>
-    <dgm:linClrLst meth="repeat">
-      <a:schemeClr val="accent1">
-        <a:alpha val="90000"/>
-        <a:tint val="40000"/>
-      </a:schemeClr>
-    </dgm:linClrLst>
-    <dgm:effectClrLst/>
-    <dgm:txLinClrLst/>
-    <dgm:txFillClrLst meth="repeat">
-      <a:schemeClr val="dk1"/>
-    </dgm:txFillClrLst>
-    <dgm:txEffectClrLst/>
-  </dgm:styleLbl>
-  <dgm:styleLbl name="alignAccFollowNode1">
-    <dgm:fillClrLst meth="repeat">
-      <a:schemeClr val="accent1">
-        <a:alpha val="90000"/>
-        <a:tint val="40000"/>
-      </a:schemeClr>
-    </dgm:fillClrLst>
-    <dgm:linClrLst meth="repeat">
-      <a:schemeClr val="accent1">
-        <a:alpha val="90000"/>
-        <a:tint val="40000"/>
-      </a:schemeClr>
-    </dgm:linClrLst>
-    <dgm:effectClrLst/>
-    <dgm:txLinClrLst/>
-    <dgm:txFillClrLst meth="repeat">
-      <a:schemeClr val="dk1"/>
-    </dgm:txFillClrLst>
-    <dgm:txEffectClrLst/>
-  </dgm:styleLbl>
-  <dgm:styleLbl name="bgAccFollowNode1">
-    <dgm:fillClrLst meth="repeat">
-      <a:schemeClr val="accent1">
-        <a:alpha val="90000"/>
-        <a:tint val="40000"/>
-      </a:schemeClr>
-    </dgm:fillClrLst>
-    <dgm:linClrLst meth="repeat">
-      <a:schemeClr val="accent1">
-        <a:alpha val="90000"/>
-        <a:tint val="40000"/>
-      </a:schemeClr>
-    </dgm:linClrLst>
-    <dgm:effectClrLst/>
-    <dgm:txLinClrLst/>
-    <dgm:txFillClrLst meth="repeat">
-      <a:schemeClr val="dk1"/>
-    </dgm:txFillClrLst>
-    <dgm:txEffectClrLst/>
-  </dgm:styleLbl>
-  <dgm:styleLbl name="fgAcc0">
-    <dgm:fillClrLst meth="repeat">
-      <a:schemeClr val="lt1">
-        <a:alpha val="90000"/>
-      </a:schemeClr>
-    </dgm:fillClrLst>
-    <dgm:linClrLst meth="repeat">
-      <a:schemeClr val="accent1"/>
-    </dgm:linClrLst>
-    <dgm:effectClrLst/>
-    <dgm:txLinClrLst/>
-    <dgm:txFillClrLst meth="repeat">
-      <a:schemeClr val="dk1"/>
-    </dgm:txFillClrLst>
-    <dgm:txEffectClrLst/>
-  </dgm:styleLbl>
-  <dgm:styleLbl name="fgAcc2">
-    <dgm:fillClrLst meth="repeat">
-      <a:schemeClr val="lt1">
-        <a:alpha val="90000"/>
-      </a:schemeClr>
-    </dgm:fillClrLst>
-    <dgm:linClrLst meth="repeat">
-      <a:schemeClr val="accent1"/>
-    </dgm:linClrLst>
-    <dgm:effectClrLst/>
-    <dgm:txLinClrLst/>
-    <dgm:txFillClrLst meth="repeat">
-      <a:schemeClr val="dk1"/>
-    </dgm:txFillClrLst>
-    <dgm:txEffectClrLst/>
-  </dgm:styleLbl>
-  <dgm:styleLbl name="fgAcc3">
-    <dgm:fillClrLst meth="repeat">
-      <a:schemeClr val="lt1">
-        <a:alpha val="90000"/>
-      </a:schemeClr>
-    </dgm:fillClrLst>
-    <dgm:linClrLst meth="repeat">
-      <a:schemeClr val="accent1"/>
-    </dgm:linClrLst>
-    <dgm:effectClrLst/>
-    <dgm:txLinClrLst/>
-    <dgm:txFillClrLst meth="repeat">
-      <a:schemeClr val="dk1"/>
-    </dgm:txFillClrLst>
-    <dgm:txEffectClrLst/>
-  </dgm:styleLbl>
-  <dgm:styleLbl name="fgAcc4">
-    <dgm:fillClrLst meth="repeat">
-      <a:schemeClr val="lt1">
-        <a:alpha val="90000"/>
-      </a:schemeClr>
-    </dgm:fillClrLst>
-    <dgm:linClrLst meth="repeat">
-      <a:schemeClr val="accent1"/>
-    </dgm:linClrLst>
-    <dgm:effectClrLst/>
-    <dgm:txLinClrLst/>
-    <dgm:txFillClrLst meth="repeat">
-      <a:schemeClr val="dk1"/>
-    </dgm:txFillClrLst>
-    <dgm:txEffectClrLst/>
-  </dgm:styleLbl>
-  <dgm:styleLbl name="bgShp">
-    <dgm:fillClrLst meth="repeat">
-      <a:schemeClr val="accent1">
-        <a:tint val="40000"/>
-      </a:schemeClr>
-    </dgm:fillClrLst>
-    <dgm:linClrLst meth="repeat">
-      <a:schemeClr val="accent1"/>
-    </dgm:linClrLst>
-    <dgm:effectClrLst/>
-    <dgm:txLinClrLst/>
-    <dgm:txFillClrLst meth="repeat">
-      <a:schemeClr val="dk1"/>
-    </dgm:txFillClrLst>
-    <dgm:txEffectClrLst/>
-  </dgm:styleLbl>
-  <dgm:styleLbl name="dkBgShp">
-    <dgm:fillClrLst meth="repeat">
-      <a:schemeClr val="accent1">
-        <a:shade val="80000"/>
-      </a:schemeClr>
-    </dgm:fillClrLst>
-    <dgm:linClrLst meth="repeat">
-      <a:schemeClr val="accent1"/>
-    </dgm:linClrLst>
-    <dgm:effectClrLst/>
-    <dgm:txLinClrLst/>
-    <dgm:txFillClrLst meth="repeat">
-      <a:schemeClr val="lt1"/>
-    </dgm:txFillClrLst>
-    <dgm:txEffectClrLst/>
-  </dgm:styleLbl>
-  <dgm:styleLbl name="trBgShp">
-    <dgm:fillClrLst meth="repeat">
-      <a:schemeClr val="accent1">
-        <a:tint val="50000"/>
-        <a:alpha val="40000"/>
-      </a:schemeClr>
-    </dgm:fillClrLst>
-    <dgm:linClrLst meth="repeat">
-      <a:schemeClr val="accent1"/>
-    </dgm:linClrLst>
-    <dgm:effectClrLst/>
-    <dgm:txLinClrLst/>
-    <dgm:txFillClrLst meth="repeat">
-      <a:schemeClr val="lt1"/>
-    </dgm:txFillClrLst>
-    <dgm:txEffectClrLst/>
-  </dgm:styleLbl>
-  <dgm:styleLbl name="fgShp">
-    <dgm:fillClrLst meth="repeat">
-      <a:schemeClr val="accent1">
-        <a:tint val="60000"/>
-      </a:schemeClr>
-    </dgm:fillClrLst>
-    <dgm:linClrLst meth="repeat">
-      <a:schemeClr val="lt1"/>
-    </dgm:linClrLst>
-    <dgm:effectClrLst/>
-    <dgm:txLinClrLst/>
-    <dgm:txFillClrLst meth="repeat">
-      <a:schemeClr val="dk1"/>
-    </dgm:txFillClrLst>
-    <dgm:txEffectClrLst/>
-  </dgm:styleLbl>
-  <dgm:styleLbl name="revTx">
-    <dgm:fillClrLst meth="repeat">
-      <a:schemeClr val="lt1">
-        <a:alpha val="0"/>
-      </a:schemeClr>
-    </dgm:fillClrLst>
-    <dgm:linClrLst meth="repeat">
-      <a:schemeClr val="dk1">
-        <a:alpha val="0"/>
-      </a:schemeClr>
-    </dgm:linClrLst>
-    <dgm:effectClrLst/>
-    <dgm:txLinClrLst/>
-    <dgm:txFillClrLst meth="repeat">
-      <a:schemeClr val="tx1"/>
-    </dgm:txFillClrLst>
-    <dgm:txEffectClrLst/>
-  </dgm:styleLbl>
-</dgm:colorsDef>
-</file>
-
 <file path=ppt/diagrams/data1.xml><?xml version="1.0" encoding="utf-8"?>
-<dgm:dataModel xmlns:dgm="http://schemas.openxmlformats.org/drawingml/2006/diagram" xmlns:a="http://schemas.openxmlformats.org/drawingml/2006/main">
-  <dgm:ptLst>
-    <dgm:pt modelId="{95F2ED46-3EAD-4F47-A11C-81FB3102CCCA}" type="doc">
-      <dgm:prSet loTypeId="urn:microsoft.com/office/officeart/2005/8/layout/hierarchy6" loCatId="hierarchy" qsTypeId="urn:microsoft.com/office/officeart/2005/8/quickstyle/simple1" qsCatId="simple" csTypeId="urn:microsoft.com/office/officeart/2005/8/colors/accent1_2" csCatId="accent1" phldr="1"/>
-      <dgm:spPr/>
-      <dgm:t>
-        <a:bodyPr/>
-        <a:lstStyle/>
-        <a:p>
-          <a:endParaRPr lang="en-US"/>
-        </a:p>
-      </dgm:t>
-    </dgm:pt>
-    <dgm:pt modelId="{5AB1FED7-A684-4A5B-8B24-6B6F70FEC70F}">
-      <dgm:prSet phldrT="[Text]"/>
-      <dgm:spPr/>
-      <dgm:t>
-        <a:bodyPr/>
-        <a:lstStyle/>
-        <a:p>
-          <a:r>
-            <a:rPr lang="en-US" noProof="0" dirty="0"/>
-            <a:t>Pos System</a:t>
-          </a:r>
-        </a:p>
-      </dgm:t>
-    </dgm:pt>
-    <dgm:pt modelId="{3D5B4A14-BFDE-4AC5-AA96-211507BBE006}" type="parTrans" cxnId="{A6AA44D2-8723-445A-B1A2-5F098723D81B}">
-      <dgm:prSet/>
-      <dgm:spPr/>
-      <dgm:t>
-        <a:bodyPr/>
-        <a:lstStyle/>
-        <a:p>
-          <a:endParaRPr lang="en-US"/>
-        </a:p>
-      </dgm:t>
-    </dgm:pt>
-    <dgm:pt modelId="{D84524BE-72C8-4EF7-9FB9-363763A2F363}" type="sibTrans" cxnId="{A6AA44D2-8723-445A-B1A2-5F098723D81B}">
-      <dgm:prSet/>
-      <dgm:spPr/>
-      <dgm:t>
-        <a:bodyPr/>
-        <a:lstStyle/>
-        <a:p>
-          <a:endParaRPr lang="en-US"/>
-        </a:p>
-      </dgm:t>
-    </dgm:pt>
-    <dgm:pt modelId="{B18C206A-E65F-4357-9A21-BAE600E08067}">
-      <dgm:prSet phldrT="[Text]"/>
-      <dgm:spPr/>
-      <dgm:t>
-        <a:bodyPr/>
-        <a:lstStyle/>
-        <a:p>
-          <a:r>
-            <a:rPr lang="en-US" noProof="0" dirty="0"/>
-            <a:t>Dealer 1</a:t>
-          </a:r>
-        </a:p>
-      </dgm:t>
-    </dgm:pt>
-    <dgm:pt modelId="{9D4B5DBD-CB9C-4FB4-AAA6-979D46D6684A}" type="parTrans" cxnId="{C4500742-DF8F-4517-8A5F-102B00E77012}">
-      <dgm:prSet/>
-      <dgm:spPr/>
-      <dgm:t>
-        <a:bodyPr/>
-        <a:lstStyle/>
-        <a:p>
-          <a:endParaRPr lang="en-US" noProof="0" dirty="0"/>
-        </a:p>
-      </dgm:t>
-    </dgm:pt>
-    <dgm:pt modelId="{E794E13D-5DE6-4B79-9264-999E14EA6263}" type="sibTrans" cxnId="{C4500742-DF8F-4517-8A5F-102B00E77012}">
-      <dgm:prSet/>
-      <dgm:spPr/>
-      <dgm:t>
-        <a:bodyPr/>
-        <a:lstStyle/>
-        <a:p>
-          <a:endParaRPr lang="en-US"/>
-        </a:p>
-      </dgm:t>
-    </dgm:pt>
-    <dgm:pt modelId="{9E07314B-9A62-4299-9E8A-584F2F7C5059}">
-      <dgm:prSet phldrT="[Text]"/>
-      <dgm:spPr/>
-      <dgm:t>
-        <a:bodyPr/>
-        <a:lstStyle/>
-        <a:p>
-          <a:r>
-            <a:rPr lang="en-US" noProof="0" dirty="0"/>
-            <a:t>Operator 1</a:t>
-          </a:r>
-        </a:p>
-      </dgm:t>
-    </dgm:pt>
-    <dgm:pt modelId="{0DF6DED7-5192-46F3-976D-838BE73AB713}" type="parTrans" cxnId="{8D998158-EBD4-42F5-98E1-A69E9366D652}">
-      <dgm:prSet/>
-      <dgm:spPr/>
-      <dgm:t>
-        <a:bodyPr/>
-        <a:lstStyle/>
-        <a:p>
-          <a:endParaRPr lang="en-US" noProof="0" dirty="0"/>
-        </a:p>
-      </dgm:t>
-    </dgm:pt>
-    <dgm:pt modelId="{CD6597A3-3B31-45D5-9876-15EB6DDE0B1B}" type="sibTrans" cxnId="{8D998158-EBD4-42F5-98E1-A69E9366D652}">
-      <dgm:prSet/>
-      <dgm:spPr/>
-      <dgm:t>
-        <a:bodyPr/>
-        <a:lstStyle/>
-        <a:p>
-          <a:endParaRPr lang="en-US"/>
-        </a:p>
-      </dgm:t>
-    </dgm:pt>
-    <dgm:pt modelId="{507D00CA-35C4-416C-A8AC-C71B5C468C96}">
-      <dgm:prSet phldrT="[Text]"/>
-      <dgm:spPr/>
-      <dgm:t>
-        <a:bodyPr/>
-        <a:lstStyle/>
-        <a:p>
-          <a:r>
-            <a:rPr lang="en-US" noProof="0" dirty="0"/>
-            <a:t>Operator 2</a:t>
-          </a:r>
-        </a:p>
-      </dgm:t>
-    </dgm:pt>
-    <dgm:pt modelId="{50DDEC0C-6225-49E4-9435-2892A959F271}" type="parTrans" cxnId="{4220A49C-03E2-4145-AAD7-FA6F074A93D6}">
-      <dgm:prSet/>
-      <dgm:spPr/>
-      <dgm:t>
-        <a:bodyPr/>
-        <a:lstStyle/>
-        <a:p>
-          <a:endParaRPr lang="en-US" noProof="0" dirty="0"/>
-        </a:p>
-      </dgm:t>
-    </dgm:pt>
-    <dgm:pt modelId="{58EF5F35-EB00-493B-A24A-3B4F83CDD588}" type="sibTrans" cxnId="{4220A49C-03E2-4145-AAD7-FA6F074A93D6}">
-      <dgm:prSet/>
-      <dgm:spPr/>
-      <dgm:t>
-        <a:bodyPr/>
-        <a:lstStyle/>
-        <a:p>
-          <a:endParaRPr lang="en-US"/>
-        </a:p>
-      </dgm:t>
-    </dgm:pt>
-    <dgm:pt modelId="{D0D91676-B0F9-429A-85B7-A4A18DF2BB37}">
-      <dgm:prSet phldrT="[Text]"/>
-      <dgm:spPr/>
-      <dgm:t>
-        <a:bodyPr/>
-        <a:lstStyle/>
-        <a:p>
-          <a:r>
-            <a:rPr lang="en-US" noProof="0" dirty="0"/>
-            <a:t>Dealer 2</a:t>
-          </a:r>
-        </a:p>
-      </dgm:t>
-    </dgm:pt>
-    <dgm:pt modelId="{26127BF6-3D13-4828-AFE0-E15425FA8684}" type="parTrans" cxnId="{88EBF330-6F30-4914-87D3-A7B4EB21211D}">
-      <dgm:prSet/>
-      <dgm:spPr/>
-      <dgm:t>
-        <a:bodyPr/>
-        <a:lstStyle/>
-        <a:p>
-          <a:endParaRPr lang="en-US" noProof="0" dirty="0"/>
-        </a:p>
-      </dgm:t>
-    </dgm:pt>
-    <dgm:pt modelId="{7AD784FA-959A-4DFB-A638-74C8AB7F811C}" type="sibTrans" cxnId="{88EBF330-6F30-4914-87D3-A7B4EB21211D}">
-      <dgm:prSet/>
-      <dgm:spPr/>
-      <dgm:t>
-        <a:bodyPr/>
-        <a:lstStyle/>
-        <a:p>
-          <a:endParaRPr lang="en-US"/>
-        </a:p>
-      </dgm:t>
-    </dgm:pt>
-    <dgm:pt modelId="{0D9F98DC-57D5-4723-A394-8CDC6BF75DF0}">
-      <dgm:prSet phldrT="[Text]"/>
-      <dgm:spPr/>
-      <dgm:t>
-        <a:bodyPr/>
-        <a:lstStyle/>
-        <a:p>
-          <a:r>
-            <a:rPr lang="en-US" noProof="0" dirty="0"/>
-            <a:t>Operator 3</a:t>
-          </a:r>
-        </a:p>
-      </dgm:t>
-    </dgm:pt>
-    <dgm:pt modelId="{75E9BAA1-7697-41F9-9D69-D44BBB192BF4}" type="parTrans" cxnId="{E95FDE10-C55F-460A-965E-94DB8241EA62}">
-      <dgm:prSet/>
-      <dgm:spPr/>
-      <dgm:t>
-        <a:bodyPr/>
-        <a:lstStyle/>
-        <a:p>
-          <a:endParaRPr lang="en-US" noProof="0" dirty="0"/>
-        </a:p>
-      </dgm:t>
-    </dgm:pt>
-    <dgm:pt modelId="{B2C6817B-8D97-4758-86B4-7FBDA9CCD908}" type="sibTrans" cxnId="{E95FDE10-C55F-460A-965E-94DB8241EA62}">
-      <dgm:prSet/>
-      <dgm:spPr/>
-      <dgm:t>
-        <a:bodyPr/>
-        <a:lstStyle/>
-        <a:p>
-          <a:endParaRPr lang="en-US"/>
-        </a:p>
-      </dgm:t>
-    </dgm:pt>
-    <dgm:pt modelId="{BB083CF8-6273-46E7-BE3B-5DC61CFAA06F}">
-      <dgm:prSet phldrT="[Text]"/>
-      <dgm:spPr>
-        <a:solidFill>
-          <a:schemeClr val="accent1">
-            <a:lumMod val="20000"/>
-            <a:lumOff val="80000"/>
-          </a:schemeClr>
-        </a:solidFill>
-      </dgm:spPr>
-      <dgm:t>
-        <a:bodyPr/>
-        <a:lstStyle/>
-        <a:p>
-          <a:pPr algn="l"/>
-          <a:r>
-            <a:rPr lang="en-US" noProof="0" dirty="0"/>
-            <a:t>POS Creator</a:t>
-          </a:r>
-        </a:p>
-      </dgm:t>
-    </dgm:pt>
-    <dgm:pt modelId="{261B7F11-9211-448F-95DC-3AB369415B2E}" type="parTrans" cxnId="{D3228101-D367-4A6B-8E53-5E92E243551B}">
-      <dgm:prSet/>
-      <dgm:spPr/>
-      <dgm:t>
-        <a:bodyPr/>
-        <a:lstStyle/>
-        <a:p>
-          <a:endParaRPr lang="en-US"/>
-        </a:p>
-      </dgm:t>
-    </dgm:pt>
-    <dgm:pt modelId="{52F6A06D-1F44-4665-9DD3-C98F3565ECF7}" type="sibTrans" cxnId="{D3228101-D367-4A6B-8E53-5E92E243551B}">
-      <dgm:prSet/>
-      <dgm:spPr/>
-      <dgm:t>
-        <a:bodyPr/>
-        <a:lstStyle/>
-        <a:p>
-          <a:endParaRPr lang="en-US"/>
-        </a:p>
-      </dgm:t>
-    </dgm:pt>
-    <dgm:pt modelId="{0BF3FAA1-DCF8-4325-9623-5294C0B07C37}">
-      <dgm:prSet phldrT="[Text]"/>
-      <dgm:spPr>
-        <a:solidFill>
-          <a:schemeClr val="accent1">
-            <a:lumMod val="20000"/>
-            <a:lumOff val="80000"/>
-          </a:schemeClr>
-        </a:solidFill>
-      </dgm:spPr>
-      <dgm:t>
-        <a:bodyPr/>
-        <a:lstStyle/>
-        <a:p>
-          <a:pPr algn="l"/>
-          <a:r>
-            <a:rPr lang="en-US" noProof="0" dirty="0"/>
-            <a:t>POS Dealer</a:t>
-          </a:r>
-        </a:p>
-      </dgm:t>
-    </dgm:pt>
-    <dgm:pt modelId="{52BCC518-5CB5-48D8-BAF6-A66188048B9A}" type="parTrans" cxnId="{B4E588E7-9D9E-473D-BBDA-9B139B746E20}">
-      <dgm:prSet/>
-      <dgm:spPr/>
-      <dgm:t>
-        <a:bodyPr/>
-        <a:lstStyle/>
-        <a:p>
-          <a:endParaRPr lang="en-US"/>
-        </a:p>
-      </dgm:t>
-    </dgm:pt>
-    <dgm:pt modelId="{52391B16-91CA-4DB1-BD01-4BB5A28DC69C}" type="sibTrans" cxnId="{B4E588E7-9D9E-473D-BBDA-9B139B746E20}">
-      <dgm:prSet/>
-      <dgm:spPr/>
-      <dgm:t>
-        <a:bodyPr/>
-        <a:lstStyle/>
-        <a:p>
-          <a:endParaRPr lang="en-US"/>
-        </a:p>
-      </dgm:t>
-    </dgm:pt>
-    <dgm:pt modelId="{464C62C9-D11C-486A-9636-0478A4C24FD5}">
-      <dgm:prSet phldrT="[Text]"/>
-      <dgm:spPr>
-        <a:solidFill>
-          <a:schemeClr val="accent1">
-            <a:lumMod val="20000"/>
-            <a:lumOff val="80000"/>
-          </a:schemeClr>
-        </a:solidFill>
-      </dgm:spPr>
-      <dgm:t>
-        <a:bodyPr/>
-        <a:lstStyle/>
-        <a:p>
-          <a:pPr algn="l"/>
-          <a:r>
-            <a:rPr lang="en-US" noProof="0" dirty="0"/>
-            <a:t>POS Operator</a:t>
-          </a:r>
-        </a:p>
-      </dgm:t>
-    </dgm:pt>
-    <dgm:pt modelId="{787CA906-D853-4CE9-B09B-2E4EDAA16BE9}" type="parTrans" cxnId="{41CBC2F1-9BA6-48C3-B757-43ADF410DDA0}">
-      <dgm:prSet/>
-      <dgm:spPr/>
-      <dgm:t>
-        <a:bodyPr/>
-        <a:lstStyle/>
-        <a:p>
-          <a:endParaRPr lang="en-US"/>
-        </a:p>
-      </dgm:t>
-    </dgm:pt>
-    <dgm:pt modelId="{B3D21F76-CB59-4423-A7D9-B9F83D0EE3DD}" type="sibTrans" cxnId="{41CBC2F1-9BA6-48C3-B757-43ADF410DDA0}">
-      <dgm:prSet/>
-      <dgm:spPr/>
-      <dgm:t>
-        <a:bodyPr/>
-        <a:lstStyle/>
-        <a:p>
-          <a:endParaRPr lang="en-US"/>
-        </a:p>
-      </dgm:t>
-    </dgm:pt>
-    <dgm:pt modelId="{C7994BF7-B41E-4BA6-BF45-40E2C8B1E270}">
-      <dgm:prSet phldrT="[Text]"/>
-      <dgm:spPr/>
-      <dgm:t>
-        <a:bodyPr/>
-        <a:lstStyle/>
-        <a:p>
-          <a:r>
-            <a:rPr lang="en-US" noProof="0" dirty="0"/>
-            <a:t>Operator 4</a:t>
-          </a:r>
-        </a:p>
-      </dgm:t>
-    </dgm:pt>
-    <dgm:pt modelId="{86256DAC-6B50-48EE-8E6D-4682846CC9BA}" type="parTrans" cxnId="{87F4757F-0E90-4ACD-B1C0-B85D3802CE53}">
-      <dgm:prSet/>
-      <dgm:spPr/>
-      <dgm:t>
-        <a:bodyPr/>
-        <a:lstStyle/>
-        <a:p>
-          <a:endParaRPr lang="en-US" noProof="0" dirty="0"/>
-        </a:p>
-      </dgm:t>
-    </dgm:pt>
-    <dgm:pt modelId="{21EC5055-A5A1-4095-BEDD-2F6E73D56B80}" type="sibTrans" cxnId="{87F4757F-0E90-4ACD-B1C0-B85D3802CE53}">
-      <dgm:prSet/>
-      <dgm:spPr/>
-      <dgm:t>
-        <a:bodyPr/>
-        <a:lstStyle/>
-        <a:p>
-          <a:endParaRPr lang="en-US"/>
-        </a:p>
-      </dgm:t>
-    </dgm:pt>
-    <dgm:pt modelId="{3A2EE188-EEB4-4E77-BB51-A446A4332D34}">
-      <dgm:prSet phldrT="[Text]"/>
-      <dgm:spPr/>
-      <dgm:t>
-        <a:bodyPr/>
-        <a:lstStyle/>
-        <a:p>
-          <a:r>
-            <a:rPr lang="en-US" noProof="0" dirty="0"/>
-            <a:t>CashBox41</a:t>
-          </a:r>
-          <a:br>
-            <a:rPr lang="en-US" noProof="0" dirty="0"/>
-          </a:br>
-          <a:r>
-            <a:rPr lang="en-US" noProof="0" dirty="0"/>
-            <a:t> (a-trust TSTE)</a:t>
-          </a:r>
-        </a:p>
-      </dgm:t>
-    </dgm:pt>
-    <dgm:pt modelId="{A5B7A9E9-3757-43B8-BF1F-DEE0FC47105D}" type="parTrans" cxnId="{A7E3BFD4-85A6-4AC2-AABA-C11EE5654E33}">
-      <dgm:prSet/>
-      <dgm:spPr/>
-      <dgm:t>
-        <a:bodyPr/>
-        <a:lstStyle/>
-        <a:p>
-          <a:endParaRPr lang="en-US" noProof="0" dirty="0"/>
-        </a:p>
-      </dgm:t>
-    </dgm:pt>
-    <dgm:pt modelId="{3094ED83-203A-479A-B3A9-A88952199368}" type="sibTrans" cxnId="{A7E3BFD4-85A6-4AC2-AABA-C11EE5654E33}">
-      <dgm:prSet/>
-      <dgm:spPr/>
-      <dgm:t>
-        <a:bodyPr/>
-        <a:lstStyle/>
-        <a:p>
-          <a:endParaRPr lang="en-US"/>
-        </a:p>
-      </dgm:t>
-    </dgm:pt>
-    <dgm:pt modelId="{4685CF5A-6A16-4D76-893F-57E7DC1EF1E5}">
-      <dgm:prSet phldrT="[Text]"/>
-      <dgm:spPr/>
-      <dgm:t>
-        <a:bodyPr/>
-        <a:lstStyle/>
-        <a:p>
-          <a:r>
-            <a:rPr lang="en-US" noProof="0" dirty="0"/>
-            <a:t>CashBox11 (Swissbit TSE)</a:t>
-          </a:r>
-        </a:p>
-      </dgm:t>
-    </dgm:pt>
-    <dgm:pt modelId="{CC23981C-F92C-42AD-8DA4-AE4B7990CF7E}" type="parTrans" cxnId="{43958AAB-7298-4C0B-8420-B89E69B8159A}">
-      <dgm:prSet/>
-      <dgm:spPr/>
-      <dgm:t>
-        <a:bodyPr/>
-        <a:lstStyle/>
-        <a:p>
-          <a:endParaRPr lang="en-US" noProof="0" dirty="0"/>
-        </a:p>
-      </dgm:t>
-    </dgm:pt>
-    <dgm:pt modelId="{5130F7F8-20F8-4A5E-86CF-2C1D04151AEC}" type="sibTrans" cxnId="{43958AAB-7298-4C0B-8420-B89E69B8159A}">
-      <dgm:prSet/>
-      <dgm:spPr/>
-      <dgm:t>
-        <a:bodyPr/>
-        <a:lstStyle/>
-        <a:p>
-          <a:endParaRPr lang="en-US"/>
-        </a:p>
-      </dgm:t>
-    </dgm:pt>
-    <dgm:pt modelId="{8C6F7D70-ECF2-45C9-A96A-878E3721B892}">
-      <dgm:prSet phldrT="[Text]"/>
-      <dgm:spPr/>
-      <dgm:t>
-        <a:bodyPr/>
-        <a:lstStyle/>
-        <a:p>
-          <a:r>
-            <a:rPr lang="en-US" noProof="0" dirty="0"/>
-            <a:t>CashBox21</a:t>
-          </a:r>
-          <a:br>
-            <a:rPr lang="en-US" noProof="0" dirty="0"/>
-          </a:br>
-          <a:r>
-            <a:rPr lang="en-US" noProof="0" dirty="0"/>
-            <a:t>(Cryptovision TSE)</a:t>
-          </a:r>
-        </a:p>
-      </dgm:t>
-    </dgm:pt>
-    <dgm:pt modelId="{31B9B58C-F89D-4B88-A80E-50913EC35ABA}" type="parTrans" cxnId="{E226C31F-F458-445B-B8CC-70A2D8F4224F}">
-      <dgm:prSet/>
-      <dgm:spPr/>
-      <dgm:t>
-        <a:bodyPr/>
-        <a:lstStyle/>
-        <a:p>
-          <a:endParaRPr lang="en-US" noProof="0" dirty="0"/>
-        </a:p>
-      </dgm:t>
-    </dgm:pt>
-    <dgm:pt modelId="{F61901F5-C556-41EB-B988-9A78B3622536}" type="sibTrans" cxnId="{E226C31F-F458-445B-B8CC-70A2D8F4224F}">
-      <dgm:prSet/>
-      <dgm:spPr/>
-      <dgm:t>
-        <a:bodyPr/>
-        <a:lstStyle/>
-        <a:p>
-          <a:endParaRPr lang="en-US"/>
-        </a:p>
-      </dgm:t>
-    </dgm:pt>
-    <dgm:pt modelId="{063167D2-9902-43F0-8B5B-2CCBBEDBDC2A}">
-      <dgm:prSet phldrT="[Text]"/>
-      <dgm:spPr/>
-      <dgm:t>
-        <a:bodyPr/>
-        <a:lstStyle/>
-        <a:p>
-          <a:r>
-            <a:rPr lang="en-US" noProof="0" dirty="0"/>
-            <a:t>CashBox22</a:t>
-          </a:r>
-          <a:br>
-            <a:rPr lang="en-US" noProof="0" dirty="0"/>
-          </a:br>
-          <a:r>
-            <a:rPr lang="en-US" noProof="0" dirty="0"/>
-            <a:t>(Diebold-Nixdorf TSE)</a:t>
-          </a:r>
-        </a:p>
-      </dgm:t>
-    </dgm:pt>
-    <dgm:pt modelId="{A4A34996-CC96-449F-829D-D317AA4C8DF4}" type="parTrans" cxnId="{3E232159-66DF-491E-9700-FE88C856AC8E}">
-      <dgm:prSet/>
-      <dgm:spPr/>
-      <dgm:t>
-        <a:bodyPr/>
-        <a:lstStyle/>
-        <a:p>
-          <a:endParaRPr lang="en-US" noProof="0" dirty="0"/>
-        </a:p>
-      </dgm:t>
-    </dgm:pt>
-    <dgm:pt modelId="{641CB160-2787-4CE2-B181-9EDBD4E97365}" type="sibTrans" cxnId="{3E232159-66DF-491E-9700-FE88C856AC8E}">
-      <dgm:prSet/>
-      <dgm:spPr/>
-      <dgm:t>
-        <a:bodyPr/>
-        <a:lstStyle/>
-        <a:p>
-          <a:endParaRPr lang="en-US"/>
-        </a:p>
-      </dgm:t>
-    </dgm:pt>
-    <dgm:pt modelId="{7DAD59AA-17C4-4E3D-BE81-76A21AB7E281}">
-      <dgm:prSet phldrT="[Text]"/>
-      <dgm:spPr/>
-      <dgm:t>
-        <a:bodyPr/>
-        <a:lstStyle/>
-        <a:p>
-          <a:r>
-            <a:rPr lang="en-US" noProof="0" dirty="0"/>
-            <a:t>CashBox31</a:t>
-          </a:r>
-          <a:br>
-            <a:rPr lang="en-US" noProof="0" dirty="0"/>
-          </a:br>
-          <a:r>
-            <a:rPr lang="en-US" noProof="0" dirty="0"/>
-            <a:t>(fiskaly TSE)</a:t>
-          </a:r>
-        </a:p>
-      </dgm:t>
-    </dgm:pt>
-    <dgm:pt modelId="{6EBE2D93-55C8-40D4-BBE5-E6D16DB4F7A6}" type="parTrans" cxnId="{00E268D2-2B92-4E00-8244-AD5552017E6E}">
-      <dgm:prSet/>
-      <dgm:spPr/>
-      <dgm:t>
-        <a:bodyPr/>
-        <a:lstStyle/>
-        <a:p>
-          <a:endParaRPr lang="en-US" noProof="0" dirty="0"/>
-        </a:p>
-      </dgm:t>
-    </dgm:pt>
-    <dgm:pt modelId="{88EAE525-97C5-47D1-BC53-D10F0F1C957D}" type="sibTrans" cxnId="{00E268D2-2B92-4E00-8244-AD5552017E6E}">
-      <dgm:prSet/>
-      <dgm:spPr/>
-      <dgm:t>
-        <a:bodyPr/>
-        <a:lstStyle/>
-        <a:p>
-          <a:endParaRPr lang="en-US"/>
-        </a:p>
-      </dgm:t>
-    </dgm:pt>
-    <dgm:pt modelId="{99E3105A-3C8A-4844-B536-4D6775DDB6FC}">
-      <dgm:prSet phldrT="[Text]"/>
-      <dgm:spPr/>
-      <dgm:t>
-        <a:bodyPr/>
-        <a:lstStyle/>
-        <a:p>
-          <a:r>
-            <a:rPr lang="en-US" noProof="0" dirty="0"/>
-            <a:t>CashBox32 (Epson TSE)</a:t>
-          </a:r>
-        </a:p>
-      </dgm:t>
-    </dgm:pt>
-    <dgm:pt modelId="{C9A1D3E0-E3C8-48BD-BAA1-4C0FFE8125CE}" type="parTrans" cxnId="{9A3B9AC6-26B7-4D9F-A894-4BCBFF28571A}">
-      <dgm:prSet/>
-      <dgm:spPr/>
-      <dgm:t>
-        <a:bodyPr/>
-        <a:lstStyle/>
-        <a:p>
-          <a:endParaRPr lang="en-US" noProof="0" dirty="0"/>
-        </a:p>
-      </dgm:t>
-    </dgm:pt>
-    <dgm:pt modelId="{5AECCD80-B172-4913-87DE-456F3D8A9531}" type="sibTrans" cxnId="{9A3B9AC6-26B7-4D9F-A894-4BCBFF28571A}">
-      <dgm:prSet/>
-      <dgm:spPr/>
-      <dgm:t>
-        <a:bodyPr/>
-        <a:lstStyle/>
-        <a:p>
-          <a:endParaRPr lang="en-US"/>
-        </a:p>
-      </dgm:t>
-    </dgm:pt>
-    <dgm:pt modelId="{0BD06960-C0AA-4121-A913-D8F92A6CC5D6}">
-      <dgm:prSet phldrT="[Text]"/>
-      <dgm:spPr>
-        <a:solidFill>
-          <a:schemeClr val="accent6">
-            <a:lumMod val="40000"/>
-            <a:lumOff val="60000"/>
-          </a:schemeClr>
-        </a:solidFill>
-      </dgm:spPr>
-      <dgm:t>
-        <a:bodyPr/>
-        <a:lstStyle/>
-        <a:p>
-          <a:pPr algn="l"/>
-          <a:r>
-            <a:rPr lang="en-US" noProof="0" dirty="0"/>
-            <a:t>Outlet</a:t>
-          </a:r>
-        </a:p>
-      </dgm:t>
-    </dgm:pt>
-    <dgm:pt modelId="{11DC519E-4742-47C1-AB05-86DE620F4D73}" type="parTrans" cxnId="{FC65A77A-04DE-4A14-92F0-BAF79B999465}">
-      <dgm:prSet/>
-      <dgm:spPr/>
-      <dgm:t>
-        <a:bodyPr/>
-        <a:lstStyle/>
-        <a:p>
-          <a:endParaRPr lang="en-US"/>
-        </a:p>
-      </dgm:t>
-    </dgm:pt>
-    <dgm:pt modelId="{33D68886-6919-4645-8982-8F63F6A67426}" type="sibTrans" cxnId="{FC65A77A-04DE-4A14-92F0-BAF79B999465}">
-      <dgm:prSet/>
-      <dgm:spPr/>
-      <dgm:t>
-        <a:bodyPr/>
-        <a:lstStyle/>
-        <a:p>
-          <a:endParaRPr lang="en-US"/>
-        </a:p>
-      </dgm:t>
-    </dgm:pt>
-    <dgm:pt modelId="{1BECA6C4-6D56-4BBB-9411-337B74116256}" type="pres">
-      <dgm:prSet presAssocID="{95F2ED46-3EAD-4F47-A11C-81FB3102CCCA}" presName="mainComposite" presStyleCnt="0">
-        <dgm:presLayoutVars>
-          <dgm:chPref val="1"/>
-          <dgm:dir/>
-          <dgm:animOne val="branch"/>
-          <dgm:animLvl val="lvl"/>
-          <dgm:resizeHandles val="exact"/>
-        </dgm:presLayoutVars>
-      </dgm:prSet>
-      <dgm:spPr/>
-    </dgm:pt>
-    <dgm:pt modelId="{12C55E51-94CF-4B4F-9BA1-0BA9335A881F}" type="pres">
-      <dgm:prSet presAssocID="{95F2ED46-3EAD-4F47-A11C-81FB3102CCCA}" presName="hierFlow" presStyleCnt="0"/>
-      <dgm:spPr/>
-    </dgm:pt>
-    <dgm:pt modelId="{57194DC3-2D66-4D2E-ABDC-BBC253B8E95C}" type="pres">
-      <dgm:prSet presAssocID="{95F2ED46-3EAD-4F47-A11C-81FB3102CCCA}" presName="firstBuf" presStyleCnt="0"/>
-      <dgm:spPr/>
-    </dgm:pt>
-    <dgm:pt modelId="{1585C360-BEF3-4CDE-A785-111DDA2661F3}" type="pres">
-      <dgm:prSet presAssocID="{95F2ED46-3EAD-4F47-A11C-81FB3102CCCA}" presName="hierChild1" presStyleCnt="0">
-        <dgm:presLayoutVars>
-          <dgm:chPref val="1"/>
-          <dgm:animOne val="branch"/>
-          <dgm:animLvl val="lvl"/>
-        </dgm:presLayoutVars>
-      </dgm:prSet>
-      <dgm:spPr/>
-    </dgm:pt>
-    <dgm:pt modelId="{7BB9C5E2-092F-45EE-8C52-718FA260967A}" type="pres">
-      <dgm:prSet presAssocID="{5AB1FED7-A684-4A5B-8B24-6B6F70FEC70F}" presName="Name14" presStyleCnt="0"/>
-      <dgm:spPr/>
-    </dgm:pt>
-    <dgm:pt modelId="{9DF05028-9C79-44A6-B539-EA799B590245}" type="pres">
-      <dgm:prSet presAssocID="{5AB1FED7-A684-4A5B-8B24-6B6F70FEC70F}" presName="level1Shape" presStyleLbl="node0" presStyleIdx="0" presStyleCnt="1" custLinFactNeighborY="-7200">
-        <dgm:presLayoutVars>
-          <dgm:chPref val="3"/>
-        </dgm:presLayoutVars>
-      </dgm:prSet>
-      <dgm:spPr/>
-    </dgm:pt>
-    <dgm:pt modelId="{43FCC05D-CE1F-4E06-8DDC-91601C92D1A6}" type="pres">
-      <dgm:prSet presAssocID="{5AB1FED7-A684-4A5B-8B24-6B6F70FEC70F}" presName="hierChild2" presStyleCnt="0"/>
-      <dgm:spPr/>
-    </dgm:pt>
-    <dgm:pt modelId="{6EA8E6A9-46AA-4831-9DAC-0263F933A90E}" type="pres">
-      <dgm:prSet presAssocID="{9D4B5DBD-CB9C-4FB4-AAA6-979D46D6684A}" presName="Name19" presStyleLbl="parChTrans1D2" presStyleIdx="0" presStyleCnt="2"/>
-      <dgm:spPr/>
-    </dgm:pt>
-    <dgm:pt modelId="{E6640F16-65A7-43DF-A34F-0390DE8C6DA4}" type="pres">
-      <dgm:prSet presAssocID="{B18C206A-E65F-4357-9A21-BAE600E08067}" presName="Name21" presStyleCnt="0"/>
-      <dgm:spPr/>
-    </dgm:pt>
-    <dgm:pt modelId="{C6D98E60-1DBA-41EF-804D-ACE775443728}" type="pres">
-      <dgm:prSet presAssocID="{B18C206A-E65F-4357-9A21-BAE600E08067}" presName="level2Shape" presStyleLbl="node2" presStyleIdx="0" presStyleCnt="2"/>
-      <dgm:spPr/>
-    </dgm:pt>
-    <dgm:pt modelId="{D0547627-E25A-4C20-A8FE-47B69A4219CF}" type="pres">
-      <dgm:prSet presAssocID="{B18C206A-E65F-4357-9A21-BAE600E08067}" presName="hierChild3" presStyleCnt="0"/>
-      <dgm:spPr/>
-    </dgm:pt>
-    <dgm:pt modelId="{B8F1E1C1-1E37-4104-A383-7A7B9EE527EC}" type="pres">
-      <dgm:prSet presAssocID="{0DF6DED7-5192-46F3-976D-838BE73AB713}" presName="Name19" presStyleLbl="parChTrans1D3" presStyleIdx="0" presStyleCnt="4"/>
-      <dgm:spPr/>
-    </dgm:pt>
-    <dgm:pt modelId="{0C63A21C-D776-46F6-BAB2-A58815031DD0}" type="pres">
-      <dgm:prSet presAssocID="{9E07314B-9A62-4299-9E8A-584F2F7C5059}" presName="Name21" presStyleCnt="0"/>
-      <dgm:spPr/>
-    </dgm:pt>
-    <dgm:pt modelId="{A0B4A37F-2B34-4BC0-91C3-088320D09B37}" type="pres">
-      <dgm:prSet presAssocID="{9E07314B-9A62-4299-9E8A-584F2F7C5059}" presName="level2Shape" presStyleLbl="node3" presStyleIdx="0" presStyleCnt="4"/>
-      <dgm:spPr/>
-    </dgm:pt>
-    <dgm:pt modelId="{B3D1AF74-DC46-4D00-B88D-2FF301260B9B}" type="pres">
-      <dgm:prSet presAssocID="{9E07314B-9A62-4299-9E8A-584F2F7C5059}" presName="hierChild3" presStyleCnt="0"/>
-      <dgm:spPr/>
-    </dgm:pt>
-    <dgm:pt modelId="{90010041-8D0C-42AE-BF61-B8EE3A6C6603}" type="pres">
-      <dgm:prSet presAssocID="{CC23981C-F92C-42AD-8DA4-AE4B7990CF7E}" presName="Name19" presStyleLbl="parChTrans1D4" presStyleIdx="0" presStyleCnt="6"/>
-      <dgm:spPr/>
-    </dgm:pt>
-    <dgm:pt modelId="{2D2A59D2-7F4F-4AD4-A09C-C81D04C637E1}" type="pres">
-      <dgm:prSet presAssocID="{4685CF5A-6A16-4D76-893F-57E7DC1EF1E5}" presName="Name21" presStyleCnt="0"/>
-      <dgm:spPr/>
-    </dgm:pt>
-    <dgm:pt modelId="{081726CD-4B88-4266-AEEC-E2F061221D9D}" type="pres">
-      <dgm:prSet presAssocID="{4685CF5A-6A16-4D76-893F-57E7DC1EF1E5}" presName="level2Shape" presStyleLbl="node4" presStyleIdx="0" presStyleCnt="6"/>
-      <dgm:spPr/>
-    </dgm:pt>
-    <dgm:pt modelId="{95CF4F07-94F2-4242-8311-C2C582E3104B}" type="pres">
-      <dgm:prSet presAssocID="{4685CF5A-6A16-4D76-893F-57E7DC1EF1E5}" presName="hierChild3" presStyleCnt="0"/>
-      <dgm:spPr/>
-    </dgm:pt>
-    <dgm:pt modelId="{A394A375-99C7-430F-919D-3365A866BC9B}" type="pres">
-      <dgm:prSet presAssocID="{50DDEC0C-6225-49E4-9435-2892A959F271}" presName="Name19" presStyleLbl="parChTrans1D3" presStyleIdx="1" presStyleCnt="4"/>
-      <dgm:spPr/>
-    </dgm:pt>
-    <dgm:pt modelId="{9849A1BE-D14B-4D81-B67E-A4F135AE9A09}" type="pres">
-      <dgm:prSet presAssocID="{507D00CA-35C4-416C-A8AC-C71B5C468C96}" presName="Name21" presStyleCnt="0"/>
-      <dgm:spPr/>
-    </dgm:pt>
-    <dgm:pt modelId="{CD4EC904-BEBF-4E6F-B665-23A079759C19}" type="pres">
-      <dgm:prSet presAssocID="{507D00CA-35C4-416C-A8AC-C71B5C468C96}" presName="level2Shape" presStyleLbl="node3" presStyleIdx="1" presStyleCnt="4"/>
-      <dgm:spPr/>
-    </dgm:pt>
-    <dgm:pt modelId="{BE8AE3C5-9966-4A87-8FE3-71A4AB88CBF1}" type="pres">
-      <dgm:prSet presAssocID="{507D00CA-35C4-416C-A8AC-C71B5C468C96}" presName="hierChild3" presStyleCnt="0"/>
-      <dgm:spPr/>
-    </dgm:pt>
-    <dgm:pt modelId="{776D28A1-896A-4837-843B-9D58F4EC836B}" type="pres">
-      <dgm:prSet presAssocID="{31B9B58C-F89D-4B88-A80E-50913EC35ABA}" presName="Name19" presStyleLbl="parChTrans1D4" presStyleIdx="1" presStyleCnt="6"/>
-      <dgm:spPr/>
-    </dgm:pt>
-    <dgm:pt modelId="{FBF6F6E8-C9C9-4A1E-AC7A-EAF6635A1DD8}" type="pres">
-      <dgm:prSet presAssocID="{8C6F7D70-ECF2-45C9-A96A-878E3721B892}" presName="Name21" presStyleCnt="0"/>
-      <dgm:spPr/>
-    </dgm:pt>
-    <dgm:pt modelId="{A907B97B-57B6-4AA4-A4B1-A15A8C26B25E}" type="pres">
-      <dgm:prSet presAssocID="{8C6F7D70-ECF2-45C9-A96A-878E3721B892}" presName="level2Shape" presStyleLbl="node4" presStyleIdx="1" presStyleCnt="6"/>
-      <dgm:spPr/>
-    </dgm:pt>
-    <dgm:pt modelId="{0F7B012C-54E4-4E5D-9D70-4DC94B2F3AE7}" type="pres">
-      <dgm:prSet presAssocID="{8C6F7D70-ECF2-45C9-A96A-878E3721B892}" presName="hierChild3" presStyleCnt="0"/>
-      <dgm:spPr/>
-    </dgm:pt>
-    <dgm:pt modelId="{5B6A780A-B50D-4544-B4A4-40B578FF58AE}" type="pres">
-      <dgm:prSet presAssocID="{A4A34996-CC96-449F-829D-D317AA4C8DF4}" presName="Name19" presStyleLbl="parChTrans1D4" presStyleIdx="2" presStyleCnt="6"/>
-      <dgm:spPr/>
-    </dgm:pt>
-    <dgm:pt modelId="{30C640FB-3CF5-42AC-8C16-490F591051FE}" type="pres">
-      <dgm:prSet presAssocID="{063167D2-9902-43F0-8B5B-2CCBBEDBDC2A}" presName="Name21" presStyleCnt="0"/>
-      <dgm:spPr/>
-    </dgm:pt>
-    <dgm:pt modelId="{17DD1A3F-ED07-4398-9220-5AC1FDA0C52A}" type="pres">
-      <dgm:prSet presAssocID="{063167D2-9902-43F0-8B5B-2CCBBEDBDC2A}" presName="level2Shape" presStyleLbl="node4" presStyleIdx="2" presStyleCnt="6"/>
-      <dgm:spPr/>
-    </dgm:pt>
-    <dgm:pt modelId="{42F947EE-A0B4-4DBD-87DF-5BDF999BF8E8}" type="pres">
-      <dgm:prSet presAssocID="{063167D2-9902-43F0-8B5B-2CCBBEDBDC2A}" presName="hierChild3" presStyleCnt="0"/>
-      <dgm:spPr/>
-    </dgm:pt>
-    <dgm:pt modelId="{E1441E74-DFF0-4FDD-A87B-5C7D3F8CB9C1}" type="pres">
-      <dgm:prSet presAssocID="{26127BF6-3D13-4828-AFE0-E15425FA8684}" presName="Name19" presStyleLbl="parChTrans1D2" presStyleIdx="1" presStyleCnt="2"/>
-      <dgm:spPr/>
-    </dgm:pt>
-    <dgm:pt modelId="{E4E0CAE4-5378-4C48-8B70-34F7D1C32529}" type="pres">
-      <dgm:prSet presAssocID="{D0D91676-B0F9-429A-85B7-A4A18DF2BB37}" presName="Name21" presStyleCnt="0"/>
-      <dgm:spPr/>
-    </dgm:pt>
-    <dgm:pt modelId="{B00885B9-E24B-4380-8776-2C7A505AE04A}" type="pres">
-      <dgm:prSet presAssocID="{D0D91676-B0F9-429A-85B7-A4A18DF2BB37}" presName="level2Shape" presStyleLbl="node2" presStyleIdx="1" presStyleCnt="2"/>
-      <dgm:spPr/>
-    </dgm:pt>
-    <dgm:pt modelId="{145D6DAF-E55C-41D3-9AA1-5787AE07BE66}" type="pres">
-      <dgm:prSet presAssocID="{D0D91676-B0F9-429A-85B7-A4A18DF2BB37}" presName="hierChild3" presStyleCnt="0"/>
-      <dgm:spPr/>
-    </dgm:pt>
-    <dgm:pt modelId="{17ECFE45-BF85-496C-86A5-FCE9FDF1B031}" type="pres">
-      <dgm:prSet presAssocID="{75E9BAA1-7697-41F9-9D69-D44BBB192BF4}" presName="Name19" presStyleLbl="parChTrans1D3" presStyleIdx="2" presStyleCnt="4"/>
-      <dgm:spPr/>
-    </dgm:pt>
-    <dgm:pt modelId="{B26A942C-5C6A-4ADB-8D70-4D905058A6D9}" type="pres">
-      <dgm:prSet presAssocID="{0D9F98DC-57D5-4723-A394-8CDC6BF75DF0}" presName="Name21" presStyleCnt="0"/>
-      <dgm:spPr/>
-    </dgm:pt>
-    <dgm:pt modelId="{C4D1141A-CC53-454B-9BD2-16C9F97C6850}" type="pres">
-      <dgm:prSet presAssocID="{0D9F98DC-57D5-4723-A394-8CDC6BF75DF0}" presName="level2Shape" presStyleLbl="node3" presStyleIdx="2" presStyleCnt="4"/>
-      <dgm:spPr/>
-    </dgm:pt>
-    <dgm:pt modelId="{6AD2D118-9B8B-4416-B4E2-3A7A785C2D10}" type="pres">
-      <dgm:prSet presAssocID="{0D9F98DC-57D5-4723-A394-8CDC6BF75DF0}" presName="hierChild3" presStyleCnt="0"/>
-      <dgm:spPr/>
-    </dgm:pt>
-    <dgm:pt modelId="{DD98744D-9D72-4929-9AB7-E8B7188FAB84}" type="pres">
-      <dgm:prSet presAssocID="{6EBE2D93-55C8-40D4-BBE5-E6D16DB4F7A6}" presName="Name19" presStyleLbl="parChTrans1D4" presStyleIdx="3" presStyleCnt="6"/>
-      <dgm:spPr/>
-    </dgm:pt>
-    <dgm:pt modelId="{BE257EA2-5C24-470C-8DCE-A19034ED422F}" type="pres">
-      <dgm:prSet presAssocID="{7DAD59AA-17C4-4E3D-BE81-76A21AB7E281}" presName="Name21" presStyleCnt="0"/>
-      <dgm:spPr/>
-    </dgm:pt>
-    <dgm:pt modelId="{60E2B908-0339-48A8-B511-7FB2296C73A0}" type="pres">
-      <dgm:prSet presAssocID="{7DAD59AA-17C4-4E3D-BE81-76A21AB7E281}" presName="level2Shape" presStyleLbl="node4" presStyleIdx="3" presStyleCnt="6"/>
-      <dgm:spPr/>
-    </dgm:pt>
-    <dgm:pt modelId="{5082505A-8958-41E4-BE0D-4FA59E68B5ED}" type="pres">
-      <dgm:prSet presAssocID="{7DAD59AA-17C4-4E3D-BE81-76A21AB7E281}" presName="hierChild3" presStyleCnt="0"/>
-      <dgm:spPr/>
-    </dgm:pt>
-    <dgm:pt modelId="{2F84EBD1-F1A1-469F-BB64-84626DEC3FE5}" type="pres">
-      <dgm:prSet presAssocID="{C9A1D3E0-E3C8-48BD-BAA1-4C0FFE8125CE}" presName="Name19" presStyleLbl="parChTrans1D4" presStyleIdx="4" presStyleCnt="6"/>
-      <dgm:spPr/>
-    </dgm:pt>
-    <dgm:pt modelId="{3FDA5A4F-8379-484A-AAF8-4C3FBFEC44FF}" type="pres">
-      <dgm:prSet presAssocID="{99E3105A-3C8A-4844-B536-4D6775DDB6FC}" presName="Name21" presStyleCnt="0"/>
-      <dgm:spPr/>
-    </dgm:pt>
-    <dgm:pt modelId="{AD9BB9F6-4B97-4CD1-97FF-A2BFBE11A26A}" type="pres">
-      <dgm:prSet presAssocID="{99E3105A-3C8A-4844-B536-4D6775DDB6FC}" presName="level2Shape" presStyleLbl="node4" presStyleIdx="4" presStyleCnt="6"/>
-      <dgm:spPr/>
-    </dgm:pt>
-    <dgm:pt modelId="{1030C25C-79F1-4A89-B5E7-D2736F170C19}" type="pres">
-      <dgm:prSet presAssocID="{99E3105A-3C8A-4844-B536-4D6775DDB6FC}" presName="hierChild3" presStyleCnt="0"/>
-      <dgm:spPr/>
-    </dgm:pt>
-    <dgm:pt modelId="{3420DE1F-F791-4A3F-BB8E-16BB7C36B1B7}" type="pres">
-      <dgm:prSet presAssocID="{86256DAC-6B50-48EE-8E6D-4682846CC9BA}" presName="Name19" presStyleLbl="parChTrans1D3" presStyleIdx="3" presStyleCnt="4"/>
-      <dgm:spPr/>
-    </dgm:pt>
-    <dgm:pt modelId="{C4A4DCBB-B629-4D9F-B3D0-0FEEAFC92FDA}" type="pres">
-      <dgm:prSet presAssocID="{C7994BF7-B41E-4BA6-BF45-40E2C8B1E270}" presName="Name21" presStyleCnt="0"/>
-      <dgm:spPr/>
-    </dgm:pt>
-    <dgm:pt modelId="{38C9458A-ABC9-4739-BC7E-430C33421FAE}" type="pres">
-      <dgm:prSet presAssocID="{C7994BF7-B41E-4BA6-BF45-40E2C8B1E270}" presName="level2Shape" presStyleLbl="node3" presStyleIdx="3" presStyleCnt="4"/>
-      <dgm:spPr/>
-    </dgm:pt>
-    <dgm:pt modelId="{01ACBC17-0D97-4B96-8566-C7B53CA61A6D}" type="pres">
-      <dgm:prSet presAssocID="{C7994BF7-B41E-4BA6-BF45-40E2C8B1E270}" presName="hierChild3" presStyleCnt="0"/>
-      <dgm:spPr/>
-    </dgm:pt>
-    <dgm:pt modelId="{8039987C-A271-49A4-9F09-B6423BEFB495}" type="pres">
-      <dgm:prSet presAssocID="{A5B7A9E9-3757-43B8-BF1F-DEE0FC47105D}" presName="Name19" presStyleLbl="parChTrans1D4" presStyleIdx="5" presStyleCnt="6"/>
-      <dgm:spPr/>
-    </dgm:pt>
-    <dgm:pt modelId="{2C35557D-C6C9-48E0-B33B-BD476BFC5D5C}" type="pres">
-      <dgm:prSet presAssocID="{3A2EE188-EEB4-4E77-BB51-A446A4332D34}" presName="Name21" presStyleCnt="0"/>
-      <dgm:spPr/>
-    </dgm:pt>
-    <dgm:pt modelId="{F314310E-3B7F-4BB8-8BCF-245F9C3375E7}" type="pres">
-      <dgm:prSet presAssocID="{3A2EE188-EEB4-4E77-BB51-A446A4332D34}" presName="level2Shape" presStyleLbl="node4" presStyleIdx="5" presStyleCnt="6"/>
-      <dgm:spPr/>
-    </dgm:pt>
-    <dgm:pt modelId="{9E36A9A5-CA7F-4EA9-8850-E2F38CB3A354}" type="pres">
-      <dgm:prSet presAssocID="{3A2EE188-EEB4-4E77-BB51-A446A4332D34}" presName="hierChild3" presStyleCnt="0"/>
-      <dgm:spPr/>
-    </dgm:pt>
-    <dgm:pt modelId="{39D66EC1-3994-4104-AF14-B78EBD142657}" type="pres">
-      <dgm:prSet presAssocID="{95F2ED46-3EAD-4F47-A11C-81FB3102CCCA}" presName="bgShapesFlow" presStyleCnt="0"/>
-      <dgm:spPr/>
-    </dgm:pt>
-    <dgm:pt modelId="{498317B1-6332-4C32-8D19-EE853F874A0C}" type="pres">
-      <dgm:prSet presAssocID="{BB083CF8-6273-46E7-BE3B-5DC61CFAA06F}" presName="rectComp" presStyleCnt="0"/>
-      <dgm:spPr/>
-    </dgm:pt>
-    <dgm:pt modelId="{C8849357-154D-4C6F-A755-6FFE34A7B3F5}" type="pres">
-      <dgm:prSet presAssocID="{BB083CF8-6273-46E7-BE3B-5DC61CFAA06F}" presName="bgRect" presStyleLbl="bgShp" presStyleIdx="0" presStyleCnt="4" custLinFactNeighborX="-7971" custLinFactNeighborY="-5807"/>
-      <dgm:spPr/>
-    </dgm:pt>
-    <dgm:pt modelId="{ECCBD3B2-61EB-4705-BD0E-4CCDA06FD7F5}" type="pres">
-      <dgm:prSet presAssocID="{BB083CF8-6273-46E7-BE3B-5DC61CFAA06F}" presName="bgRectTx" presStyleLbl="bgShp" presStyleIdx="0" presStyleCnt="4">
-        <dgm:presLayoutVars>
-          <dgm:bulletEnabled val="1"/>
-        </dgm:presLayoutVars>
-      </dgm:prSet>
-      <dgm:spPr/>
-    </dgm:pt>
-    <dgm:pt modelId="{CB2D5BC2-3C1F-485E-AA7C-55A91010F5EB}" type="pres">
-      <dgm:prSet presAssocID="{BB083CF8-6273-46E7-BE3B-5DC61CFAA06F}" presName="spComp" presStyleCnt="0"/>
-      <dgm:spPr/>
-    </dgm:pt>
-    <dgm:pt modelId="{37F8F09D-699B-4C0B-8491-77BDEE0F314D}" type="pres">
-      <dgm:prSet presAssocID="{BB083CF8-6273-46E7-BE3B-5DC61CFAA06F}" presName="vSp" presStyleCnt="0"/>
-      <dgm:spPr/>
-    </dgm:pt>
-    <dgm:pt modelId="{FF321360-1372-451A-B4D7-5A4E29B5134E}" type="pres">
-      <dgm:prSet presAssocID="{0BF3FAA1-DCF8-4325-9623-5294C0B07C37}" presName="rectComp" presStyleCnt="0"/>
-      <dgm:spPr/>
-    </dgm:pt>
-    <dgm:pt modelId="{1DE8B0B1-D863-472F-9FA5-2ABE2316C376}" type="pres">
-      <dgm:prSet presAssocID="{0BF3FAA1-DCF8-4325-9623-5294C0B07C37}" presName="bgRect" presStyleLbl="bgShp" presStyleIdx="1" presStyleCnt="4"/>
-      <dgm:spPr/>
-    </dgm:pt>
-    <dgm:pt modelId="{5CA3C01F-EF5C-402C-AEC5-F59EDAAA728A}" type="pres">
-      <dgm:prSet presAssocID="{0BF3FAA1-DCF8-4325-9623-5294C0B07C37}" presName="bgRectTx" presStyleLbl="bgShp" presStyleIdx="1" presStyleCnt="4">
-        <dgm:presLayoutVars>
-          <dgm:bulletEnabled val="1"/>
-        </dgm:presLayoutVars>
-      </dgm:prSet>
-      <dgm:spPr/>
-    </dgm:pt>
-    <dgm:pt modelId="{EA315E09-08B0-4AF3-B8D6-38870AF5E2D3}" type="pres">
-      <dgm:prSet presAssocID="{0BF3FAA1-DCF8-4325-9623-5294C0B07C37}" presName="spComp" presStyleCnt="0"/>
-      <dgm:spPr/>
-    </dgm:pt>
-    <dgm:pt modelId="{5D3574F5-5CED-474D-8B4A-45112A1BABBF}" type="pres">
-      <dgm:prSet presAssocID="{0BF3FAA1-DCF8-4325-9623-5294C0B07C37}" presName="vSp" presStyleCnt="0"/>
-      <dgm:spPr/>
-    </dgm:pt>
-    <dgm:pt modelId="{768B5B8B-08F6-4ED3-A759-94A49A7153C5}" type="pres">
-      <dgm:prSet presAssocID="{464C62C9-D11C-486A-9636-0478A4C24FD5}" presName="rectComp" presStyleCnt="0"/>
-      <dgm:spPr/>
-    </dgm:pt>
-    <dgm:pt modelId="{599EC7A2-D025-460C-842C-0F11618A7DA2}" type="pres">
-      <dgm:prSet presAssocID="{464C62C9-D11C-486A-9636-0478A4C24FD5}" presName="bgRect" presStyleLbl="bgShp" presStyleIdx="2" presStyleCnt="4"/>
-      <dgm:spPr/>
-    </dgm:pt>
-    <dgm:pt modelId="{FEEB547A-7F76-4A7B-B514-238FB6163DB7}" type="pres">
-      <dgm:prSet presAssocID="{464C62C9-D11C-486A-9636-0478A4C24FD5}" presName="bgRectTx" presStyleLbl="bgShp" presStyleIdx="2" presStyleCnt="4">
-        <dgm:presLayoutVars>
-          <dgm:bulletEnabled val="1"/>
-        </dgm:presLayoutVars>
-      </dgm:prSet>
-      <dgm:spPr/>
-    </dgm:pt>
-    <dgm:pt modelId="{63DBBE65-9D09-4FD0-A739-7AA6A5F348EC}" type="pres">
-      <dgm:prSet presAssocID="{464C62C9-D11C-486A-9636-0478A4C24FD5}" presName="spComp" presStyleCnt="0"/>
-      <dgm:spPr/>
-    </dgm:pt>
-    <dgm:pt modelId="{947533D3-B58A-4145-9F95-1035A1EC19AD}" type="pres">
-      <dgm:prSet presAssocID="{464C62C9-D11C-486A-9636-0478A4C24FD5}" presName="vSp" presStyleCnt="0"/>
-      <dgm:spPr/>
-    </dgm:pt>
-    <dgm:pt modelId="{BBC6D892-D696-47B9-AB8E-7E2BE18F12E1}" type="pres">
-      <dgm:prSet presAssocID="{0BD06960-C0AA-4121-A913-D8F92A6CC5D6}" presName="rectComp" presStyleCnt="0"/>
-      <dgm:spPr/>
-    </dgm:pt>
-    <dgm:pt modelId="{B659A45F-E8DC-4D75-910E-52A21731D3A3}" type="pres">
-      <dgm:prSet presAssocID="{0BD06960-C0AA-4121-A913-D8F92A6CC5D6}" presName="bgRect" presStyleLbl="bgShp" presStyleIdx="3" presStyleCnt="4" custLinFactNeighborX="-17681" custLinFactNeighborY="2000"/>
-      <dgm:spPr/>
-    </dgm:pt>
-    <dgm:pt modelId="{3858C2BB-F29A-461D-87C2-F98EC6DFB565}" type="pres">
-      <dgm:prSet presAssocID="{0BD06960-C0AA-4121-A913-D8F92A6CC5D6}" presName="bgRectTx" presStyleLbl="bgShp" presStyleIdx="3" presStyleCnt="4">
-        <dgm:presLayoutVars>
-          <dgm:bulletEnabled val="1"/>
-        </dgm:presLayoutVars>
-      </dgm:prSet>
-      <dgm:spPr/>
-    </dgm:pt>
-  </dgm:ptLst>
-  <dgm:cxnLst>
-    <dgm:cxn modelId="{D3228101-D367-4A6B-8E53-5E92E243551B}" srcId="{95F2ED46-3EAD-4F47-A11C-81FB3102CCCA}" destId="{BB083CF8-6273-46E7-BE3B-5DC61CFAA06F}" srcOrd="1" destOrd="0" parTransId="{261B7F11-9211-448F-95DC-3AB369415B2E}" sibTransId="{52F6A06D-1F44-4665-9DD3-C98F3565ECF7}"/>
-    <dgm:cxn modelId="{FF964F02-25BC-4266-BED9-6570FB85CDF8}" type="presOf" srcId="{BB083CF8-6273-46E7-BE3B-5DC61CFAA06F}" destId="{C8849357-154D-4C6F-A755-6FFE34A7B3F5}" srcOrd="0" destOrd="0" presId="urn:microsoft.com/office/officeart/2005/8/layout/hierarchy6"/>
-    <dgm:cxn modelId="{0A985C02-1652-4349-8B2C-CE508B59CF41}" type="presOf" srcId="{31B9B58C-F89D-4B88-A80E-50913EC35ABA}" destId="{776D28A1-896A-4837-843B-9D58F4EC836B}" srcOrd="0" destOrd="0" presId="urn:microsoft.com/office/officeart/2005/8/layout/hierarchy6"/>
-    <dgm:cxn modelId="{7B7B5E05-87B8-4672-9F4A-3D656C1C6355}" type="presOf" srcId="{8C6F7D70-ECF2-45C9-A96A-878E3721B892}" destId="{A907B97B-57B6-4AA4-A4B1-A15A8C26B25E}" srcOrd="0" destOrd="0" presId="urn:microsoft.com/office/officeart/2005/8/layout/hierarchy6"/>
-    <dgm:cxn modelId="{E95FDE10-C55F-460A-965E-94DB8241EA62}" srcId="{D0D91676-B0F9-429A-85B7-A4A18DF2BB37}" destId="{0D9F98DC-57D5-4723-A394-8CDC6BF75DF0}" srcOrd="0" destOrd="0" parTransId="{75E9BAA1-7697-41F9-9D69-D44BBB192BF4}" sibTransId="{B2C6817B-8D97-4758-86B4-7FBDA9CCD908}"/>
-    <dgm:cxn modelId="{FEA6D31B-9BCD-4929-9BA9-514E4FC1B45F}" type="presOf" srcId="{26127BF6-3D13-4828-AFE0-E15425FA8684}" destId="{E1441E74-DFF0-4FDD-A87B-5C7D3F8CB9C1}" srcOrd="0" destOrd="0" presId="urn:microsoft.com/office/officeart/2005/8/layout/hierarchy6"/>
-    <dgm:cxn modelId="{E226C31F-F458-445B-B8CC-70A2D8F4224F}" srcId="{507D00CA-35C4-416C-A8AC-C71B5C468C96}" destId="{8C6F7D70-ECF2-45C9-A96A-878E3721B892}" srcOrd="0" destOrd="0" parTransId="{31B9B58C-F89D-4B88-A80E-50913EC35ABA}" sibTransId="{F61901F5-C556-41EB-B988-9A78B3622536}"/>
-    <dgm:cxn modelId="{F1559120-8E0B-48AD-B369-5A93DF0724D1}" type="presOf" srcId="{0D9F98DC-57D5-4723-A394-8CDC6BF75DF0}" destId="{C4D1141A-CC53-454B-9BD2-16C9F97C6850}" srcOrd="0" destOrd="0" presId="urn:microsoft.com/office/officeart/2005/8/layout/hierarchy6"/>
-    <dgm:cxn modelId="{3348CD27-8AAC-461C-B587-8E26746906E6}" type="presOf" srcId="{3A2EE188-EEB4-4E77-BB51-A446A4332D34}" destId="{F314310E-3B7F-4BB8-8BCF-245F9C3375E7}" srcOrd="0" destOrd="0" presId="urn:microsoft.com/office/officeart/2005/8/layout/hierarchy6"/>
-    <dgm:cxn modelId="{13FE5B2D-21E2-4889-B956-5B59141A20BB}" type="presOf" srcId="{99E3105A-3C8A-4844-B536-4D6775DDB6FC}" destId="{AD9BB9F6-4B97-4CD1-97FF-A2BFBE11A26A}" srcOrd="0" destOrd="0" presId="urn:microsoft.com/office/officeart/2005/8/layout/hierarchy6"/>
-    <dgm:cxn modelId="{88EBF330-6F30-4914-87D3-A7B4EB21211D}" srcId="{5AB1FED7-A684-4A5B-8B24-6B6F70FEC70F}" destId="{D0D91676-B0F9-429A-85B7-A4A18DF2BB37}" srcOrd="1" destOrd="0" parTransId="{26127BF6-3D13-4828-AFE0-E15425FA8684}" sibTransId="{7AD784FA-959A-4DFB-A638-74C8AB7F811C}"/>
-    <dgm:cxn modelId="{5B3CB831-E5B5-46D0-88FE-5092F746C584}" type="presOf" srcId="{C9A1D3E0-E3C8-48BD-BAA1-4C0FFE8125CE}" destId="{2F84EBD1-F1A1-469F-BB64-84626DEC3FE5}" srcOrd="0" destOrd="0" presId="urn:microsoft.com/office/officeart/2005/8/layout/hierarchy6"/>
-    <dgm:cxn modelId="{5CCCED37-AC8A-4750-9A45-9A7BA55A9EDD}" type="presOf" srcId="{BB083CF8-6273-46E7-BE3B-5DC61CFAA06F}" destId="{ECCBD3B2-61EB-4705-BD0E-4CCDA06FD7F5}" srcOrd="1" destOrd="0" presId="urn:microsoft.com/office/officeart/2005/8/layout/hierarchy6"/>
-    <dgm:cxn modelId="{F9906D3E-2ACA-4FD6-9289-31389B947137}" type="presOf" srcId="{6EBE2D93-55C8-40D4-BBE5-E6D16DB4F7A6}" destId="{DD98744D-9D72-4929-9AB7-E8B7188FAB84}" srcOrd="0" destOrd="0" presId="urn:microsoft.com/office/officeart/2005/8/layout/hierarchy6"/>
-    <dgm:cxn modelId="{9054E33E-9B47-4F1B-9BF2-105B12D385D3}" type="presOf" srcId="{0BF3FAA1-DCF8-4325-9623-5294C0B07C37}" destId="{5CA3C01F-EF5C-402C-AEC5-F59EDAAA728A}" srcOrd="1" destOrd="0" presId="urn:microsoft.com/office/officeart/2005/8/layout/hierarchy6"/>
-    <dgm:cxn modelId="{06E9E540-25CA-4673-8C42-74EE08153BDB}" type="presOf" srcId="{9D4B5DBD-CB9C-4FB4-AAA6-979D46D6684A}" destId="{6EA8E6A9-46AA-4831-9DAC-0263F933A90E}" srcOrd="0" destOrd="0" presId="urn:microsoft.com/office/officeart/2005/8/layout/hierarchy6"/>
-    <dgm:cxn modelId="{C4500742-DF8F-4517-8A5F-102B00E77012}" srcId="{5AB1FED7-A684-4A5B-8B24-6B6F70FEC70F}" destId="{B18C206A-E65F-4357-9A21-BAE600E08067}" srcOrd="0" destOrd="0" parTransId="{9D4B5DBD-CB9C-4FB4-AAA6-979D46D6684A}" sibTransId="{E794E13D-5DE6-4B79-9264-999E14EA6263}"/>
-    <dgm:cxn modelId="{1109BB47-E5C2-4C14-8A73-CD57B75F77BD}" type="presOf" srcId="{C7994BF7-B41E-4BA6-BF45-40E2C8B1E270}" destId="{38C9458A-ABC9-4739-BC7E-430C33421FAE}" srcOrd="0" destOrd="0" presId="urn:microsoft.com/office/officeart/2005/8/layout/hierarchy6"/>
-    <dgm:cxn modelId="{8D998158-EBD4-42F5-98E1-A69E9366D652}" srcId="{B18C206A-E65F-4357-9A21-BAE600E08067}" destId="{9E07314B-9A62-4299-9E8A-584F2F7C5059}" srcOrd="0" destOrd="0" parTransId="{0DF6DED7-5192-46F3-976D-838BE73AB713}" sibTransId="{CD6597A3-3B31-45D5-9876-15EB6DDE0B1B}"/>
-    <dgm:cxn modelId="{3E232159-66DF-491E-9700-FE88C856AC8E}" srcId="{507D00CA-35C4-416C-A8AC-C71B5C468C96}" destId="{063167D2-9902-43F0-8B5B-2CCBBEDBDC2A}" srcOrd="1" destOrd="0" parTransId="{A4A34996-CC96-449F-829D-D317AA4C8DF4}" sibTransId="{641CB160-2787-4CE2-B181-9EDBD4E97365}"/>
-    <dgm:cxn modelId="{AF41AD5C-588D-41F0-8095-E184F78A0B36}" type="presOf" srcId="{50DDEC0C-6225-49E4-9435-2892A959F271}" destId="{A394A375-99C7-430F-919D-3365A866BC9B}" srcOrd="0" destOrd="0" presId="urn:microsoft.com/office/officeart/2005/8/layout/hierarchy6"/>
-    <dgm:cxn modelId="{C506F05E-0FDF-4AB9-A08E-DAFDB92AA181}" type="presOf" srcId="{86256DAC-6B50-48EE-8E6D-4682846CC9BA}" destId="{3420DE1F-F791-4A3F-BB8E-16BB7C36B1B7}" srcOrd="0" destOrd="0" presId="urn:microsoft.com/office/officeart/2005/8/layout/hierarchy6"/>
-    <dgm:cxn modelId="{CE5CFB62-5962-4464-B7E0-E9C9BC355288}" type="presOf" srcId="{95F2ED46-3EAD-4F47-A11C-81FB3102CCCA}" destId="{1BECA6C4-6D56-4BBB-9411-337B74116256}" srcOrd="0" destOrd="0" presId="urn:microsoft.com/office/officeart/2005/8/layout/hierarchy6"/>
-    <dgm:cxn modelId="{6D86CD65-FBF7-4913-85F6-CCE09F46545B}" type="presOf" srcId="{9E07314B-9A62-4299-9E8A-584F2F7C5059}" destId="{A0B4A37F-2B34-4BC0-91C3-088320D09B37}" srcOrd="0" destOrd="0" presId="urn:microsoft.com/office/officeart/2005/8/layout/hierarchy6"/>
-    <dgm:cxn modelId="{AC3ACD66-EA66-4720-9A08-CE936C9A935F}" type="presOf" srcId="{5AB1FED7-A684-4A5B-8B24-6B6F70FEC70F}" destId="{9DF05028-9C79-44A6-B539-EA799B590245}" srcOrd="0" destOrd="0" presId="urn:microsoft.com/office/officeart/2005/8/layout/hierarchy6"/>
-    <dgm:cxn modelId="{EDBCE76F-AF9E-4759-B585-A45A1D9B72D2}" type="presOf" srcId="{4685CF5A-6A16-4D76-893F-57E7DC1EF1E5}" destId="{081726CD-4B88-4266-AEEC-E2F061221D9D}" srcOrd="0" destOrd="0" presId="urn:microsoft.com/office/officeart/2005/8/layout/hierarchy6"/>
-    <dgm:cxn modelId="{FC65A77A-04DE-4A14-92F0-BAF79B999465}" srcId="{95F2ED46-3EAD-4F47-A11C-81FB3102CCCA}" destId="{0BD06960-C0AA-4121-A913-D8F92A6CC5D6}" srcOrd="4" destOrd="0" parTransId="{11DC519E-4742-47C1-AB05-86DE620F4D73}" sibTransId="{33D68886-6919-4645-8982-8F63F6A67426}"/>
-    <dgm:cxn modelId="{3D4BF77D-EF39-40D2-B401-02F78699EC6D}" type="presOf" srcId="{464C62C9-D11C-486A-9636-0478A4C24FD5}" destId="{599EC7A2-D025-460C-842C-0F11618A7DA2}" srcOrd="0" destOrd="0" presId="urn:microsoft.com/office/officeart/2005/8/layout/hierarchy6"/>
-    <dgm:cxn modelId="{87F4757F-0E90-4ACD-B1C0-B85D3802CE53}" srcId="{D0D91676-B0F9-429A-85B7-A4A18DF2BB37}" destId="{C7994BF7-B41E-4BA6-BF45-40E2C8B1E270}" srcOrd="1" destOrd="0" parTransId="{86256DAC-6B50-48EE-8E6D-4682846CC9BA}" sibTransId="{21EC5055-A5A1-4095-BEDD-2F6E73D56B80}"/>
-    <dgm:cxn modelId="{77F82285-2C39-4277-9CAB-5331C3BB9542}" type="presOf" srcId="{063167D2-9902-43F0-8B5B-2CCBBEDBDC2A}" destId="{17DD1A3F-ED07-4398-9220-5AC1FDA0C52A}" srcOrd="0" destOrd="0" presId="urn:microsoft.com/office/officeart/2005/8/layout/hierarchy6"/>
-    <dgm:cxn modelId="{37803389-E92E-48A3-8B8E-6AC6887124D4}" type="presOf" srcId="{0DF6DED7-5192-46F3-976D-838BE73AB713}" destId="{B8F1E1C1-1E37-4104-A383-7A7B9EE527EC}" srcOrd="0" destOrd="0" presId="urn:microsoft.com/office/officeart/2005/8/layout/hierarchy6"/>
-    <dgm:cxn modelId="{1DBE9D8C-FE81-44FB-A03E-13311556851C}" type="presOf" srcId="{75E9BAA1-7697-41F9-9D69-D44BBB192BF4}" destId="{17ECFE45-BF85-496C-86A5-FCE9FDF1B031}" srcOrd="0" destOrd="0" presId="urn:microsoft.com/office/officeart/2005/8/layout/hierarchy6"/>
-    <dgm:cxn modelId="{9935AD8D-0F6A-4624-B475-D25537659D02}" type="presOf" srcId="{B18C206A-E65F-4357-9A21-BAE600E08067}" destId="{C6D98E60-1DBA-41EF-804D-ACE775443728}" srcOrd="0" destOrd="0" presId="urn:microsoft.com/office/officeart/2005/8/layout/hierarchy6"/>
-    <dgm:cxn modelId="{4220A49C-03E2-4145-AAD7-FA6F074A93D6}" srcId="{B18C206A-E65F-4357-9A21-BAE600E08067}" destId="{507D00CA-35C4-416C-A8AC-C71B5C468C96}" srcOrd="1" destOrd="0" parTransId="{50DDEC0C-6225-49E4-9435-2892A959F271}" sibTransId="{58EF5F35-EB00-493B-A24A-3B4F83CDD588}"/>
-    <dgm:cxn modelId="{F57F9EA0-7C46-427C-9A1B-E99EA30A7EF6}" type="presOf" srcId="{464C62C9-D11C-486A-9636-0478A4C24FD5}" destId="{FEEB547A-7F76-4A7B-B514-238FB6163DB7}" srcOrd="1" destOrd="0" presId="urn:microsoft.com/office/officeart/2005/8/layout/hierarchy6"/>
-    <dgm:cxn modelId="{4D3F5CA3-FFDF-4893-9FA8-FD1AE0407312}" type="presOf" srcId="{0BD06960-C0AA-4121-A913-D8F92A6CC5D6}" destId="{B659A45F-E8DC-4D75-910E-52A21731D3A3}" srcOrd="0" destOrd="0" presId="urn:microsoft.com/office/officeart/2005/8/layout/hierarchy6"/>
-    <dgm:cxn modelId="{43958AAB-7298-4C0B-8420-B89E69B8159A}" srcId="{9E07314B-9A62-4299-9E8A-584F2F7C5059}" destId="{4685CF5A-6A16-4D76-893F-57E7DC1EF1E5}" srcOrd="0" destOrd="0" parTransId="{CC23981C-F92C-42AD-8DA4-AE4B7990CF7E}" sibTransId="{5130F7F8-20F8-4A5E-86CF-2C1D04151AEC}"/>
-    <dgm:cxn modelId="{CAB11BC4-702B-4C47-87CD-22323DF83A21}" type="presOf" srcId="{A4A34996-CC96-449F-829D-D317AA4C8DF4}" destId="{5B6A780A-B50D-4544-B4A4-40B578FF58AE}" srcOrd="0" destOrd="0" presId="urn:microsoft.com/office/officeart/2005/8/layout/hierarchy6"/>
-    <dgm:cxn modelId="{9A3B9AC6-26B7-4D9F-A894-4BCBFF28571A}" srcId="{0D9F98DC-57D5-4723-A394-8CDC6BF75DF0}" destId="{99E3105A-3C8A-4844-B536-4D6775DDB6FC}" srcOrd="1" destOrd="0" parTransId="{C9A1D3E0-E3C8-48BD-BAA1-4C0FFE8125CE}" sibTransId="{5AECCD80-B172-4913-87DE-456F3D8A9531}"/>
-    <dgm:cxn modelId="{FA1E02CC-A5C7-4EEB-9499-37D541FC78C8}" type="presOf" srcId="{507D00CA-35C4-416C-A8AC-C71B5C468C96}" destId="{CD4EC904-BEBF-4E6F-B665-23A079759C19}" srcOrd="0" destOrd="0" presId="urn:microsoft.com/office/officeart/2005/8/layout/hierarchy6"/>
-    <dgm:cxn modelId="{DC6809D1-3C15-4912-8123-2BFAB7F2D2EB}" type="presOf" srcId="{A5B7A9E9-3757-43B8-BF1F-DEE0FC47105D}" destId="{8039987C-A271-49A4-9F09-B6423BEFB495}" srcOrd="0" destOrd="0" presId="urn:microsoft.com/office/officeart/2005/8/layout/hierarchy6"/>
-    <dgm:cxn modelId="{A6AA44D2-8723-445A-B1A2-5F098723D81B}" srcId="{95F2ED46-3EAD-4F47-A11C-81FB3102CCCA}" destId="{5AB1FED7-A684-4A5B-8B24-6B6F70FEC70F}" srcOrd="0" destOrd="0" parTransId="{3D5B4A14-BFDE-4AC5-AA96-211507BBE006}" sibTransId="{D84524BE-72C8-4EF7-9FB9-363763A2F363}"/>
-    <dgm:cxn modelId="{00E268D2-2B92-4E00-8244-AD5552017E6E}" srcId="{0D9F98DC-57D5-4723-A394-8CDC6BF75DF0}" destId="{7DAD59AA-17C4-4E3D-BE81-76A21AB7E281}" srcOrd="0" destOrd="0" parTransId="{6EBE2D93-55C8-40D4-BBE5-E6D16DB4F7A6}" sibTransId="{88EAE525-97C5-47D1-BC53-D10F0F1C957D}"/>
-    <dgm:cxn modelId="{A7E3BFD4-85A6-4AC2-AABA-C11EE5654E33}" srcId="{C7994BF7-B41E-4BA6-BF45-40E2C8B1E270}" destId="{3A2EE188-EEB4-4E77-BB51-A446A4332D34}" srcOrd="0" destOrd="0" parTransId="{A5B7A9E9-3757-43B8-BF1F-DEE0FC47105D}" sibTransId="{3094ED83-203A-479A-B3A9-A88952199368}"/>
-    <dgm:cxn modelId="{ED0E52DE-EA76-4889-9058-1F187795759E}" type="presOf" srcId="{0BF3FAA1-DCF8-4325-9623-5294C0B07C37}" destId="{1DE8B0B1-D863-472F-9FA5-2ABE2316C376}" srcOrd="0" destOrd="0" presId="urn:microsoft.com/office/officeart/2005/8/layout/hierarchy6"/>
-    <dgm:cxn modelId="{B4E588E7-9D9E-473D-BBDA-9B139B746E20}" srcId="{95F2ED46-3EAD-4F47-A11C-81FB3102CCCA}" destId="{0BF3FAA1-DCF8-4325-9623-5294C0B07C37}" srcOrd="2" destOrd="0" parTransId="{52BCC518-5CB5-48D8-BAF6-A66188048B9A}" sibTransId="{52391B16-91CA-4DB1-BD01-4BB5A28DC69C}"/>
-    <dgm:cxn modelId="{574805EC-20F9-4012-AB92-EA98486B67B7}" type="presOf" srcId="{7DAD59AA-17C4-4E3D-BE81-76A21AB7E281}" destId="{60E2B908-0339-48A8-B511-7FB2296C73A0}" srcOrd="0" destOrd="0" presId="urn:microsoft.com/office/officeart/2005/8/layout/hierarchy6"/>
-    <dgm:cxn modelId="{41CBC2F1-9BA6-48C3-B757-43ADF410DDA0}" srcId="{95F2ED46-3EAD-4F47-A11C-81FB3102CCCA}" destId="{464C62C9-D11C-486A-9636-0478A4C24FD5}" srcOrd="3" destOrd="0" parTransId="{787CA906-D853-4CE9-B09B-2E4EDAA16BE9}" sibTransId="{B3D21F76-CB59-4423-A7D9-B9F83D0EE3DD}"/>
-    <dgm:cxn modelId="{FF9BA2F2-52A1-4C32-A168-0A48178BD805}" type="presOf" srcId="{D0D91676-B0F9-429A-85B7-A4A18DF2BB37}" destId="{B00885B9-E24B-4380-8776-2C7A505AE04A}" srcOrd="0" destOrd="0" presId="urn:microsoft.com/office/officeart/2005/8/layout/hierarchy6"/>
-    <dgm:cxn modelId="{43B2BEF4-5FBC-4F78-9D90-26CC4F81238F}" type="presOf" srcId="{CC23981C-F92C-42AD-8DA4-AE4B7990CF7E}" destId="{90010041-8D0C-42AE-BF61-B8EE3A6C6603}" srcOrd="0" destOrd="0" presId="urn:microsoft.com/office/officeart/2005/8/layout/hierarchy6"/>
-    <dgm:cxn modelId="{A3E55BFA-15CB-48B2-8248-C01DDFD6708D}" type="presOf" srcId="{0BD06960-C0AA-4121-A913-D8F92A6CC5D6}" destId="{3858C2BB-F29A-461D-87C2-F98EC6DFB565}" srcOrd="1" destOrd="0" presId="urn:microsoft.com/office/officeart/2005/8/layout/hierarchy6"/>
-    <dgm:cxn modelId="{0467C4DF-73AF-4A87-B49F-803103DB4253}" type="presParOf" srcId="{1BECA6C4-6D56-4BBB-9411-337B74116256}" destId="{12C55E51-94CF-4B4F-9BA1-0BA9335A881F}" srcOrd="0" destOrd="0" presId="urn:microsoft.com/office/officeart/2005/8/layout/hierarchy6"/>
-    <dgm:cxn modelId="{71E43F4A-32F4-40CE-863D-CF3DD7CDA2DE}" type="presParOf" srcId="{12C55E51-94CF-4B4F-9BA1-0BA9335A881F}" destId="{57194DC3-2D66-4D2E-ABDC-BBC253B8E95C}" srcOrd="0" destOrd="0" presId="urn:microsoft.com/office/officeart/2005/8/layout/hierarchy6"/>
-    <dgm:cxn modelId="{1D55BE62-9C82-4509-B737-B609C6E58166}" type="presParOf" srcId="{12C55E51-94CF-4B4F-9BA1-0BA9335A881F}" destId="{1585C360-BEF3-4CDE-A785-111DDA2661F3}" srcOrd="1" destOrd="0" presId="urn:microsoft.com/office/officeart/2005/8/layout/hierarchy6"/>
-    <dgm:cxn modelId="{1C7B32BA-0D66-4B43-9B2B-B0A23C84F63D}" type="presParOf" srcId="{1585C360-BEF3-4CDE-A785-111DDA2661F3}" destId="{7BB9C5E2-092F-45EE-8C52-718FA260967A}" srcOrd="0" destOrd="0" presId="urn:microsoft.com/office/officeart/2005/8/layout/hierarchy6"/>
-    <dgm:cxn modelId="{CF4BE116-F648-42FA-B1F8-9F140DD7FBEB}" type="presParOf" srcId="{7BB9C5E2-092F-45EE-8C52-718FA260967A}" destId="{9DF05028-9C79-44A6-B539-EA799B590245}" srcOrd="0" destOrd="0" presId="urn:microsoft.com/office/officeart/2005/8/layout/hierarchy6"/>
-    <dgm:cxn modelId="{702BA7A6-B31B-4B97-9D8C-171C9D9162B4}" type="presParOf" srcId="{7BB9C5E2-092F-45EE-8C52-718FA260967A}" destId="{43FCC05D-CE1F-4E06-8DDC-91601C92D1A6}" srcOrd="1" destOrd="0" presId="urn:microsoft.com/office/officeart/2005/8/layout/hierarchy6"/>
-    <dgm:cxn modelId="{DAEB6E63-22DA-4229-B664-BB4AEA8D9344}" type="presParOf" srcId="{43FCC05D-CE1F-4E06-8DDC-91601C92D1A6}" destId="{6EA8E6A9-46AA-4831-9DAC-0263F933A90E}" srcOrd="0" destOrd="0" presId="urn:microsoft.com/office/officeart/2005/8/layout/hierarchy6"/>
-    <dgm:cxn modelId="{CC830C7A-31A3-4064-9B6E-EB8411324AFB}" type="presParOf" srcId="{43FCC05D-CE1F-4E06-8DDC-91601C92D1A6}" destId="{E6640F16-65A7-43DF-A34F-0390DE8C6DA4}" srcOrd="1" destOrd="0" presId="urn:microsoft.com/office/officeart/2005/8/layout/hierarchy6"/>
-    <dgm:cxn modelId="{247CB638-0AF0-49E3-AF7A-01827D63F3AB}" type="presParOf" srcId="{E6640F16-65A7-43DF-A34F-0390DE8C6DA4}" destId="{C6D98E60-1DBA-41EF-804D-ACE775443728}" srcOrd="0" destOrd="0" presId="urn:microsoft.com/office/officeart/2005/8/layout/hierarchy6"/>
-    <dgm:cxn modelId="{348BE065-5E77-43E3-BC4A-08A69040FE58}" type="presParOf" srcId="{E6640F16-65A7-43DF-A34F-0390DE8C6DA4}" destId="{D0547627-E25A-4C20-A8FE-47B69A4219CF}" srcOrd="1" destOrd="0" presId="urn:microsoft.com/office/officeart/2005/8/layout/hierarchy6"/>
-    <dgm:cxn modelId="{37525D61-0BFD-4FEE-BD56-CE24E0A6D1AD}" type="presParOf" srcId="{D0547627-E25A-4C20-A8FE-47B69A4219CF}" destId="{B8F1E1C1-1E37-4104-A383-7A7B9EE527EC}" srcOrd="0" destOrd="0" presId="urn:microsoft.com/office/officeart/2005/8/layout/hierarchy6"/>
-    <dgm:cxn modelId="{768716A4-BD99-4DDD-865D-54DFD54F97EA}" type="presParOf" srcId="{D0547627-E25A-4C20-A8FE-47B69A4219CF}" destId="{0C63A21C-D776-46F6-BAB2-A58815031DD0}" srcOrd="1" destOrd="0" presId="urn:microsoft.com/office/officeart/2005/8/layout/hierarchy6"/>
-    <dgm:cxn modelId="{AE974794-BBB6-4653-B8EC-A14690766DDD}" type="presParOf" srcId="{0C63A21C-D776-46F6-BAB2-A58815031DD0}" destId="{A0B4A37F-2B34-4BC0-91C3-088320D09B37}" srcOrd="0" destOrd="0" presId="urn:microsoft.com/office/officeart/2005/8/layout/hierarchy6"/>
-    <dgm:cxn modelId="{98C2FD1E-8724-4328-AF5A-58F5B3CD02A5}" type="presParOf" srcId="{0C63A21C-D776-46F6-BAB2-A58815031DD0}" destId="{B3D1AF74-DC46-4D00-B88D-2FF301260B9B}" srcOrd="1" destOrd="0" presId="urn:microsoft.com/office/officeart/2005/8/layout/hierarchy6"/>
-    <dgm:cxn modelId="{91976280-61D6-4116-BA2F-A8B929429A08}" type="presParOf" srcId="{B3D1AF74-DC46-4D00-B88D-2FF301260B9B}" destId="{90010041-8D0C-42AE-BF61-B8EE3A6C6603}" srcOrd="0" destOrd="0" presId="urn:microsoft.com/office/officeart/2005/8/layout/hierarchy6"/>
-    <dgm:cxn modelId="{D73AC911-7FBD-4DC6-BC0D-B12B8C72731D}" type="presParOf" srcId="{B3D1AF74-DC46-4D00-B88D-2FF301260B9B}" destId="{2D2A59D2-7F4F-4AD4-A09C-C81D04C637E1}" srcOrd="1" destOrd="0" presId="urn:microsoft.com/office/officeart/2005/8/layout/hierarchy6"/>
-    <dgm:cxn modelId="{F7064AD7-3569-46B9-BB37-A714F0099436}" type="presParOf" srcId="{2D2A59D2-7F4F-4AD4-A09C-C81D04C637E1}" destId="{081726CD-4B88-4266-AEEC-E2F061221D9D}" srcOrd="0" destOrd="0" presId="urn:microsoft.com/office/officeart/2005/8/layout/hierarchy6"/>
-    <dgm:cxn modelId="{EF4E8775-8CE8-4749-A424-7A97DAE9127F}" type="presParOf" srcId="{2D2A59D2-7F4F-4AD4-A09C-C81D04C637E1}" destId="{95CF4F07-94F2-4242-8311-C2C582E3104B}" srcOrd="1" destOrd="0" presId="urn:microsoft.com/office/officeart/2005/8/layout/hierarchy6"/>
-    <dgm:cxn modelId="{C8563C0B-EE56-44DB-8E1D-D32323A5A011}" type="presParOf" srcId="{D0547627-E25A-4C20-A8FE-47B69A4219CF}" destId="{A394A375-99C7-430F-919D-3365A866BC9B}" srcOrd="2" destOrd="0" presId="urn:microsoft.com/office/officeart/2005/8/layout/hierarchy6"/>
-    <dgm:cxn modelId="{71F81B43-9840-41A9-AC1C-94C87976BAF6}" type="presParOf" srcId="{D0547627-E25A-4C20-A8FE-47B69A4219CF}" destId="{9849A1BE-D14B-4D81-B67E-A4F135AE9A09}" srcOrd="3" destOrd="0" presId="urn:microsoft.com/office/officeart/2005/8/layout/hierarchy6"/>
-    <dgm:cxn modelId="{AC7D8F78-B4DE-47F4-B3F6-B74955CE4F77}" type="presParOf" srcId="{9849A1BE-D14B-4D81-B67E-A4F135AE9A09}" destId="{CD4EC904-BEBF-4E6F-B665-23A079759C19}" srcOrd="0" destOrd="0" presId="urn:microsoft.com/office/officeart/2005/8/layout/hierarchy6"/>
-    <dgm:cxn modelId="{153C7B33-97BF-4D54-8128-B7BFB8455D0B}" type="presParOf" srcId="{9849A1BE-D14B-4D81-B67E-A4F135AE9A09}" destId="{BE8AE3C5-9966-4A87-8FE3-71A4AB88CBF1}" srcOrd="1" destOrd="0" presId="urn:microsoft.com/office/officeart/2005/8/layout/hierarchy6"/>
-    <dgm:cxn modelId="{D9AEE9BE-1EA0-4200-A435-9895FA7C1B0D}" type="presParOf" srcId="{BE8AE3C5-9966-4A87-8FE3-71A4AB88CBF1}" destId="{776D28A1-896A-4837-843B-9D58F4EC836B}" srcOrd="0" destOrd="0" presId="urn:microsoft.com/office/officeart/2005/8/layout/hierarchy6"/>
-    <dgm:cxn modelId="{6D4959FC-531F-4413-AA78-995E769C74E8}" type="presParOf" srcId="{BE8AE3C5-9966-4A87-8FE3-71A4AB88CBF1}" destId="{FBF6F6E8-C9C9-4A1E-AC7A-EAF6635A1DD8}" srcOrd="1" destOrd="0" presId="urn:microsoft.com/office/officeart/2005/8/layout/hierarchy6"/>
-    <dgm:cxn modelId="{1E08A99D-3B32-4186-AD27-A9CBBB74111D}" type="presParOf" srcId="{FBF6F6E8-C9C9-4A1E-AC7A-EAF6635A1DD8}" destId="{A907B97B-57B6-4AA4-A4B1-A15A8C26B25E}" srcOrd="0" destOrd="0" presId="urn:microsoft.com/office/officeart/2005/8/layout/hierarchy6"/>
-    <dgm:cxn modelId="{2E95D7F6-9F93-4E08-9A20-12838B4299FD}" type="presParOf" srcId="{FBF6F6E8-C9C9-4A1E-AC7A-EAF6635A1DD8}" destId="{0F7B012C-54E4-4E5D-9D70-4DC94B2F3AE7}" srcOrd="1" destOrd="0" presId="urn:microsoft.com/office/officeart/2005/8/layout/hierarchy6"/>
-    <dgm:cxn modelId="{803E9760-2FDF-4847-BC85-AD4CB41B1B3E}" type="presParOf" srcId="{BE8AE3C5-9966-4A87-8FE3-71A4AB88CBF1}" destId="{5B6A780A-B50D-4544-B4A4-40B578FF58AE}" srcOrd="2" destOrd="0" presId="urn:microsoft.com/office/officeart/2005/8/layout/hierarchy6"/>
-    <dgm:cxn modelId="{16C64108-26C1-4BA3-A4CC-61006B1434F3}" type="presParOf" srcId="{BE8AE3C5-9966-4A87-8FE3-71A4AB88CBF1}" destId="{30C640FB-3CF5-42AC-8C16-490F591051FE}" srcOrd="3" destOrd="0" presId="urn:microsoft.com/office/officeart/2005/8/layout/hierarchy6"/>
-    <dgm:cxn modelId="{7F8DF777-23A1-4F60-9821-96587FE480FB}" type="presParOf" srcId="{30C640FB-3CF5-42AC-8C16-490F591051FE}" destId="{17DD1A3F-ED07-4398-9220-5AC1FDA0C52A}" srcOrd="0" destOrd="0" presId="urn:microsoft.com/office/officeart/2005/8/layout/hierarchy6"/>
-    <dgm:cxn modelId="{E39A80D5-BE5F-4ED1-A988-A3C233A0C7D2}" type="presParOf" srcId="{30C640FB-3CF5-42AC-8C16-490F591051FE}" destId="{42F947EE-A0B4-4DBD-87DF-5BDF999BF8E8}" srcOrd="1" destOrd="0" presId="urn:microsoft.com/office/officeart/2005/8/layout/hierarchy6"/>
-    <dgm:cxn modelId="{7139FD84-7BE2-4B49-902F-0536BF603676}" type="presParOf" srcId="{43FCC05D-CE1F-4E06-8DDC-91601C92D1A6}" destId="{E1441E74-DFF0-4FDD-A87B-5C7D3F8CB9C1}" srcOrd="2" destOrd="0" presId="urn:microsoft.com/office/officeart/2005/8/layout/hierarchy6"/>
-    <dgm:cxn modelId="{2287AA44-5C74-49D6-B6EA-41956BB0B721}" type="presParOf" srcId="{43FCC05D-CE1F-4E06-8DDC-91601C92D1A6}" destId="{E4E0CAE4-5378-4C48-8B70-34F7D1C32529}" srcOrd="3" destOrd="0" presId="urn:microsoft.com/office/officeart/2005/8/layout/hierarchy6"/>
-    <dgm:cxn modelId="{5B7781F1-FD70-4589-976A-D5AD10640C6E}" type="presParOf" srcId="{E4E0CAE4-5378-4C48-8B70-34F7D1C32529}" destId="{B00885B9-E24B-4380-8776-2C7A505AE04A}" srcOrd="0" destOrd="0" presId="urn:microsoft.com/office/officeart/2005/8/layout/hierarchy6"/>
-    <dgm:cxn modelId="{4AE205C9-108F-46CE-ABE0-68BF91E3BAC3}" type="presParOf" srcId="{E4E0CAE4-5378-4C48-8B70-34F7D1C32529}" destId="{145D6DAF-E55C-41D3-9AA1-5787AE07BE66}" srcOrd="1" destOrd="0" presId="urn:microsoft.com/office/officeart/2005/8/layout/hierarchy6"/>
-    <dgm:cxn modelId="{8CFA5823-C5A5-44ED-A1E7-C8F8D3C19967}" type="presParOf" srcId="{145D6DAF-E55C-41D3-9AA1-5787AE07BE66}" destId="{17ECFE45-BF85-496C-86A5-FCE9FDF1B031}" srcOrd="0" destOrd="0" presId="urn:microsoft.com/office/officeart/2005/8/layout/hierarchy6"/>
-    <dgm:cxn modelId="{7CB76AD0-85A9-4315-85C7-2134F4C02BD5}" type="presParOf" srcId="{145D6DAF-E55C-41D3-9AA1-5787AE07BE66}" destId="{B26A942C-5C6A-4ADB-8D70-4D905058A6D9}" srcOrd="1" destOrd="0" presId="urn:microsoft.com/office/officeart/2005/8/layout/hierarchy6"/>
-    <dgm:cxn modelId="{009E3F71-1C05-4188-82F5-27DBFE99ECDF}" type="presParOf" srcId="{B26A942C-5C6A-4ADB-8D70-4D905058A6D9}" destId="{C4D1141A-CC53-454B-9BD2-16C9F97C6850}" srcOrd="0" destOrd="0" presId="urn:microsoft.com/office/officeart/2005/8/layout/hierarchy6"/>
-    <dgm:cxn modelId="{6FC23B16-F7AE-4911-AE83-B35F6C4906A7}" type="presParOf" srcId="{B26A942C-5C6A-4ADB-8D70-4D905058A6D9}" destId="{6AD2D118-9B8B-4416-B4E2-3A7A785C2D10}" srcOrd="1" destOrd="0" presId="urn:microsoft.com/office/officeart/2005/8/layout/hierarchy6"/>
-    <dgm:cxn modelId="{4F302054-F861-49F0-B93E-309E1D58A112}" type="presParOf" srcId="{6AD2D118-9B8B-4416-B4E2-3A7A785C2D10}" destId="{DD98744D-9D72-4929-9AB7-E8B7188FAB84}" srcOrd="0" destOrd="0" presId="urn:microsoft.com/office/officeart/2005/8/layout/hierarchy6"/>
-    <dgm:cxn modelId="{DE0AD136-1A90-41D2-968D-1F63CE036426}" type="presParOf" srcId="{6AD2D118-9B8B-4416-B4E2-3A7A785C2D10}" destId="{BE257EA2-5C24-470C-8DCE-A19034ED422F}" srcOrd="1" destOrd="0" presId="urn:microsoft.com/office/officeart/2005/8/layout/hierarchy6"/>
-    <dgm:cxn modelId="{7F289232-E1AB-4F8E-9A63-539CB2C8F406}" type="presParOf" srcId="{BE257EA2-5C24-470C-8DCE-A19034ED422F}" destId="{60E2B908-0339-48A8-B511-7FB2296C73A0}" srcOrd="0" destOrd="0" presId="urn:microsoft.com/office/officeart/2005/8/layout/hierarchy6"/>
-    <dgm:cxn modelId="{2887F9B2-6780-4BA9-8252-547C9BE118E0}" type="presParOf" srcId="{BE257EA2-5C24-470C-8DCE-A19034ED422F}" destId="{5082505A-8958-41E4-BE0D-4FA59E68B5ED}" srcOrd="1" destOrd="0" presId="urn:microsoft.com/office/officeart/2005/8/layout/hierarchy6"/>
-    <dgm:cxn modelId="{A93B0DEB-734E-41C7-9D90-A56A17FA38B0}" type="presParOf" srcId="{6AD2D118-9B8B-4416-B4E2-3A7A785C2D10}" destId="{2F84EBD1-F1A1-469F-BB64-84626DEC3FE5}" srcOrd="2" destOrd="0" presId="urn:microsoft.com/office/officeart/2005/8/layout/hierarchy6"/>
-    <dgm:cxn modelId="{2B8316F8-CF30-476C-958A-95D11543A1E8}" type="presParOf" srcId="{6AD2D118-9B8B-4416-B4E2-3A7A785C2D10}" destId="{3FDA5A4F-8379-484A-AAF8-4C3FBFEC44FF}" srcOrd="3" destOrd="0" presId="urn:microsoft.com/office/officeart/2005/8/layout/hierarchy6"/>
-    <dgm:cxn modelId="{2E49B4BF-F878-4CFC-8841-CF80AFCF54B1}" type="presParOf" srcId="{3FDA5A4F-8379-484A-AAF8-4C3FBFEC44FF}" destId="{AD9BB9F6-4B97-4CD1-97FF-A2BFBE11A26A}" srcOrd="0" destOrd="0" presId="urn:microsoft.com/office/officeart/2005/8/layout/hierarchy6"/>
-    <dgm:cxn modelId="{BD35B193-608E-4177-BBC2-87249509AE9D}" type="presParOf" srcId="{3FDA5A4F-8379-484A-AAF8-4C3FBFEC44FF}" destId="{1030C25C-79F1-4A89-B5E7-D2736F170C19}" srcOrd="1" destOrd="0" presId="urn:microsoft.com/office/officeart/2005/8/layout/hierarchy6"/>
-    <dgm:cxn modelId="{AAE38E00-EEAA-4769-91D0-7AF28A4CB7AC}" type="presParOf" srcId="{145D6DAF-E55C-41D3-9AA1-5787AE07BE66}" destId="{3420DE1F-F791-4A3F-BB8E-16BB7C36B1B7}" srcOrd="2" destOrd="0" presId="urn:microsoft.com/office/officeart/2005/8/layout/hierarchy6"/>
-    <dgm:cxn modelId="{AD6E5070-31FB-4619-AAEE-4EB596BE65B4}" type="presParOf" srcId="{145D6DAF-E55C-41D3-9AA1-5787AE07BE66}" destId="{C4A4DCBB-B629-4D9F-B3D0-0FEEAFC92FDA}" srcOrd="3" destOrd="0" presId="urn:microsoft.com/office/officeart/2005/8/layout/hierarchy6"/>
-    <dgm:cxn modelId="{11199270-DE60-44EC-9E15-BF0A01F6F275}" type="presParOf" srcId="{C4A4DCBB-B629-4D9F-B3D0-0FEEAFC92FDA}" destId="{38C9458A-ABC9-4739-BC7E-430C33421FAE}" srcOrd="0" destOrd="0" presId="urn:microsoft.com/office/officeart/2005/8/layout/hierarchy6"/>
-    <dgm:cxn modelId="{470D5A99-B3D6-434B-A27B-8706BC91081F}" type="presParOf" srcId="{C4A4DCBB-B629-4D9F-B3D0-0FEEAFC92FDA}" destId="{01ACBC17-0D97-4B96-8566-C7B53CA61A6D}" srcOrd="1" destOrd="0" presId="urn:microsoft.com/office/officeart/2005/8/layout/hierarchy6"/>
-    <dgm:cxn modelId="{26996325-E7B7-4E97-8B85-8BAAAA17AA2C}" type="presParOf" srcId="{01ACBC17-0D97-4B96-8566-C7B53CA61A6D}" destId="{8039987C-A271-49A4-9F09-B6423BEFB495}" srcOrd="0" destOrd="0" presId="urn:microsoft.com/office/officeart/2005/8/layout/hierarchy6"/>
-    <dgm:cxn modelId="{197D0CF8-F383-47A7-91DF-C1AF3E034BA8}" type="presParOf" srcId="{01ACBC17-0D97-4B96-8566-C7B53CA61A6D}" destId="{2C35557D-C6C9-48E0-B33B-BD476BFC5D5C}" srcOrd="1" destOrd="0" presId="urn:microsoft.com/office/officeart/2005/8/layout/hierarchy6"/>
-    <dgm:cxn modelId="{A0F21A15-FFB5-4B1F-BA0C-64BA0FFAA872}" type="presParOf" srcId="{2C35557D-C6C9-48E0-B33B-BD476BFC5D5C}" destId="{F314310E-3B7F-4BB8-8BCF-245F9C3375E7}" srcOrd="0" destOrd="0" presId="urn:microsoft.com/office/officeart/2005/8/layout/hierarchy6"/>
-    <dgm:cxn modelId="{485CA5F2-D30C-4D32-9326-16C4B5AFD6E4}" type="presParOf" srcId="{2C35557D-C6C9-48E0-B33B-BD476BFC5D5C}" destId="{9E36A9A5-CA7F-4EA9-8850-E2F38CB3A354}" srcOrd="1" destOrd="0" presId="urn:microsoft.com/office/officeart/2005/8/layout/hierarchy6"/>
-    <dgm:cxn modelId="{29B4876F-0543-4C76-BA56-971874B11C2D}" type="presParOf" srcId="{1BECA6C4-6D56-4BBB-9411-337B74116256}" destId="{39D66EC1-3994-4104-AF14-B78EBD142657}" srcOrd="1" destOrd="0" presId="urn:microsoft.com/office/officeart/2005/8/layout/hierarchy6"/>
-    <dgm:cxn modelId="{BFBC560E-6FDA-4749-B9FB-3AFC4CFC56F2}" type="presParOf" srcId="{39D66EC1-3994-4104-AF14-B78EBD142657}" destId="{498317B1-6332-4C32-8D19-EE853F874A0C}" srcOrd="0" destOrd="0" presId="urn:microsoft.com/office/officeart/2005/8/layout/hierarchy6"/>
-    <dgm:cxn modelId="{D7C03441-0F72-49BE-BCBF-5C95B2A1FD23}" type="presParOf" srcId="{498317B1-6332-4C32-8D19-EE853F874A0C}" destId="{C8849357-154D-4C6F-A755-6FFE34A7B3F5}" srcOrd="0" destOrd="0" presId="urn:microsoft.com/office/officeart/2005/8/layout/hierarchy6"/>
-    <dgm:cxn modelId="{5A93F728-988F-4B14-8668-3E7441B366CF}" type="presParOf" srcId="{498317B1-6332-4C32-8D19-EE853F874A0C}" destId="{ECCBD3B2-61EB-4705-BD0E-4CCDA06FD7F5}" srcOrd="1" destOrd="0" presId="urn:microsoft.com/office/officeart/2005/8/layout/hierarchy6"/>
-    <dgm:cxn modelId="{97618DB1-A6E7-4890-807E-04B09587A2D2}" type="presParOf" srcId="{39D66EC1-3994-4104-AF14-B78EBD142657}" destId="{CB2D5BC2-3C1F-485E-AA7C-55A91010F5EB}" srcOrd="1" destOrd="0" presId="urn:microsoft.com/office/officeart/2005/8/layout/hierarchy6"/>
-    <dgm:cxn modelId="{C968FB2E-7B5C-458F-B5A3-5032ED4D1CC4}" type="presParOf" srcId="{CB2D5BC2-3C1F-485E-AA7C-55A91010F5EB}" destId="{37F8F09D-699B-4C0B-8491-77BDEE0F314D}" srcOrd="0" destOrd="0" presId="urn:microsoft.com/office/officeart/2005/8/layout/hierarchy6"/>
-    <dgm:cxn modelId="{0DD4F37A-36F2-47BD-9A18-6038C9EB3BCF}" type="presParOf" srcId="{39D66EC1-3994-4104-AF14-B78EBD142657}" destId="{FF321360-1372-451A-B4D7-5A4E29B5134E}" srcOrd="2" destOrd="0" presId="urn:microsoft.com/office/officeart/2005/8/layout/hierarchy6"/>
-    <dgm:cxn modelId="{C09DC2DF-BC35-41AA-941A-057CF2CB5416}" type="presParOf" srcId="{FF321360-1372-451A-B4D7-5A4E29B5134E}" destId="{1DE8B0B1-D863-472F-9FA5-2ABE2316C376}" srcOrd="0" destOrd="0" presId="urn:microsoft.com/office/officeart/2005/8/layout/hierarchy6"/>
-    <dgm:cxn modelId="{DE5817B1-095B-4818-94B2-D6A479226927}" type="presParOf" srcId="{FF321360-1372-451A-B4D7-5A4E29B5134E}" destId="{5CA3C01F-EF5C-402C-AEC5-F59EDAAA728A}" srcOrd="1" destOrd="0" presId="urn:microsoft.com/office/officeart/2005/8/layout/hierarchy6"/>
-    <dgm:cxn modelId="{1FD82471-3517-44F6-8420-854C880734F0}" type="presParOf" srcId="{39D66EC1-3994-4104-AF14-B78EBD142657}" destId="{EA315E09-08B0-4AF3-B8D6-38870AF5E2D3}" srcOrd="3" destOrd="0" presId="urn:microsoft.com/office/officeart/2005/8/layout/hierarchy6"/>
-    <dgm:cxn modelId="{713DDE00-FC09-4192-823F-3E75EF53DE32}" type="presParOf" srcId="{EA315E09-08B0-4AF3-B8D6-38870AF5E2D3}" destId="{5D3574F5-5CED-474D-8B4A-45112A1BABBF}" srcOrd="0" destOrd="0" presId="urn:microsoft.com/office/officeart/2005/8/layout/hierarchy6"/>
-    <dgm:cxn modelId="{FE277609-E6CD-49B6-B383-0A14B75CC041}" type="presParOf" srcId="{39D66EC1-3994-4104-AF14-B78EBD142657}" destId="{768B5B8B-08F6-4ED3-A759-94A49A7153C5}" srcOrd="4" destOrd="0" presId="urn:microsoft.com/office/officeart/2005/8/layout/hierarchy6"/>
-    <dgm:cxn modelId="{D131FB7F-3A3C-4FB9-B892-BDB95E974A55}" type="presParOf" srcId="{768B5B8B-08F6-4ED3-A759-94A49A7153C5}" destId="{599EC7A2-D025-460C-842C-0F11618A7DA2}" srcOrd="0" destOrd="0" presId="urn:microsoft.com/office/officeart/2005/8/layout/hierarchy6"/>
-    <dgm:cxn modelId="{B1AC1980-6CF3-48BF-823F-5DC52BB5C558}" type="presParOf" srcId="{768B5B8B-08F6-4ED3-A759-94A49A7153C5}" destId="{FEEB547A-7F76-4A7B-B514-238FB6163DB7}" srcOrd="1" destOrd="0" presId="urn:microsoft.com/office/officeart/2005/8/layout/hierarchy6"/>
-    <dgm:cxn modelId="{D0FC25C9-D9D7-43E2-9132-E3E0CC89F260}" type="presParOf" srcId="{39D66EC1-3994-4104-AF14-B78EBD142657}" destId="{63DBBE65-9D09-4FD0-A739-7AA6A5F348EC}" srcOrd="5" destOrd="0" presId="urn:microsoft.com/office/officeart/2005/8/layout/hierarchy6"/>
-    <dgm:cxn modelId="{B85B3EE3-5793-40DC-8290-1F6C557F06CC}" type="presParOf" srcId="{63DBBE65-9D09-4FD0-A739-7AA6A5F348EC}" destId="{947533D3-B58A-4145-9F95-1035A1EC19AD}" srcOrd="0" destOrd="0" presId="urn:microsoft.com/office/officeart/2005/8/layout/hierarchy6"/>
-    <dgm:cxn modelId="{AB300019-23B0-4AC3-9ACB-0BD785185660}" type="presParOf" srcId="{39D66EC1-3994-4104-AF14-B78EBD142657}" destId="{BBC6D892-D696-47B9-AB8E-7E2BE18F12E1}" srcOrd="6" destOrd="0" presId="urn:microsoft.com/office/officeart/2005/8/layout/hierarchy6"/>
-    <dgm:cxn modelId="{8D0F6231-198A-4AB2-941F-102C84123C38}" type="presParOf" srcId="{BBC6D892-D696-47B9-AB8E-7E2BE18F12E1}" destId="{B659A45F-E8DC-4D75-910E-52A21731D3A3}" srcOrd="0" destOrd="0" presId="urn:microsoft.com/office/officeart/2005/8/layout/hierarchy6"/>
-    <dgm:cxn modelId="{0EA7A09B-C46D-4ACA-AC4A-D835C18CD58C}" type="presParOf" srcId="{BBC6D892-D696-47B9-AB8E-7E2BE18F12E1}" destId="{3858C2BB-F29A-461D-87C2-F98EC6DFB565}" srcOrd="1" destOrd="0" presId="urn:microsoft.com/office/officeart/2005/8/layout/hierarchy6"/>
-  </dgm:cxnLst>
-  <dgm:bg/>
-  <dgm:whole/>
-  <dgm:extLst>
-    <a:ext uri="http://schemas.microsoft.com/office/drawing/2008/diagram">
-      <dsp:dataModelExt xmlns:dsp="http://schemas.microsoft.com/office/drawing/2008/diagram" relId="rId9" minVer="http://schemas.openxmlformats.org/drawingml/2006/diagram"/>
-    </a:ext>
-  </dgm:extLst>
-</dgm:dataModel>
-</file>
-
-<file path=ppt/diagrams/data2.xml><?xml version="1.0" encoding="utf-8"?>
 <dgm:dataModel xmlns:dgm="http://schemas.openxmlformats.org/drawingml/2006/diagram" xmlns:a="http://schemas.openxmlformats.org/drawingml/2006/main">
   <dgm:ptLst>
     <dgm:pt modelId="{F0F6B17E-9533-4727-B3CC-A6D0466AC596}" type="doc">
@@ -4161,13 +2261,20 @@
     </dgm:pt>
     <dgm:pt modelId="{A127E4B3-65AD-4248-95B2-95D5289D7EA9}">
       <dgm:prSet phldrT="[Text]"/>
-      <dgm:spPr/>
+      <dgm:spPr>
+        <a:solidFill>
+          <a:srgbClr val="672483"/>
+        </a:solidFill>
+      </dgm:spPr>
       <dgm:t>
         <a:bodyPr/>
         <a:lstStyle/>
         <a:p>
           <a:r>
-            <a:rPr lang="en-US" noProof="0" dirty="0"/>
+            <a:rPr lang="en-US" noProof="0" dirty="0">
+              <a:latin typeface="Roboto" panose="02000000000000000000" pitchFamily="2" charset="0"/>
+              <a:ea typeface="Roboto" panose="02000000000000000000" pitchFamily="2" charset="0"/>
+            </a:rPr>
             <a:t>Creator</a:t>
           </a:r>
         </a:p>
@@ -4186,7 +2293,11 @@
     </dgm:pt>
     <dgm:pt modelId="{1D659693-0E7A-4638-9B8A-23A860592A72}" type="sibTrans" cxnId="{426FE093-C152-4565-8B88-75EEA7DB8FBF}">
       <dgm:prSet/>
-      <dgm:spPr/>
+      <dgm:spPr>
+        <a:solidFill>
+          <a:srgbClr val="672483"/>
+        </a:solidFill>
+      </dgm:spPr>
       <dgm:t>
         <a:bodyPr/>
         <a:lstStyle/>
@@ -4233,13 +2344,20 @@
     </dgm:pt>
     <dgm:pt modelId="{D4F9471E-5DB8-4527-8A9A-3BA1BC9BC03D}">
       <dgm:prSet phldrT="[Text]"/>
-      <dgm:spPr/>
+      <dgm:spPr>
+        <a:solidFill>
+          <a:srgbClr val="FFB100"/>
+        </a:solidFill>
+      </dgm:spPr>
       <dgm:t>
         <a:bodyPr/>
         <a:lstStyle/>
         <a:p>
           <a:r>
-            <a:rPr lang="en-US" noProof="0" dirty="0"/>
+            <a:rPr lang="en-US" noProof="0" dirty="0">
+              <a:latin typeface="Roboto" panose="02000000000000000000" pitchFamily="2" charset="0"/>
+              <a:ea typeface="Roboto" panose="02000000000000000000" pitchFamily="2" charset="0"/>
+            </a:rPr>
             <a:t>Operator</a:t>
           </a:r>
         </a:p>
@@ -4258,7 +2376,11 @@
     </dgm:pt>
     <dgm:pt modelId="{DAD872BC-E1FE-4473-A5D3-4F8E2CB8E824}" type="sibTrans" cxnId="{2D2FDEF7-9A24-42CF-B35C-67E7BBBE1978}">
       <dgm:prSet/>
-      <dgm:spPr/>
+      <dgm:spPr>
+        <a:solidFill>
+          <a:srgbClr val="FFB100"/>
+        </a:solidFill>
+      </dgm:spPr>
       <dgm:t>
         <a:bodyPr/>
         <a:lstStyle/>
@@ -4305,13 +2427,20 @@
     </dgm:pt>
     <dgm:pt modelId="{939A1577-2324-43EB-B7C5-B0BEC8FE22DE}">
       <dgm:prSet phldrT="[Text]"/>
-      <dgm:spPr/>
+      <dgm:spPr>
+        <a:solidFill>
+          <a:srgbClr val="96C11F"/>
+        </a:solidFill>
+      </dgm:spPr>
       <dgm:t>
         <a:bodyPr/>
         <a:lstStyle/>
         <a:p>
           <a:r>
-            <a:rPr lang="en-US" noProof="0" dirty="0"/>
+            <a:rPr lang="en-US" noProof="0" dirty="0">
+              <a:latin typeface="Roboto" panose="02000000000000000000" pitchFamily="2" charset="0"/>
+              <a:ea typeface="Roboto" panose="02000000000000000000" pitchFamily="2" charset="0"/>
+            </a:rPr>
             <a:t>Dealer</a:t>
           </a:r>
         </a:p>
@@ -4449,13 +2578,20 @@
     </dgm:pt>
     <dgm:pt modelId="{F1503044-3191-2B40-BFBF-6E829B69DD55}">
       <dgm:prSet phldrT="[Text]"/>
-      <dgm:spPr/>
+      <dgm:spPr>
+        <a:solidFill>
+          <a:srgbClr val="96C11F"/>
+        </a:solidFill>
+      </dgm:spPr>
       <dgm:t>
         <a:bodyPr/>
         <a:lstStyle/>
         <a:p>
           <a:r>
-            <a:rPr lang="en-US" noProof="0" dirty="0"/>
+            <a:rPr lang="en-US" noProof="0" dirty="0">
+              <a:latin typeface="Roboto" panose="02000000000000000000" pitchFamily="2" charset="0"/>
+              <a:ea typeface="Roboto" panose="02000000000000000000" pitchFamily="2" charset="0"/>
+            </a:rPr>
             <a:t>Dealer</a:t>
           </a:r>
         </a:p>
@@ -4474,7 +2610,11 @@
     </dgm:pt>
     <dgm:pt modelId="{4D7A16A2-CE58-5948-9F62-CFDD055D3D1A}" type="sibTrans" cxnId="{9B709158-4505-6A4F-BE49-878115C360B2}">
       <dgm:prSet/>
-      <dgm:spPr/>
+      <dgm:spPr>
+        <a:solidFill>
+          <a:srgbClr val="96C11F"/>
+        </a:solidFill>
+      </dgm:spPr>
       <dgm:t>
         <a:bodyPr/>
         <a:lstStyle/>
@@ -4557,13 +2697,20 @@
     </dgm:pt>
     <dgm:pt modelId="{84ED0DD6-2D8A-0349-9399-576CDDD53DF0}">
       <dgm:prSet phldrT="[Text]"/>
-      <dgm:spPr/>
+      <dgm:spPr>
+        <a:solidFill>
+          <a:srgbClr val="96C11F"/>
+        </a:solidFill>
+      </dgm:spPr>
       <dgm:t>
         <a:bodyPr/>
         <a:lstStyle/>
         <a:p>
           <a:r>
-            <a:rPr lang="en-US" noProof="0" dirty="0"/>
+            <a:rPr lang="en-US" noProof="0" dirty="0">
+              <a:latin typeface="Roboto" panose="02000000000000000000" pitchFamily="2" charset="0"/>
+              <a:ea typeface="Roboto" panose="02000000000000000000" pitchFamily="2" charset="0"/>
+            </a:rPr>
             <a:t>Dealer</a:t>
           </a:r>
         </a:p>
@@ -4582,7 +2729,11 @@
     </dgm:pt>
     <dgm:pt modelId="{315073EB-AD4A-E445-B9F1-C9EC7889E6C7}" type="sibTrans" cxnId="{CF69D8EB-4D22-B640-8B7A-7EA856F7A9CA}">
       <dgm:prSet/>
-      <dgm:spPr/>
+      <dgm:spPr>
+        <a:solidFill>
+          <a:srgbClr val="96C11F"/>
+        </a:solidFill>
+      </dgm:spPr>
       <dgm:t>
         <a:bodyPr/>
         <a:lstStyle/>
@@ -5136,2086 +3287,6 @@
       <dsp:cNvGrpSpPr/>
     </dsp:nvGrpSpPr>
     <dsp:grpSpPr/>
-    <dsp:sp modelId="{B659A45F-E8DC-4D75-910E-52A21731D3A3}">
-      <dsp:nvSpPr>
-        <dsp:cNvPr id="0" name=""/>
-        <dsp:cNvSpPr/>
-      </dsp:nvSpPr>
-      <dsp:spPr>
-        <a:xfrm>
-          <a:off x="0" y="3143371"/>
-          <a:ext cx="10515600" cy="761970"/>
-        </a:xfrm>
-        <a:prstGeom prst="roundRect">
-          <a:avLst>
-            <a:gd name="adj" fmla="val 10000"/>
-          </a:avLst>
-        </a:prstGeom>
-        <a:solidFill>
-          <a:schemeClr val="accent6">
-            <a:lumMod val="40000"/>
-            <a:lumOff val="60000"/>
-          </a:schemeClr>
-        </a:solidFill>
-        <a:ln>
-          <a:noFill/>
-        </a:ln>
-        <a:effectLst/>
-      </dsp:spPr>
-      <dsp:style>
-        <a:lnRef idx="0">
-          <a:scrgbClr r="0" g="0" b="0"/>
-        </a:lnRef>
-        <a:fillRef idx="1">
-          <a:scrgbClr r="0" g="0" b="0"/>
-        </a:fillRef>
-        <a:effectRef idx="0">
-          <a:scrgbClr r="0" g="0" b="0"/>
-        </a:effectRef>
-        <a:fontRef idx="minor"/>
-      </dsp:style>
-      <dsp:txBody>
-        <a:bodyPr spcFirstLastPara="0" vert="horz" wrap="square" lIns="192024" tIns="192024" rIns="192024" bIns="192024" numCol="1" spcCol="1270" anchor="ctr" anchorCtr="0">
-          <a:noAutofit/>
-        </a:bodyPr>
-        <a:lstStyle/>
-        <a:p>
-          <a:pPr marL="0" lvl="0" indent="0" algn="l" defTabSz="1200150">
-            <a:lnSpc>
-              <a:spcPct val="90000"/>
-            </a:lnSpc>
-            <a:spcBef>
-              <a:spcPct val="0"/>
-            </a:spcBef>
-            <a:spcAft>
-              <a:spcPct val="35000"/>
-            </a:spcAft>
-            <a:buNone/>
-          </a:pPr>
-          <a:r>
-            <a:rPr lang="en-US" sz="2700" kern="1200" noProof="0" dirty="0"/>
-            <a:t>Outlet</a:t>
-          </a:r>
-        </a:p>
-      </dsp:txBody>
-      <dsp:txXfrm>
-        <a:off x="0" y="3143371"/>
-        <a:ext cx="3154680" cy="761970"/>
-      </dsp:txXfrm>
-    </dsp:sp>
-    <dsp:sp modelId="{599EC7A2-D025-460C-842C-0F11618A7DA2}">
-      <dsp:nvSpPr>
-        <dsp:cNvPr id="0" name=""/>
-        <dsp:cNvSpPr/>
-      </dsp:nvSpPr>
-      <dsp:spPr>
-        <a:xfrm>
-          <a:off x="0" y="2239166"/>
-          <a:ext cx="10515600" cy="761970"/>
-        </a:xfrm>
-        <a:prstGeom prst="roundRect">
-          <a:avLst>
-            <a:gd name="adj" fmla="val 10000"/>
-          </a:avLst>
-        </a:prstGeom>
-        <a:solidFill>
-          <a:schemeClr val="accent1">
-            <a:lumMod val="20000"/>
-            <a:lumOff val="80000"/>
-          </a:schemeClr>
-        </a:solidFill>
-        <a:ln>
-          <a:noFill/>
-        </a:ln>
-        <a:effectLst/>
-      </dsp:spPr>
-      <dsp:style>
-        <a:lnRef idx="0">
-          <a:scrgbClr r="0" g="0" b="0"/>
-        </a:lnRef>
-        <a:fillRef idx="1">
-          <a:scrgbClr r="0" g="0" b="0"/>
-        </a:fillRef>
-        <a:effectRef idx="0">
-          <a:scrgbClr r="0" g="0" b="0"/>
-        </a:effectRef>
-        <a:fontRef idx="minor"/>
-      </dsp:style>
-      <dsp:txBody>
-        <a:bodyPr spcFirstLastPara="0" vert="horz" wrap="square" lIns="192024" tIns="192024" rIns="192024" bIns="192024" numCol="1" spcCol="1270" anchor="ctr" anchorCtr="0">
-          <a:noAutofit/>
-        </a:bodyPr>
-        <a:lstStyle/>
-        <a:p>
-          <a:pPr marL="0" lvl="0" indent="0" algn="l" defTabSz="1200150">
-            <a:lnSpc>
-              <a:spcPct val="90000"/>
-            </a:lnSpc>
-            <a:spcBef>
-              <a:spcPct val="0"/>
-            </a:spcBef>
-            <a:spcAft>
-              <a:spcPct val="35000"/>
-            </a:spcAft>
-            <a:buNone/>
-          </a:pPr>
-          <a:r>
-            <a:rPr lang="en-US" sz="2700" kern="1200" noProof="0" dirty="0"/>
-            <a:t>POS Operator</a:t>
-          </a:r>
-        </a:p>
-      </dsp:txBody>
-      <dsp:txXfrm>
-        <a:off x="0" y="2239166"/>
-        <a:ext cx="3154680" cy="761970"/>
-      </dsp:txXfrm>
-    </dsp:sp>
-    <dsp:sp modelId="{1DE8B0B1-D863-472F-9FA5-2ABE2316C376}">
-      <dsp:nvSpPr>
-        <dsp:cNvPr id="0" name=""/>
-        <dsp:cNvSpPr/>
-      </dsp:nvSpPr>
-      <dsp:spPr>
-        <a:xfrm>
-          <a:off x="0" y="1350201"/>
-          <a:ext cx="10515600" cy="761970"/>
-        </a:xfrm>
-        <a:prstGeom prst="roundRect">
-          <a:avLst>
-            <a:gd name="adj" fmla="val 10000"/>
-          </a:avLst>
-        </a:prstGeom>
-        <a:solidFill>
-          <a:schemeClr val="accent1">
-            <a:lumMod val="20000"/>
-            <a:lumOff val="80000"/>
-          </a:schemeClr>
-        </a:solidFill>
-        <a:ln>
-          <a:noFill/>
-        </a:ln>
-        <a:effectLst/>
-      </dsp:spPr>
-      <dsp:style>
-        <a:lnRef idx="0">
-          <a:scrgbClr r="0" g="0" b="0"/>
-        </a:lnRef>
-        <a:fillRef idx="1">
-          <a:scrgbClr r="0" g="0" b="0"/>
-        </a:fillRef>
-        <a:effectRef idx="0">
-          <a:scrgbClr r="0" g="0" b="0"/>
-        </a:effectRef>
-        <a:fontRef idx="minor"/>
-      </dsp:style>
-      <dsp:txBody>
-        <a:bodyPr spcFirstLastPara="0" vert="horz" wrap="square" lIns="192024" tIns="192024" rIns="192024" bIns="192024" numCol="1" spcCol="1270" anchor="ctr" anchorCtr="0">
-          <a:noAutofit/>
-        </a:bodyPr>
-        <a:lstStyle/>
-        <a:p>
-          <a:pPr marL="0" lvl="0" indent="0" algn="l" defTabSz="1200150">
-            <a:lnSpc>
-              <a:spcPct val="90000"/>
-            </a:lnSpc>
-            <a:spcBef>
-              <a:spcPct val="0"/>
-            </a:spcBef>
-            <a:spcAft>
-              <a:spcPct val="35000"/>
-            </a:spcAft>
-            <a:buNone/>
-          </a:pPr>
-          <a:r>
-            <a:rPr lang="en-US" sz="2700" kern="1200" noProof="0" dirty="0"/>
-            <a:t>POS Dealer</a:t>
-          </a:r>
-        </a:p>
-      </dsp:txBody>
-      <dsp:txXfrm>
-        <a:off x="0" y="1350201"/>
-        <a:ext cx="3154680" cy="761970"/>
-      </dsp:txXfrm>
-    </dsp:sp>
-    <dsp:sp modelId="{C8849357-154D-4C6F-A755-6FFE34A7B3F5}">
-      <dsp:nvSpPr>
-        <dsp:cNvPr id="0" name=""/>
-        <dsp:cNvSpPr/>
-      </dsp:nvSpPr>
-      <dsp:spPr>
-        <a:xfrm>
-          <a:off x="0" y="416988"/>
-          <a:ext cx="10515600" cy="761970"/>
-        </a:xfrm>
-        <a:prstGeom prst="roundRect">
-          <a:avLst>
-            <a:gd name="adj" fmla="val 10000"/>
-          </a:avLst>
-        </a:prstGeom>
-        <a:solidFill>
-          <a:schemeClr val="accent1">
-            <a:lumMod val="20000"/>
-            <a:lumOff val="80000"/>
-          </a:schemeClr>
-        </a:solidFill>
-        <a:ln>
-          <a:noFill/>
-        </a:ln>
-        <a:effectLst/>
-      </dsp:spPr>
-      <dsp:style>
-        <a:lnRef idx="0">
-          <a:scrgbClr r="0" g="0" b="0"/>
-        </a:lnRef>
-        <a:fillRef idx="1">
-          <a:scrgbClr r="0" g="0" b="0"/>
-        </a:fillRef>
-        <a:effectRef idx="0">
-          <a:scrgbClr r="0" g="0" b="0"/>
-        </a:effectRef>
-        <a:fontRef idx="minor"/>
-      </dsp:style>
-      <dsp:txBody>
-        <a:bodyPr spcFirstLastPara="0" vert="horz" wrap="square" lIns="192024" tIns="192024" rIns="192024" bIns="192024" numCol="1" spcCol="1270" anchor="ctr" anchorCtr="0">
-          <a:noAutofit/>
-        </a:bodyPr>
-        <a:lstStyle/>
-        <a:p>
-          <a:pPr marL="0" lvl="0" indent="0" algn="l" defTabSz="1200150">
-            <a:lnSpc>
-              <a:spcPct val="90000"/>
-            </a:lnSpc>
-            <a:spcBef>
-              <a:spcPct val="0"/>
-            </a:spcBef>
-            <a:spcAft>
-              <a:spcPct val="35000"/>
-            </a:spcAft>
-            <a:buNone/>
-          </a:pPr>
-          <a:r>
-            <a:rPr lang="en-US" sz="2700" kern="1200" noProof="0" dirty="0"/>
-            <a:t>POS Creator</a:t>
-          </a:r>
-        </a:p>
-      </dsp:txBody>
-      <dsp:txXfrm>
-        <a:off x="0" y="416988"/>
-        <a:ext cx="3154680" cy="761970"/>
-      </dsp:txXfrm>
-    </dsp:sp>
-    <dsp:sp modelId="{9DF05028-9C79-44A6-B539-EA799B590245}">
-      <dsp:nvSpPr>
-        <dsp:cNvPr id="0" name=""/>
-        <dsp:cNvSpPr/>
-      </dsp:nvSpPr>
-      <dsp:spPr>
-        <a:xfrm>
-          <a:off x="6253752" y="479015"/>
-          <a:ext cx="952462" cy="634975"/>
-        </a:xfrm>
-        <a:prstGeom prst="roundRect">
-          <a:avLst>
-            <a:gd name="adj" fmla="val 10000"/>
-          </a:avLst>
-        </a:prstGeom>
-        <a:solidFill>
-          <a:schemeClr val="accent1">
-            <a:hueOff val="0"/>
-            <a:satOff val="0"/>
-            <a:lumOff val="0"/>
-            <a:alphaOff val="0"/>
-          </a:schemeClr>
-        </a:solidFill>
-        <a:ln w="12700" cap="flat" cmpd="sng" algn="ctr">
-          <a:solidFill>
-            <a:schemeClr val="lt1">
-              <a:hueOff val="0"/>
-              <a:satOff val="0"/>
-              <a:lumOff val="0"/>
-              <a:alphaOff val="0"/>
-            </a:schemeClr>
-          </a:solidFill>
-          <a:prstDash val="solid"/>
-          <a:miter lim="800000"/>
-        </a:ln>
-        <a:effectLst/>
-      </dsp:spPr>
-      <dsp:style>
-        <a:lnRef idx="2">
-          <a:scrgbClr r="0" g="0" b="0"/>
-        </a:lnRef>
-        <a:fillRef idx="1">
-          <a:scrgbClr r="0" g="0" b="0"/>
-        </a:fillRef>
-        <a:effectRef idx="0">
-          <a:scrgbClr r="0" g="0" b="0"/>
-        </a:effectRef>
-        <a:fontRef idx="minor">
-          <a:schemeClr val="lt1"/>
-        </a:fontRef>
-      </dsp:style>
-      <dsp:txBody>
-        <a:bodyPr spcFirstLastPara="0" vert="horz" wrap="square" lIns="45720" tIns="45720" rIns="45720" bIns="45720" numCol="1" spcCol="1270" anchor="ctr" anchorCtr="0">
-          <a:noAutofit/>
-        </a:bodyPr>
-        <a:lstStyle/>
-        <a:p>
-          <a:pPr marL="0" lvl="0" indent="0" algn="ctr" defTabSz="533400">
-            <a:lnSpc>
-              <a:spcPct val="90000"/>
-            </a:lnSpc>
-            <a:spcBef>
-              <a:spcPct val="0"/>
-            </a:spcBef>
-            <a:spcAft>
-              <a:spcPct val="35000"/>
-            </a:spcAft>
-            <a:buNone/>
-          </a:pPr>
-          <a:r>
-            <a:rPr lang="en-US" sz="1200" kern="1200" noProof="0" dirty="0"/>
-            <a:t>Pos System</a:t>
-          </a:r>
-        </a:p>
-      </dsp:txBody>
-      <dsp:txXfrm>
-        <a:off x="6272350" y="497613"/>
-        <a:ext cx="915266" cy="597779"/>
-      </dsp:txXfrm>
-    </dsp:sp>
-    <dsp:sp modelId="{6EA8E6A9-46AA-4831-9DAC-0263F933A90E}">
-      <dsp:nvSpPr>
-        <dsp:cNvPr id="0" name=""/>
-        <dsp:cNvSpPr/>
-      </dsp:nvSpPr>
-      <dsp:spPr>
-        <a:xfrm>
-          <a:off x="4563131" y="1113990"/>
-          <a:ext cx="2166852" cy="299708"/>
-        </a:xfrm>
-        <a:custGeom>
-          <a:avLst/>
-          <a:gdLst/>
-          <a:ahLst/>
-          <a:cxnLst/>
-          <a:rect l="0" t="0" r="0" b="0"/>
-          <a:pathLst>
-            <a:path>
-              <a:moveTo>
-                <a:pt x="2166852" y="0"/>
-              </a:moveTo>
-              <a:lnTo>
-                <a:pt x="2166852" y="149854"/>
-              </a:lnTo>
-              <a:lnTo>
-                <a:pt x="0" y="149854"/>
-              </a:lnTo>
-              <a:lnTo>
-                <a:pt x="0" y="299708"/>
-              </a:lnTo>
-            </a:path>
-          </a:pathLst>
-        </a:custGeom>
-        <a:noFill/>
-        <a:ln w="12700" cap="flat" cmpd="sng" algn="ctr">
-          <a:solidFill>
-            <a:schemeClr val="accent1">
-              <a:shade val="60000"/>
-              <a:hueOff val="0"/>
-              <a:satOff val="0"/>
-              <a:lumOff val="0"/>
-              <a:alphaOff val="0"/>
-            </a:schemeClr>
-          </a:solidFill>
-          <a:prstDash val="solid"/>
-          <a:miter lim="800000"/>
-        </a:ln>
-        <a:effectLst/>
-      </dsp:spPr>
-      <dsp:style>
-        <a:lnRef idx="2">
-          <a:scrgbClr r="0" g="0" b="0"/>
-        </a:lnRef>
-        <a:fillRef idx="0">
-          <a:scrgbClr r="0" g="0" b="0"/>
-        </a:fillRef>
-        <a:effectRef idx="0">
-          <a:scrgbClr r="0" g="0" b="0"/>
-        </a:effectRef>
-        <a:fontRef idx="minor"/>
-      </dsp:style>
-    </dsp:sp>
-    <dsp:sp modelId="{C6D98E60-1DBA-41EF-804D-ACE775443728}">
-      <dsp:nvSpPr>
-        <dsp:cNvPr id="0" name=""/>
-        <dsp:cNvSpPr/>
-      </dsp:nvSpPr>
-      <dsp:spPr>
-        <a:xfrm>
-          <a:off x="4086899" y="1413698"/>
-          <a:ext cx="952462" cy="634975"/>
-        </a:xfrm>
-        <a:prstGeom prst="roundRect">
-          <a:avLst>
-            <a:gd name="adj" fmla="val 10000"/>
-          </a:avLst>
-        </a:prstGeom>
-        <a:solidFill>
-          <a:schemeClr val="accent1">
-            <a:hueOff val="0"/>
-            <a:satOff val="0"/>
-            <a:lumOff val="0"/>
-            <a:alphaOff val="0"/>
-          </a:schemeClr>
-        </a:solidFill>
-        <a:ln w="12700" cap="flat" cmpd="sng" algn="ctr">
-          <a:solidFill>
-            <a:schemeClr val="lt1">
-              <a:hueOff val="0"/>
-              <a:satOff val="0"/>
-              <a:lumOff val="0"/>
-              <a:alphaOff val="0"/>
-            </a:schemeClr>
-          </a:solidFill>
-          <a:prstDash val="solid"/>
-          <a:miter lim="800000"/>
-        </a:ln>
-        <a:effectLst/>
-      </dsp:spPr>
-      <dsp:style>
-        <a:lnRef idx="2">
-          <a:scrgbClr r="0" g="0" b="0"/>
-        </a:lnRef>
-        <a:fillRef idx="1">
-          <a:scrgbClr r="0" g="0" b="0"/>
-        </a:fillRef>
-        <a:effectRef idx="0">
-          <a:scrgbClr r="0" g="0" b="0"/>
-        </a:effectRef>
-        <a:fontRef idx="minor">
-          <a:schemeClr val="lt1"/>
-        </a:fontRef>
-      </dsp:style>
-      <dsp:txBody>
-        <a:bodyPr spcFirstLastPara="0" vert="horz" wrap="square" lIns="45720" tIns="45720" rIns="45720" bIns="45720" numCol="1" spcCol="1270" anchor="ctr" anchorCtr="0">
-          <a:noAutofit/>
-        </a:bodyPr>
-        <a:lstStyle/>
-        <a:p>
-          <a:pPr marL="0" lvl="0" indent="0" algn="ctr" defTabSz="533400">
-            <a:lnSpc>
-              <a:spcPct val="90000"/>
-            </a:lnSpc>
-            <a:spcBef>
-              <a:spcPct val="0"/>
-            </a:spcBef>
-            <a:spcAft>
-              <a:spcPct val="35000"/>
-            </a:spcAft>
-            <a:buNone/>
-          </a:pPr>
-          <a:r>
-            <a:rPr lang="en-US" sz="1200" kern="1200" noProof="0" dirty="0"/>
-            <a:t>Dealer 1</a:t>
-          </a:r>
-        </a:p>
-      </dsp:txBody>
-      <dsp:txXfrm>
-        <a:off x="4105497" y="1432296"/>
-        <a:ext cx="915266" cy="597779"/>
-      </dsp:txXfrm>
-    </dsp:sp>
-    <dsp:sp modelId="{B8F1E1C1-1E37-4104-A383-7A7B9EE527EC}">
-      <dsp:nvSpPr>
-        <dsp:cNvPr id="0" name=""/>
-        <dsp:cNvSpPr/>
-      </dsp:nvSpPr>
-      <dsp:spPr>
-        <a:xfrm>
-          <a:off x="3634479" y="2048673"/>
-          <a:ext cx="928651" cy="253990"/>
-        </a:xfrm>
-        <a:custGeom>
-          <a:avLst/>
-          <a:gdLst/>
-          <a:ahLst/>
-          <a:cxnLst/>
-          <a:rect l="0" t="0" r="0" b="0"/>
-          <a:pathLst>
-            <a:path>
-              <a:moveTo>
-                <a:pt x="928651" y="0"/>
-              </a:moveTo>
-              <a:lnTo>
-                <a:pt x="928651" y="126995"/>
-              </a:lnTo>
-              <a:lnTo>
-                <a:pt x="0" y="126995"/>
-              </a:lnTo>
-              <a:lnTo>
-                <a:pt x="0" y="253990"/>
-              </a:lnTo>
-            </a:path>
-          </a:pathLst>
-        </a:custGeom>
-        <a:noFill/>
-        <a:ln w="12700" cap="flat" cmpd="sng" algn="ctr">
-          <a:solidFill>
-            <a:schemeClr val="accent1">
-              <a:shade val="80000"/>
-              <a:hueOff val="0"/>
-              <a:satOff val="0"/>
-              <a:lumOff val="0"/>
-              <a:alphaOff val="0"/>
-            </a:schemeClr>
-          </a:solidFill>
-          <a:prstDash val="solid"/>
-          <a:miter lim="800000"/>
-        </a:ln>
-        <a:effectLst/>
-      </dsp:spPr>
-      <dsp:style>
-        <a:lnRef idx="2">
-          <a:scrgbClr r="0" g="0" b="0"/>
-        </a:lnRef>
-        <a:fillRef idx="0">
-          <a:scrgbClr r="0" g="0" b="0"/>
-        </a:fillRef>
-        <a:effectRef idx="0">
-          <a:scrgbClr r="0" g="0" b="0"/>
-        </a:effectRef>
-        <a:fontRef idx="minor"/>
-      </dsp:style>
-    </dsp:sp>
-    <dsp:sp modelId="{A0B4A37F-2B34-4BC0-91C3-088320D09B37}">
-      <dsp:nvSpPr>
-        <dsp:cNvPr id="0" name=""/>
-        <dsp:cNvSpPr/>
-      </dsp:nvSpPr>
-      <dsp:spPr>
-        <a:xfrm>
-          <a:off x="3158248" y="2302664"/>
-          <a:ext cx="952462" cy="634975"/>
-        </a:xfrm>
-        <a:prstGeom prst="roundRect">
-          <a:avLst>
-            <a:gd name="adj" fmla="val 10000"/>
-          </a:avLst>
-        </a:prstGeom>
-        <a:solidFill>
-          <a:schemeClr val="accent1">
-            <a:hueOff val="0"/>
-            <a:satOff val="0"/>
-            <a:lumOff val="0"/>
-            <a:alphaOff val="0"/>
-          </a:schemeClr>
-        </a:solidFill>
-        <a:ln w="12700" cap="flat" cmpd="sng" algn="ctr">
-          <a:solidFill>
-            <a:schemeClr val="lt1">
-              <a:hueOff val="0"/>
-              <a:satOff val="0"/>
-              <a:lumOff val="0"/>
-              <a:alphaOff val="0"/>
-            </a:schemeClr>
-          </a:solidFill>
-          <a:prstDash val="solid"/>
-          <a:miter lim="800000"/>
-        </a:ln>
-        <a:effectLst/>
-      </dsp:spPr>
-      <dsp:style>
-        <a:lnRef idx="2">
-          <a:scrgbClr r="0" g="0" b="0"/>
-        </a:lnRef>
-        <a:fillRef idx="1">
-          <a:scrgbClr r="0" g="0" b="0"/>
-        </a:fillRef>
-        <a:effectRef idx="0">
-          <a:scrgbClr r="0" g="0" b="0"/>
-        </a:effectRef>
-        <a:fontRef idx="minor">
-          <a:schemeClr val="lt1"/>
-        </a:fontRef>
-      </dsp:style>
-      <dsp:txBody>
-        <a:bodyPr spcFirstLastPara="0" vert="horz" wrap="square" lIns="45720" tIns="45720" rIns="45720" bIns="45720" numCol="1" spcCol="1270" anchor="ctr" anchorCtr="0">
-          <a:noAutofit/>
-        </a:bodyPr>
-        <a:lstStyle/>
-        <a:p>
-          <a:pPr marL="0" lvl="0" indent="0" algn="ctr" defTabSz="533400">
-            <a:lnSpc>
-              <a:spcPct val="90000"/>
-            </a:lnSpc>
-            <a:spcBef>
-              <a:spcPct val="0"/>
-            </a:spcBef>
-            <a:spcAft>
-              <a:spcPct val="35000"/>
-            </a:spcAft>
-            <a:buNone/>
-          </a:pPr>
-          <a:r>
-            <a:rPr lang="en-US" sz="1200" kern="1200" noProof="0" dirty="0"/>
-            <a:t>Operator 1</a:t>
-          </a:r>
-        </a:p>
-      </dsp:txBody>
-      <dsp:txXfrm>
-        <a:off x="3176846" y="2321262"/>
-        <a:ext cx="915266" cy="597779"/>
-      </dsp:txXfrm>
-    </dsp:sp>
-    <dsp:sp modelId="{90010041-8D0C-42AE-BF61-B8EE3A6C6603}">
-      <dsp:nvSpPr>
-        <dsp:cNvPr id="0" name=""/>
-        <dsp:cNvSpPr/>
-      </dsp:nvSpPr>
-      <dsp:spPr>
-        <a:xfrm>
-          <a:off x="3588759" y="2937639"/>
-          <a:ext cx="91440" cy="253990"/>
-        </a:xfrm>
-        <a:custGeom>
-          <a:avLst/>
-          <a:gdLst/>
-          <a:ahLst/>
-          <a:cxnLst/>
-          <a:rect l="0" t="0" r="0" b="0"/>
-          <a:pathLst>
-            <a:path>
-              <a:moveTo>
-                <a:pt x="45720" y="0"/>
-              </a:moveTo>
-              <a:lnTo>
-                <a:pt x="45720" y="253990"/>
-              </a:lnTo>
-            </a:path>
-          </a:pathLst>
-        </a:custGeom>
-        <a:noFill/>
-        <a:ln w="12700" cap="flat" cmpd="sng" algn="ctr">
-          <a:solidFill>
-            <a:schemeClr val="accent1">
-              <a:shade val="80000"/>
-              <a:hueOff val="0"/>
-              <a:satOff val="0"/>
-              <a:lumOff val="0"/>
-              <a:alphaOff val="0"/>
-            </a:schemeClr>
-          </a:solidFill>
-          <a:prstDash val="solid"/>
-          <a:miter lim="800000"/>
-        </a:ln>
-        <a:effectLst/>
-      </dsp:spPr>
-      <dsp:style>
-        <a:lnRef idx="2">
-          <a:scrgbClr r="0" g="0" b="0"/>
-        </a:lnRef>
-        <a:fillRef idx="0">
-          <a:scrgbClr r="0" g="0" b="0"/>
-        </a:fillRef>
-        <a:effectRef idx="0">
-          <a:scrgbClr r="0" g="0" b="0"/>
-        </a:effectRef>
-        <a:fontRef idx="minor"/>
-      </dsp:style>
-    </dsp:sp>
-    <dsp:sp modelId="{081726CD-4B88-4266-AEEC-E2F061221D9D}">
-      <dsp:nvSpPr>
-        <dsp:cNvPr id="0" name=""/>
-        <dsp:cNvSpPr/>
-      </dsp:nvSpPr>
-      <dsp:spPr>
-        <a:xfrm>
-          <a:off x="3158248" y="3191629"/>
-          <a:ext cx="952462" cy="634975"/>
-        </a:xfrm>
-        <a:prstGeom prst="roundRect">
-          <a:avLst>
-            <a:gd name="adj" fmla="val 10000"/>
-          </a:avLst>
-        </a:prstGeom>
-        <a:solidFill>
-          <a:schemeClr val="accent1">
-            <a:hueOff val="0"/>
-            <a:satOff val="0"/>
-            <a:lumOff val="0"/>
-            <a:alphaOff val="0"/>
-          </a:schemeClr>
-        </a:solidFill>
-        <a:ln w="12700" cap="flat" cmpd="sng" algn="ctr">
-          <a:solidFill>
-            <a:schemeClr val="lt1">
-              <a:hueOff val="0"/>
-              <a:satOff val="0"/>
-              <a:lumOff val="0"/>
-              <a:alphaOff val="0"/>
-            </a:schemeClr>
-          </a:solidFill>
-          <a:prstDash val="solid"/>
-          <a:miter lim="800000"/>
-        </a:ln>
-        <a:effectLst/>
-      </dsp:spPr>
-      <dsp:style>
-        <a:lnRef idx="2">
-          <a:scrgbClr r="0" g="0" b="0"/>
-        </a:lnRef>
-        <a:fillRef idx="1">
-          <a:scrgbClr r="0" g="0" b="0"/>
-        </a:fillRef>
-        <a:effectRef idx="0">
-          <a:scrgbClr r="0" g="0" b="0"/>
-        </a:effectRef>
-        <a:fontRef idx="minor">
-          <a:schemeClr val="lt1"/>
-        </a:fontRef>
-      </dsp:style>
-      <dsp:txBody>
-        <a:bodyPr spcFirstLastPara="0" vert="horz" wrap="square" lIns="45720" tIns="45720" rIns="45720" bIns="45720" numCol="1" spcCol="1270" anchor="ctr" anchorCtr="0">
-          <a:noAutofit/>
-        </a:bodyPr>
-        <a:lstStyle/>
-        <a:p>
-          <a:pPr marL="0" lvl="0" indent="0" algn="ctr" defTabSz="533400">
-            <a:lnSpc>
-              <a:spcPct val="90000"/>
-            </a:lnSpc>
-            <a:spcBef>
-              <a:spcPct val="0"/>
-            </a:spcBef>
-            <a:spcAft>
-              <a:spcPct val="35000"/>
-            </a:spcAft>
-            <a:buNone/>
-          </a:pPr>
-          <a:r>
-            <a:rPr lang="en-US" sz="1200" kern="1200" noProof="0" dirty="0"/>
-            <a:t>CashBox11 (Swissbit TSE)</a:t>
-          </a:r>
-        </a:p>
-      </dsp:txBody>
-      <dsp:txXfrm>
-        <a:off x="3176846" y="3210227"/>
-        <a:ext cx="915266" cy="597779"/>
-      </dsp:txXfrm>
-    </dsp:sp>
-    <dsp:sp modelId="{A394A375-99C7-430F-919D-3365A866BC9B}">
-      <dsp:nvSpPr>
-        <dsp:cNvPr id="0" name=""/>
-        <dsp:cNvSpPr/>
-      </dsp:nvSpPr>
-      <dsp:spPr>
-        <a:xfrm>
-          <a:off x="4563131" y="2048673"/>
-          <a:ext cx="928651" cy="253990"/>
-        </a:xfrm>
-        <a:custGeom>
-          <a:avLst/>
-          <a:gdLst/>
-          <a:ahLst/>
-          <a:cxnLst/>
-          <a:rect l="0" t="0" r="0" b="0"/>
-          <a:pathLst>
-            <a:path>
-              <a:moveTo>
-                <a:pt x="0" y="0"/>
-              </a:moveTo>
-              <a:lnTo>
-                <a:pt x="0" y="126995"/>
-              </a:lnTo>
-              <a:lnTo>
-                <a:pt x="928651" y="126995"/>
-              </a:lnTo>
-              <a:lnTo>
-                <a:pt x="928651" y="253990"/>
-              </a:lnTo>
-            </a:path>
-          </a:pathLst>
-        </a:custGeom>
-        <a:noFill/>
-        <a:ln w="12700" cap="flat" cmpd="sng" algn="ctr">
-          <a:solidFill>
-            <a:schemeClr val="accent1">
-              <a:shade val="80000"/>
-              <a:hueOff val="0"/>
-              <a:satOff val="0"/>
-              <a:lumOff val="0"/>
-              <a:alphaOff val="0"/>
-            </a:schemeClr>
-          </a:solidFill>
-          <a:prstDash val="solid"/>
-          <a:miter lim="800000"/>
-        </a:ln>
-        <a:effectLst/>
-      </dsp:spPr>
-      <dsp:style>
-        <a:lnRef idx="2">
-          <a:scrgbClr r="0" g="0" b="0"/>
-        </a:lnRef>
-        <a:fillRef idx="0">
-          <a:scrgbClr r="0" g="0" b="0"/>
-        </a:fillRef>
-        <a:effectRef idx="0">
-          <a:scrgbClr r="0" g="0" b="0"/>
-        </a:effectRef>
-        <a:fontRef idx="minor"/>
-      </dsp:style>
-    </dsp:sp>
-    <dsp:sp modelId="{CD4EC904-BEBF-4E6F-B665-23A079759C19}">
-      <dsp:nvSpPr>
-        <dsp:cNvPr id="0" name=""/>
-        <dsp:cNvSpPr/>
-      </dsp:nvSpPr>
-      <dsp:spPr>
-        <a:xfrm>
-          <a:off x="5015550" y="2302664"/>
-          <a:ext cx="952462" cy="634975"/>
-        </a:xfrm>
-        <a:prstGeom prst="roundRect">
-          <a:avLst>
-            <a:gd name="adj" fmla="val 10000"/>
-          </a:avLst>
-        </a:prstGeom>
-        <a:solidFill>
-          <a:schemeClr val="accent1">
-            <a:hueOff val="0"/>
-            <a:satOff val="0"/>
-            <a:lumOff val="0"/>
-            <a:alphaOff val="0"/>
-          </a:schemeClr>
-        </a:solidFill>
-        <a:ln w="12700" cap="flat" cmpd="sng" algn="ctr">
-          <a:solidFill>
-            <a:schemeClr val="lt1">
-              <a:hueOff val="0"/>
-              <a:satOff val="0"/>
-              <a:lumOff val="0"/>
-              <a:alphaOff val="0"/>
-            </a:schemeClr>
-          </a:solidFill>
-          <a:prstDash val="solid"/>
-          <a:miter lim="800000"/>
-        </a:ln>
-        <a:effectLst/>
-      </dsp:spPr>
-      <dsp:style>
-        <a:lnRef idx="2">
-          <a:scrgbClr r="0" g="0" b="0"/>
-        </a:lnRef>
-        <a:fillRef idx="1">
-          <a:scrgbClr r="0" g="0" b="0"/>
-        </a:fillRef>
-        <a:effectRef idx="0">
-          <a:scrgbClr r="0" g="0" b="0"/>
-        </a:effectRef>
-        <a:fontRef idx="minor">
-          <a:schemeClr val="lt1"/>
-        </a:fontRef>
-      </dsp:style>
-      <dsp:txBody>
-        <a:bodyPr spcFirstLastPara="0" vert="horz" wrap="square" lIns="45720" tIns="45720" rIns="45720" bIns="45720" numCol="1" spcCol="1270" anchor="ctr" anchorCtr="0">
-          <a:noAutofit/>
-        </a:bodyPr>
-        <a:lstStyle/>
-        <a:p>
-          <a:pPr marL="0" lvl="0" indent="0" algn="ctr" defTabSz="533400">
-            <a:lnSpc>
-              <a:spcPct val="90000"/>
-            </a:lnSpc>
-            <a:spcBef>
-              <a:spcPct val="0"/>
-            </a:spcBef>
-            <a:spcAft>
-              <a:spcPct val="35000"/>
-            </a:spcAft>
-            <a:buNone/>
-          </a:pPr>
-          <a:r>
-            <a:rPr lang="en-US" sz="1200" kern="1200" noProof="0" dirty="0"/>
-            <a:t>Operator 2</a:t>
-          </a:r>
-        </a:p>
-      </dsp:txBody>
-      <dsp:txXfrm>
-        <a:off x="5034148" y="2321262"/>
-        <a:ext cx="915266" cy="597779"/>
-      </dsp:txXfrm>
-    </dsp:sp>
-    <dsp:sp modelId="{776D28A1-896A-4837-843B-9D58F4EC836B}">
-      <dsp:nvSpPr>
-        <dsp:cNvPr id="0" name=""/>
-        <dsp:cNvSpPr/>
-      </dsp:nvSpPr>
-      <dsp:spPr>
-        <a:xfrm>
-          <a:off x="4872681" y="2937639"/>
-          <a:ext cx="619100" cy="253990"/>
-        </a:xfrm>
-        <a:custGeom>
-          <a:avLst/>
-          <a:gdLst/>
-          <a:ahLst/>
-          <a:cxnLst/>
-          <a:rect l="0" t="0" r="0" b="0"/>
-          <a:pathLst>
-            <a:path>
-              <a:moveTo>
-                <a:pt x="619100" y="0"/>
-              </a:moveTo>
-              <a:lnTo>
-                <a:pt x="619100" y="126995"/>
-              </a:lnTo>
-              <a:lnTo>
-                <a:pt x="0" y="126995"/>
-              </a:lnTo>
-              <a:lnTo>
-                <a:pt x="0" y="253990"/>
-              </a:lnTo>
-            </a:path>
-          </a:pathLst>
-        </a:custGeom>
-        <a:noFill/>
-        <a:ln w="12700" cap="flat" cmpd="sng" algn="ctr">
-          <a:solidFill>
-            <a:schemeClr val="accent1">
-              <a:shade val="80000"/>
-              <a:hueOff val="0"/>
-              <a:satOff val="0"/>
-              <a:lumOff val="0"/>
-              <a:alphaOff val="0"/>
-            </a:schemeClr>
-          </a:solidFill>
-          <a:prstDash val="solid"/>
-          <a:miter lim="800000"/>
-        </a:ln>
-        <a:effectLst/>
-      </dsp:spPr>
-      <dsp:style>
-        <a:lnRef idx="2">
-          <a:scrgbClr r="0" g="0" b="0"/>
-        </a:lnRef>
-        <a:fillRef idx="0">
-          <a:scrgbClr r="0" g="0" b="0"/>
-        </a:fillRef>
-        <a:effectRef idx="0">
-          <a:scrgbClr r="0" g="0" b="0"/>
-        </a:effectRef>
-        <a:fontRef idx="minor"/>
-      </dsp:style>
-    </dsp:sp>
-    <dsp:sp modelId="{A907B97B-57B6-4AA4-A4B1-A15A8C26B25E}">
-      <dsp:nvSpPr>
-        <dsp:cNvPr id="0" name=""/>
-        <dsp:cNvSpPr/>
-      </dsp:nvSpPr>
-      <dsp:spPr>
-        <a:xfrm>
-          <a:off x="4396450" y="3191629"/>
-          <a:ext cx="952462" cy="634975"/>
-        </a:xfrm>
-        <a:prstGeom prst="roundRect">
-          <a:avLst>
-            <a:gd name="adj" fmla="val 10000"/>
-          </a:avLst>
-        </a:prstGeom>
-        <a:solidFill>
-          <a:schemeClr val="accent1">
-            <a:hueOff val="0"/>
-            <a:satOff val="0"/>
-            <a:lumOff val="0"/>
-            <a:alphaOff val="0"/>
-          </a:schemeClr>
-        </a:solidFill>
-        <a:ln w="12700" cap="flat" cmpd="sng" algn="ctr">
-          <a:solidFill>
-            <a:schemeClr val="lt1">
-              <a:hueOff val="0"/>
-              <a:satOff val="0"/>
-              <a:lumOff val="0"/>
-              <a:alphaOff val="0"/>
-            </a:schemeClr>
-          </a:solidFill>
-          <a:prstDash val="solid"/>
-          <a:miter lim="800000"/>
-        </a:ln>
-        <a:effectLst/>
-      </dsp:spPr>
-      <dsp:style>
-        <a:lnRef idx="2">
-          <a:scrgbClr r="0" g="0" b="0"/>
-        </a:lnRef>
-        <a:fillRef idx="1">
-          <a:scrgbClr r="0" g="0" b="0"/>
-        </a:fillRef>
-        <a:effectRef idx="0">
-          <a:scrgbClr r="0" g="0" b="0"/>
-        </a:effectRef>
-        <a:fontRef idx="minor">
-          <a:schemeClr val="lt1"/>
-        </a:fontRef>
-      </dsp:style>
-      <dsp:txBody>
-        <a:bodyPr spcFirstLastPara="0" vert="horz" wrap="square" lIns="45720" tIns="45720" rIns="45720" bIns="45720" numCol="1" spcCol="1270" anchor="ctr" anchorCtr="0">
-          <a:noAutofit/>
-        </a:bodyPr>
-        <a:lstStyle/>
-        <a:p>
-          <a:pPr marL="0" lvl="0" indent="0" algn="ctr" defTabSz="533400">
-            <a:lnSpc>
-              <a:spcPct val="90000"/>
-            </a:lnSpc>
-            <a:spcBef>
-              <a:spcPct val="0"/>
-            </a:spcBef>
-            <a:spcAft>
-              <a:spcPct val="35000"/>
-            </a:spcAft>
-            <a:buNone/>
-          </a:pPr>
-          <a:r>
-            <a:rPr lang="en-US" sz="1200" kern="1200" noProof="0" dirty="0"/>
-            <a:t>CashBox21</a:t>
-          </a:r>
-          <a:br>
-            <a:rPr lang="en-US" sz="1200" kern="1200" noProof="0" dirty="0"/>
-          </a:br>
-          <a:r>
-            <a:rPr lang="en-US" sz="1200" kern="1200" noProof="0" dirty="0"/>
-            <a:t>(Cryptovision TSE)</a:t>
-          </a:r>
-        </a:p>
-      </dsp:txBody>
-      <dsp:txXfrm>
-        <a:off x="4415048" y="3210227"/>
-        <a:ext cx="915266" cy="597779"/>
-      </dsp:txXfrm>
-    </dsp:sp>
-    <dsp:sp modelId="{5B6A780A-B50D-4544-B4A4-40B578FF58AE}">
-      <dsp:nvSpPr>
-        <dsp:cNvPr id="0" name=""/>
-        <dsp:cNvSpPr/>
-      </dsp:nvSpPr>
-      <dsp:spPr>
-        <a:xfrm>
-          <a:off x="5491782" y="2937639"/>
-          <a:ext cx="619100" cy="253990"/>
-        </a:xfrm>
-        <a:custGeom>
-          <a:avLst/>
-          <a:gdLst/>
-          <a:ahLst/>
-          <a:cxnLst/>
-          <a:rect l="0" t="0" r="0" b="0"/>
-          <a:pathLst>
-            <a:path>
-              <a:moveTo>
-                <a:pt x="0" y="0"/>
-              </a:moveTo>
-              <a:lnTo>
-                <a:pt x="0" y="126995"/>
-              </a:lnTo>
-              <a:lnTo>
-                <a:pt x="619100" y="126995"/>
-              </a:lnTo>
-              <a:lnTo>
-                <a:pt x="619100" y="253990"/>
-              </a:lnTo>
-            </a:path>
-          </a:pathLst>
-        </a:custGeom>
-        <a:noFill/>
-        <a:ln w="12700" cap="flat" cmpd="sng" algn="ctr">
-          <a:solidFill>
-            <a:schemeClr val="accent1">
-              <a:shade val="80000"/>
-              <a:hueOff val="0"/>
-              <a:satOff val="0"/>
-              <a:lumOff val="0"/>
-              <a:alphaOff val="0"/>
-            </a:schemeClr>
-          </a:solidFill>
-          <a:prstDash val="solid"/>
-          <a:miter lim="800000"/>
-        </a:ln>
-        <a:effectLst/>
-      </dsp:spPr>
-      <dsp:style>
-        <a:lnRef idx="2">
-          <a:scrgbClr r="0" g="0" b="0"/>
-        </a:lnRef>
-        <a:fillRef idx="0">
-          <a:scrgbClr r="0" g="0" b="0"/>
-        </a:fillRef>
-        <a:effectRef idx="0">
-          <a:scrgbClr r="0" g="0" b="0"/>
-        </a:effectRef>
-        <a:fontRef idx="minor"/>
-      </dsp:style>
-    </dsp:sp>
-    <dsp:sp modelId="{17DD1A3F-ED07-4398-9220-5AC1FDA0C52A}">
-      <dsp:nvSpPr>
-        <dsp:cNvPr id="0" name=""/>
-        <dsp:cNvSpPr/>
-      </dsp:nvSpPr>
-      <dsp:spPr>
-        <a:xfrm>
-          <a:off x="5634651" y="3191629"/>
-          <a:ext cx="952462" cy="634975"/>
-        </a:xfrm>
-        <a:prstGeom prst="roundRect">
-          <a:avLst>
-            <a:gd name="adj" fmla="val 10000"/>
-          </a:avLst>
-        </a:prstGeom>
-        <a:solidFill>
-          <a:schemeClr val="accent1">
-            <a:hueOff val="0"/>
-            <a:satOff val="0"/>
-            <a:lumOff val="0"/>
-            <a:alphaOff val="0"/>
-          </a:schemeClr>
-        </a:solidFill>
-        <a:ln w="12700" cap="flat" cmpd="sng" algn="ctr">
-          <a:solidFill>
-            <a:schemeClr val="lt1">
-              <a:hueOff val="0"/>
-              <a:satOff val="0"/>
-              <a:lumOff val="0"/>
-              <a:alphaOff val="0"/>
-            </a:schemeClr>
-          </a:solidFill>
-          <a:prstDash val="solid"/>
-          <a:miter lim="800000"/>
-        </a:ln>
-        <a:effectLst/>
-      </dsp:spPr>
-      <dsp:style>
-        <a:lnRef idx="2">
-          <a:scrgbClr r="0" g="0" b="0"/>
-        </a:lnRef>
-        <a:fillRef idx="1">
-          <a:scrgbClr r="0" g="0" b="0"/>
-        </a:fillRef>
-        <a:effectRef idx="0">
-          <a:scrgbClr r="0" g="0" b="0"/>
-        </a:effectRef>
-        <a:fontRef idx="minor">
-          <a:schemeClr val="lt1"/>
-        </a:fontRef>
-      </dsp:style>
-      <dsp:txBody>
-        <a:bodyPr spcFirstLastPara="0" vert="horz" wrap="square" lIns="45720" tIns="45720" rIns="45720" bIns="45720" numCol="1" spcCol="1270" anchor="ctr" anchorCtr="0">
-          <a:noAutofit/>
-        </a:bodyPr>
-        <a:lstStyle/>
-        <a:p>
-          <a:pPr marL="0" lvl="0" indent="0" algn="ctr" defTabSz="533400">
-            <a:lnSpc>
-              <a:spcPct val="90000"/>
-            </a:lnSpc>
-            <a:spcBef>
-              <a:spcPct val="0"/>
-            </a:spcBef>
-            <a:spcAft>
-              <a:spcPct val="35000"/>
-            </a:spcAft>
-            <a:buNone/>
-          </a:pPr>
-          <a:r>
-            <a:rPr lang="en-US" sz="1200" kern="1200" noProof="0" dirty="0"/>
-            <a:t>CashBox22</a:t>
-          </a:r>
-          <a:br>
-            <a:rPr lang="en-US" sz="1200" kern="1200" noProof="0" dirty="0"/>
-          </a:br>
-          <a:r>
-            <a:rPr lang="en-US" sz="1200" kern="1200" noProof="0" dirty="0"/>
-            <a:t>(Diebold-Nixdorf TSE)</a:t>
-          </a:r>
-        </a:p>
-      </dsp:txBody>
-      <dsp:txXfrm>
-        <a:off x="5653249" y="3210227"/>
-        <a:ext cx="915266" cy="597779"/>
-      </dsp:txXfrm>
-    </dsp:sp>
-    <dsp:sp modelId="{E1441E74-DFF0-4FDD-A87B-5C7D3F8CB9C1}">
-      <dsp:nvSpPr>
-        <dsp:cNvPr id="0" name=""/>
-        <dsp:cNvSpPr/>
-      </dsp:nvSpPr>
-      <dsp:spPr>
-        <a:xfrm>
-          <a:off x="6729984" y="1113990"/>
-          <a:ext cx="2166852" cy="299708"/>
-        </a:xfrm>
-        <a:custGeom>
-          <a:avLst/>
-          <a:gdLst/>
-          <a:ahLst/>
-          <a:cxnLst/>
-          <a:rect l="0" t="0" r="0" b="0"/>
-          <a:pathLst>
-            <a:path>
-              <a:moveTo>
-                <a:pt x="0" y="0"/>
-              </a:moveTo>
-              <a:lnTo>
-                <a:pt x="0" y="149854"/>
-              </a:lnTo>
-              <a:lnTo>
-                <a:pt x="2166852" y="149854"/>
-              </a:lnTo>
-              <a:lnTo>
-                <a:pt x="2166852" y="299708"/>
-              </a:lnTo>
-            </a:path>
-          </a:pathLst>
-        </a:custGeom>
-        <a:noFill/>
-        <a:ln w="12700" cap="flat" cmpd="sng" algn="ctr">
-          <a:solidFill>
-            <a:schemeClr val="accent1">
-              <a:shade val="60000"/>
-              <a:hueOff val="0"/>
-              <a:satOff val="0"/>
-              <a:lumOff val="0"/>
-              <a:alphaOff val="0"/>
-            </a:schemeClr>
-          </a:solidFill>
-          <a:prstDash val="solid"/>
-          <a:miter lim="800000"/>
-        </a:ln>
-        <a:effectLst/>
-      </dsp:spPr>
-      <dsp:style>
-        <a:lnRef idx="2">
-          <a:scrgbClr r="0" g="0" b="0"/>
-        </a:lnRef>
-        <a:fillRef idx="0">
-          <a:scrgbClr r="0" g="0" b="0"/>
-        </a:fillRef>
-        <a:effectRef idx="0">
-          <a:scrgbClr r="0" g="0" b="0"/>
-        </a:effectRef>
-        <a:fontRef idx="minor"/>
-      </dsp:style>
-    </dsp:sp>
-    <dsp:sp modelId="{B00885B9-E24B-4380-8776-2C7A505AE04A}">
-      <dsp:nvSpPr>
-        <dsp:cNvPr id="0" name=""/>
-        <dsp:cNvSpPr/>
-      </dsp:nvSpPr>
-      <dsp:spPr>
-        <a:xfrm>
-          <a:off x="8420605" y="1413698"/>
-          <a:ext cx="952462" cy="634975"/>
-        </a:xfrm>
-        <a:prstGeom prst="roundRect">
-          <a:avLst>
-            <a:gd name="adj" fmla="val 10000"/>
-          </a:avLst>
-        </a:prstGeom>
-        <a:solidFill>
-          <a:schemeClr val="accent1">
-            <a:hueOff val="0"/>
-            <a:satOff val="0"/>
-            <a:lumOff val="0"/>
-            <a:alphaOff val="0"/>
-          </a:schemeClr>
-        </a:solidFill>
-        <a:ln w="12700" cap="flat" cmpd="sng" algn="ctr">
-          <a:solidFill>
-            <a:schemeClr val="lt1">
-              <a:hueOff val="0"/>
-              <a:satOff val="0"/>
-              <a:lumOff val="0"/>
-              <a:alphaOff val="0"/>
-            </a:schemeClr>
-          </a:solidFill>
-          <a:prstDash val="solid"/>
-          <a:miter lim="800000"/>
-        </a:ln>
-        <a:effectLst/>
-      </dsp:spPr>
-      <dsp:style>
-        <a:lnRef idx="2">
-          <a:scrgbClr r="0" g="0" b="0"/>
-        </a:lnRef>
-        <a:fillRef idx="1">
-          <a:scrgbClr r="0" g="0" b="0"/>
-        </a:fillRef>
-        <a:effectRef idx="0">
-          <a:scrgbClr r="0" g="0" b="0"/>
-        </a:effectRef>
-        <a:fontRef idx="minor">
-          <a:schemeClr val="lt1"/>
-        </a:fontRef>
-      </dsp:style>
-      <dsp:txBody>
-        <a:bodyPr spcFirstLastPara="0" vert="horz" wrap="square" lIns="45720" tIns="45720" rIns="45720" bIns="45720" numCol="1" spcCol="1270" anchor="ctr" anchorCtr="0">
-          <a:noAutofit/>
-        </a:bodyPr>
-        <a:lstStyle/>
-        <a:p>
-          <a:pPr marL="0" lvl="0" indent="0" algn="ctr" defTabSz="533400">
-            <a:lnSpc>
-              <a:spcPct val="90000"/>
-            </a:lnSpc>
-            <a:spcBef>
-              <a:spcPct val="0"/>
-            </a:spcBef>
-            <a:spcAft>
-              <a:spcPct val="35000"/>
-            </a:spcAft>
-            <a:buNone/>
-          </a:pPr>
-          <a:r>
-            <a:rPr lang="en-US" sz="1200" kern="1200" noProof="0" dirty="0"/>
-            <a:t>Dealer 2</a:t>
-          </a:r>
-        </a:p>
-      </dsp:txBody>
-      <dsp:txXfrm>
-        <a:off x="8439203" y="1432296"/>
-        <a:ext cx="915266" cy="597779"/>
-      </dsp:txXfrm>
-    </dsp:sp>
-    <dsp:sp modelId="{17ECFE45-BF85-496C-86A5-FCE9FDF1B031}">
-      <dsp:nvSpPr>
-        <dsp:cNvPr id="0" name=""/>
-        <dsp:cNvSpPr/>
-      </dsp:nvSpPr>
-      <dsp:spPr>
-        <a:xfrm>
-          <a:off x="7968185" y="2048673"/>
-          <a:ext cx="928651" cy="253990"/>
-        </a:xfrm>
-        <a:custGeom>
-          <a:avLst/>
-          <a:gdLst/>
-          <a:ahLst/>
-          <a:cxnLst/>
-          <a:rect l="0" t="0" r="0" b="0"/>
-          <a:pathLst>
-            <a:path>
-              <a:moveTo>
-                <a:pt x="928651" y="0"/>
-              </a:moveTo>
-              <a:lnTo>
-                <a:pt x="928651" y="126995"/>
-              </a:lnTo>
-              <a:lnTo>
-                <a:pt x="0" y="126995"/>
-              </a:lnTo>
-              <a:lnTo>
-                <a:pt x="0" y="253990"/>
-              </a:lnTo>
-            </a:path>
-          </a:pathLst>
-        </a:custGeom>
-        <a:noFill/>
-        <a:ln w="12700" cap="flat" cmpd="sng" algn="ctr">
-          <a:solidFill>
-            <a:schemeClr val="accent1">
-              <a:shade val="80000"/>
-              <a:hueOff val="0"/>
-              <a:satOff val="0"/>
-              <a:lumOff val="0"/>
-              <a:alphaOff val="0"/>
-            </a:schemeClr>
-          </a:solidFill>
-          <a:prstDash val="solid"/>
-          <a:miter lim="800000"/>
-        </a:ln>
-        <a:effectLst/>
-      </dsp:spPr>
-      <dsp:style>
-        <a:lnRef idx="2">
-          <a:scrgbClr r="0" g="0" b="0"/>
-        </a:lnRef>
-        <a:fillRef idx="0">
-          <a:scrgbClr r="0" g="0" b="0"/>
-        </a:fillRef>
-        <a:effectRef idx="0">
-          <a:scrgbClr r="0" g="0" b="0"/>
-        </a:effectRef>
-        <a:fontRef idx="minor"/>
-      </dsp:style>
-    </dsp:sp>
-    <dsp:sp modelId="{C4D1141A-CC53-454B-9BD2-16C9F97C6850}">
-      <dsp:nvSpPr>
-        <dsp:cNvPr id="0" name=""/>
-        <dsp:cNvSpPr/>
-      </dsp:nvSpPr>
-      <dsp:spPr>
-        <a:xfrm>
-          <a:off x="7491954" y="2302664"/>
-          <a:ext cx="952462" cy="634975"/>
-        </a:xfrm>
-        <a:prstGeom prst="roundRect">
-          <a:avLst>
-            <a:gd name="adj" fmla="val 10000"/>
-          </a:avLst>
-        </a:prstGeom>
-        <a:solidFill>
-          <a:schemeClr val="accent1">
-            <a:hueOff val="0"/>
-            <a:satOff val="0"/>
-            <a:lumOff val="0"/>
-            <a:alphaOff val="0"/>
-          </a:schemeClr>
-        </a:solidFill>
-        <a:ln w="12700" cap="flat" cmpd="sng" algn="ctr">
-          <a:solidFill>
-            <a:schemeClr val="lt1">
-              <a:hueOff val="0"/>
-              <a:satOff val="0"/>
-              <a:lumOff val="0"/>
-              <a:alphaOff val="0"/>
-            </a:schemeClr>
-          </a:solidFill>
-          <a:prstDash val="solid"/>
-          <a:miter lim="800000"/>
-        </a:ln>
-        <a:effectLst/>
-      </dsp:spPr>
-      <dsp:style>
-        <a:lnRef idx="2">
-          <a:scrgbClr r="0" g="0" b="0"/>
-        </a:lnRef>
-        <a:fillRef idx="1">
-          <a:scrgbClr r="0" g="0" b="0"/>
-        </a:fillRef>
-        <a:effectRef idx="0">
-          <a:scrgbClr r="0" g="0" b="0"/>
-        </a:effectRef>
-        <a:fontRef idx="minor">
-          <a:schemeClr val="lt1"/>
-        </a:fontRef>
-      </dsp:style>
-      <dsp:txBody>
-        <a:bodyPr spcFirstLastPara="0" vert="horz" wrap="square" lIns="45720" tIns="45720" rIns="45720" bIns="45720" numCol="1" spcCol="1270" anchor="ctr" anchorCtr="0">
-          <a:noAutofit/>
-        </a:bodyPr>
-        <a:lstStyle/>
-        <a:p>
-          <a:pPr marL="0" lvl="0" indent="0" algn="ctr" defTabSz="533400">
-            <a:lnSpc>
-              <a:spcPct val="90000"/>
-            </a:lnSpc>
-            <a:spcBef>
-              <a:spcPct val="0"/>
-            </a:spcBef>
-            <a:spcAft>
-              <a:spcPct val="35000"/>
-            </a:spcAft>
-            <a:buNone/>
-          </a:pPr>
-          <a:r>
-            <a:rPr lang="en-US" sz="1200" kern="1200" noProof="0" dirty="0"/>
-            <a:t>Operator 3</a:t>
-          </a:r>
-        </a:p>
-      </dsp:txBody>
-      <dsp:txXfrm>
-        <a:off x="7510552" y="2321262"/>
-        <a:ext cx="915266" cy="597779"/>
-      </dsp:txXfrm>
-    </dsp:sp>
-    <dsp:sp modelId="{DD98744D-9D72-4929-9AB7-E8B7188FAB84}">
-      <dsp:nvSpPr>
-        <dsp:cNvPr id="0" name=""/>
-        <dsp:cNvSpPr/>
-      </dsp:nvSpPr>
-      <dsp:spPr>
-        <a:xfrm>
-          <a:off x="7349084" y="2937639"/>
-          <a:ext cx="619100" cy="253990"/>
-        </a:xfrm>
-        <a:custGeom>
-          <a:avLst/>
-          <a:gdLst/>
-          <a:ahLst/>
-          <a:cxnLst/>
-          <a:rect l="0" t="0" r="0" b="0"/>
-          <a:pathLst>
-            <a:path>
-              <a:moveTo>
-                <a:pt x="619100" y="0"/>
-              </a:moveTo>
-              <a:lnTo>
-                <a:pt x="619100" y="126995"/>
-              </a:lnTo>
-              <a:lnTo>
-                <a:pt x="0" y="126995"/>
-              </a:lnTo>
-              <a:lnTo>
-                <a:pt x="0" y="253990"/>
-              </a:lnTo>
-            </a:path>
-          </a:pathLst>
-        </a:custGeom>
-        <a:noFill/>
-        <a:ln w="12700" cap="flat" cmpd="sng" algn="ctr">
-          <a:solidFill>
-            <a:schemeClr val="accent1">
-              <a:shade val="80000"/>
-              <a:hueOff val="0"/>
-              <a:satOff val="0"/>
-              <a:lumOff val="0"/>
-              <a:alphaOff val="0"/>
-            </a:schemeClr>
-          </a:solidFill>
-          <a:prstDash val="solid"/>
-          <a:miter lim="800000"/>
-        </a:ln>
-        <a:effectLst/>
-      </dsp:spPr>
-      <dsp:style>
-        <a:lnRef idx="2">
-          <a:scrgbClr r="0" g="0" b="0"/>
-        </a:lnRef>
-        <a:fillRef idx="0">
-          <a:scrgbClr r="0" g="0" b="0"/>
-        </a:fillRef>
-        <a:effectRef idx="0">
-          <a:scrgbClr r="0" g="0" b="0"/>
-        </a:effectRef>
-        <a:fontRef idx="minor"/>
-      </dsp:style>
-    </dsp:sp>
-    <dsp:sp modelId="{60E2B908-0339-48A8-B511-7FB2296C73A0}">
-      <dsp:nvSpPr>
-        <dsp:cNvPr id="0" name=""/>
-        <dsp:cNvSpPr/>
-      </dsp:nvSpPr>
-      <dsp:spPr>
-        <a:xfrm>
-          <a:off x="6872853" y="3191629"/>
-          <a:ext cx="952462" cy="634975"/>
-        </a:xfrm>
-        <a:prstGeom prst="roundRect">
-          <a:avLst>
-            <a:gd name="adj" fmla="val 10000"/>
-          </a:avLst>
-        </a:prstGeom>
-        <a:solidFill>
-          <a:schemeClr val="accent1">
-            <a:hueOff val="0"/>
-            <a:satOff val="0"/>
-            <a:lumOff val="0"/>
-            <a:alphaOff val="0"/>
-          </a:schemeClr>
-        </a:solidFill>
-        <a:ln w="12700" cap="flat" cmpd="sng" algn="ctr">
-          <a:solidFill>
-            <a:schemeClr val="lt1">
-              <a:hueOff val="0"/>
-              <a:satOff val="0"/>
-              <a:lumOff val="0"/>
-              <a:alphaOff val="0"/>
-            </a:schemeClr>
-          </a:solidFill>
-          <a:prstDash val="solid"/>
-          <a:miter lim="800000"/>
-        </a:ln>
-        <a:effectLst/>
-      </dsp:spPr>
-      <dsp:style>
-        <a:lnRef idx="2">
-          <a:scrgbClr r="0" g="0" b="0"/>
-        </a:lnRef>
-        <a:fillRef idx="1">
-          <a:scrgbClr r="0" g="0" b="0"/>
-        </a:fillRef>
-        <a:effectRef idx="0">
-          <a:scrgbClr r="0" g="0" b="0"/>
-        </a:effectRef>
-        <a:fontRef idx="minor">
-          <a:schemeClr val="lt1"/>
-        </a:fontRef>
-      </dsp:style>
-      <dsp:txBody>
-        <a:bodyPr spcFirstLastPara="0" vert="horz" wrap="square" lIns="45720" tIns="45720" rIns="45720" bIns="45720" numCol="1" spcCol="1270" anchor="ctr" anchorCtr="0">
-          <a:noAutofit/>
-        </a:bodyPr>
-        <a:lstStyle/>
-        <a:p>
-          <a:pPr marL="0" lvl="0" indent="0" algn="ctr" defTabSz="533400">
-            <a:lnSpc>
-              <a:spcPct val="90000"/>
-            </a:lnSpc>
-            <a:spcBef>
-              <a:spcPct val="0"/>
-            </a:spcBef>
-            <a:spcAft>
-              <a:spcPct val="35000"/>
-            </a:spcAft>
-            <a:buNone/>
-          </a:pPr>
-          <a:r>
-            <a:rPr lang="en-US" sz="1200" kern="1200" noProof="0" dirty="0"/>
-            <a:t>CashBox31</a:t>
-          </a:r>
-          <a:br>
-            <a:rPr lang="en-US" sz="1200" kern="1200" noProof="0" dirty="0"/>
-          </a:br>
-          <a:r>
-            <a:rPr lang="en-US" sz="1200" kern="1200" noProof="0" dirty="0"/>
-            <a:t>(fiskaly TSE)</a:t>
-          </a:r>
-        </a:p>
-      </dsp:txBody>
-      <dsp:txXfrm>
-        <a:off x="6891451" y="3210227"/>
-        <a:ext cx="915266" cy="597779"/>
-      </dsp:txXfrm>
-    </dsp:sp>
-    <dsp:sp modelId="{2F84EBD1-F1A1-469F-BB64-84626DEC3FE5}">
-      <dsp:nvSpPr>
-        <dsp:cNvPr id="0" name=""/>
-        <dsp:cNvSpPr/>
-      </dsp:nvSpPr>
-      <dsp:spPr>
-        <a:xfrm>
-          <a:off x="7968185" y="2937639"/>
-          <a:ext cx="619100" cy="253990"/>
-        </a:xfrm>
-        <a:custGeom>
-          <a:avLst/>
-          <a:gdLst/>
-          <a:ahLst/>
-          <a:cxnLst/>
-          <a:rect l="0" t="0" r="0" b="0"/>
-          <a:pathLst>
-            <a:path>
-              <a:moveTo>
-                <a:pt x="0" y="0"/>
-              </a:moveTo>
-              <a:lnTo>
-                <a:pt x="0" y="126995"/>
-              </a:lnTo>
-              <a:lnTo>
-                <a:pt x="619100" y="126995"/>
-              </a:lnTo>
-              <a:lnTo>
-                <a:pt x="619100" y="253990"/>
-              </a:lnTo>
-            </a:path>
-          </a:pathLst>
-        </a:custGeom>
-        <a:noFill/>
-        <a:ln w="12700" cap="flat" cmpd="sng" algn="ctr">
-          <a:solidFill>
-            <a:schemeClr val="accent1">
-              <a:shade val="80000"/>
-              <a:hueOff val="0"/>
-              <a:satOff val="0"/>
-              <a:lumOff val="0"/>
-              <a:alphaOff val="0"/>
-            </a:schemeClr>
-          </a:solidFill>
-          <a:prstDash val="solid"/>
-          <a:miter lim="800000"/>
-        </a:ln>
-        <a:effectLst/>
-      </dsp:spPr>
-      <dsp:style>
-        <a:lnRef idx="2">
-          <a:scrgbClr r="0" g="0" b="0"/>
-        </a:lnRef>
-        <a:fillRef idx="0">
-          <a:scrgbClr r="0" g="0" b="0"/>
-        </a:fillRef>
-        <a:effectRef idx="0">
-          <a:scrgbClr r="0" g="0" b="0"/>
-        </a:effectRef>
-        <a:fontRef idx="minor"/>
-      </dsp:style>
-    </dsp:sp>
-    <dsp:sp modelId="{AD9BB9F6-4B97-4CD1-97FF-A2BFBE11A26A}">
-      <dsp:nvSpPr>
-        <dsp:cNvPr id="0" name=""/>
-        <dsp:cNvSpPr/>
-      </dsp:nvSpPr>
-      <dsp:spPr>
-        <a:xfrm>
-          <a:off x="8111055" y="3191629"/>
-          <a:ext cx="952462" cy="634975"/>
-        </a:xfrm>
-        <a:prstGeom prst="roundRect">
-          <a:avLst>
-            <a:gd name="adj" fmla="val 10000"/>
-          </a:avLst>
-        </a:prstGeom>
-        <a:solidFill>
-          <a:schemeClr val="accent1">
-            <a:hueOff val="0"/>
-            <a:satOff val="0"/>
-            <a:lumOff val="0"/>
-            <a:alphaOff val="0"/>
-          </a:schemeClr>
-        </a:solidFill>
-        <a:ln w="12700" cap="flat" cmpd="sng" algn="ctr">
-          <a:solidFill>
-            <a:schemeClr val="lt1">
-              <a:hueOff val="0"/>
-              <a:satOff val="0"/>
-              <a:lumOff val="0"/>
-              <a:alphaOff val="0"/>
-            </a:schemeClr>
-          </a:solidFill>
-          <a:prstDash val="solid"/>
-          <a:miter lim="800000"/>
-        </a:ln>
-        <a:effectLst/>
-      </dsp:spPr>
-      <dsp:style>
-        <a:lnRef idx="2">
-          <a:scrgbClr r="0" g="0" b="0"/>
-        </a:lnRef>
-        <a:fillRef idx="1">
-          <a:scrgbClr r="0" g="0" b="0"/>
-        </a:fillRef>
-        <a:effectRef idx="0">
-          <a:scrgbClr r="0" g="0" b="0"/>
-        </a:effectRef>
-        <a:fontRef idx="minor">
-          <a:schemeClr val="lt1"/>
-        </a:fontRef>
-      </dsp:style>
-      <dsp:txBody>
-        <a:bodyPr spcFirstLastPara="0" vert="horz" wrap="square" lIns="45720" tIns="45720" rIns="45720" bIns="45720" numCol="1" spcCol="1270" anchor="ctr" anchorCtr="0">
-          <a:noAutofit/>
-        </a:bodyPr>
-        <a:lstStyle/>
-        <a:p>
-          <a:pPr marL="0" lvl="0" indent="0" algn="ctr" defTabSz="533400">
-            <a:lnSpc>
-              <a:spcPct val="90000"/>
-            </a:lnSpc>
-            <a:spcBef>
-              <a:spcPct val="0"/>
-            </a:spcBef>
-            <a:spcAft>
-              <a:spcPct val="35000"/>
-            </a:spcAft>
-            <a:buNone/>
-          </a:pPr>
-          <a:r>
-            <a:rPr lang="en-US" sz="1200" kern="1200" noProof="0" dirty="0"/>
-            <a:t>CashBox32 (Epson TSE)</a:t>
-          </a:r>
-        </a:p>
-      </dsp:txBody>
-      <dsp:txXfrm>
-        <a:off x="8129653" y="3210227"/>
-        <a:ext cx="915266" cy="597779"/>
-      </dsp:txXfrm>
-    </dsp:sp>
-    <dsp:sp modelId="{3420DE1F-F791-4A3F-BB8E-16BB7C36B1B7}">
-      <dsp:nvSpPr>
-        <dsp:cNvPr id="0" name=""/>
-        <dsp:cNvSpPr/>
-      </dsp:nvSpPr>
-      <dsp:spPr>
-        <a:xfrm>
-          <a:off x="8896836" y="2048673"/>
-          <a:ext cx="928651" cy="253990"/>
-        </a:xfrm>
-        <a:custGeom>
-          <a:avLst/>
-          <a:gdLst/>
-          <a:ahLst/>
-          <a:cxnLst/>
-          <a:rect l="0" t="0" r="0" b="0"/>
-          <a:pathLst>
-            <a:path>
-              <a:moveTo>
-                <a:pt x="0" y="0"/>
-              </a:moveTo>
-              <a:lnTo>
-                <a:pt x="0" y="126995"/>
-              </a:lnTo>
-              <a:lnTo>
-                <a:pt x="928651" y="126995"/>
-              </a:lnTo>
-              <a:lnTo>
-                <a:pt x="928651" y="253990"/>
-              </a:lnTo>
-            </a:path>
-          </a:pathLst>
-        </a:custGeom>
-        <a:noFill/>
-        <a:ln w="12700" cap="flat" cmpd="sng" algn="ctr">
-          <a:solidFill>
-            <a:schemeClr val="accent1">
-              <a:shade val="80000"/>
-              <a:hueOff val="0"/>
-              <a:satOff val="0"/>
-              <a:lumOff val="0"/>
-              <a:alphaOff val="0"/>
-            </a:schemeClr>
-          </a:solidFill>
-          <a:prstDash val="solid"/>
-          <a:miter lim="800000"/>
-        </a:ln>
-        <a:effectLst/>
-      </dsp:spPr>
-      <dsp:style>
-        <a:lnRef idx="2">
-          <a:scrgbClr r="0" g="0" b="0"/>
-        </a:lnRef>
-        <a:fillRef idx="0">
-          <a:scrgbClr r="0" g="0" b="0"/>
-        </a:fillRef>
-        <a:effectRef idx="0">
-          <a:scrgbClr r="0" g="0" b="0"/>
-        </a:effectRef>
-        <a:fontRef idx="minor"/>
-      </dsp:style>
-    </dsp:sp>
-    <dsp:sp modelId="{38C9458A-ABC9-4739-BC7E-430C33421FAE}">
-      <dsp:nvSpPr>
-        <dsp:cNvPr id="0" name=""/>
-        <dsp:cNvSpPr/>
-      </dsp:nvSpPr>
-      <dsp:spPr>
-        <a:xfrm>
-          <a:off x="9349256" y="2302664"/>
-          <a:ext cx="952462" cy="634975"/>
-        </a:xfrm>
-        <a:prstGeom prst="roundRect">
-          <a:avLst>
-            <a:gd name="adj" fmla="val 10000"/>
-          </a:avLst>
-        </a:prstGeom>
-        <a:solidFill>
-          <a:schemeClr val="accent1">
-            <a:hueOff val="0"/>
-            <a:satOff val="0"/>
-            <a:lumOff val="0"/>
-            <a:alphaOff val="0"/>
-          </a:schemeClr>
-        </a:solidFill>
-        <a:ln w="12700" cap="flat" cmpd="sng" algn="ctr">
-          <a:solidFill>
-            <a:schemeClr val="lt1">
-              <a:hueOff val="0"/>
-              <a:satOff val="0"/>
-              <a:lumOff val="0"/>
-              <a:alphaOff val="0"/>
-            </a:schemeClr>
-          </a:solidFill>
-          <a:prstDash val="solid"/>
-          <a:miter lim="800000"/>
-        </a:ln>
-        <a:effectLst/>
-      </dsp:spPr>
-      <dsp:style>
-        <a:lnRef idx="2">
-          <a:scrgbClr r="0" g="0" b="0"/>
-        </a:lnRef>
-        <a:fillRef idx="1">
-          <a:scrgbClr r="0" g="0" b="0"/>
-        </a:fillRef>
-        <a:effectRef idx="0">
-          <a:scrgbClr r="0" g="0" b="0"/>
-        </a:effectRef>
-        <a:fontRef idx="minor">
-          <a:schemeClr val="lt1"/>
-        </a:fontRef>
-      </dsp:style>
-      <dsp:txBody>
-        <a:bodyPr spcFirstLastPara="0" vert="horz" wrap="square" lIns="45720" tIns="45720" rIns="45720" bIns="45720" numCol="1" spcCol="1270" anchor="ctr" anchorCtr="0">
-          <a:noAutofit/>
-        </a:bodyPr>
-        <a:lstStyle/>
-        <a:p>
-          <a:pPr marL="0" lvl="0" indent="0" algn="ctr" defTabSz="533400">
-            <a:lnSpc>
-              <a:spcPct val="90000"/>
-            </a:lnSpc>
-            <a:spcBef>
-              <a:spcPct val="0"/>
-            </a:spcBef>
-            <a:spcAft>
-              <a:spcPct val="35000"/>
-            </a:spcAft>
-            <a:buNone/>
-          </a:pPr>
-          <a:r>
-            <a:rPr lang="en-US" sz="1200" kern="1200" noProof="0" dirty="0"/>
-            <a:t>Operator 4</a:t>
-          </a:r>
-        </a:p>
-      </dsp:txBody>
-      <dsp:txXfrm>
-        <a:off x="9367854" y="2321262"/>
-        <a:ext cx="915266" cy="597779"/>
-      </dsp:txXfrm>
-    </dsp:sp>
-    <dsp:sp modelId="{8039987C-A271-49A4-9F09-B6423BEFB495}">
-      <dsp:nvSpPr>
-        <dsp:cNvPr id="0" name=""/>
-        <dsp:cNvSpPr/>
-      </dsp:nvSpPr>
-      <dsp:spPr>
-        <a:xfrm>
-          <a:off x="9779768" y="2937639"/>
-          <a:ext cx="91440" cy="253990"/>
-        </a:xfrm>
-        <a:custGeom>
-          <a:avLst/>
-          <a:gdLst/>
-          <a:ahLst/>
-          <a:cxnLst/>
-          <a:rect l="0" t="0" r="0" b="0"/>
-          <a:pathLst>
-            <a:path>
-              <a:moveTo>
-                <a:pt x="45720" y="0"/>
-              </a:moveTo>
-              <a:lnTo>
-                <a:pt x="45720" y="253990"/>
-              </a:lnTo>
-            </a:path>
-          </a:pathLst>
-        </a:custGeom>
-        <a:noFill/>
-        <a:ln w="12700" cap="flat" cmpd="sng" algn="ctr">
-          <a:solidFill>
-            <a:schemeClr val="accent1">
-              <a:shade val="80000"/>
-              <a:hueOff val="0"/>
-              <a:satOff val="0"/>
-              <a:lumOff val="0"/>
-              <a:alphaOff val="0"/>
-            </a:schemeClr>
-          </a:solidFill>
-          <a:prstDash val="solid"/>
-          <a:miter lim="800000"/>
-        </a:ln>
-        <a:effectLst/>
-      </dsp:spPr>
-      <dsp:style>
-        <a:lnRef idx="2">
-          <a:scrgbClr r="0" g="0" b="0"/>
-        </a:lnRef>
-        <a:fillRef idx="0">
-          <a:scrgbClr r="0" g="0" b="0"/>
-        </a:fillRef>
-        <a:effectRef idx="0">
-          <a:scrgbClr r="0" g="0" b="0"/>
-        </a:effectRef>
-        <a:fontRef idx="minor"/>
-      </dsp:style>
-    </dsp:sp>
-    <dsp:sp modelId="{F314310E-3B7F-4BB8-8BCF-245F9C3375E7}">
-      <dsp:nvSpPr>
-        <dsp:cNvPr id="0" name=""/>
-        <dsp:cNvSpPr/>
-      </dsp:nvSpPr>
-      <dsp:spPr>
-        <a:xfrm>
-          <a:off x="9349256" y="3191629"/>
-          <a:ext cx="952462" cy="634975"/>
-        </a:xfrm>
-        <a:prstGeom prst="roundRect">
-          <a:avLst>
-            <a:gd name="adj" fmla="val 10000"/>
-          </a:avLst>
-        </a:prstGeom>
-        <a:solidFill>
-          <a:schemeClr val="accent1">
-            <a:hueOff val="0"/>
-            <a:satOff val="0"/>
-            <a:lumOff val="0"/>
-            <a:alphaOff val="0"/>
-          </a:schemeClr>
-        </a:solidFill>
-        <a:ln w="12700" cap="flat" cmpd="sng" algn="ctr">
-          <a:solidFill>
-            <a:schemeClr val="lt1">
-              <a:hueOff val="0"/>
-              <a:satOff val="0"/>
-              <a:lumOff val="0"/>
-              <a:alphaOff val="0"/>
-            </a:schemeClr>
-          </a:solidFill>
-          <a:prstDash val="solid"/>
-          <a:miter lim="800000"/>
-        </a:ln>
-        <a:effectLst/>
-      </dsp:spPr>
-      <dsp:style>
-        <a:lnRef idx="2">
-          <a:scrgbClr r="0" g="0" b="0"/>
-        </a:lnRef>
-        <a:fillRef idx="1">
-          <a:scrgbClr r="0" g="0" b="0"/>
-        </a:fillRef>
-        <a:effectRef idx="0">
-          <a:scrgbClr r="0" g="0" b="0"/>
-        </a:effectRef>
-        <a:fontRef idx="minor">
-          <a:schemeClr val="lt1"/>
-        </a:fontRef>
-      </dsp:style>
-      <dsp:txBody>
-        <a:bodyPr spcFirstLastPara="0" vert="horz" wrap="square" lIns="45720" tIns="45720" rIns="45720" bIns="45720" numCol="1" spcCol="1270" anchor="ctr" anchorCtr="0">
-          <a:noAutofit/>
-        </a:bodyPr>
-        <a:lstStyle/>
-        <a:p>
-          <a:pPr marL="0" lvl="0" indent="0" algn="ctr" defTabSz="533400">
-            <a:lnSpc>
-              <a:spcPct val="90000"/>
-            </a:lnSpc>
-            <a:spcBef>
-              <a:spcPct val="0"/>
-            </a:spcBef>
-            <a:spcAft>
-              <a:spcPct val="35000"/>
-            </a:spcAft>
-            <a:buNone/>
-          </a:pPr>
-          <a:r>
-            <a:rPr lang="en-US" sz="1200" kern="1200" noProof="0" dirty="0"/>
-            <a:t>CashBox41</a:t>
-          </a:r>
-          <a:br>
-            <a:rPr lang="en-US" sz="1200" kern="1200" noProof="0" dirty="0"/>
-          </a:br>
-          <a:r>
-            <a:rPr lang="en-US" sz="1200" kern="1200" noProof="0" dirty="0"/>
-            <a:t> (a-trust TSTE)</a:t>
-          </a:r>
-        </a:p>
-      </dsp:txBody>
-      <dsp:txXfrm>
-        <a:off x="9367854" y="3210227"/>
-        <a:ext cx="915266" cy="597779"/>
-      </dsp:txXfrm>
-    </dsp:sp>
-  </dsp:spTree>
-</dsp:drawing>
-</file>
-
-<file path=ppt/diagrams/drawing2.xml><?xml version="1.0" encoding="utf-8"?>
-<dsp:drawing xmlns:dgm="http://schemas.openxmlformats.org/drawingml/2006/diagram" xmlns:dsp="http://schemas.microsoft.com/office/drawing/2008/diagram" xmlns:a="http://schemas.openxmlformats.org/drawingml/2006/main">
-  <dsp:spTree>
-    <dsp:nvGrpSpPr>
-      <dsp:cNvPr id="0" name=""/>
-      <dsp:cNvGrpSpPr/>
-    </dsp:nvGrpSpPr>
-    <dsp:grpSpPr/>
     <dsp:sp modelId="{B02BE0EB-C330-4F32-8D7C-9CA39266E853}">
       <dsp:nvSpPr>
         <dsp:cNvPr id="0" name=""/>
@@ -7348,13 +3419,7 @@
           </a:avLst>
         </a:prstGeom>
         <a:solidFill>
-          <a:schemeClr val="accent1">
-            <a:tint val="60000"/>
-            <a:hueOff val="0"/>
-            <a:satOff val="0"/>
-            <a:lumOff val="0"/>
-            <a:alphaOff val="0"/>
-          </a:schemeClr>
+          <a:srgbClr val="672483"/>
         </a:solidFill>
         <a:ln>
           <a:noFill/>
@@ -7392,12 +3457,7 @@
           </a:avLst>
         </a:prstGeom>
         <a:solidFill>
-          <a:schemeClr val="accent1">
-            <a:hueOff val="0"/>
-            <a:satOff val="0"/>
-            <a:lumOff val="0"/>
-            <a:alphaOff val="0"/>
-          </a:schemeClr>
+          <a:srgbClr val="672483"/>
         </a:solidFill>
         <a:ln w="12700" cap="flat" cmpd="sng" algn="ctr">
           <a:solidFill>
@@ -7428,12 +3488,12 @@
         </a:fontRef>
       </dsp:style>
       <dsp:txBody>
-        <a:bodyPr spcFirstLastPara="0" vert="horz" wrap="square" lIns="53340" tIns="35560" rIns="53340" bIns="35560" numCol="1" spcCol="1270" anchor="ctr" anchorCtr="0">
+        <a:bodyPr spcFirstLastPara="0" vert="horz" wrap="square" lIns="49530" tIns="33020" rIns="49530" bIns="33020" numCol="1" spcCol="1270" anchor="ctr" anchorCtr="0">
           <a:noAutofit/>
         </a:bodyPr>
         <a:lstStyle/>
         <a:p>
-          <a:pPr marL="0" lvl="0" indent="0" algn="ctr" defTabSz="1244600">
+          <a:pPr marL="0" lvl="0" indent="0" algn="ctr" defTabSz="1155700">
             <a:lnSpc>
               <a:spcPct val="90000"/>
             </a:lnSpc>
@@ -7446,7 +3506,10 @@
             <a:buNone/>
           </a:pPr>
           <a:r>
-            <a:rPr lang="en-US" sz="2800" kern="1200" noProof="0" dirty="0"/>
+            <a:rPr lang="en-US" sz="2600" kern="1200" noProof="0" dirty="0">
+              <a:latin typeface="Roboto" panose="02000000000000000000" pitchFamily="2" charset="0"/>
+              <a:ea typeface="Roboto" panose="02000000000000000000" pitchFamily="2" charset="0"/>
+            </a:rPr>
             <a:t>Creator</a:t>
           </a:r>
         </a:p>
@@ -7591,13 +3654,7 @@
           </a:avLst>
         </a:prstGeom>
         <a:solidFill>
-          <a:schemeClr val="accent1">
-            <a:tint val="60000"/>
-            <a:hueOff val="0"/>
-            <a:satOff val="0"/>
-            <a:lumOff val="0"/>
-            <a:alphaOff val="0"/>
-          </a:schemeClr>
+          <a:srgbClr val="96C11F"/>
         </a:solidFill>
         <a:ln>
           <a:noFill/>
@@ -7635,12 +3692,7 @@
           </a:avLst>
         </a:prstGeom>
         <a:solidFill>
-          <a:schemeClr val="accent1">
-            <a:hueOff val="0"/>
-            <a:satOff val="0"/>
-            <a:lumOff val="0"/>
-            <a:alphaOff val="0"/>
-          </a:schemeClr>
+          <a:srgbClr val="96C11F"/>
         </a:solidFill>
         <a:ln w="12700" cap="flat" cmpd="sng" algn="ctr">
           <a:solidFill>
@@ -7671,12 +3723,12 @@
         </a:fontRef>
       </dsp:style>
       <dsp:txBody>
-        <a:bodyPr spcFirstLastPara="0" vert="horz" wrap="square" lIns="53340" tIns="35560" rIns="53340" bIns="35560" numCol="1" spcCol="1270" anchor="ctr" anchorCtr="0">
+        <a:bodyPr spcFirstLastPara="0" vert="horz" wrap="square" lIns="49530" tIns="33020" rIns="49530" bIns="33020" numCol="1" spcCol="1270" anchor="ctr" anchorCtr="0">
           <a:noAutofit/>
         </a:bodyPr>
         <a:lstStyle/>
         <a:p>
-          <a:pPr marL="0" lvl="0" indent="0" algn="ctr" defTabSz="1244600">
+          <a:pPr marL="0" lvl="0" indent="0" algn="ctr" defTabSz="1155700">
             <a:lnSpc>
               <a:spcPct val="90000"/>
             </a:lnSpc>
@@ -7689,7 +3741,10 @@
             <a:buNone/>
           </a:pPr>
           <a:r>
-            <a:rPr lang="en-US" sz="2800" kern="1200" noProof="0" dirty="0"/>
+            <a:rPr lang="en-US" sz="2600" kern="1200" noProof="0" dirty="0">
+              <a:latin typeface="Roboto" panose="02000000000000000000" pitchFamily="2" charset="0"/>
+              <a:ea typeface="Roboto" panose="02000000000000000000" pitchFamily="2" charset="0"/>
+            </a:rPr>
             <a:t>Dealer</a:t>
           </a:r>
         </a:p>
@@ -7816,13 +3871,7 @@
           </a:avLst>
         </a:prstGeom>
         <a:solidFill>
-          <a:schemeClr val="accent1">
-            <a:tint val="60000"/>
-            <a:hueOff val="0"/>
-            <a:satOff val="0"/>
-            <a:lumOff val="0"/>
-            <a:alphaOff val="0"/>
-          </a:schemeClr>
+          <a:srgbClr val="96C11F"/>
         </a:solidFill>
         <a:ln>
           <a:noFill/>
@@ -7860,12 +3909,7 @@
           </a:avLst>
         </a:prstGeom>
         <a:solidFill>
-          <a:schemeClr val="accent1">
-            <a:hueOff val="0"/>
-            <a:satOff val="0"/>
-            <a:lumOff val="0"/>
-            <a:alphaOff val="0"/>
-          </a:schemeClr>
+          <a:srgbClr val="96C11F"/>
         </a:solidFill>
         <a:ln w="12700" cap="flat" cmpd="sng" algn="ctr">
           <a:solidFill>
@@ -7896,12 +3940,12 @@
         </a:fontRef>
       </dsp:style>
       <dsp:txBody>
-        <a:bodyPr spcFirstLastPara="0" vert="horz" wrap="square" lIns="53340" tIns="35560" rIns="53340" bIns="35560" numCol="1" spcCol="1270" anchor="ctr" anchorCtr="0">
+        <a:bodyPr spcFirstLastPara="0" vert="horz" wrap="square" lIns="49530" tIns="33020" rIns="49530" bIns="33020" numCol="1" spcCol="1270" anchor="ctr" anchorCtr="0">
           <a:noAutofit/>
         </a:bodyPr>
         <a:lstStyle/>
         <a:p>
-          <a:pPr marL="0" lvl="0" indent="0" algn="ctr" defTabSz="1244600">
+          <a:pPr marL="0" lvl="0" indent="0" algn="ctr" defTabSz="1155700">
             <a:lnSpc>
               <a:spcPct val="90000"/>
             </a:lnSpc>
@@ -7914,7 +3958,10 @@
             <a:buNone/>
           </a:pPr>
           <a:r>
-            <a:rPr lang="en-US" sz="2800" kern="1200" noProof="0" dirty="0"/>
+            <a:rPr lang="en-US" sz="2600" kern="1200" noProof="0" dirty="0">
+              <a:latin typeface="Roboto" panose="02000000000000000000" pitchFamily="2" charset="0"/>
+              <a:ea typeface="Roboto" panose="02000000000000000000" pitchFamily="2" charset="0"/>
+            </a:rPr>
             <a:t>Dealer</a:t>
           </a:r>
         </a:p>
@@ -8059,13 +4106,7 @@
           </a:avLst>
         </a:prstGeom>
         <a:solidFill>
-          <a:schemeClr val="accent1">
-            <a:tint val="60000"/>
-            <a:hueOff val="0"/>
-            <a:satOff val="0"/>
-            <a:lumOff val="0"/>
-            <a:alphaOff val="0"/>
-          </a:schemeClr>
+          <a:srgbClr val="FFB100"/>
         </a:solidFill>
         <a:ln>
           <a:noFill/>
@@ -8103,12 +4144,7 @@
           </a:avLst>
         </a:prstGeom>
         <a:solidFill>
-          <a:schemeClr val="accent1">
-            <a:hueOff val="0"/>
-            <a:satOff val="0"/>
-            <a:lumOff val="0"/>
-            <a:alphaOff val="0"/>
-          </a:schemeClr>
+          <a:srgbClr val="FFB100"/>
         </a:solidFill>
         <a:ln w="12700" cap="flat" cmpd="sng" algn="ctr">
           <a:solidFill>
@@ -8139,12 +4175,12 @@
         </a:fontRef>
       </dsp:style>
       <dsp:txBody>
-        <a:bodyPr spcFirstLastPara="0" vert="horz" wrap="square" lIns="53340" tIns="35560" rIns="53340" bIns="35560" numCol="1" spcCol="1270" anchor="ctr" anchorCtr="0">
+        <a:bodyPr spcFirstLastPara="0" vert="horz" wrap="square" lIns="49530" tIns="33020" rIns="49530" bIns="33020" numCol="1" spcCol="1270" anchor="ctr" anchorCtr="0">
           <a:noAutofit/>
         </a:bodyPr>
         <a:lstStyle/>
         <a:p>
-          <a:pPr marL="0" lvl="0" indent="0" algn="ctr" defTabSz="1244600">
+          <a:pPr marL="0" lvl="0" indent="0" algn="ctr" defTabSz="1155700">
             <a:lnSpc>
               <a:spcPct val="90000"/>
             </a:lnSpc>
@@ -8157,7 +4193,10 @@
             <a:buNone/>
           </a:pPr>
           <a:r>
-            <a:rPr lang="en-US" sz="2800" kern="1200" noProof="0" dirty="0"/>
+            <a:rPr lang="en-US" sz="2600" kern="1200" noProof="0" dirty="0">
+              <a:latin typeface="Roboto" panose="02000000000000000000" pitchFamily="2" charset="0"/>
+              <a:ea typeface="Roboto" panose="02000000000000000000" pitchFamily="2" charset="0"/>
+            </a:rPr>
             <a:t>Operator</a:t>
           </a:r>
         </a:p>
@@ -8277,12 +4316,7 @@
           </a:avLst>
         </a:prstGeom>
         <a:solidFill>
-          <a:schemeClr val="accent1">
-            <a:hueOff val="0"/>
-            <a:satOff val="0"/>
-            <a:lumOff val="0"/>
-            <a:alphaOff val="0"/>
-          </a:schemeClr>
+          <a:srgbClr val="96C11F"/>
         </a:solidFill>
         <a:ln w="12700" cap="flat" cmpd="sng" algn="ctr">
           <a:solidFill>
@@ -8313,12 +4347,12 @@
         </a:fontRef>
       </dsp:style>
       <dsp:txBody>
-        <a:bodyPr spcFirstLastPara="0" vert="horz" wrap="square" lIns="53340" tIns="35560" rIns="53340" bIns="35560" numCol="1" spcCol="1270" anchor="ctr" anchorCtr="0">
+        <a:bodyPr spcFirstLastPara="0" vert="horz" wrap="square" lIns="49530" tIns="33020" rIns="49530" bIns="33020" numCol="1" spcCol="1270" anchor="ctr" anchorCtr="0">
           <a:noAutofit/>
         </a:bodyPr>
         <a:lstStyle/>
         <a:p>
-          <a:pPr marL="0" lvl="0" indent="0" algn="ctr" defTabSz="1244600">
+          <a:pPr marL="0" lvl="0" indent="0" algn="ctr" defTabSz="1155700">
             <a:lnSpc>
               <a:spcPct val="90000"/>
             </a:lnSpc>
@@ -8331,7 +4365,10 @@
             <a:buNone/>
           </a:pPr>
           <a:r>
-            <a:rPr lang="en-US" sz="2800" kern="1200" noProof="0" dirty="0"/>
+            <a:rPr lang="en-US" sz="2600" kern="1200" noProof="0" dirty="0">
+              <a:latin typeface="Roboto" panose="02000000000000000000" pitchFamily="2" charset="0"/>
+              <a:ea typeface="Roboto" panose="02000000000000000000" pitchFamily="2" charset="0"/>
+            </a:rPr>
             <a:t>Dealer</a:t>
           </a:r>
         </a:p>
@@ -8346,517 +4383,6 @@
 </file>
 
 <file path=ppt/diagrams/layout1.xml><?xml version="1.0" encoding="utf-8"?>
-<dgm:layoutDef xmlns:dgm="http://schemas.openxmlformats.org/drawingml/2006/diagram" xmlns:a="http://schemas.openxmlformats.org/drawingml/2006/main" uniqueId="urn:microsoft.com/office/officeart/2005/8/layout/hierarchy6">
-  <dgm:title val=""/>
-  <dgm:desc val=""/>
-  <dgm:catLst>
-    <dgm:cat type="hierarchy" pri="3000"/>
-  </dgm:catLst>
-  <dgm:sampData>
-    <dgm:dataModel>
-      <dgm:ptLst>
-        <dgm:pt modelId="0" type="doc"/>
-        <dgm:pt modelId="1">
-          <dgm:prSet phldr="1"/>
-        </dgm:pt>
-        <dgm:pt modelId="2">
-          <dgm:prSet phldr="1"/>
-        </dgm:pt>
-        <dgm:pt modelId="21">
-          <dgm:prSet phldr="1"/>
-        </dgm:pt>
-        <dgm:pt modelId="22">
-          <dgm:prSet phldr="1"/>
-        </dgm:pt>
-        <dgm:pt modelId="3">
-          <dgm:prSet phldr="1"/>
-        </dgm:pt>
-        <dgm:pt modelId="31">
-          <dgm:prSet phldr="1"/>
-        </dgm:pt>
-        <dgm:pt modelId="4">
-          <dgm:prSet phldr="1"/>
-        </dgm:pt>
-        <dgm:pt modelId="5">
-          <dgm:prSet phldr="1"/>
-        </dgm:pt>
-        <dgm:pt modelId="6">
-          <dgm:prSet phldr="1"/>
-        </dgm:pt>
-      </dgm:ptLst>
-      <dgm:cxnLst>
-        <dgm:cxn modelId="7" srcId="0" destId="1" srcOrd="0" destOrd="0"/>
-        <dgm:cxn modelId="8" srcId="1" destId="2" srcOrd="0" destOrd="0"/>
-        <dgm:cxn modelId="9" srcId="1" destId="3" srcOrd="1" destOrd="0"/>
-        <dgm:cxn modelId="23" srcId="2" destId="21" srcOrd="0" destOrd="0"/>
-        <dgm:cxn modelId="24" srcId="2" destId="22" srcOrd="1" destOrd="0"/>
-        <dgm:cxn modelId="33" srcId="3" destId="31" srcOrd="0" destOrd="0"/>
-        <dgm:cxn modelId="10" srcId="0" destId="4" srcOrd="1" destOrd="0"/>
-        <dgm:cxn modelId="11" srcId="0" destId="5" srcOrd="2" destOrd="0"/>
-        <dgm:cxn modelId="12" srcId="0" destId="6" srcOrd="3" destOrd="0"/>
-      </dgm:cxnLst>
-      <dgm:bg/>
-      <dgm:whole/>
-    </dgm:dataModel>
-  </dgm:sampData>
-  <dgm:styleData>
-    <dgm:dataModel>
-      <dgm:ptLst>
-        <dgm:pt modelId="0" type="doc"/>
-        <dgm:pt modelId="1"/>
-        <dgm:pt modelId="11"/>
-        <dgm:pt modelId="12"/>
-        <dgm:pt modelId="2"/>
-        <dgm:pt modelId="3"/>
-      </dgm:ptLst>
-      <dgm:cxnLst>
-        <dgm:cxn modelId="4" srcId="0" destId="1" srcOrd="0" destOrd="0"/>
-        <dgm:cxn modelId="13" srcId="1" destId="11" srcOrd="0" destOrd="0"/>
-        <dgm:cxn modelId="14" srcId="1" destId="12" srcOrd="1" destOrd="0"/>
-        <dgm:cxn modelId="5" srcId="0" destId="2" srcOrd="1" destOrd="0"/>
-        <dgm:cxn modelId="6" srcId="0" destId="3" srcOrd="2" destOrd="0"/>
-      </dgm:cxnLst>
-      <dgm:bg/>
-      <dgm:whole/>
-    </dgm:dataModel>
-  </dgm:styleData>
-  <dgm:clrData>
-    <dgm:dataModel>
-      <dgm:ptLst>
-        <dgm:pt modelId="0" type="doc"/>
-        <dgm:pt modelId="1"/>
-        <dgm:pt modelId="2"/>
-        <dgm:pt modelId="21"/>
-        <dgm:pt modelId="211"/>
-        <dgm:pt modelId="3"/>
-        <dgm:pt modelId="31"/>
-        <dgm:pt modelId="311"/>
-        <dgm:pt modelId="4"/>
-        <dgm:pt modelId="5"/>
-        <dgm:pt modelId="6"/>
-        <dgm:pt modelId="7"/>
-      </dgm:ptLst>
-      <dgm:cxnLst>
-        <dgm:cxn modelId="8" srcId="0" destId="1" srcOrd="0" destOrd="0"/>
-        <dgm:cxn modelId="9" srcId="1" destId="2" srcOrd="0" destOrd="0"/>
-        <dgm:cxn modelId="10" srcId="1" destId="3" srcOrd="1" destOrd="0"/>
-        <dgm:cxn modelId="23" srcId="2" destId="21" srcOrd="0" destOrd="0"/>
-        <dgm:cxn modelId="24" srcId="21" destId="211" srcOrd="0" destOrd="0"/>
-        <dgm:cxn modelId="33" srcId="3" destId="31" srcOrd="0" destOrd="0"/>
-        <dgm:cxn modelId="34" srcId="31" destId="311" srcOrd="0" destOrd="0"/>
-        <dgm:cxn modelId="11" srcId="0" destId="4" srcOrd="1" destOrd="0"/>
-        <dgm:cxn modelId="12" srcId="0" destId="5" srcOrd="2" destOrd="0"/>
-        <dgm:cxn modelId="13" srcId="0" destId="6" srcOrd="3" destOrd="0"/>
-        <dgm:cxn modelId="14" srcId="0" destId="7" srcOrd="4" destOrd="0"/>
-      </dgm:cxnLst>
-      <dgm:bg/>
-      <dgm:whole/>
-    </dgm:dataModel>
-  </dgm:clrData>
-  <dgm:layoutNode name="mainComposite">
-    <dgm:varLst>
-      <dgm:chPref val="1"/>
-      <dgm:dir/>
-      <dgm:animOne val="branch"/>
-      <dgm:animLvl val="lvl"/>
-      <dgm:resizeHandles val="exact"/>
-    </dgm:varLst>
-    <dgm:alg type="composite">
-      <dgm:param type="vertAlign" val="mid"/>
-      <dgm:param type="horzAlign" val="ctr"/>
-    </dgm:alg>
-    <dgm:shape xmlns:r="http://schemas.openxmlformats.org/officeDocument/2006/relationships" r:blip="">
-      <dgm:adjLst/>
-    </dgm:shape>
-    <dgm:presOf/>
-    <dgm:choose name="Name0">
-      <dgm:if name="Name1" axis="ch" ptType="node" func="cnt" op="gte" val="2">
-        <dgm:choose name="Name2">
-          <dgm:if name="Name3" func="var" arg="dir" op="equ" val="norm">
-            <dgm:constrLst>
-              <dgm:constr type="l" for="ch" forName="hierFlow" refType="w" fact="0.3"/>
-              <dgm:constr type="t" for="ch" forName="hierFlow"/>
-              <dgm:constr type="r" for="ch" forName="hierFlow" refType="w" fact="0.98"/>
-              <dgm:constr type="b" for="ch" forName="hierFlow" refType="h" fact="0.98"/>
-              <dgm:constr type="l" for="ch" forName="bgShapesFlow"/>
-              <dgm:constr type="t" for="ch" forName="bgShapesFlow"/>
-              <dgm:constr type="r" for="ch" forName="bgShapesFlow" refType="w"/>
-              <dgm:constr type="b" for="ch" forName="bgShapesFlow" refType="h"/>
-              <dgm:constr type="w" for="des" forName="level1Shape" refType="w"/>
-              <dgm:constr type="h" for="des" forName="level1Shape" refType="w" refFor="des" refForName="level1Shape" fact="0.66667"/>
-              <dgm:constr type="w" for="des" forName="level2Shape" refType="w" refFor="des" refForName="level1Shape" op="equ"/>
-              <dgm:constr type="h" for="des" forName="level2Shape" refType="h" refFor="des" refForName="level1Shape" op="equ"/>
-              <dgm:constr type="sp" for="des" refType="h" refFor="des" refForName="level1Shape" op="equ" fact="0.4"/>
-              <dgm:constr type="sibSp" for="des" forName="hierChild1" refType="w" refFor="des" refForName="level1Shape" op="equ" fact="0.3"/>
-              <dgm:constr type="sibSp" for="des" forName="hierChild2" refType="sibSp" refFor="des" refForName="hierChild1" op="equ"/>
-              <dgm:constr type="sibSp" for="des" forName="hierChild3" refType="sibSp" refFor="des" refForName="hierChild1" op="equ"/>
-              <dgm:constr type="userA" for="des" refType="h" refFor="des" refForName="level1Shape" op="equ"/>
-              <dgm:constr type="userB" for="des" refType="sp" refFor="des" op="equ"/>
-              <dgm:constr type="h" for="des" forName="firstBuf" refType="h" refFor="des" refForName="level1Shape" fact="0.1"/>
-            </dgm:constrLst>
-          </dgm:if>
-          <dgm:else name="Name4">
-            <dgm:constrLst>
-              <dgm:constr type="l" for="ch" forName="hierFlow" refType="w" fact="0.02"/>
-              <dgm:constr type="t" for="ch" forName="hierFlow"/>
-              <dgm:constr type="r" for="ch" forName="hierFlow" refType="w" fact="0.7"/>
-              <dgm:constr type="b" for="ch" forName="hierFlow" refType="h" fact="0.98"/>
-              <dgm:constr type="l" for="ch" forName="bgShapesFlow"/>
-              <dgm:constr type="t" for="ch" forName="bgShapesFlow"/>
-              <dgm:constr type="r" for="ch" forName="bgShapesFlow" refType="w"/>
-              <dgm:constr type="b" for="ch" forName="bgShapesFlow" refType="h"/>
-              <dgm:constr type="w" for="des" forName="level1Shape" refType="w"/>
-              <dgm:constr type="h" for="des" forName="level1Shape" refType="w" refFor="des" refForName="level1Shape" fact="0.66667"/>
-              <dgm:constr type="w" for="des" forName="level2Shape" refType="w" refFor="des" refForName="level1Shape" op="equ"/>
-              <dgm:constr type="h" for="des" forName="level2Shape" refType="h" refFor="des" refForName="level1Shape" op="equ"/>
-              <dgm:constr type="sp" for="des" refType="h" refFor="des" refForName="level1Shape" op="equ" fact="0.4"/>
-              <dgm:constr type="sibSp" for="des" forName="hierChild1" refType="w" refFor="des" refForName="level1Shape" op="equ" fact="0.3"/>
-              <dgm:constr type="sibSp" for="des" forName="hierChild2" refType="sibSp" refFor="des" refForName="hierChild1" op="equ"/>
-              <dgm:constr type="sibSp" for="des" forName="hierChild3" refType="sibSp" refFor="des" refForName="hierChild1" op="equ"/>
-              <dgm:constr type="userA" for="des" refType="h" refFor="des" refForName="level1Shape" op="equ"/>
-              <dgm:constr type="userB" for="des" refType="sp" refFor="des" op="equ"/>
-              <dgm:constr type="h" for="des" forName="firstBuf" refType="h" refFor="des" refForName="level1Shape" fact="0.1"/>
-            </dgm:constrLst>
-          </dgm:else>
-        </dgm:choose>
-      </dgm:if>
-      <dgm:else name="Name5">
-        <dgm:constrLst>
-          <dgm:constr type="l" for="ch" forName="hierFlow"/>
-          <dgm:constr type="t" for="ch" forName="hierFlow"/>
-          <dgm:constr type="r" for="ch" forName="hierFlow" refType="w"/>
-          <dgm:constr type="b" for="ch" forName="hierFlow" refType="h"/>
-          <dgm:constr type="l" for="ch" forName="bgShapesFlow"/>
-          <dgm:constr type="t" for="ch" forName="bgShapesFlow"/>
-          <dgm:constr type="r" for="ch" forName="bgShapesFlow" refType="w"/>
-          <dgm:constr type="b" for="ch" forName="bgShapesFlow" refType="h"/>
-          <dgm:constr type="w" for="des" forName="level1Shape" refType="w"/>
-          <dgm:constr type="h" for="des" forName="level1Shape" refType="w" refFor="des" refForName="level1Shape" fact="0.66667"/>
-          <dgm:constr type="w" for="des" forName="level2Shape" refType="w" refFor="des" refForName="level1Shape" op="equ"/>
-          <dgm:constr type="h" for="des" forName="level2Shape" refType="h" refFor="des" refForName="level1Shape" op="equ"/>
-          <dgm:constr type="sp" for="des" refType="h" refFor="des" refForName="level1Shape" op="equ" fact="0.4"/>
-          <dgm:constr type="sibSp" for="des" forName="hierChild1" refType="w" refFor="des" refForName="level1Shape" op="equ" fact="0.3"/>
-          <dgm:constr type="sibSp" for="des" forName="hierChild2" refType="sibSp" refFor="des" refForName="hierChild1" op="equ"/>
-          <dgm:constr type="sibSp" for="des" forName="hierChild3" refType="sibSp" refFor="des" refForName="hierChild1" op="equ"/>
-          <dgm:constr type="userA" for="des" refType="h" refFor="des" refForName="level1Shape" op="equ"/>
-          <dgm:constr type="userB" for="des" refType="sp" refFor="des" op="equ"/>
-          <dgm:constr type="h" for="des" forName="firstBuf" refType="h" refFor="des" refForName="level1Shape" fact="0.1"/>
-        </dgm:constrLst>
-      </dgm:else>
-    </dgm:choose>
-    <dgm:ruleLst/>
-    <dgm:layoutNode name="hierFlow">
-      <dgm:alg type="lin">
-        <dgm:param type="linDir" val="fromT"/>
-        <dgm:param type="nodeVertAlign" val="t"/>
-        <dgm:param type="vertAlign" val="t"/>
-        <dgm:param type="nodeHorzAlign" val="ctr"/>
-        <dgm:param type="fallback" val="2D"/>
-      </dgm:alg>
-      <dgm:shape xmlns:r="http://schemas.openxmlformats.org/officeDocument/2006/relationships" r:blip="">
-        <dgm:adjLst/>
-      </dgm:shape>
-      <dgm:presOf/>
-      <dgm:constrLst/>
-      <dgm:ruleLst/>
-      <dgm:choose name="Name6">
-        <dgm:if name="Name7" axis="ch" ptType="node" func="cnt" op="gte" val="2">
-          <dgm:layoutNode name="firstBuf">
-            <dgm:alg type="sp"/>
-            <dgm:shape xmlns:r="http://schemas.openxmlformats.org/officeDocument/2006/relationships" r:blip="">
-              <dgm:adjLst/>
-            </dgm:shape>
-            <dgm:presOf/>
-            <dgm:constrLst/>
-            <dgm:ruleLst/>
-          </dgm:layoutNode>
-        </dgm:if>
-        <dgm:else name="Name8"/>
-      </dgm:choose>
-      <dgm:layoutNode name="hierChild1">
-        <dgm:varLst>
-          <dgm:chPref val="1"/>
-          <dgm:animOne val="branch"/>
-          <dgm:animLvl val="lvl"/>
-        </dgm:varLst>
-        <dgm:choose name="Name9">
-          <dgm:if name="Name10" func="var" arg="dir" op="equ" val="norm">
-            <dgm:alg type="hierChild">
-              <dgm:param type="linDir" val="fromL"/>
-              <dgm:param type="vertAlign" val="t"/>
-            </dgm:alg>
-          </dgm:if>
-          <dgm:else name="Name11">
-            <dgm:alg type="hierChild">
-              <dgm:param type="linDir" val="fromR"/>
-              <dgm:param type="vertAlign" val="t"/>
-            </dgm:alg>
-          </dgm:else>
-        </dgm:choose>
-        <dgm:shape xmlns:r="http://schemas.openxmlformats.org/officeDocument/2006/relationships" r:blip="">
-          <dgm:adjLst/>
-        </dgm:shape>
-        <dgm:presOf/>
-        <dgm:constrLst>
-          <dgm:constr type="primFontSz" for="des" ptType="node" op="equ"/>
-        </dgm:constrLst>
-        <dgm:ruleLst/>
-        <dgm:forEach name="Name12" axis="ch" cnt="3">
-          <dgm:forEach name="Name13" axis="self" ptType="node">
-            <dgm:layoutNode name="Name14">
-              <dgm:alg type="hierRoot"/>
-              <dgm:shape xmlns:r="http://schemas.openxmlformats.org/officeDocument/2006/relationships" r:blip="">
-                <dgm:adjLst/>
-              </dgm:shape>
-              <dgm:presOf/>
-              <dgm:constrLst/>
-              <dgm:ruleLst/>
-              <dgm:layoutNode name="level1Shape" styleLbl="node0">
-                <dgm:varLst>
-                  <dgm:chPref val="3"/>
-                </dgm:varLst>
-                <dgm:alg type="tx"/>
-                <dgm:shape xmlns:r="http://schemas.openxmlformats.org/officeDocument/2006/relationships" type="roundRect" r:blip="">
-                  <dgm:adjLst>
-                    <dgm:adj idx="1" val="0.1"/>
-                  </dgm:adjLst>
-                </dgm:shape>
-                <dgm:presOf axis="self"/>
-                <dgm:constrLst>
-                  <dgm:constr type="primFontSz" val="65"/>
-                  <dgm:constr type="tMarg" refType="primFontSz" fact="0.3"/>
-                  <dgm:constr type="bMarg" refType="primFontSz" fact="0.3"/>
-                  <dgm:constr type="lMarg" refType="primFontSz" fact="0.3"/>
-                  <dgm:constr type="rMarg" refType="primFontSz" fact="0.3"/>
-                </dgm:constrLst>
-                <dgm:ruleLst>
-                  <dgm:rule type="primFontSz" val="5" fact="NaN" max="NaN"/>
-                </dgm:ruleLst>
-              </dgm:layoutNode>
-              <dgm:layoutNode name="hierChild2">
-                <dgm:choose name="Name15">
-                  <dgm:if name="Name16" func="var" arg="dir" op="equ" val="norm">
-                    <dgm:alg type="hierChild">
-                      <dgm:param type="linDir" val="fromL"/>
-                    </dgm:alg>
-                  </dgm:if>
-                  <dgm:else name="Name17">
-                    <dgm:alg type="hierChild">
-                      <dgm:param type="linDir" val="fromR"/>
-                    </dgm:alg>
-                  </dgm:else>
-                </dgm:choose>
-                <dgm:shape xmlns:r="http://schemas.openxmlformats.org/officeDocument/2006/relationships" r:blip="">
-                  <dgm:adjLst/>
-                </dgm:shape>
-                <dgm:presOf/>
-                <dgm:constrLst/>
-                <dgm:ruleLst/>
-                <dgm:forEach name="repeat" axis="ch">
-                  <dgm:forEach name="Name18" axis="self" ptType="parTrans" cnt="1">
-                    <dgm:layoutNode name="Name19">
-                      <dgm:alg type="conn">
-                        <dgm:param type="dim" val="1D"/>
-                        <dgm:param type="endSty" val="noArr"/>
-                        <dgm:param type="connRout" val="bend"/>
-                        <dgm:param type="begPts" val="bCtr"/>
-                        <dgm:param type="endPts" val="tCtr"/>
-                      </dgm:alg>
-                      <dgm:shape xmlns:r="http://schemas.openxmlformats.org/officeDocument/2006/relationships" type="conn" r:blip="">
-                        <dgm:adjLst/>
-                      </dgm:shape>
-                      <dgm:presOf axis="self"/>
-                      <dgm:constrLst>
-                        <dgm:constr type="w" val="1"/>
-                        <dgm:constr type="h" val="1"/>
-                        <dgm:constr type="begPad"/>
-                        <dgm:constr type="endPad"/>
-                      </dgm:constrLst>
-                      <dgm:ruleLst/>
-                    </dgm:layoutNode>
-                  </dgm:forEach>
-                  <dgm:forEach name="Name20" axis="self" ptType="node">
-                    <dgm:layoutNode name="Name21">
-                      <dgm:alg type="hierRoot"/>
-                      <dgm:shape xmlns:r="http://schemas.openxmlformats.org/officeDocument/2006/relationships" r:blip="">
-                        <dgm:adjLst/>
-                      </dgm:shape>
-                      <dgm:presOf/>
-                      <dgm:constrLst/>
-                      <dgm:ruleLst/>
-                      <dgm:layoutNode name="level2Shape">
-                        <dgm:alg type="tx"/>
-                        <dgm:shape xmlns:r="http://schemas.openxmlformats.org/officeDocument/2006/relationships" type="roundRect" r:blip="">
-                          <dgm:adjLst>
-                            <dgm:adj idx="1" val="0.1"/>
-                          </dgm:adjLst>
-                        </dgm:shape>
-                        <dgm:presOf axis="self"/>
-                        <dgm:constrLst>
-                          <dgm:constr type="primFontSz" val="65"/>
-                          <dgm:constr type="tMarg" refType="primFontSz" fact="0.3"/>
-                          <dgm:constr type="bMarg" refType="primFontSz" fact="0.3"/>
-                          <dgm:constr type="lMarg" refType="primFontSz" fact="0.3"/>
-                          <dgm:constr type="rMarg" refType="primFontSz" fact="0.3"/>
-                        </dgm:constrLst>
-                        <dgm:ruleLst>
-                          <dgm:rule type="primFontSz" val="5" fact="NaN" max="NaN"/>
-                        </dgm:ruleLst>
-                      </dgm:layoutNode>
-                      <dgm:layoutNode name="hierChild3">
-                        <dgm:choose name="Name22">
-                          <dgm:if name="Name23" func="var" arg="dir" op="equ" val="norm">
-                            <dgm:alg type="hierChild">
-                              <dgm:param type="linDir" val="fromL"/>
-                            </dgm:alg>
-                          </dgm:if>
-                          <dgm:else name="Name24">
-                            <dgm:alg type="hierChild">
-                              <dgm:param type="linDir" val="fromR"/>
-                            </dgm:alg>
-                          </dgm:else>
-                        </dgm:choose>
-                        <dgm:shape xmlns:r="http://schemas.openxmlformats.org/officeDocument/2006/relationships" r:blip="">
-                          <dgm:adjLst/>
-                        </dgm:shape>
-                        <dgm:presOf/>
-                        <dgm:constrLst/>
-                        <dgm:ruleLst/>
-                        <dgm:forEach name="Name25" ref="repeat"/>
-                      </dgm:layoutNode>
-                    </dgm:layoutNode>
-                  </dgm:forEach>
-                </dgm:forEach>
-              </dgm:layoutNode>
-            </dgm:layoutNode>
-          </dgm:forEach>
-        </dgm:forEach>
-      </dgm:layoutNode>
-    </dgm:layoutNode>
-    <dgm:layoutNode name="bgShapesFlow">
-      <dgm:alg type="lin">
-        <dgm:param type="linDir" val="fromT"/>
-        <dgm:param type="nodeVertAlign" val="t"/>
-        <dgm:param type="vertAlign" val="t"/>
-        <dgm:param type="nodeHorzAlign" val="ctr"/>
-      </dgm:alg>
-      <dgm:shape xmlns:r="http://schemas.openxmlformats.org/officeDocument/2006/relationships" r:blip="">
-        <dgm:adjLst/>
-      </dgm:shape>
-      <dgm:presOf/>
-      <dgm:constrLst>
-        <dgm:constr type="userB"/>
-        <dgm:constr type="w" for="ch" forName="rectComp" refType="w"/>
-        <dgm:constr type="h" for="ch" forName="rectComp" refType="h"/>
-        <dgm:constr type="w" for="des" forName="bgRect" refType="w"/>
-        <dgm:constr type="primFontSz" for="des" forName="bgRectTx" op="equ"/>
-      </dgm:constrLst>
-      <dgm:ruleLst/>
-      <dgm:forEach name="Name26" axis="ch" ptType="node" st="2">
-        <dgm:layoutNode name="rectComp">
-          <dgm:alg type="composite">
-            <dgm:param type="vertAlign" val="t"/>
-            <dgm:param type="horzAlign" val="ctr"/>
-          </dgm:alg>
-          <dgm:shape xmlns:r="http://schemas.openxmlformats.org/officeDocument/2006/relationships" r:blip="">
-            <dgm:adjLst/>
-          </dgm:shape>
-          <dgm:presOf/>
-          <dgm:choose name="Name27">
-            <dgm:if name="Name28" func="var" arg="dir" op="equ" val="norm">
-              <dgm:constrLst>
-                <dgm:constr type="userA"/>
-                <dgm:constr type="l" for="ch" forName="bgRect"/>
-                <dgm:constr type="t" for="ch" forName="bgRect"/>
-                <dgm:constr type="h" for="ch" forName="bgRect" refType="userA" fact="1.2"/>
-                <dgm:constr type="l" for="ch" forName="bgRectTx"/>
-                <dgm:constr type="t" for="ch" forName="bgRectTx"/>
-                <dgm:constr type="w" for="ch" forName="bgRectTx" refType="w" refFor="ch" refForName="bgRect" fact="0.3"/>
-                <dgm:constr type="h" for="ch" forName="bgRectTx" refType="h" refFor="ch" refForName="bgRect" op="equ"/>
-              </dgm:constrLst>
-            </dgm:if>
-            <dgm:else name="Name29">
-              <dgm:constrLst>
-                <dgm:constr type="userA"/>
-                <dgm:constr type="l" for="ch" forName="bgRect"/>
-                <dgm:constr type="t" for="ch" forName="bgRect"/>
-                <dgm:constr type="h" for="ch" forName="bgRect" refType="userA" fact="1.2"/>
-                <dgm:constr type="r" for="ch" forName="bgRectTx" refType="w"/>
-                <dgm:constr type="t" for="ch" forName="bgRectTx"/>
-                <dgm:constr type="w" for="ch" forName="bgRectTx" refType="w" refFor="ch" refForName="bgRect" fact="0.3"/>
-                <dgm:constr type="h" for="ch" forName="bgRectTx" refType="h" refFor="ch" refForName="bgRect" op="equ"/>
-              </dgm:constrLst>
-            </dgm:else>
-          </dgm:choose>
-          <dgm:ruleLst/>
-          <dgm:layoutNode name="bgRect" styleLbl="bgShp">
-            <dgm:alg type="sp"/>
-            <dgm:shape xmlns:r="http://schemas.openxmlformats.org/officeDocument/2006/relationships" type="roundRect" r:blip="" zOrderOff="-999">
-              <dgm:adjLst>
-                <dgm:adj idx="1" val="0.1"/>
-              </dgm:adjLst>
-            </dgm:shape>
-            <dgm:presOf axis="desOrSelf" ptType="node"/>
-            <dgm:constrLst/>
-            <dgm:ruleLst/>
-          </dgm:layoutNode>
-          <dgm:layoutNode name="bgRectTx" styleLbl="bgShp">
-            <dgm:varLst>
-              <dgm:bulletEnabled val="1"/>
-            </dgm:varLst>
-            <dgm:alg type="tx"/>
-            <dgm:presOf axis="desOrSelf" ptType="node"/>
-            <dgm:shape xmlns:r="http://schemas.openxmlformats.org/officeDocument/2006/relationships" type="rect" r:blip="" zOrderOff="-999" hideGeom="1">
-              <dgm:adjLst/>
-            </dgm:shape>
-            <dgm:constrLst>
-              <dgm:constr type="primFontSz" val="65"/>
-            </dgm:constrLst>
-            <dgm:ruleLst>
-              <dgm:rule type="primFontSz" val="5" fact="NaN" max="NaN"/>
-            </dgm:ruleLst>
-          </dgm:layoutNode>
-        </dgm:layoutNode>
-        <dgm:choose name="Name30">
-          <dgm:if name="Name31" axis="self" ptType="node" func="revPos" op="gte" val="2">
-            <dgm:layoutNode name="spComp">
-              <dgm:alg type="composite">
-                <dgm:param type="vertAlign" val="t"/>
-                <dgm:param type="horzAlign" val="ctr"/>
-              </dgm:alg>
-              <dgm:shape xmlns:r="http://schemas.openxmlformats.org/officeDocument/2006/relationships" r:blip="">
-                <dgm:adjLst/>
-              </dgm:shape>
-              <dgm:presOf/>
-              <dgm:constrLst>
-                <dgm:constr type="userA"/>
-                <dgm:constr type="userB"/>
-                <dgm:constr type="l" for="ch" forName="vSp"/>
-                <dgm:constr type="t" for="ch" forName="vSp"/>
-                <dgm:constr type="h" for="ch" forName="vSp" refType="userB"/>
-                <dgm:constr type="hOff" for="ch" forName="vSp" refType="userA" fact="-0.2"/>
-              </dgm:constrLst>
-              <dgm:ruleLst/>
-              <dgm:layoutNode name="vSp">
-                <dgm:alg type="sp"/>
-                <dgm:shape xmlns:r="http://schemas.openxmlformats.org/officeDocument/2006/relationships" r:blip="">
-                  <dgm:adjLst/>
-                </dgm:shape>
-                <dgm:presOf/>
-                <dgm:constrLst/>
-                <dgm:ruleLst/>
-              </dgm:layoutNode>
-            </dgm:layoutNode>
-          </dgm:if>
-          <dgm:else name="Name32"/>
-        </dgm:choose>
-      </dgm:forEach>
-    </dgm:layoutNode>
-  </dgm:layoutNode>
-</dgm:layoutDef>
-</file>
-
-<file path=ppt/diagrams/layout2.xml><?xml version="1.0" encoding="utf-8"?>
 <dgm:layoutDef xmlns:dgm="http://schemas.openxmlformats.org/drawingml/2006/diagram" xmlns:a="http://schemas.openxmlformats.org/drawingml/2006/main" uniqueId="urn:microsoft.com/office/officeart/2005/8/layout/hProcess4">
   <dgm:title val=""/>
   <dgm:desc val=""/>
@@ -10434,1040 +5960,6 @@
 </dgm:styleDef>
 </file>
 
-<file path=ppt/diagrams/quickStyle2.xml><?xml version="1.0" encoding="utf-8"?>
-<dgm:styleDef xmlns:dgm="http://schemas.openxmlformats.org/drawingml/2006/diagram" xmlns:a="http://schemas.openxmlformats.org/drawingml/2006/main" uniqueId="urn:microsoft.com/office/officeart/2005/8/quickstyle/simple1">
-  <dgm:title val=""/>
-  <dgm:desc val=""/>
-  <dgm:catLst>
-    <dgm:cat type="simple" pri="10100"/>
-  </dgm:catLst>
-  <dgm:scene3d>
-    <a:camera prst="orthographicFront"/>
-    <a:lightRig rig="threePt" dir="t"/>
-  </dgm:scene3d>
-  <dgm:styleLbl name="node0">
-    <dgm:scene3d>
-      <a:camera prst="orthographicFront"/>
-      <a:lightRig rig="threePt" dir="t"/>
-    </dgm:scene3d>
-    <dgm:sp3d/>
-    <dgm:txPr/>
-    <dgm:style>
-      <a:lnRef idx="2">
-        <a:scrgbClr r="0" g="0" b="0"/>
-      </a:lnRef>
-      <a:fillRef idx="1">
-        <a:scrgbClr r="0" g="0" b="0"/>
-      </a:fillRef>
-      <a:effectRef idx="0">
-        <a:scrgbClr r="0" g="0" b="0"/>
-      </a:effectRef>
-      <a:fontRef idx="minor">
-        <a:schemeClr val="lt1"/>
-      </a:fontRef>
-    </dgm:style>
-  </dgm:styleLbl>
-  <dgm:styleLbl name="lnNode1">
-    <dgm:scene3d>
-      <a:camera prst="orthographicFront"/>
-      <a:lightRig rig="threePt" dir="t"/>
-    </dgm:scene3d>
-    <dgm:sp3d/>
-    <dgm:txPr/>
-    <dgm:style>
-      <a:lnRef idx="2">
-        <a:scrgbClr r="0" g="0" b="0"/>
-      </a:lnRef>
-      <a:fillRef idx="1">
-        <a:scrgbClr r="0" g="0" b="0"/>
-      </a:fillRef>
-      <a:effectRef idx="0">
-        <a:scrgbClr r="0" g="0" b="0"/>
-      </a:effectRef>
-      <a:fontRef idx="minor">
-        <a:schemeClr val="lt1"/>
-      </a:fontRef>
-    </dgm:style>
-  </dgm:styleLbl>
-  <dgm:styleLbl name="vennNode1">
-    <dgm:scene3d>
-      <a:camera prst="orthographicFront"/>
-      <a:lightRig rig="threePt" dir="t"/>
-    </dgm:scene3d>
-    <dgm:sp3d/>
-    <dgm:txPr/>
-    <dgm:style>
-      <a:lnRef idx="2">
-        <a:scrgbClr r="0" g="0" b="0"/>
-      </a:lnRef>
-      <a:fillRef idx="1">
-        <a:scrgbClr r="0" g="0" b="0"/>
-      </a:fillRef>
-      <a:effectRef idx="0">
-        <a:scrgbClr r="0" g="0" b="0"/>
-      </a:effectRef>
-      <a:fontRef idx="minor">
-        <a:schemeClr val="tx1"/>
-      </a:fontRef>
-    </dgm:style>
-  </dgm:styleLbl>
-  <dgm:styleLbl name="alignNode1">
-    <dgm:scene3d>
-      <a:camera prst="orthographicFront"/>
-      <a:lightRig rig="threePt" dir="t"/>
-    </dgm:scene3d>
-    <dgm:sp3d/>
-    <dgm:txPr/>
-    <dgm:style>
-      <a:lnRef idx="2">
-        <a:scrgbClr r="0" g="0" b="0"/>
-      </a:lnRef>
-      <a:fillRef idx="1">
-        <a:scrgbClr r="0" g="0" b="0"/>
-      </a:fillRef>
-      <a:effectRef idx="0">
-        <a:scrgbClr r="0" g="0" b="0"/>
-      </a:effectRef>
-      <a:fontRef idx="minor">
-        <a:schemeClr val="lt1"/>
-      </a:fontRef>
-    </dgm:style>
-  </dgm:styleLbl>
-  <dgm:styleLbl name="node1">
-    <dgm:scene3d>
-      <a:camera prst="orthographicFront"/>
-      <a:lightRig rig="threePt" dir="t"/>
-    </dgm:scene3d>
-    <dgm:sp3d/>
-    <dgm:txPr/>
-    <dgm:style>
-      <a:lnRef idx="2">
-        <a:scrgbClr r="0" g="0" b="0"/>
-      </a:lnRef>
-      <a:fillRef idx="1">
-        <a:scrgbClr r="0" g="0" b="0"/>
-      </a:fillRef>
-      <a:effectRef idx="0">
-        <a:scrgbClr r="0" g="0" b="0"/>
-      </a:effectRef>
-      <a:fontRef idx="minor">
-        <a:schemeClr val="lt1"/>
-      </a:fontRef>
-    </dgm:style>
-  </dgm:styleLbl>
-  <dgm:styleLbl name="node2">
-    <dgm:scene3d>
-      <a:camera prst="orthographicFront"/>
-      <a:lightRig rig="threePt" dir="t"/>
-    </dgm:scene3d>
-    <dgm:sp3d/>
-    <dgm:txPr/>
-    <dgm:style>
-      <a:lnRef idx="2">
-        <a:scrgbClr r="0" g="0" b="0"/>
-      </a:lnRef>
-      <a:fillRef idx="1">
-        <a:scrgbClr r="0" g="0" b="0"/>
-      </a:fillRef>
-      <a:effectRef idx="0">
-        <a:scrgbClr r="0" g="0" b="0"/>
-      </a:effectRef>
-      <a:fontRef idx="minor">
-        <a:schemeClr val="lt1"/>
-      </a:fontRef>
-    </dgm:style>
-  </dgm:styleLbl>
-  <dgm:styleLbl name="node3">
-    <dgm:scene3d>
-      <a:camera prst="orthographicFront"/>
-      <a:lightRig rig="threePt" dir="t"/>
-    </dgm:scene3d>
-    <dgm:sp3d/>
-    <dgm:txPr/>
-    <dgm:style>
-      <a:lnRef idx="2">
-        <a:scrgbClr r="0" g="0" b="0"/>
-      </a:lnRef>
-      <a:fillRef idx="1">
-        <a:scrgbClr r="0" g="0" b="0"/>
-      </a:fillRef>
-      <a:effectRef idx="0">
-        <a:scrgbClr r="0" g="0" b="0"/>
-      </a:effectRef>
-      <a:fontRef idx="minor">
-        <a:schemeClr val="lt1"/>
-      </a:fontRef>
-    </dgm:style>
-  </dgm:styleLbl>
-  <dgm:styleLbl name="node4">
-    <dgm:scene3d>
-      <a:camera prst="orthographicFront"/>
-      <a:lightRig rig="threePt" dir="t"/>
-    </dgm:scene3d>
-    <dgm:sp3d/>
-    <dgm:txPr/>
-    <dgm:style>
-      <a:lnRef idx="2">
-        <a:scrgbClr r="0" g="0" b="0"/>
-      </a:lnRef>
-      <a:fillRef idx="1">
-        <a:scrgbClr r="0" g="0" b="0"/>
-      </a:fillRef>
-      <a:effectRef idx="0">
-        <a:scrgbClr r="0" g="0" b="0"/>
-      </a:effectRef>
-      <a:fontRef idx="minor">
-        <a:schemeClr val="lt1"/>
-      </a:fontRef>
-    </dgm:style>
-  </dgm:styleLbl>
-  <dgm:styleLbl name="fgImgPlace1">
-    <dgm:scene3d>
-      <a:camera prst="orthographicFront"/>
-      <a:lightRig rig="threePt" dir="t"/>
-    </dgm:scene3d>
-    <dgm:sp3d/>
-    <dgm:txPr/>
-    <dgm:style>
-      <a:lnRef idx="2">
-        <a:scrgbClr r="0" g="0" b="0"/>
-      </a:lnRef>
-      <a:fillRef idx="1">
-        <a:scrgbClr r="0" g="0" b="0"/>
-      </a:fillRef>
-      <a:effectRef idx="0">
-        <a:scrgbClr r="0" g="0" b="0"/>
-      </a:effectRef>
-      <a:fontRef idx="minor"/>
-    </dgm:style>
-  </dgm:styleLbl>
-  <dgm:styleLbl name="alignImgPlace1">
-    <dgm:scene3d>
-      <a:camera prst="orthographicFront"/>
-      <a:lightRig rig="threePt" dir="t"/>
-    </dgm:scene3d>
-    <dgm:sp3d/>
-    <dgm:txPr/>
-    <dgm:style>
-      <a:lnRef idx="2">
-        <a:scrgbClr r="0" g="0" b="0"/>
-      </a:lnRef>
-      <a:fillRef idx="1">
-        <a:scrgbClr r="0" g="0" b="0"/>
-      </a:fillRef>
-      <a:effectRef idx="0">
-        <a:scrgbClr r="0" g="0" b="0"/>
-      </a:effectRef>
-      <a:fontRef idx="minor"/>
-    </dgm:style>
-  </dgm:styleLbl>
-  <dgm:styleLbl name="bgImgPlace1">
-    <dgm:scene3d>
-      <a:camera prst="orthographicFront"/>
-      <a:lightRig rig="threePt" dir="t"/>
-    </dgm:scene3d>
-    <dgm:sp3d/>
-    <dgm:txPr/>
-    <dgm:style>
-      <a:lnRef idx="2">
-        <a:scrgbClr r="0" g="0" b="0"/>
-      </a:lnRef>
-      <a:fillRef idx="1">
-        <a:scrgbClr r="0" g="0" b="0"/>
-      </a:fillRef>
-      <a:effectRef idx="0">
-        <a:scrgbClr r="0" g="0" b="0"/>
-      </a:effectRef>
-      <a:fontRef idx="minor"/>
-    </dgm:style>
-  </dgm:styleLbl>
-  <dgm:styleLbl name="sibTrans2D1">
-    <dgm:scene3d>
-      <a:camera prst="orthographicFront"/>
-      <a:lightRig rig="threePt" dir="t"/>
-    </dgm:scene3d>
-    <dgm:sp3d/>
-    <dgm:txPr/>
-    <dgm:style>
-      <a:lnRef idx="0">
-        <a:scrgbClr r="0" g="0" b="0"/>
-      </a:lnRef>
-      <a:fillRef idx="1">
-        <a:scrgbClr r="0" g="0" b="0"/>
-      </a:fillRef>
-      <a:effectRef idx="0">
-        <a:scrgbClr r="0" g="0" b="0"/>
-      </a:effectRef>
-      <a:fontRef idx="minor">
-        <a:schemeClr val="lt1"/>
-      </a:fontRef>
-    </dgm:style>
-  </dgm:styleLbl>
-  <dgm:styleLbl name="fgSibTrans2D1">
-    <dgm:scene3d>
-      <a:camera prst="orthographicFront"/>
-      <a:lightRig rig="threePt" dir="t"/>
-    </dgm:scene3d>
-    <dgm:sp3d/>
-    <dgm:txPr/>
-    <dgm:style>
-      <a:lnRef idx="0">
-        <a:scrgbClr r="0" g="0" b="0"/>
-      </a:lnRef>
-      <a:fillRef idx="1">
-        <a:scrgbClr r="0" g="0" b="0"/>
-      </a:fillRef>
-      <a:effectRef idx="0">
-        <a:scrgbClr r="0" g="0" b="0"/>
-      </a:effectRef>
-      <a:fontRef idx="minor">
-        <a:schemeClr val="lt1"/>
-      </a:fontRef>
-    </dgm:style>
-  </dgm:styleLbl>
-  <dgm:styleLbl name="bgSibTrans2D1">
-    <dgm:scene3d>
-      <a:camera prst="orthographicFront"/>
-      <a:lightRig rig="threePt" dir="t"/>
-    </dgm:scene3d>
-    <dgm:sp3d/>
-    <dgm:txPr/>
-    <dgm:style>
-      <a:lnRef idx="0">
-        <a:scrgbClr r="0" g="0" b="0"/>
-      </a:lnRef>
-      <a:fillRef idx="1">
-        <a:scrgbClr r="0" g="0" b="0"/>
-      </a:fillRef>
-      <a:effectRef idx="0">
-        <a:scrgbClr r="0" g="0" b="0"/>
-      </a:effectRef>
-      <a:fontRef idx="minor">
-        <a:schemeClr val="lt1"/>
-      </a:fontRef>
-    </dgm:style>
-  </dgm:styleLbl>
-  <dgm:styleLbl name="sibTrans1D1">
-    <dgm:scene3d>
-      <a:camera prst="orthographicFront"/>
-      <a:lightRig rig="threePt" dir="t"/>
-    </dgm:scene3d>
-    <dgm:sp3d/>
-    <dgm:txPr/>
-    <dgm:style>
-      <a:lnRef idx="1">
-        <a:scrgbClr r="0" g="0" b="0"/>
-      </a:lnRef>
-      <a:fillRef idx="0">
-        <a:scrgbClr r="0" g="0" b="0"/>
-      </a:fillRef>
-      <a:effectRef idx="0">
-        <a:scrgbClr r="0" g="0" b="0"/>
-      </a:effectRef>
-      <a:fontRef idx="minor"/>
-    </dgm:style>
-  </dgm:styleLbl>
-  <dgm:styleLbl name="callout">
-    <dgm:scene3d>
-      <a:camera prst="orthographicFront"/>
-      <a:lightRig rig="threePt" dir="t"/>
-    </dgm:scene3d>
-    <dgm:sp3d/>
-    <dgm:txPr/>
-    <dgm:style>
-      <a:lnRef idx="2">
-        <a:scrgbClr r="0" g="0" b="0"/>
-      </a:lnRef>
-      <a:fillRef idx="1">
-        <a:scrgbClr r="0" g="0" b="0"/>
-      </a:fillRef>
-      <a:effectRef idx="0">
-        <a:scrgbClr r="0" g="0" b="0"/>
-      </a:effectRef>
-      <a:fontRef idx="minor"/>
-    </dgm:style>
-  </dgm:styleLbl>
-  <dgm:styleLbl name="asst0">
-    <dgm:scene3d>
-      <a:camera prst="orthographicFront"/>
-      <a:lightRig rig="threePt" dir="t"/>
-    </dgm:scene3d>
-    <dgm:sp3d/>
-    <dgm:txPr/>
-    <dgm:style>
-      <a:lnRef idx="2">
-        <a:scrgbClr r="0" g="0" b="0"/>
-      </a:lnRef>
-      <a:fillRef idx="1">
-        <a:scrgbClr r="0" g="0" b="0"/>
-      </a:fillRef>
-      <a:effectRef idx="0">
-        <a:scrgbClr r="0" g="0" b="0"/>
-      </a:effectRef>
-      <a:fontRef idx="minor">
-        <a:schemeClr val="lt1"/>
-      </a:fontRef>
-    </dgm:style>
-  </dgm:styleLbl>
-  <dgm:styleLbl name="asst1">
-    <dgm:scene3d>
-      <a:camera prst="orthographicFront"/>
-      <a:lightRig rig="threePt" dir="t"/>
-    </dgm:scene3d>
-    <dgm:sp3d/>
-    <dgm:txPr/>
-    <dgm:style>
-      <a:lnRef idx="2">
-        <a:scrgbClr r="0" g="0" b="0"/>
-      </a:lnRef>
-      <a:fillRef idx="1">
-        <a:scrgbClr r="0" g="0" b="0"/>
-      </a:fillRef>
-      <a:effectRef idx="0">
-        <a:scrgbClr r="0" g="0" b="0"/>
-      </a:effectRef>
-      <a:fontRef idx="minor">
-        <a:schemeClr val="lt1"/>
-      </a:fontRef>
-    </dgm:style>
-  </dgm:styleLbl>
-  <dgm:styleLbl name="asst2">
-    <dgm:scene3d>
-      <a:camera prst="orthographicFront"/>
-      <a:lightRig rig="threePt" dir="t"/>
-    </dgm:scene3d>
-    <dgm:sp3d/>
-    <dgm:txPr/>
-    <dgm:style>
-      <a:lnRef idx="2">
-        <a:scrgbClr r="0" g="0" b="0"/>
-      </a:lnRef>
-      <a:fillRef idx="1">
-        <a:scrgbClr r="0" g="0" b="0"/>
-      </a:fillRef>
-      <a:effectRef idx="0">
-        <a:scrgbClr r="0" g="0" b="0"/>
-      </a:effectRef>
-      <a:fontRef idx="minor">
-        <a:schemeClr val="lt1"/>
-      </a:fontRef>
-    </dgm:style>
-  </dgm:styleLbl>
-  <dgm:styleLbl name="asst3">
-    <dgm:scene3d>
-      <a:camera prst="orthographicFront"/>
-      <a:lightRig rig="threePt" dir="t"/>
-    </dgm:scene3d>
-    <dgm:sp3d/>
-    <dgm:txPr/>
-    <dgm:style>
-      <a:lnRef idx="2">
-        <a:scrgbClr r="0" g="0" b="0"/>
-      </a:lnRef>
-      <a:fillRef idx="1">
-        <a:scrgbClr r="0" g="0" b="0"/>
-      </a:fillRef>
-      <a:effectRef idx="0">
-        <a:scrgbClr r="0" g="0" b="0"/>
-      </a:effectRef>
-      <a:fontRef idx="minor">
-        <a:schemeClr val="lt1"/>
-      </a:fontRef>
-    </dgm:style>
-  </dgm:styleLbl>
-  <dgm:styleLbl name="asst4">
-    <dgm:scene3d>
-      <a:camera prst="orthographicFront"/>
-      <a:lightRig rig="threePt" dir="t"/>
-    </dgm:scene3d>
-    <dgm:sp3d/>
-    <dgm:txPr/>
-    <dgm:style>
-      <a:lnRef idx="2">
-        <a:scrgbClr r="0" g="0" b="0"/>
-      </a:lnRef>
-      <a:fillRef idx="1">
-        <a:scrgbClr r="0" g="0" b="0"/>
-      </a:fillRef>
-      <a:effectRef idx="0">
-        <a:scrgbClr r="0" g="0" b="0"/>
-      </a:effectRef>
-      <a:fontRef idx="minor">
-        <a:schemeClr val="lt1"/>
-      </a:fontRef>
-    </dgm:style>
-  </dgm:styleLbl>
-  <dgm:styleLbl name="parChTrans2D1">
-    <dgm:scene3d>
-      <a:camera prst="orthographicFront"/>
-      <a:lightRig rig="threePt" dir="t"/>
-    </dgm:scene3d>
-    <dgm:sp3d/>
-    <dgm:txPr/>
-    <dgm:style>
-      <a:lnRef idx="2">
-        <a:scrgbClr r="0" g="0" b="0"/>
-      </a:lnRef>
-      <a:fillRef idx="1">
-        <a:scrgbClr r="0" g="0" b="0"/>
-      </a:fillRef>
-      <a:effectRef idx="0">
-        <a:scrgbClr r="0" g="0" b="0"/>
-      </a:effectRef>
-      <a:fontRef idx="minor">
-        <a:schemeClr val="lt1"/>
-      </a:fontRef>
-    </dgm:style>
-  </dgm:styleLbl>
-  <dgm:styleLbl name="parChTrans2D2">
-    <dgm:scene3d>
-      <a:camera prst="orthographicFront"/>
-      <a:lightRig rig="threePt" dir="t"/>
-    </dgm:scene3d>
-    <dgm:sp3d/>
-    <dgm:txPr/>
-    <dgm:style>
-      <a:lnRef idx="2">
-        <a:scrgbClr r="0" g="0" b="0"/>
-      </a:lnRef>
-      <a:fillRef idx="1">
-        <a:scrgbClr r="0" g="0" b="0"/>
-      </a:fillRef>
-      <a:effectRef idx="0">
-        <a:scrgbClr r="0" g="0" b="0"/>
-      </a:effectRef>
-      <a:fontRef idx="minor">
-        <a:schemeClr val="lt1"/>
-      </a:fontRef>
-    </dgm:style>
-  </dgm:styleLbl>
-  <dgm:styleLbl name="parChTrans2D3">
-    <dgm:scene3d>
-      <a:camera prst="orthographicFront"/>
-      <a:lightRig rig="threePt" dir="t"/>
-    </dgm:scene3d>
-    <dgm:sp3d/>
-    <dgm:txPr/>
-    <dgm:style>
-      <a:lnRef idx="2">
-        <a:scrgbClr r="0" g="0" b="0"/>
-      </a:lnRef>
-      <a:fillRef idx="1">
-        <a:scrgbClr r="0" g="0" b="0"/>
-      </a:fillRef>
-      <a:effectRef idx="0">
-        <a:scrgbClr r="0" g="0" b="0"/>
-      </a:effectRef>
-      <a:fontRef idx="minor">
-        <a:schemeClr val="lt1"/>
-      </a:fontRef>
-    </dgm:style>
-  </dgm:styleLbl>
-  <dgm:styleLbl name="parChTrans2D4">
-    <dgm:scene3d>
-      <a:camera prst="orthographicFront"/>
-      <a:lightRig rig="threePt" dir="t"/>
-    </dgm:scene3d>
-    <dgm:sp3d/>
-    <dgm:txPr/>
-    <dgm:style>
-      <a:lnRef idx="2">
-        <a:scrgbClr r="0" g="0" b="0"/>
-      </a:lnRef>
-      <a:fillRef idx="1">
-        <a:scrgbClr r="0" g="0" b="0"/>
-      </a:fillRef>
-      <a:effectRef idx="0">
-        <a:scrgbClr r="0" g="0" b="0"/>
-      </a:effectRef>
-      <a:fontRef idx="minor">
-        <a:schemeClr val="lt1"/>
-      </a:fontRef>
-    </dgm:style>
-  </dgm:styleLbl>
-  <dgm:styleLbl name="parChTrans1D1">
-    <dgm:scene3d>
-      <a:camera prst="orthographicFront"/>
-      <a:lightRig rig="threePt" dir="t"/>
-    </dgm:scene3d>
-    <dgm:sp3d/>
-    <dgm:txPr/>
-    <dgm:style>
-      <a:lnRef idx="2">
-        <a:scrgbClr r="0" g="0" b="0"/>
-      </a:lnRef>
-      <a:fillRef idx="0">
-        <a:scrgbClr r="0" g="0" b="0"/>
-      </a:fillRef>
-      <a:effectRef idx="0">
-        <a:scrgbClr r="0" g="0" b="0"/>
-      </a:effectRef>
-      <a:fontRef idx="minor"/>
-    </dgm:style>
-  </dgm:styleLbl>
-  <dgm:styleLbl name="parChTrans1D2">
-    <dgm:scene3d>
-      <a:camera prst="orthographicFront"/>
-      <a:lightRig rig="threePt" dir="t"/>
-    </dgm:scene3d>
-    <dgm:sp3d/>
-    <dgm:txPr/>
-    <dgm:style>
-      <a:lnRef idx="2">
-        <a:scrgbClr r="0" g="0" b="0"/>
-      </a:lnRef>
-      <a:fillRef idx="0">
-        <a:scrgbClr r="0" g="0" b="0"/>
-      </a:fillRef>
-      <a:effectRef idx="0">
-        <a:scrgbClr r="0" g="0" b="0"/>
-      </a:effectRef>
-      <a:fontRef idx="minor"/>
-    </dgm:style>
-  </dgm:styleLbl>
-  <dgm:styleLbl name="parChTrans1D3">
-    <dgm:scene3d>
-      <a:camera prst="orthographicFront"/>
-      <a:lightRig rig="threePt" dir="t"/>
-    </dgm:scene3d>
-    <dgm:sp3d/>
-    <dgm:txPr/>
-    <dgm:style>
-      <a:lnRef idx="2">
-        <a:scrgbClr r="0" g="0" b="0"/>
-      </a:lnRef>
-      <a:fillRef idx="0">
-        <a:scrgbClr r="0" g="0" b="0"/>
-      </a:fillRef>
-      <a:effectRef idx="0">
-        <a:scrgbClr r="0" g="0" b="0"/>
-      </a:effectRef>
-      <a:fontRef idx="minor"/>
-    </dgm:style>
-  </dgm:styleLbl>
-  <dgm:styleLbl name="parChTrans1D4">
-    <dgm:scene3d>
-      <a:camera prst="orthographicFront"/>
-      <a:lightRig rig="threePt" dir="t"/>
-    </dgm:scene3d>
-    <dgm:sp3d/>
-    <dgm:txPr/>
-    <dgm:style>
-      <a:lnRef idx="2">
-        <a:scrgbClr r="0" g="0" b="0"/>
-      </a:lnRef>
-      <a:fillRef idx="0">
-        <a:scrgbClr r="0" g="0" b="0"/>
-      </a:fillRef>
-      <a:effectRef idx="0">
-        <a:scrgbClr r="0" g="0" b="0"/>
-      </a:effectRef>
-      <a:fontRef idx="minor"/>
-    </dgm:style>
-  </dgm:styleLbl>
-  <dgm:styleLbl name="fgAcc1">
-    <dgm:scene3d>
-      <a:camera prst="orthographicFront"/>
-      <a:lightRig rig="threePt" dir="t"/>
-    </dgm:scene3d>
-    <dgm:sp3d/>
-    <dgm:txPr/>
-    <dgm:style>
-      <a:lnRef idx="2">
-        <a:scrgbClr r="0" g="0" b="0"/>
-      </a:lnRef>
-      <a:fillRef idx="1">
-        <a:scrgbClr r="0" g="0" b="0"/>
-      </a:fillRef>
-      <a:effectRef idx="0">
-        <a:scrgbClr r="0" g="0" b="0"/>
-      </a:effectRef>
-      <a:fontRef idx="minor"/>
-    </dgm:style>
-  </dgm:styleLbl>
-  <dgm:styleLbl name="conFgAcc1">
-    <dgm:scene3d>
-      <a:camera prst="orthographicFront"/>
-      <a:lightRig rig="threePt" dir="t"/>
-    </dgm:scene3d>
-    <dgm:sp3d/>
-    <dgm:txPr/>
-    <dgm:style>
-      <a:lnRef idx="2">
-        <a:scrgbClr r="0" g="0" b="0"/>
-      </a:lnRef>
-      <a:fillRef idx="1">
-        <a:scrgbClr r="0" g="0" b="0"/>
-      </a:fillRef>
-      <a:effectRef idx="0">
-        <a:scrgbClr r="0" g="0" b="0"/>
-      </a:effectRef>
-      <a:fontRef idx="minor"/>
-    </dgm:style>
-  </dgm:styleLbl>
-  <dgm:styleLbl name="alignAcc1">
-    <dgm:scene3d>
-      <a:camera prst="orthographicFront"/>
-      <a:lightRig rig="threePt" dir="t"/>
-    </dgm:scene3d>
-    <dgm:sp3d/>
-    <dgm:txPr/>
-    <dgm:style>
-      <a:lnRef idx="2">
-        <a:scrgbClr r="0" g="0" b="0"/>
-      </a:lnRef>
-      <a:fillRef idx="1">
-        <a:scrgbClr r="0" g="0" b="0"/>
-      </a:fillRef>
-      <a:effectRef idx="0">
-        <a:scrgbClr r="0" g="0" b="0"/>
-      </a:effectRef>
-      <a:fontRef idx="minor"/>
-    </dgm:style>
-  </dgm:styleLbl>
-  <dgm:styleLbl name="trAlignAcc1">
-    <dgm:scene3d>
-      <a:camera prst="orthographicFront"/>
-      <a:lightRig rig="threePt" dir="t"/>
-    </dgm:scene3d>
-    <dgm:sp3d/>
-    <dgm:txPr/>
-    <dgm:style>
-      <a:lnRef idx="1">
-        <a:scrgbClr r="0" g="0" b="0"/>
-      </a:lnRef>
-      <a:fillRef idx="1">
-        <a:scrgbClr r="0" g="0" b="0"/>
-      </a:fillRef>
-      <a:effectRef idx="0">
-        <a:scrgbClr r="0" g="0" b="0"/>
-      </a:effectRef>
-      <a:fontRef idx="minor"/>
-    </dgm:style>
-  </dgm:styleLbl>
-  <dgm:styleLbl name="bgAcc1">
-    <dgm:scene3d>
-      <a:camera prst="orthographicFront"/>
-      <a:lightRig rig="threePt" dir="t"/>
-    </dgm:scene3d>
-    <dgm:sp3d/>
-    <dgm:txPr/>
-    <dgm:style>
-      <a:lnRef idx="2">
-        <a:scrgbClr r="0" g="0" b="0"/>
-      </a:lnRef>
-      <a:fillRef idx="1">
-        <a:scrgbClr r="0" g="0" b="0"/>
-      </a:fillRef>
-      <a:effectRef idx="0">
-        <a:scrgbClr r="0" g="0" b="0"/>
-      </a:effectRef>
-      <a:fontRef idx="minor"/>
-    </dgm:style>
-  </dgm:styleLbl>
-  <dgm:styleLbl name="solidFgAcc1">
-    <dgm:scene3d>
-      <a:camera prst="orthographicFront"/>
-      <a:lightRig rig="threePt" dir="t"/>
-    </dgm:scene3d>
-    <dgm:sp3d/>
-    <dgm:txPr/>
-    <dgm:style>
-      <a:lnRef idx="2">
-        <a:scrgbClr r="0" g="0" b="0"/>
-      </a:lnRef>
-      <a:fillRef idx="1">
-        <a:scrgbClr r="0" g="0" b="0"/>
-      </a:fillRef>
-      <a:effectRef idx="0">
-        <a:scrgbClr r="0" g="0" b="0"/>
-      </a:effectRef>
-      <a:fontRef idx="minor"/>
-    </dgm:style>
-  </dgm:styleLbl>
-  <dgm:styleLbl name="solidAlignAcc1">
-    <dgm:scene3d>
-      <a:camera prst="orthographicFront"/>
-      <a:lightRig rig="threePt" dir="t"/>
-    </dgm:scene3d>
-    <dgm:sp3d/>
-    <dgm:txPr/>
-    <dgm:style>
-      <a:lnRef idx="2">
-        <a:scrgbClr r="0" g="0" b="0"/>
-      </a:lnRef>
-      <a:fillRef idx="1">
-        <a:scrgbClr r="0" g="0" b="0"/>
-      </a:fillRef>
-      <a:effectRef idx="0">
-        <a:scrgbClr r="0" g="0" b="0"/>
-      </a:effectRef>
-      <a:fontRef idx="minor"/>
-    </dgm:style>
-  </dgm:styleLbl>
-  <dgm:styleLbl name="solidBgAcc1">
-    <dgm:scene3d>
-      <a:camera prst="orthographicFront"/>
-      <a:lightRig rig="threePt" dir="t"/>
-    </dgm:scene3d>
-    <dgm:sp3d/>
-    <dgm:txPr/>
-    <dgm:style>
-      <a:lnRef idx="2">
-        <a:scrgbClr r="0" g="0" b="0"/>
-      </a:lnRef>
-      <a:fillRef idx="1">
-        <a:scrgbClr r="0" g="0" b="0"/>
-      </a:fillRef>
-      <a:effectRef idx="0">
-        <a:scrgbClr r="0" g="0" b="0"/>
-      </a:effectRef>
-      <a:fontRef idx="minor"/>
-    </dgm:style>
-  </dgm:styleLbl>
-  <dgm:styleLbl name="fgAccFollowNode1">
-    <dgm:scene3d>
-      <a:camera prst="orthographicFront"/>
-      <a:lightRig rig="threePt" dir="t"/>
-    </dgm:scene3d>
-    <dgm:sp3d/>
-    <dgm:txPr/>
-    <dgm:style>
-      <a:lnRef idx="2">
-        <a:scrgbClr r="0" g="0" b="0"/>
-      </a:lnRef>
-      <a:fillRef idx="1">
-        <a:scrgbClr r="0" g="0" b="0"/>
-      </a:fillRef>
-      <a:effectRef idx="0">
-        <a:scrgbClr r="0" g="0" b="0"/>
-      </a:effectRef>
-      <a:fontRef idx="minor"/>
-    </dgm:style>
-  </dgm:styleLbl>
-  <dgm:styleLbl name="alignAccFollowNode1">
-    <dgm:scene3d>
-      <a:camera prst="orthographicFront"/>
-      <a:lightRig rig="threePt" dir="t"/>
-    </dgm:scene3d>
-    <dgm:sp3d/>
-    <dgm:txPr/>
-    <dgm:style>
-      <a:lnRef idx="2">
-        <a:scrgbClr r="0" g="0" b="0"/>
-      </a:lnRef>
-      <a:fillRef idx="1">
-        <a:scrgbClr r="0" g="0" b="0"/>
-      </a:fillRef>
-      <a:effectRef idx="0">
-        <a:scrgbClr r="0" g="0" b="0"/>
-      </a:effectRef>
-      <a:fontRef idx="minor"/>
-    </dgm:style>
-  </dgm:styleLbl>
-  <dgm:styleLbl name="bgAccFollowNode1">
-    <dgm:scene3d>
-      <a:camera prst="orthographicFront"/>
-      <a:lightRig rig="threePt" dir="t"/>
-    </dgm:scene3d>
-    <dgm:sp3d/>
-    <dgm:txPr/>
-    <dgm:style>
-      <a:lnRef idx="2">
-        <a:scrgbClr r="0" g="0" b="0"/>
-      </a:lnRef>
-      <a:fillRef idx="1">
-        <a:scrgbClr r="0" g="0" b="0"/>
-      </a:fillRef>
-      <a:effectRef idx="0">
-        <a:scrgbClr r="0" g="0" b="0"/>
-      </a:effectRef>
-      <a:fontRef idx="minor"/>
-    </dgm:style>
-  </dgm:styleLbl>
-  <dgm:styleLbl name="fgAcc0">
-    <dgm:scene3d>
-      <a:camera prst="orthographicFront"/>
-      <a:lightRig rig="threePt" dir="t"/>
-    </dgm:scene3d>
-    <dgm:sp3d/>
-    <dgm:txPr/>
-    <dgm:style>
-      <a:lnRef idx="2">
-        <a:scrgbClr r="0" g="0" b="0"/>
-      </a:lnRef>
-      <a:fillRef idx="1">
-        <a:scrgbClr r="0" g="0" b="0"/>
-      </a:fillRef>
-      <a:effectRef idx="0">
-        <a:scrgbClr r="0" g="0" b="0"/>
-      </a:effectRef>
-      <a:fontRef idx="minor"/>
-    </dgm:style>
-  </dgm:styleLbl>
-  <dgm:styleLbl name="fgAcc2">
-    <dgm:scene3d>
-      <a:camera prst="orthographicFront"/>
-      <a:lightRig rig="threePt" dir="t"/>
-    </dgm:scene3d>
-    <dgm:sp3d/>
-    <dgm:txPr/>
-    <dgm:style>
-      <a:lnRef idx="2">
-        <a:scrgbClr r="0" g="0" b="0"/>
-      </a:lnRef>
-      <a:fillRef idx="1">
-        <a:scrgbClr r="0" g="0" b="0"/>
-      </a:fillRef>
-      <a:effectRef idx="0">
-        <a:scrgbClr r="0" g="0" b="0"/>
-      </a:effectRef>
-      <a:fontRef idx="minor"/>
-    </dgm:style>
-  </dgm:styleLbl>
-  <dgm:styleLbl name="fgAcc3">
-    <dgm:scene3d>
-      <a:camera prst="orthographicFront"/>
-      <a:lightRig rig="threePt" dir="t"/>
-    </dgm:scene3d>
-    <dgm:sp3d/>
-    <dgm:txPr/>
-    <dgm:style>
-      <a:lnRef idx="2">
-        <a:scrgbClr r="0" g="0" b="0"/>
-      </a:lnRef>
-      <a:fillRef idx="1">
-        <a:scrgbClr r="0" g="0" b="0"/>
-      </a:fillRef>
-      <a:effectRef idx="0">
-        <a:scrgbClr r="0" g="0" b="0"/>
-      </a:effectRef>
-      <a:fontRef idx="minor"/>
-    </dgm:style>
-  </dgm:styleLbl>
-  <dgm:styleLbl name="fgAcc4">
-    <dgm:scene3d>
-      <a:camera prst="orthographicFront"/>
-      <a:lightRig rig="threePt" dir="t"/>
-    </dgm:scene3d>
-    <dgm:sp3d/>
-    <dgm:txPr/>
-    <dgm:style>
-      <a:lnRef idx="2">
-        <a:scrgbClr r="0" g="0" b="0"/>
-      </a:lnRef>
-      <a:fillRef idx="1">
-        <a:scrgbClr r="0" g="0" b="0"/>
-      </a:fillRef>
-      <a:effectRef idx="0">
-        <a:scrgbClr r="0" g="0" b="0"/>
-      </a:effectRef>
-      <a:fontRef idx="minor"/>
-    </dgm:style>
-  </dgm:styleLbl>
-  <dgm:styleLbl name="bgShp">
-    <dgm:scene3d>
-      <a:camera prst="orthographicFront"/>
-      <a:lightRig rig="threePt" dir="t"/>
-    </dgm:scene3d>
-    <dgm:sp3d/>
-    <dgm:txPr/>
-    <dgm:style>
-      <a:lnRef idx="0">
-        <a:scrgbClr r="0" g="0" b="0"/>
-      </a:lnRef>
-      <a:fillRef idx="1">
-        <a:scrgbClr r="0" g="0" b="0"/>
-      </a:fillRef>
-      <a:effectRef idx="0">
-        <a:scrgbClr r="0" g="0" b="0"/>
-      </a:effectRef>
-      <a:fontRef idx="minor"/>
-    </dgm:style>
-  </dgm:styleLbl>
-  <dgm:styleLbl name="dkBgShp">
-    <dgm:scene3d>
-      <a:camera prst="orthographicFront"/>
-      <a:lightRig rig="threePt" dir="t"/>
-    </dgm:scene3d>
-    <dgm:sp3d/>
-    <dgm:txPr/>
-    <dgm:style>
-      <a:lnRef idx="0">
-        <a:scrgbClr r="0" g="0" b="0"/>
-      </a:lnRef>
-      <a:fillRef idx="1">
-        <a:scrgbClr r="0" g="0" b="0"/>
-      </a:fillRef>
-      <a:effectRef idx="0">
-        <a:scrgbClr r="0" g="0" b="0"/>
-      </a:effectRef>
-      <a:fontRef idx="minor"/>
-    </dgm:style>
-  </dgm:styleLbl>
-  <dgm:styleLbl name="trBgShp">
-    <dgm:scene3d>
-      <a:camera prst="orthographicFront"/>
-      <a:lightRig rig="threePt" dir="t"/>
-    </dgm:scene3d>
-    <dgm:sp3d/>
-    <dgm:txPr/>
-    <dgm:style>
-      <a:lnRef idx="0">
-        <a:scrgbClr r="0" g="0" b="0"/>
-      </a:lnRef>
-      <a:fillRef idx="1">
-        <a:scrgbClr r="0" g="0" b="0"/>
-      </a:fillRef>
-      <a:effectRef idx="0">
-        <a:scrgbClr r="0" g="0" b="0"/>
-      </a:effectRef>
-      <a:fontRef idx="minor"/>
-    </dgm:style>
-  </dgm:styleLbl>
-  <dgm:styleLbl name="fgShp">
-    <dgm:scene3d>
-      <a:camera prst="orthographicFront"/>
-      <a:lightRig rig="threePt" dir="t"/>
-    </dgm:scene3d>
-    <dgm:sp3d/>
-    <dgm:txPr/>
-    <dgm:style>
-      <a:lnRef idx="2">
-        <a:scrgbClr r="0" g="0" b="0"/>
-      </a:lnRef>
-      <a:fillRef idx="1">
-        <a:scrgbClr r="0" g="0" b="0"/>
-      </a:fillRef>
-      <a:effectRef idx="0">
-        <a:scrgbClr r="0" g="0" b="0"/>
-      </a:effectRef>
-      <a:fontRef idx="minor"/>
-    </dgm:style>
-  </dgm:styleLbl>
-  <dgm:styleLbl name="revTx">
-    <dgm:scene3d>
-      <a:camera prst="orthographicFront"/>
-      <a:lightRig rig="threePt" dir="t"/>
-    </dgm:scene3d>
-    <dgm:sp3d/>
-    <dgm:txPr/>
-    <dgm:style>
-      <a:lnRef idx="0">
-        <a:scrgbClr r="0" g="0" b="0"/>
-      </a:lnRef>
-      <a:fillRef idx="0">
-        <a:scrgbClr r="0" g="0" b="0"/>
-      </a:fillRef>
-      <a:effectRef idx="0">
-        <a:scrgbClr r="0" g="0" b="0"/>
-      </a:effectRef>
-      <a:fontRef idx="minor"/>
-    </dgm:style>
-  </dgm:styleLbl>
-</dgm:styleDef>
-</file>
-
 <file path=ppt/handoutMasters/handoutMaster1.xml><?xml version="1.0" encoding="utf-8"?>
 <p:handoutMaster xmlns:a="http://schemas.openxmlformats.org/drawingml/2006/main" xmlns:r="http://schemas.openxmlformats.org/officeDocument/2006/relationships" xmlns:p="http://schemas.openxmlformats.org/presentationml/2006/main">
   <p:cSld>
@@ -11750,7 +6242,7 @@
           <a:p>
             <a:fld id="{E52F4C69-7549-4A71-BB0C-341D25F594E8}" type="datetime1">
               <a:rPr lang="de-AT" smtClean="0"/>
-              <a:t>10.09.20</a:t>
+              <a:t>20.10.20</a:t>
             </a:fld>
             <a:endParaRPr lang="de-AT" dirty="0"/>
           </a:p>
@@ -12152,7 +6644,7 @@
             </a:pPr>
             <a:r>
               <a:rPr lang="en-US" noProof="0" dirty="0"/>
-              <a:t>The POS System collects the charge and pay items for the request.</a:t>
+              <a:t>The Terminal of the POS System collects the charge and pay items for the request.</a:t>
             </a:r>
           </a:p>
           <a:p>
@@ -12161,7 +6653,7 @@
             </a:pPr>
             <a:r>
               <a:rPr lang="en-US" noProof="0" dirty="0"/>
-              <a:t>The POS System should persist the data locally. Data persistence is important because the request data is not returned by the ft.Middleware. Local archiving is also essential if fiskaltrust archiving is not available.</a:t>
+              <a:t>The Server of the POS System should persist the data locally. Data persistence is important because the request data is not returned by the Queue. Local archiving is also essential if fiskaltrust archiving is not available.</a:t>
             </a:r>
           </a:p>
           <a:p>
@@ -12170,7 +6662,7 @@
             </a:pPr>
             <a:r>
               <a:rPr lang="en-US" noProof="0" dirty="0"/>
-              <a:t>The POS System builds the request and sends the data to the sign method provided by the ft.Middleware.</a:t>
+              <a:t>The Server of the POS System builds the request and sends the data to the sign method provided by the Queue. The ft.Middleware processes the received data and is taking care of chaining, persisting, signing and archiving the data.</a:t>
             </a:r>
           </a:p>
           <a:p>
@@ -12179,7 +6671,7 @@
             </a:pPr>
             <a:r>
               <a:rPr lang="en-US" noProof="0" dirty="0"/>
-              <a:t>The ft.Middleware processes the data, chains it using the internal ft.SecurityMechanism and decides how it is to be processed further</a:t>
+              <a:t>The Server of the POS System receives the response and processes the data it contains.</a:t>
             </a:r>
           </a:p>
           <a:p>
@@ -12188,7 +6680,7 @@
             </a:pPr>
             <a:r>
               <a:rPr lang="en-US" noProof="0" dirty="0"/>
-              <a:t>For signing, the relevant data is transferred to the TSE and signed by it.</a:t>
+              <a:t>The received data is persisted locally by the Server of the POS System (see also point 2)</a:t>
             </a:r>
           </a:p>
           <a:p>
@@ -12197,43 +6689,7 @@
             </a:pPr>
             <a:r>
               <a:rPr lang="en-US" noProof="0" dirty="0"/>
-              <a:t>The data is persisted by the middleware and sent every 5 minutes to the fiskaltrust "Helipad" server for archiving.</a:t>
-            </a:r>
-          </a:p>
-          <a:p>
-            <a:pPr marL="228600" indent="-228600">
-              <a:buAutoNum type="arabicPeriod"/>
-            </a:pPr>
-            <a:r>
-              <a:rPr lang="en-US" noProof="0" dirty="0"/>
-              <a:t>The response is created and sent back to the POS System (the response contains important data that must be printed on the receipt).</a:t>
-            </a:r>
-          </a:p>
-          <a:p>
-            <a:pPr marL="228600" indent="-228600">
-              <a:buAutoNum type="arabicPeriod"/>
-            </a:pPr>
-            <a:r>
-              <a:rPr lang="en-US" noProof="0" dirty="0"/>
-              <a:t>The POS System receives the response and processes the data it contains.</a:t>
-            </a:r>
-          </a:p>
-          <a:p>
-            <a:pPr marL="228600" indent="-228600">
-              <a:buAutoNum type="arabicPeriod"/>
-            </a:pPr>
-            <a:r>
-              <a:rPr lang="en-US" noProof="0" dirty="0"/>
-              <a:t>The received data is persisted locally by the POS System (see also point 2)</a:t>
-            </a:r>
-          </a:p>
-          <a:p>
-            <a:pPr marL="228600" indent="-228600">
-              <a:buAutoNum type="arabicPeriod"/>
-            </a:pPr>
-            <a:r>
-              <a:rPr lang="en-US" noProof="0" dirty="0"/>
-              <a:t>The receipt is composed and printed (it contains the data from the signature block of the response)</a:t>
+              <a:t>The receipt is composed and printed by the Terminal (it contains the data from the signature block of the response)</a:t>
             </a:r>
           </a:p>
         </p:txBody>
@@ -12332,7 +6788,7 @@
             </a:pPr>
             <a:r>
               <a:rPr lang="en-US" noProof="0" dirty="0"/>
-              <a:t>The POS System prepares the special receipt (depending on the functionality to be executed)</a:t>
+              <a:t>The Terminal of the POS System triggers the functionality to be executed.</a:t>
             </a:r>
           </a:p>
           <a:p>
@@ -12341,7 +6797,7 @@
             </a:pPr>
             <a:r>
               <a:rPr lang="en-US" noProof="0" dirty="0"/>
-              <a:t>The POS System persists the data locally.</a:t>
+              <a:t>The Server of the POS System persists the data locally.</a:t>
             </a:r>
           </a:p>
           <a:p>
@@ -12350,7 +6806,7 @@
             </a:pPr>
             <a:r>
               <a:rPr lang="en-US" noProof="0" dirty="0"/>
-              <a:t>The POS system composes the request and sends the data to the sign method of the ft.Middleware.</a:t>
+              <a:t>The Server of the POS system composes the request (setting the special receipt case - depending on the functionality to be executed) and sends the data to the sign method of the Queue. The ft.Middleware then executes the requested functionality</a:t>
             </a:r>
           </a:p>
           <a:p>
@@ -12359,7 +6815,7 @@
             </a:pPr>
             <a:r>
               <a:rPr lang="en-US" noProof="0" dirty="0"/>
-              <a:t>The ft.Middleware processes the data, chains it using the internal ft.SecurityMechanism, and decides how it is to be processed further</a:t>
+              <a:t>The Server of the POS system receives the response and processes the data it contains</a:t>
             </a:r>
           </a:p>
           <a:p>
@@ -12368,7 +6824,7 @@
             </a:pPr>
             <a:r>
               <a:rPr lang="en-US" noProof="0" dirty="0"/>
-              <a:t>In the case of a special receipt request, the requested functionality is executed.</a:t>
+              <a:t>The received data is persisted locally by the Server of the POS System</a:t>
             </a:r>
           </a:p>
           <a:p>
@@ -12377,43 +6833,7 @@
             </a:pPr>
             <a:r>
               <a:rPr lang="en-US" noProof="0" dirty="0"/>
-              <a:t>The result is packed into the signature block of the response by the ft.Middleware</a:t>
-            </a:r>
-          </a:p>
-          <a:p>
-            <a:pPr marL="228600" indent="-228600">
-              <a:buAutoNum type="arabicPeriod"/>
-            </a:pPr>
-            <a:r>
-              <a:rPr lang="en-US" noProof="0" dirty="0"/>
-              <a:t>The response is composed and sent back to the POS System</a:t>
-            </a:r>
-          </a:p>
-          <a:p>
-            <a:pPr marL="228600" indent="-228600">
-              <a:buAutoNum type="arabicPeriod"/>
-            </a:pPr>
-            <a:r>
-              <a:rPr lang="en-US" noProof="0" dirty="0"/>
-              <a:t>The POS system receives the response and processes the data it contains</a:t>
-            </a:r>
-          </a:p>
-          <a:p>
-            <a:pPr marL="228600" indent="-228600">
-              <a:buAutoNum type="arabicPeriod"/>
-            </a:pPr>
-            <a:r>
-              <a:rPr lang="en-US" noProof="0" dirty="0"/>
-              <a:t>The received data is persisted locally by the POS System</a:t>
-            </a:r>
-          </a:p>
-          <a:p>
-            <a:pPr marL="228600" indent="-228600">
-              <a:buAutoNum type="arabicPeriod"/>
-            </a:pPr>
-            <a:r>
-              <a:rPr lang="en-US" noProof="0" dirty="0"/>
-              <a:t>The receipt is composed and printed (it contains data from the signature block of the response)</a:t>
+              <a:t>The receipt is composed and printed by the Terminal (it contains data from the signature block of the response)</a:t>
             </a:r>
           </a:p>
         </p:txBody>
@@ -12500,7 +6920,7 @@
           <a:p>
             <a:r>
               <a:rPr lang="en-US" noProof="0" dirty="0"/>
-              <a:t>If the communication with the TSE fails, the POS System can continue to operate until the TSE is accessible again. In this case, the POS System continues to send requests to the ft.Middleware as usual.</a:t>
+              <a:t>If the communication with the TSE fails, the POS System can continue to operate until the TSE is accessible again. In this case, the POS System continues to send requests to the Queue as usual.</a:t>
             </a:r>
           </a:p>
           <a:p>
@@ -12515,7 +6935,7 @@
             </a:pPr>
             <a:r>
               <a:rPr lang="en-US" noProof="0" dirty="0"/>
-              <a:t>The POS System collects the charge and pay items for the request.</a:t>
+              <a:t>The Terminal of the POS System collects the charge and pay items for the request.</a:t>
             </a:r>
           </a:p>
           <a:p>
@@ -12524,7 +6944,7 @@
             </a:pPr>
             <a:r>
               <a:rPr lang="en-US" noProof="0" dirty="0"/>
-              <a:t>The POS System should persist the data locally. Data persistence is important because the request data is not returned by the ft.Middleware. Local archiving is also essential if fiskaltrust archiving is not available.</a:t>
+              <a:t>The Server of the POS System should persist the data locally. Data persistence is important because the request data is not returned by the ft.Middleware. Local archiving is also essential if fiskaltrust archiving is not available.</a:t>
             </a:r>
           </a:p>
           <a:p>
@@ -12533,7 +6953,15 @@
             </a:pPr>
             <a:r>
               <a:rPr lang="en-US" noProof="0" dirty="0"/>
-              <a:t>The POS System builds the request and sends the data to the sign method provided by the ft.Middleware.</a:t>
+              <a:t>The Server of the POS System builds the request and sends the data to the sign method provided by the Queue. Because the TSE can not be reached, the Queue sends back the </a:t>
+            </a:r>
+            <a:r>
+              <a:rPr lang="en-US" noProof="0" dirty="0" err="1"/>
+              <a:t>ft.Status</a:t>
+            </a:r>
+            <a:r>
+              <a:rPr lang="en-US" noProof="0" dirty="0"/>
+              <a:t> = 0x02 (error: TSE communication failure).</a:t>
             </a:r>
           </a:p>
           <a:p>
@@ -12542,7 +6970,7 @@
             </a:pPr>
             <a:r>
               <a:rPr lang="en-US" noProof="0" dirty="0"/>
-              <a:t>The ft.Middleware processes the data, chains it using the internal ft.SecurityMechanism and decides how it is to be processed further</a:t>
+              <a:t>The POS System receives the response and processes the data it contains.</a:t>
             </a:r>
           </a:p>
           <a:p>
@@ -12551,7 +6979,7 @@
             </a:pPr>
             <a:r>
               <a:rPr lang="en-US" noProof="0" dirty="0"/>
-              <a:t>For signing, the relevant data is sent to the connected TSE and signed by it. In this case, however, the TSE cannot be reached.</a:t>
+              <a:t>The received data is persisted locally by the POS System</a:t>
             </a:r>
           </a:p>
           <a:p>
@@ -12560,60 +6988,7 @@
             </a:pPr>
             <a:r>
               <a:rPr lang="en-US" noProof="0" dirty="0"/>
-              <a:t>The signature block is prepared for return with the note "TSE not reachable".</a:t>
-            </a:r>
-          </a:p>
-          <a:p>
-            <a:pPr marL="228600" indent="-228600">
-              <a:buAutoNum type="arabicPeriod"/>
-            </a:pPr>
-            <a:r>
-              <a:rPr lang="en-US" noProof="0" dirty="0"/>
-              <a:t>The data is persisted by the middleware and sent every 5 minutes to the fiskaltrust "Helipad" server for archiving.</a:t>
-            </a:r>
-          </a:p>
-          <a:p>
-            <a:pPr marL="228600" indent="-228600">
-              <a:buAutoNum type="arabicPeriod"/>
-            </a:pPr>
-            <a:r>
-              <a:rPr lang="en-US" noProof="0" dirty="0"/>
-              <a:t>The response with error code is built and sent back to the POS System (the response specifies the error code in the </a:t>
-            </a:r>
-            <a:r>
-              <a:rPr lang="en-US" noProof="0" dirty="0" err="1"/>
-              <a:t>ftState</a:t>
-            </a:r>
-            <a:r>
-              <a:rPr lang="en-US" noProof="0" dirty="0"/>
-              <a:t> field).</a:t>
-            </a:r>
-          </a:p>
-          <a:p>
-            <a:pPr marL="228600" indent="-228600">
-              <a:buAutoNum type="arabicPeriod"/>
-            </a:pPr>
-            <a:r>
-              <a:rPr lang="en-US" noProof="0" dirty="0"/>
-              <a:t>The POS System receives the response and processes the data it contains.</a:t>
-            </a:r>
-          </a:p>
-          <a:p>
-            <a:pPr marL="228600" indent="-228600">
-              <a:buAutoNum type="arabicPeriod"/>
-            </a:pPr>
-            <a:r>
-              <a:rPr lang="en-US" noProof="0" dirty="0"/>
-              <a:t>The received data is persisted locally by the POS System</a:t>
-            </a:r>
-          </a:p>
-          <a:p>
-            <a:pPr marL="228600" indent="-228600">
-              <a:buAutoNum type="arabicPeriod"/>
-            </a:pPr>
-            <a:r>
-              <a:rPr lang="en-US" noProof="0" dirty="0"/>
-              <a:t>The receipt is created and printed (it contains the data from the signature block of the response including the note that the TSE communication has failed)</a:t>
+              <a:t>The receipt is created and printed by the Terminal (it contains the data from the signature block of the response including the note that the TSE communication has failed)</a:t>
             </a:r>
           </a:p>
           <a:p>
@@ -12715,7 +7090,7 @@
           <a:p>
             <a:r>
               <a:rPr lang="en-US" noProof="0" dirty="0"/>
-              <a:t>As soon as the TSE is reachable again, the POS System has to send a zero receipt to the ft.Middleware. This is important because the ft.Middleware does not itself try to find out whether the TSE is reachable again, so as not to disturb the operative business by timeouts. If a zero receipt is sent to the ft.Middleware, the middleware will try to restore the communication with the TSE. If the communication still fails, the </a:t>
+              <a:t>As soon as the TSE is reachable again, the POS System has to send a zero receipt to the Queue. This is important because the ft.Middleware does not itself try to find out whether the TSE is reachable again, so as not to disturb the operative business by timeouts. If a zero receipt is sent to the Queue, the SCU will try to restore the communication with the TSE. If the communication still fails, the </a:t>
             </a:r>
             <a:r>
               <a:rPr lang="en-US" noProof="0" dirty="0" err="1"/>
@@ -12731,7 +7106,7 @@
             </a:r>
             <a:r>
               <a:rPr lang="en-US" noProof="0" dirty="0"/>
-              <a:t> = 0x00 (ok) is returned to the POS system via the response and the ft.Middleware is ready for normal operation again. Furthermore, the response contains a listing of the requests that were not signed by the TSE. The requests affected by the failure of the communication with the TSE do not have to be sent to the ft.Middleware again after the problem has been resolved.</a:t>
+              <a:t> = 0x00 (ok) is returned to the POS system via the response and the ft.Middleware is ready for normal operation again. Furthermore, the response contains a listing of the requests that were not signed by the TSE. The requests affected by the failure of the communication with the TSE do not have to be sent to the Queue again after the problem has been resolved.</a:t>
             </a:r>
           </a:p>
         </p:txBody>
@@ -12818,27 +7193,20 @@
           <a:p>
             <a:r>
               <a:rPr lang="en-US" noProof="0" dirty="0"/>
-              <a:t>As soon as the TSE is reachable again, the POS System has to send a zero receipt to the ft.Middleware. This is important because the ft.Middleware does not itself try to find out whether the TSE is reachable again, so as not to disturb the operative business by timeouts. If a zero receipt is sent to the ft.Middleware, the middleware will try to restore the communication with the TSE. If the communication still fails, the </a:t>
-            </a:r>
-            <a:r>
-              <a:rPr lang="en-US" noProof="0" dirty="0" err="1"/>
-              <a:t>ftState</a:t>
-            </a:r>
+              <a:t>For the case that the Queue is not reachable:</a:t>
+            </a:r>
+          </a:p>
+          <a:p>
             <a:r>
               <a:rPr lang="en-US" noProof="0" dirty="0"/>
-              <a:t> = 0x02 (TSE communication failed) is still returned in the response. If the communication works again, the </a:t>
-            </a:r>
-            <a:r>
-              <a:rPr lang="en-US" noProof="0" dirty="0" err="1"/>
-              <a:t>ftState</a:t>
-            </a:r>
+              <a:t>4. The requests are marked by the Server of the POS System to be sent later again to the Queue</a:t>
+            </a:r>
+          </a:p>
+          <a:p>
             <a:r>
               <a:rPr lang="en-US" noProof="0" dirty="0"/>
-              <a:t> = 0x00 (ok) is returned to the POS system via the response and the ft.Middleware is ready for normal operation again. Furthermore, the response contains a listing of the requests that were not signed by the TSE. The requests affected by the failure of the communication with the TSE do not have to be sent to the ft.Middleware again after the problem has been resolved.</a:t>
-            </a:r>
-          </a:p>
-          <a:p>
-            <a:endParaRPr lang="en-US" noProof="0" dirty="0"/>
+              <a:t>5. The printed receipt must contain the hint that the security mechanism is not reachable</a:t>
+            </a:r>
           </a:p>
         </p:txBody>
       </p:sp>
@@ -12924,7 +7292,7 @@
           <a:p>
             <a:r>
               <a:rPr lang="en-US" noProof="0" dirty="0"/>
-              <a:t>At a later point in time, when the ft.Middleware is reachable again, the POS System sends the requests previously marked for repetition to the middleware in the so-called “late signing mode". Each request is marked with a flag (</a:t>
+              <a:t>At a later point in time, when the Queue is reachable again, the POS System sends the requests previously marked for repetition to the middleware in the so-called “late signing mode". Each request is marked with a flag (</a:t>
             </a:r>
             <a:r>
               <a:rPr lang="en-US" noProof="0" dirty="0" err="1"/>
@@ -12941,7 +7309,7 @@
           <a:p>
             <a:r>
               <a:rPr lang="en-US" noProof="0" dirty="0"/>
-              <a:t>As soon as the middleware receives the first marked request, it switches to the “late signing mode". The POS System can now send further requests in this mode. The middleware answers with the </a:t>
+              <a:t>As soon as the middleware receives the first marked request, it switches to the “late signing mode". The POS System can now send further requests in this mode. The Queue answers with the </a:t>
             </a:r>
             <a:r>
               <a:rPr lang="en-US" noProof="0" dirty="0" err="1"/>
@@ -12949,7 +7317,7 @@
             </a:r>
             <a:r>
               <a:rPr lang="en-US" noProof="0" dirty="0"/>
-              <a:t> 0x08 which means that it is in “late signing mode". To leave the “late signing mode" the POS System has to send a zero receipt to the middleware (see next slide)</a:t>
+              <a:t> 0x08 which means that it is in “late signing mode". To leave the “late signing mode" the POS System must send a zero receipt to the Queue (see next slide)</a:t>
             </a:r>
             <a:endParaRPr lang="de-DE" noProof="0" dirty="0"/>
           </a:p>
@@ -13037,7 +7405,7 @@
           <a:p>
             <a:r>
               <a:rPr lang="en-US" noProof="0" dirty="0"/>
-              <a:t>To end the “late signing mode", the POS System must send a zero receipt to the middleware. The middleware responds with the </a:t>
+              <a:t>To end the “late signing mode", the POS System must send a zero receipt to the Queue. The Queue responds with the </a:t>
             </a:r>
             <a:r>
               <a:rPr lang="en-US" noProof="0" dirty="0" err="1"/>
@@ -14737,7 +9105,72 @@
           <a:bodyPr/>
           <a:lstStyle/>
           <a:p>
-            <a:endParaRPr lang="de-DE" dirty="0"/>
+            <a:pPr marL="0" marR="0" lvl="0" indent="0" algn="l" defTabSz="914400" rtl="0" eaLnBrk="1" fontAlgn="auto" latinLnBrk="0" hangingPunct="1">
+              <a:lnSpc>
+                <a:spcPct val="100000"/>
+              </a:lnSpc>
+              <a:spcBef>
+                <a:spcPts val="0"/>
+              </a:spcBef>
+              <a:spcAft>
+                <a:spcPts val="0"/>
+              </a:spcAft>
+              <a:buClrTx/>
+              <a:buSzTx/>
+              <a:buFontTx/>
+              <a:buNone/>
+              <a:tabLst/>
+              <a:defRPr/>
+            </a:pPr>
+            <a:r>
+              <a:rPr lang="de-DE" noProof="0" dirty="0"/>
+              <a:t>https://</a:t>
+            </a:r>
+            <a:r>
+              <a:rPr lang="de-DE" noProof="0" dirty="0" err="1"/>
+              <a:t>docs.fiskaltrust.cloud</a:t>
+            </a:r>
+            <a:r>
+              <a:rPr lang="de-DE" noProof="0" dirty="0"/>
+              <a:t>/</a:t>
+            </a:r>
+            <a:r>
+              <a:rPr lang="de-DE" noProof="0" dirty="0" err="1"/>
+              <a:t>doc</a:t>
+            </a:r>
+            <a:r>
+              <a:rPr lang="de-DE" noProof="0" dirty="0"/>
+              <a:t>/</a:t>
+            </a:r>
+            <a:r>
+              <a:rPr lang="de-DE" noProof="0" dirty="0" err="1"/>
+              <a:t>productdescription</a:t>
+            </a:r>
+            <a:r>
+              <a:rPr lang="de-DE" noProof="0" dirty="0"/>
+              <a:t>-de-</a:t>
+            </a:r>
+            <a:r>
+              <a:rPr lang="de-DE" noProof="0" dirty="0" err="1"/>
+              <a:t>doc</a:t>
+            </a:r>
+            <a:r>
+              <a:rPr lang="de-DE" noProof="0" dirty="0"/>
+              <a:t>/</a:t>
+            </a:r>
+            <a:r>
+              <a:rPr lang="de-DE" noProof="0" dirty="0" err="1"/>
+              <a:t>for-posdealers</a:t>
+            </a:r>
+            <a:r>
+              <a:rPr lang="de-DE" noProof="0" dirty="0"/>
+              <a:t>/02-pre-sales/automatisierter-</a:t>
+            </a:r>
+            <a:r>
+              <a:rPr lang="de-DE" noProof="0" dirty="0" err="1"/>
+              <a:t>rollout.html</a:t>
+            </a:r>
+            <a:endParaRPr lang="de-DE" noProof="0" dirty="0"/>
           </a:p>
         </p:txBody>
       </p:sp>
@@ -14767,7 +9200,7 @@
     </p:spTree>
     <p:extLst>
       <p:ext uri="{BB962C8B-B14F-4D97-AF65-F5344CB8AC3E}">
-        <p14:creationId xmlns:p14="http://schemas.microsoft.com/office/powerpoint/2010/main" val="3283273653"/>
+        <p14:creationId xmlns:p14="http://schemas.microsoft.com/office/powerpoint/2010/main" val="2707330532"/>
       </p:ext>
     </p:extLst>
   </p:cSld>
@@ -15036,7 +9469,7 @@
                 <a:ea typeface="+mn-ea"/>
                 <a:cs typeface="+mn-cs"/>
               </a:rPr>
-              <a:t>From 1.1.2020, new regulations will apply to electronic recording systems that have a cash register functionality:</a:t>
+              <a:t>Since 1.1.2020, new regulations apply to electronic recording systems that have a cash register functionality:</a:t>
             </a:r>
           </a:p>
           <a:p>
@@ -15617,7 +10050,7 @@
           <a:p>
             <a:r>
               <a:rPr lang="en-US" noProof="0" dirty="0"/>
-              <a:t>The cash register communicates with the ft.Middleware via the IPOS interface. </a:t>
+              <a:t>The cash register communicates with the Queue (component of the ft.Middleware) via the IPOS interface. </a:t>
             </a:r>
           </a:p>
           <a:p>
@@ -15689,13 +10122,13 @@
           <a:p>
             <a:r>
               <a:rPr lang="en-US" noProof="0" dirty="0"/>
-              <a:t>The requests are processed in the ft.SecurityMechanism. This mechanism takes care of the creation of the unique, consecutive receipt number, the chaining, signing and the persistence of the data.</a:t>
+              <a:t>The requests are processed in the ft.SecurityMechanism. This mechanism takes care of the creation of the unique, consecutive receipt number, the chaining and the persistence of the data.</a:t>
             </a:r>
           </a:p>
           <a:p>
             <a:r>
               <a:rPr lang="en-US" noProof="0" dirty="0"/>
-              <a:t>The ft.SecurityMechanism handles the country-specific implementation of the security solution (e.g. in Germany with the help of a certified TSE of your choice)</a:t>
+              <a:t>The SCU handles the country-specific implementation of the security solution and is responsible for the signatures (e.g. in Germany with the help of a certified TSE of your choice)</a:t>
             </a:r>
             <a:endParaRPr lang="de-DE" noProof="0" dirty="0"/>
           </a:p>
@@ -15800,7 +10233,7 @@
           <a:p>
             <a:r>
               <a:rPr lang="en-US" noProof="0" dirty="0"/>
-              <a:t>The POS system sends a message formatted with XML or JSON as a request to the ft.Middleware via the </a:t>
+              <a:t>The POS system sends a message formatted with XML or JSON as a request to the Queue via the </a:t>
             </a:r>
             <a:r>
               <a:rPr lang="en-US" b="1" noProof="0" dirty="0"/>
@@ -15808,41 +10241,7 @@
             </a:r>
             <a:r>
               <a:rPr lang="en-US" noProof="0" dirty="0"/>
-              <a:t> method of the IPOS Interface. </a:t>
-            </a:r>
-          </a:p>
-          <a:p>
-            <a:r>
-              <a:rPr lang="en-US" noProof="0" dirty="0"/>
-              <a:t>If the ft.Middleware is reachable, it sends the </a:t>
-            </a:r>
-            <a:r>
-              <a:rPr lang="de-DE" noProof="0" dirty="0"/>
-              <a:t>same </a:t>
-            </a:r>
-            <a:r>
-              <a:rPr lang="de-DE" noProof="0" dirty="0" err="1"/>
-              <a:t>message</a:t>
-            </a:r>
-            <a:r>
-              <a:rPr lang="de-DE" noProof="0" dirty="0"/>
-              <a:t> back in </a:t>
-            </a:r>
-            <a:r>
-              <a:rPr lang="de-DE" noProof="0" dirty="0" err="1"/>
-              <a:t>the</a:t>
-            </a:r>
-            <a:r>
-              <a:rPr lang="de-DE" noProof="0" dirty="0"/>
-              <a:t> </a:t>
-            </a:r>
-            <a:r>
-              <a:rPr lang="de-DE" noProof="0" dirty="0" err="1"/>
-              <a:t>response</a:t>
-            </a:r>
-            <a:r>
-              <a:rPr lang="de-DE" noProof="0" dirty="0"/>
-              <a:t>.</a:t>
+              <a:t> method of the IPOS Interface. If the Queue is reachable, it sends the same message back in the response.</a:t>
             </a:r>
           </a:p>
         </p:txBody>
@@ -15946,7 +10345,7 @@
           <a:p>
             <a:r>
               <a:rPr lang="en-US" noProof="0" dirty="0"/>
-              <a:t>The POS system sends data formatted with XML or JSON to the ft.Middleware via the sign method of the IPOS interface.</a:t>
+              <a:t>The POS system sends data formatted with XML or JSON to the Queue via the sign method of the IPOS interface.</a:t>
             </a:r>
           </a:p>
           <a:p>
@@ -15988,7 +10387,7 @@
           <a:p>
             <a:r>
               <a:rPr lang="en-US" b="1" noProof="0" dirty="0"/>
-              <a:t>The charge and pay item blocks initially sent to the ft.Middleware are not returned in the response! </a:t>
+              <a:t>The charge and pay item blocks initially sent to the Queue are not returned in the response! </a:t>
             </a:r>
             <a:r>
               <a:rPr lang="en-US" noProof="0" dirty="0"/>
@@ -15998,7 +10397,7 @@
           <a:p>
             <a:r>
               <a:rPr lang="en-US" noProof="0" dirty="0"/>
-              <a:t>Example response header data: identification of the processing chain (queue), identification number of the used terminal, reference number of the request, moment of processing by the ft.Middleware, and so on</a:t>
+              <a:t>Example response header data: identification of the processing chain (queue), identification number of the used terminal, reference number of the request, moment of processing by the Queue, and so on</a:t>
             </a:r>
           </a:p>
           <a:p>
@@ -18174,10 +12573,10 @@
       </p:pic>
       <p:pic>
         <p:nvPicPr>
-          <p:cNvPr id="8" name="Content Placeholder 4">
+          <p:cNvPr id="4" name="Picture 3" descr="A picture containing graphical user interface&#10;&#10;Description automatically generated">
             <a:extLst>
               <a:ext uri="{FF2B5EF4-FFF2-40B4-BE49-F238E27FC236}">
-                <a16:creationId xmlns:a16="http://schemas.microsoft.com/office/drawing/2014/main" id="{47072231-7566-F140-B780-B2E3E1A010BD}"/>
+                <a16:creationId xmlns:a16="http://schemas.microsoft.com/office/drawing/2014/main" id="{EA3F181D-E653-974B-A5F3-84324150C1DD}"/>
               </a:ext>
             </a:extLst>
           </p:cNvPr>
@@ -18187,14 +12586,21 @@
           <p:nvPr/>
         </p:nvPicPr>
         <p:blipFill>
-          <a:blip r:embed="rId5"/>
-          <a:srcRect/>
-          <a:stretch/>
+          <a:blip r:embed="rId5">
+            <a:extLst>
+              <a:ext uri="{28A0092B-C50C-407E-A947-70E740481C1C}">
+                <a14:useLocalDpi xmlns:a14="http://schemas.microsoft.com/office/drawing/2010/main" val="0"/>
+              </a:ext>
+            </a:extLst>
+          </a:blip>
+          <a:stretch>
+            <a:fillRect/>
+          </a:stretch>
         </p:blipFill>
         <p:spPr>
           <a:xfrm>
-            <a:off x="754800" y="1265460"/>
-            <a:ext cx="10663005" cy="5101200"/>
+            <a:off x="577515" y="1272676"/>
+            <a:ext cx="11182350" cy="4312647"/>
           </a:xfrm>
           <a:prstGeom prst="rect">
             <a:avLst/>
@@ -18348,30 +12754,38 @@
       </p:pic>
       <p:pic>
         <p:nvPicPr>
-          <p:cNvPr id="8" name="Content Placeholder 4">
+          <p:cNvPr id="9" name="Picture 8" descr="A picture containing sitting, monitor, computer, screen&#10;&#10;Description automatically generated">
             <a:extLst>
               <a:ext uri="{FF2B5EF4-FFF2-40B4-BE49-F238E27FC236}">
-                <a16:creationId xmlns:a16="http://schemas.microsoft.com/office/drawing/2014/main" id="{FDB24650-773E-5943-B271-FCF481A5BE63}"/>
+                <a16:creationId xmlns:a16="http://schemas.microsoft.com/office/drawing/2014/main" id="{807489CC-FED5-CD42-9B12-7962E649F042}"/>
               </a:ext>
             </a:extLst>
           </p:cNvPr>
           <p:cNvPicPr>
-            <a:picLocks noGrp="1" noChangeAspect="1"/>
+            <a:picLocks noChangeAspect="1"/>
           </p:cNvPicPr>
-          <p:nvPr>
-            <p:ph idx="1"/>
-          </p:nvPr>
+          <p:nvPr/>
         </p:nvPicPr>
         <p:blipFill>
-          <a:blip r:embed="rId5"/>
-          <a:srcRect/>
-          <a:stretch/>
+          <a:blip r:embed="rId5">
+            <a:extLst>
+              <a:ext uri="{28A0092B-C50C-407E-A947-70E740481C1C}">
+                <a14:useLocalDpi xmlns:a14="http://schemas.microsoft.com/office/drawing/2010/main" val="0"/>
+              </a:ext>
+            </a:extLst>
+          </a:blip>
+          <a:stretch>
+            <a:fillRect/>
+          </a:stretch>
         </p:blipFill>
         <p:spPr>
           <a:xfrm>
-            <a:off x="787528" y="1409700"/>
-            <a:ext cx="10616944" cy="5101200"/>
+            <a:off x="577515" y="1376362"/>
+            <a:ext cx="11163300" cy="4105275"/>
           </a:xfrm>
+          <a:prstGeom prst="rect">
+            <a:avLst/>
+          </a:prstGeom>
         </p:spPr>
       </p:pic>
     </p:spTree>
@@ -18521,10 +12935,10 @@
       </p:pic>
       <p:pic>
         <p:nvPicPr>
-          <p:cNvPr id="9" name="Content Placeholder 6">
+          <p:cNvPr id="4" name="Picture 3" descr="A picture containing diagram&#10;&#10;Description automatically generated">
             <a:extLst>
               <a:ext uri="{FF2B5EF4-FFF2-40B4-BE49-F238E27FC236}">
-                <a16:creationId xmlns:a16="http://schemas.microsoft.com/office/drawing/2014/main" id="{46F16462-681B-A64B-B401-A67B64495EBF}"/>
+                <a16:creationId xmlns:a16="http://schemas.microsoft.com/office/drawing/2014/main" id="{BD3519B1-DC60-C44E-9655-9318FEC4775B}"/>
               </a:ext>
             </a:extLst>
           </p:cNvPr>
@@ -18534,14 +12948,21 @@
           <p:nvPr/>
         </p:nvPicPr>
         <p:blipFill>
-          <a:blip r:embed="rId5"/>
-          <a:srcRect/>
-          <a:stretch/>
+          <a:blip r:embed="rId5">
+            <a:extLst>
+              <a:ext uri="{28A0092B-C50C-407E-A947-70E740481C1C}">
+                <a14:useLocalDpi xmlns:a14="http://schemas.microsoft.com/office/drawing/2010/main" val="0"/>
+              </a:ext>
+            </a:extLst>
+          </a:blip>
+          <a:stretch>
+            <a:fillRect/>
+          </a:stretch>
         </p:blipFill>
         <p:spPr>
           <a:xfrm>
-            <a:off x="787528" y="1422617"/>
-            <a:ext cx="10082756" cy="5101200"/>
+            <a:off x="577515" y="1437534"/>
+            <a:ext cx="11163300" cy="3982932"/>
           </a:xfrm>
           <a:prstGeom prst="rect">
             <a:avLst/>
@@ -18695,10 +13116,10 @@
       </p:pic>
       <p:pic>
         <p:nvPicPr>
-          <p:cNvPr id="8" name="Content Placeholder 6">
+          <p:cNvPr id="9" name="Content Placeholder 8" descr="A picture containing diagram&#10;&#10;Description automatically generated">
             <a:extLst>
               <a:ext uri="{FF2B5EF4-FFF2-40B4-BE49-F238E27FC236}">
-                <a16:creationId xmlns:a16="http://schemas.microsoft.com/office/drawing/2014/main" id="{383687B2-FAF7-DA41-8887-9A8B8FF8DB66}"/>
+                <a16:creationId xmlns:a16="http://schemas.microsoft.com/office/drawing/2014/main" id="{B4FF32F7-DE27-7B4F-B14D-9F67E4A48444}"/>
               </a:ext>
             </a:extLst>
           </p:cNvPr>
@@ -18710,14 +13131,21 @@
           </p:nvPr>
         </p:nvPicPr>
         <p:blipFill>
-          <a:blip r:embed="rId5"/>
-          <a:srcRect/>
-          <a:stretch/>
+          <a:blip r:embed="rId5">
+            <a:extLst>
+              <a:ext uri="{28A0092B-C50C-407E-A947-70E740481C1C}">
+                <a14:useLocalDpi xmlns:a14="http://schemas.microsoft.com/office/drawing/2010/main" val="0"/>
+              </a:ext>
+            </a:extLst>
+          </a:blip>
+          <a:stretch>
+            <a:fillRect/>
+          </a:stretch>
         </p:blipFill>
         <p:spPr>
           <a:xfrm>
-            <a:off x="671175" y="1331842"/>
-            <a:ext cx="10849650" cy="5101200"/>
+            <a:off x="577515" y="1411742"/>
+            <a:ext cx="11307876" cy="4034515"/>
           </a:xfrm>
         </p:spPr>
       </p:pic>
@@ -18866,10 +13294,10 @@
       </p:pic>
       <p:pic>
         <p:nvPicPr>
-          <p:cNvPr id="11" name="Content Placeholder 4">
+          <p:cNvPr id="8" name="Content Placeholder 7" descr="A picture containing schematic&#10;&#10;Description automatically generated">
             <a:extLst>
               <a:ext uri="{FF2B5EF4-FFF2-40B4-BE49-F238E27FC236}">
-                <a16:creationId xmlns:a16="http://schemas.microsoft.com/office/drawing/2014/main" id="{4FA41A84-58CC-8D42-900D-E2DFF2417A97}"/>
+                <a16:creationId xmlns:a16="http://schemas.microsoft.com/office/drawing/2014/main" id="{C62974D8-7FCC-7F46-AE7E-E261ACB97AF9}"/>
               </a:ext>
             </a:extLst>
           </p:cNvPr>
@@ -18881,14 +13309,21 @@
           </p:nvPr>
         </p:nvPicPr>
         <p:blipFill>
-          <a:blip r:embed="rId5"/>
-          <a:srcRect/>
-          <a:stretch/>
+          <a:blip r:embed="rId5">
+            <a:extLst>
+              <a:ext uri="{28A0092B-C50C-407E-A947-70E740481C1C}">
+                <a14:useLocalDpi xmlns:a14="http://schemas.microsoft.com/office/drawing/2010/main" val="0"/>
+              </a:ext>
+            </a:extLst>
+          </a:blip>
+          <a:stretch>
+            <a:fillRect/>
+          </a:stretch>
         </p:blipFill>
         <p:spPr>
           <a:xfrm>
-            <a:off x="1465388" y="1386030"/>
-            <a:ext cx="7678993" cy="5101200"/>
+            <a:off x="577515" y="1336705"/>
+            <a:ext cx="7796346" cy="4184590"/>
           </a:xfrm>
         </p:spPr>
       </p:pic>
@@ -19037,10 +13472,10 @@
       </p:pic>
       <p:pic>
         <p:nvPicPr>
-          <p:cNvPr id="8" name="Content Placeholder 4">
+          <p:cNvPr id="4" name="Picture 3" descr="A picture containing diagram&#10;&#10;Description automatically generated">
             <a:extLst>
               <a:ext uri="{FF2B5EF4-FFF2-40B4-BE49-F238E27FC236}">
-                <a16:creationId xmlns:a16="http://schemas.microsoft.com/office/drawing/2014/main" id="{CA956A10-15C5-F840-88D3-ED4B7ED696C5}"/>
+                <a16:creationId xmlns:a16="http://schemas.microsoft.com/office/drawing/2014/main" id="{058ECE68-B91F-C442-ACCE-266AC10BB015}"/>
               </a:ext>
             </a:extLst>
           </p:cNvPr>
@@ -19050,14 +13485,21 @@
           <p:nvPr/>
         </p:nvPicPr>
         <p:blipFill>
-          <a:blip r:embed="rId5"/>
-          <a:srcRect/>
-          <a:stretch/>
+          <a:blip r:embed="rId5">
+            <a:extLst>
+              <a:ext uri="{28A0092B-C50C-407E-A947-70E740481C1C}">
+                <a14:useLocalDpi xmlns:a14="http://schemas.microsoft.com/office/drawing/2010/main" val="0"/>
+              </a:ext>
+            </a:extLst>
+          </a:blip>
+          <a:stretch>
+            <a:fillRect/>
+          </a:stretch>
         </p:blipFill>
         <p:spPr>
           <a:xfrm>
-            <a:off x="882406" y="1764695"/>
-            <a:ext cx="10784965" cy="4320000"/>
+            <a:off x="577515" y="1365854"/>
+            <a:ext cx="11220450" cy="4126292"/>
           </a:xfrm>
           <a:prstGeom prst="rect">
             <a:avLst/>
@@ -19214,10 +13656,10 @@
       </p:pic>
       <p:pic>
         <p:nvPicPr>
-          <p:cNvPr id="8" name="Content Placeholder 4">
+          <p:cNvPr id="9" name="Content Placeholder 8" descr="A picture containing diagram&#10;&#10;Description automatically generated">
             <a:extLst>
               <a:ext uri="{FF2B5EF4-FFF2-40B4-BE49-F238E27FC236}">
-                <a16:creationId xmlns:a16="http://schemas.microsoft.com/office/drawing/2014/main" id="{204F2823-3AF9-5D48-A571-98C4D26DA26A}"/>
+                <a16:creationId xmlns:a16="http://schemas.microsoft.com/office/drawing/2014/main" id="{2F865EE8-3B75-5648-8569-FA45219A8DD4}"/>
               </a:ext>
             </a:extLst>
           </p:cNvPr>
@@ -19229,14 +13671,21 @@
           </p:nvPr>
         </p:nvPicPr>
         <p:blipFill>
-          <a:blip r:embed="rId5"/>
-          <a:srcRect/>
-          <a:stretch/>
+          <a:blip r:embed="rId5">
+            <a:extLst>
+              <a:ext uri="{28A0092B-C50C-407E-A947-70E740481C1C}">
+                <a14:useLocalDpi xmlns:a14="http://schemas.microsoft.com/office/drawing/2010/main" val="0"/>
+              </a:ext>
+            </a:extLst>
+          </a:blip>
+          <a:stretch>
+            <a:fillRect/>
+          </a:stretch>
         </p:blipFill>
         <p:spPr>
           <a:xfrm>
-            <a:off x="762927" y="1463520"/>
-            <a:ext cx="10666145" cy="5101200"/>
+            <a:off x="577515" y="1374027"/>
+            <a:ext cx="11176000" cy="4109945"/>
           </a:xfrm>
         </p:spPr>
       </p:pic>
@@ -19270,34 +13719,6 @@
           <a:chExt cx="0" cy="0"/>
         </a:xfrm>
       </p:grpSpPr>
-      <p:pic>
-        <p:nvPicPr>
-          <p:cNvPr id="9" name="Content Placeholder 4">
-            <a:extLst>
-              <a:ext uri="{FF2B5EF4-FFF2-40B4-BE49-F238E27FC236}">
-                <a16:creationId xmlns:a16="http://schemas.microsoft.com/office/drawing/2014/main" id="{A5D90D65-2869-A446-99BA-44BADB4B47E2}"/>
-              </a:ext>
-            </a:extLst>
-          </p:cNvPr>
-          <p:cNvPicPr>
-            <a:picLocks noGrp="1" noChangeAspect="1"/>
-          </p:cNvPicPr>
-          <p:nvPr>
-            <p:ph idx="1"/>
-          </p:nvPr>
-        </p:nvPicPr>
-        <p:blipFill>
-          <a:blip r:embed="rId3"/>
-          <a:srcRect/>
-          <a:stretch/>
-        </p:blipFill>
-        <p:spPr>
-          <a:xfrm>
-            <a:off x="462749" y="1898999"/>
-            <a:ext cx="11324272" cy="3600000"/>
-          </a:xfrm>
-        </p:spPr>
-      </p:pic>
       <p:sp>
         <p:nvSpPr>
           <p:cNvPr id="2" name="Title 1">
@@ -19348,7 +13769,7 @@
           <p:nvPr/>
         </p:nvPicPr>
         <p:blipFill>
-          <a:blip r:embed="rId4">
+          <a:blip r:embed="rId3">
             <a:extLst>
               <a:ext uri="{28A0092B-C50C-407E-A947-70E740481C1C}">
                 <a14:useLocalDpi xmlns:a14="http://schemas.microsoft.com/office/drawing/2010/main" val="0"/>
@@ -19384,7 +13805,7 @@
           <p:nvPr/>
         </p:nvPicPr>
         <p:blipFill rotWithShape="1">
-          <a:blip r:embed="rId5">
+          <a:blip r:embed="rId4">
             <a:alphaModFix amt="15000"/>
             <a:extLst>
               <a:ext uri="{28A0092B-C50C-407E-A947-70E740481C1C}">
@@ -19405,64 +13826,42 @@
           </a:prstGeom>
         </p:spPr>
       </p:pic>
-      <p:sp>
-        <p:nvSpPr>
-          <p:cNvPr id="8" name="Rectangle 7">
+      <p:pic>
+        <p:nvPicPr>
+          <p:cNvPr id="10" name="Picture 9" descr="A picture containing diagram&#10;&#10;Description automatically generated">
             <a:extLst>
               <a:ext uri="{FF2B5EF4-FFF2-40B4-BE49-F238E27FC236}">
-                <a16:creationId xmlns:a16="http://schemas.microsoft.com/office/drawing/2014/main" id="{6711A79D-4927-DD43-B3BA-51BCDE0AC7FD}"/>
+                <a16:creationId xmlns:a16="http://schemas.microsoft.com/office/drawing/2014/main" id="{A73D2B2A-4DAE-D942-8DC5-D76D6A162710}"/>
               </a:ext>
             </a:extLst>
           </p:cNvPr>
-          <p:cNvSpPr/>
+          <p:cNvPicPr>
+            <a:picLocks noChangeAspect="1"/>
+          </p:cNvPicPr>
           <p:nvPr/>
-        </p:nvSpPr>
+        </p:nvPicPr>
+        <p:blipFill>
+          <a:blip r:embed="rId5">
+            <a:extLst>
+              <a:ext uri="{28A0092B-C50C-407E-A947-70E740481C1C}">
+                <a14:useLocalDpi xmlns:a14="http://schemas.microsoft.com/office/drawing/2010/main" val="0"/>
+              </a:ext>
+            </a:extLst>
+          </a:blip>
+          <a:stretch>
+            <a:fillRect/>
+          </a:stretch>
+        </p:blipFill>
         <p:spPr>
           <a:xfrm>
-            <a:off x="5271248" y="3799403"/>
-            <a:ext cx="1682152" cy="1364267"/>
+            <a:off x="719183" y="1446250"/>
+            <a:ext cx="11156950" cy="3965499"/>
           </a:xfrm>
           <a:prstGeom prst="rect">
             <a:avLst/>
           </a:prstGeom>
-          <a:solidFill>
-            <a:srgbClr val="00A7CE"/>
-          </a:solidFill>
         </p:spPr>
-        <p:style>
-          <a:lnRef idx="2">
-            <a:schemeClr val="accent1">
-              <a:shade val="50000"/>
-            </a:schemeClr>
-          </a:lnRef>
-          <a:fillRef idx="1">
-            <a:schemeClr val="accent1"/>
-          </a:fillRef>
-          <a:effectRef idx="0">
-            <a:schemeClr val="accent1"/>
-          </a:effectRef>
-          <a:fontRef idx="minor">
-            <a:schemeClr val="lt1"/>
-          </a:fontRef>
-        </p:style>
-        <p:txBody>
-          <a:bodyPr rtlCol="0" anchor="ctr"/>
-          <a:lstStyle/>
-          <a:p>
-            <a:pPr algn="ctr"/>
-            <a:r>
-              <a:rPr lang="en-US" sz="1600" dirty="0">
-                <a:latin typeface="Roboto"/>
-                <a:cs typeface="Calibri"/>
-              </a:rPr>
-              <a:t>ft. Middleware</a:t>
-            </a:r>
-            <a:endParaRPr lang="en-US" sz="1600" dirty="0">
-              <a:latin typeface="Roboto"/>
-            </a:endParaRPr>
-          </a:p>
-        </p:txBody>
-      </p:sp>
+      </p:pic>
     </p:spTree>
     <p:extLst>
       <p:ext uri="{BB962C8B-B14F-4D97-AF65-F5344CB8AC3E}">
@@ -19791,10 +14190,10 @@
       </p:pic>
       <p:pic>
         <p:nvPicPr>
-          <p:cNvPr id="8" name="Content Placeholder 4">
+          <p:cNvPr id="9" name="Content Placeholder 8" descr="A picture containing diagram&#10;&#10;Description automatically generated">
             <a:extLst>
               <a:ext uri="{FF2B5EF4-FFF2-40B4-BE49-F238E27FC236}">
-                <a16:creationId xmlns:a16="http://schemas.microsoft.com/office/drawing/2014/main" id="{294E0ED1-AAEE-4246-870C-8CBC158D533C}"/>
+                <a16:creationId xmlns:a16="http://schemas.microsoft.com/office/drawing/2014/main" id="{AB8A4C9D-4124-964F-B0B7-82269485625F}"/>
               </a:ext>
             </a:extLst>
           </p:cNvPr>
@@ -19806,14 +14205,21 @@
           </p:nvPr>
         </p:nvPicPr>
         <p:blipFill>
-          <a:blip r:embed="rId5"/>
-          <a:srcRect/>
-          <a:stretch/>
+          <a:blip r:embed="rId5">
+            <a:extLst>
+              <a:ext uri="{28A0092B-C50C-407E-A947-70E740481C1C}">
+                <a14:useLocalDpi xmlns:a14="http://schemas.microsoft.com/office/drawing/2010/main" val="0"/>
+              </a:ext>
+            </a:extLst>
+          </a:blip>
+          <a:stretch>
+            <a:fillRect/>
+          </a:stretch>
         </p:blipFill>
         <p:spPr>
           <a:xfrm>
-            <a:off x="838201" y="1938338"/>
-            <a:ext cx="10515598" cy="4125911"/>
+            <a:off x="619125" y="1989931"/>
+            <a:ext cx="10998200" cy="3429000"/>
           </a:xfrm>
         </p:spPr>
       </p:pic>
@@ -20129,35 +14535,7 @@
           <a:p>
             <a:r>
               <a:rPr lang="en-US" dirty="0"/>
-              <a:t>Getting started guide</a:t>
-            </a:r>
-          </a:p>
-          <a:p>
-            <a:pPr lvl="1"/>
-            <a:r>
-              <a:rPr lang="en-US" dirty="0"/>
-              <a:t>Creating a cashbox</a:t>
-            </a:r>
-          </a:p>
-          <a:p>
-            <a:pPr lvl="1"/>
-            <a:r>
-              <a:rPr lang="en-US" dirty="0"/>
-              <a:t>Download the launcher from the portal</a:t>
-            </a:r>
-          </a:p>
-          <a:p>
-            <a:pPr lvl="1"/>
-            <a:r>
-              <a:rPr lang="en-US" dirty="0"/>
-              <a:t>Starting the launcher (locally)</a:t>
-            </a:r>
-          </a:p>
-          <a:p>
-            <a:pPr lvl="1"/>
-            <a:r>
-              <a:rPr lang="en-US" dirty="0"/>
-              <a:t>Calling the ft.Middleware from your POS System</a:t>
+              <a:t>Getting started guide (integration steps)</a:t>
             </a:r>
           </a:p>
           <a:p>
@@ -20627,7 +15005,7 @@
         <p:spPr/>
         <p:txBody>
           <a:bodyPr>
-            <a:normAutofit fontScale="85000" lnSpcReduction="20000"/>
+            <a:normAutofit fontScale="77500" lnSpcReduction="20000"/>
           </a:bodyPr>
           <a:lstStyle/>
           <a:p>
@@ -20685,7 +15063,7 @@
             </a:pPr>
             <a:r>
               <a:rPr lang="en-US" dirty="0"/>
-              <a:t>Industry-specific discussion of complex business cases with the fiskaltrust support team</a:t>
+              <a:t>Invitation of the POS Dealers, prepare rollout/templating</a:t>
             </a:r>
           </a:p>
           <a:p>
@@ -20702,7 +15080,7 @@
             </a:pPr>
             <a:r>
               <a:rPr lang="en-US" dirty="0"/>
-              <a:t>Invitation of the POS Dealers, prepare rollout/templating</a:t>
+              <a:t>Industry-specific discussion of complex business cases with the fiskaltrust support team</a:t>
             </a:r>
           </a:p>
           <a:p>
@@ -20898,9 +15276,12 @@
         </p:spPr>
         <p:txBody>
           <a:bodyPr>
-            <a:normAutofit/>
+            <a:normAutofit fontScale="92500" lnSpcReduction="10000"/>
           </a:bodyPr>
           <a:lstStyle/>
+          <a:p>
+            <a:endParaRPr lang="en-US" dirty="0"/>
+          </a:p>
           <a:p>
             <a:r>
               <a:rPr lang="en-US" dirty="0"/>
@@ -21370,37 +15751,41 @@
           </a:prstGeom>
         </p:spPr>
       </p:pic>
-      <p:graphicFrame>
-        <p:nvGraphicFramePr>
-          <p:cNvPr id="8" name="Content Placeholder 4">
+      <p:pic>
+        <p:nvPicPr>
+          <p:cNvPr id="9" name="Content Placeholder 8" descr="Graphical user interface, website&#10;&#10;Description automatically generated">
             <a:extLst>
               <a:ext uri="{FF2B5EF4-FFF2-40B4-BE49-F238E27FC236}">
-                <a16:creationId xmlns:a16="http://schemas.microsoft.com/office/drawing/2014/main" id="{69E7CBF7-6048-E549-AE33-E097A4538C42}"/>
+                <a16:creationId xmlns:a16="http://schemas.microsoft.com/office/drawing/2014/main" id="{66657B6E-D918-BE41-9DB3-71B101475A37}"/>
               </a:ext>
             </a:extLst>
           </p:cNvPr>
-          <p:cNvGraphicFramePr>
-            <a:graphicFrameLocks noGrp="1"/>
-          </p:cNvGraphicFramePr>
+          <p:cNvPicPr>
+            <a:picLocks noGrp="1" noChangeAspect="1"/>
+          </p:cNvPicPr>
           <p:nvPr>
             <p:ph idx="1"/>
-            <p:extLst>
-              <p:ext uri="{D42A27DB-BD31-4B8C-83A1-F6EECF244321}">
-                <p14:modId xmlns:p14="http://schemas.microsoft.com/office/powerpoint/2010/main" val="1643608506"/>
-              </p:ext>
-            </p:extLst>
           </p:nvPr>
-        </p:nvGraphicFramePr>
-        <p:xfrm>
-          <a:off x="838200" y="1825625"/>
-          <a:ext cx="10515600" cy="4351338"/>
-        </p:xfrm>
-        <a:graphic>
-          <a:graphicData uri="http://schemas.openxmlformats.org/drawingml/2006/diagram">
-            <dgm:relIds xmlns:dgm="http://schemas.openxmlformats.org/drawingml/2006/diagram" xmlns:r="http://schemas.openxmlformats.org/officeDocument/2006/relationships" r:dm="rId5" r:lo="rId6" r:qs="rId7" r:cs="rId8"/>
-          </a:graphicData>
-        </a:graphic>
-      </p:graphicFrame>
+        </p:nvPicPr>
+        <p:blipFill>
+          <a:blip r:embed="rId5">
+            <a:extLst>
+              <a:ext uri="{28A0092B-C50C-407E-A947-70E740481C1C}">
+                <a14:useLocalDpi xmlns:a14="http://schemas.microsoft.com/office/drawing/2010/main" val="0"/>
+              </a:ext>
+            </a:extLst>
+          </a:blip>
+          <a:stretch>
+            <a:fillRect/>
+          </a:stretch>
+        </p:blipFill>
+        <p:spPr>
+          <a:xfrm>
+            <a:off x="341181" y="2054283"/>
+            <a:ext cx="13925721" cy="4120607"/>
+          </a:xfrm>
+        </p:spPr>
+      </p:pic>
     </p:spTree>
     <p:extLst>
       <p:ext uri="{BB962C8B-B14F-4D97-AF65-F5344CB8AC3E}">
@@ -21557,7 +15942,7 @@
             <p:ph idx="1"/>
             <p:extLst>
               <p:ext uri="{D42A27DB-BD31-4B8C-83A1-F6EECF244321}">
-                <p14:modId xmlns:p14="http://schemas.microsoft.com/office/powerpoint/2010/main" val="633319281"/>
+                <p14:modId xmlns:p14="http://schemas.microsoft.com/office/powerpoint/2010/main" val="2289918499"/>
               </p:ext>
             </p:extLst>
           </p:nvPr>
@@ -21719,10 +16104,10 @@
       </p:pic>
       <p:pic>
         <p:nvPicPr>
-          <p:cNvPr id="8" name="Content Placeholder 4">
+          <p:cNvPr id="9" name="Picture 8" descr="Graphical user interface&#10;&#10;Description automatically generated">
             <a:extLst>
               <a:ext uri="{FF2B5EF4-FFF2-40B4-BE49-F238E27FC236}">
-                <a16:creationId xmlns:a16="http://schemas.microsoft.com/office/drawing/2014/main" id="{A22F9CD3-AF92-AC42-B809-D0D82BBDC192}"/>
+                <a16:creationId xmlns:a16="http://schemas.microsoft.com/office/drawing/2014/main" id="{4FA00CF1-DD5F-DD4F-A5F8-746A60C37D5E}"/>
               </a:ext>
             </a:extLst>
           </p:cNvPr>
@@ -21732,14 +16117,21 @@
           <p:nvPr/>
         </p:nvPicPr>
         <p:blipFill>
-          <a:blip r:embed="rId5"/>
-          <a:srcRect/>
-          <a:stretch/>
+          <a:blip r:embed="rId5">
+            <a:extLst>
+              <a:ext uri="{28A0092B-C50C-407E-A947-70E740481C1C}">
+                <a14:useLocalDpi xmlns:a14="http://schemas.microsoft.com/office/drawing/2010/main" val="0"/>
+              </a:ext>
+            </a:extLst>
+          </a:blip>
+          <a:stretch>
+            <a:fillRect/>
+          </a:stretch>
         </p:blipFill>
         <p:spPr>
           <a:xfrm>
-            <a:off x="987182" y="1781193"/>
-            <a:ext cx="10483874" cy="4125911"/>
+            <a:off x="2199648" y="1760082"/>
+            <a:ext cx="7792703" cy="4677348"/>
           </a:xfrm>
           <a:prstGeom prst="rect">
             <a:avLst/>
@@ -22189,31 +16581,106 @@
         <p:spPr/>
         <p:txBody>
           <a:bodyPr>
-            <a:normAutofit fontScale="90000"/>
+            <a:noAutofit/>
           </a:bodyPr>
           <a:lstStyle/>
           <a:p>
             <a:r>
-              <a:rPr lang="en-US" sz="4000" dirty="0"/>
+              <a:rPr lang="en-US" dirty="0"/>
               <a:t>The portal as a rollout management tool</a:t>
             </a:r>
             <a:br>
-              <a:rPr lang="de-DE" sz="2800" dirty="0"/>
+              <a:rPr lang="de-DE" sz="2400" dirty="0"/>
             </a:br>
             <a:r>
               <a:rPr lang="en-US" dirty="0"/>
               <a:t>(rollout execution with template)</a:t>
             </a:r>
             <a:endParaRPr lang="de-DE" dirty="0"/>
+          </a:p>
+        </p:txBody>
+      </p:sp>
+      <p:sp>
+        <p:nvSpPr>
+          <p:cNvPr id="5" name="Content Placeholder 4">
+            <a:extLst>
+              <a:ext uri="{FF2B5EF4-FFF2-40B4-BE49-F238E27FC236}">
+                <a16:creationId xmlns:a16="http://schemas.microsoft.com/office/drawing/2014/main" id="{D213213F-12A0-4345-8356-0B8C124A6BF6}"/>
+              </a:ext>
+            </a:extLst>
+          </p:cNvPr>
+          <p:cNvSpPr>
+            <a:spLocks noGrp="1"/>
+          </p:cNvSpPr>
+          <p:nvPr>
+            <p:ph idx="1"/>
+          </p:nvPr>
+        </p:nvSpPr>
+        <p:spPr/>
+        <p:txBody>
+          <a:bodyPr>
+            <a:normAutofit/>
+          </a:bodyPr>
+          <a:lstStyle/>
+          <a:p>
+            <a:pPr marL="0" indent="0">
+              <a:buNone/>
+            </a:pPr>
+            <a:endParaRPr lang="de-DE" sz="2400" dirty="0"/>
+          </a:p>
+          <a:p>
+            <a:endParaRPr lang="en-US" dirty="0"/>
+          </a:p>
+          <a:p>
+            <a:r>
+              <a:rPr lang="en-US" dirty="0"/>
+              <a:t>Manual with the </a:t>
+            </a:r>
+            <a:r>
+              <a:rPr lang="en-US" dirty="0" err="1"/>
+              <a:t>ft.Portal</a:t>
+            </a:r>
+            <a:endParaRPr lang="en-US" dirty="0"/>
+          </a:p>
+          <a:p>
+            <a:pPr lvl="1"/>
+            <a:r>
+              <a:rPr lang="en-US" dirty="0"/>
+              <a:t>Add in </a:t>
+            </a:r>
+            <a:r>
+              <a:rPr lang="en-US" dirty="0" err="1"/>
+              <a:t>ft.Portal</a:t>
+            </a:r>
+            <a:endParaRPr lang="en-US" dirty="0"/>
+          </a:p>
+          <a:p>
+            <a:pPr lvl="1"/>
+            <a:r>
+              <a:rPr lang="en-US" dirty="0"/>
+              <a:t>Checkout in ft.Shop</a:t>
+            </a:r>
+          </a:p>
+          <a:p>
+            <a:pPr marL="360000" lvl="1" indent="0">
+              <a:buNone/>
+            </a:pPr>
+            <a:endParaRPr lang="en-US" dirty="0"/>
+          </a:p>
+          <a:p>
+            <a:r>
+              <a:rPr lang="en-US" dirty="0"/>
+              <a:t>Automated via API</a:t>
+            </a:r>
           </a:p>
         </p:txBody>
       </p:sp>
       <p:pic>
         <p:nvPicPr>
-          <p:cNvPr id="8" name="Grafik 12" descr="Ein Bild, das Zeichnung, Schild enthält.&#10;&#10;Automatisch generierte Beschreibung">
+          <p:cNvPr id="4" name="Grafik 12" descr="Ein Bild, das Zeichnung, Schild enthält.&#10;&#10;Automatisch generierte Beschreibung">
             <a:extLst>
               <a:ext uri="{FF2B5EF4-FFF2-40B4-BE49-F238E27FC236}">
-                <a16:creationId xmlns:a16="http://schemas.microsoft.com/office/drawing/2014/main" id="{F0D7D8AF-7347-7E4E-9C9E-4CAFB0C9B557}"/>
+                <a16:creationId xmlns:a16="http://schemas.microsoft.com/office/drawing/2014/main" id="{A8D8AA24-1874-6943-A8D0-4BA55125BA4E}"/>
               </a:ext>
             </a:extLst>
           </p:cNvPr>
@@ -22246,10 +16713,10 @@
       </p:pic>
       <p:pic>
         <p:nvPicPr>
-          <p:cNvPr id="9" name="Grafik 7">
+          <p:cNvPr id="6" name="Grafik 7">
             <a:extLst>
               <a:ext uri="{FF2B5EF4-FFF2-40B4-BE49-F238E27FC236}">
-                <a16:creationId xmlns:a16="http://schemas.microsoft.com/office/drawing/2014/main" id="{D50FA242-6CDC-904E-942F-B5E0079148E5}"/>
+                <a16:creationId xmlns:a16="http://schemas.microsoft.com/office/drawing/2014/main" id="{99D66B7A-76CE-1B46-9850-4CB67A786B62}"/>
               </a:ext>
             </a:extLst>
           </p:cNvPr>
@@ -22280,39 +16747,10 @@
           </a:prstGeom>
         </p:spPr>
       </p:pic>
-      <p:pic>
-        <p:nvPicPr>
-          <p:cNvPr id="10" name="Content Placeholder 4">
-            <a:extLst>
-              <a:ext uri="{FF2B5EF4-FFF2-40B4-BE49-F238E27FC236}">
-                <a16:creationId xmlns:a16="http://schemas.microsoft.com/office/drawing/2014/main" id="{C1D10EDD-6715-EC4D-BC51-FECA8103B9FF}"/>
-              </a:ext>
-            </a:extLst>
-          </p:cNvPr>
-          <p:cNvPicPr>
-            <a:picLocks noChangeAspect="1"/>
-          </p:cNvPicPr>
-          <p:nvPr/>
-        </p:nvPicPr>
-        <p:blipFill>
-          <a:blip r:embed="rId5"/>
-          <a:srcRect/>
-          <a:stretch/>
-        </p:blipFill>
-        <p:spPr>
-          <a:xfrm>
-            <a:off x="646458" y="3204940"/>
-            <a:ext cx="10899083" cy="1440000"/>
-          </a:xfrm>
-          <a:prstGeom prst="rect">
-            <a:avLst/>
-          </a:prstGeom>
-        </p:spPr>
-      </p:pic>
     </p:spTree>
     <p:extLst>
       <p:ext uri="{BB962C8B-B14F-4D97-AF65-F5344CB8AC3E}">
-        <p14:creationId xmlns:p14="http://schemas.microsoft.com/office/powerpoint/2010/main" val="3385734325"/>
+        <p14:creationId xmlns:p14="http://schemas.microsoft.com/office/powerpoint/2010/main" val="367464572"/>
       </p:ext>
     </p:extLst>
   </p:cSld>
@@ -23558,30 +17996,38 @@
       </p:pic>
       <p:pic>
         <p:nvPicPr>
-          <p:cNvPr id="11" name="Content Placeholder 4">
+          <p:cNvPr id="10" name="Picture 9" descr="Diagram&#10;&#10;Description automatically generated">
             <a:extLst>
               <a:ext uri="{FF2B5EF4-FFF2-40B4-BE49-F238E27FC236}">
-                <a16:creationId xmlns:a16="http://schemas.microsoft.com/office/drawing/2014/main" id="{3A34A13A-F5F5-C945-92B4-F9865FA8C451}"/>
+                <a16:creationId xmlns:a16="http://schemas.microsoft.com/office/drawing/2014/main" id="{F6730030-AA3E-5A4D-8030-8C57D1CFD1B0}"/>
               </a:ext>
             </a:extLst>
           </p:cNvPr>
           <p:cNvPicPr>
-            <a:picLocks noGrp="1" noChangeAspect="1"/>
+            <a:picLocks noChangeAspect="1"/>
           </p:cNvPicPr>
-          <p:nvPr>
-            <p:ph idx="1"/>
-          </p:nvPr>
+          <p:nvPr/>
         </p:nvPicPr>
         <p:blipFill>
-          <a:blip r:embed="rId5"/>
-          <a:srcRect/>
-          <a:stretch/>
+          <a:blip r:embed="rId5">
+            <a:extLst>
+              <a:ext uri="{28A0092B-C50C-407E-A947-70E740481C1C}">
+                <a14:useLocalDpi xmlns:a14="http://schemas.microsoft.com/office/drawing/2010/main" val="0"/>
+              </a:ext>
+            </a:extLst>
+          </a:blip>
+          <a:stretch>
+            <a:fillRect/>
+          </a:stretch>
         </p:blipFill>
         <p:spPr>
           <a:xfrm>
-            <a:off x="838201" y="1690688"/>
-            <a:ext cx="10336289" cy="4502938"/>
+            <a:off x="431800" y="1479550"/>
+            <a:ext cx="11328400" cy="3898900"/>
           </a:xfrm>
+          <a:prstGeom prst="rect">
+            <a:avLst/>
+          </a:prstGeom>
         </p:spPr>
       </p:pic>
     </p:spTree>
@@ -23614,34 +18060,6 @@
           <a:chExt cx="0" cy="0"/>
         </a:xfrm>
       </p:grpSpPr>
-      <p:pic>
-        <p:nvPicPr>
-          <p:cNvPr id="13" name="Content Placeholder 4">
-            <a:extLst>
-              <a:ext uri="{FF2B5EF4-FFF2-40B4-BE49-F238E27FC236}">
-                <a16:creationId xmlns:a16="http://schemas.microsoft.com/office/drawing/2014/main" id="{36507B37-0270-A942-8F45-4DC684FCFA47}"/>
-              </a:ext>
-            </a:extLst>
-          </p:cNvPr>
-          <p:cNvPicPr>
-            <a:picLocks noGrp="1" noChangeAspect="1"/>
-          </p:cNvPicPr>
-          <p:nvPr>
-            <p:ph idx="1"/>
-          </p:nvPr>
-        </p:nvPicPr>
-        <p:blipFill>
-          <a:blip r:embed="rId3"/>
-          <a:srcRect/>
-          <a:stretch/>
-        </p:blipFill>
-        <p:spPr>
-          <a:xfrm>
-            <a:off x="1012435" y="2176205"/>
-            <a:ext cx="10191844" cy="3240000"/>
-          </a:xfrm>
-        </p:spPr>
-      </p:pic>
       <p:sp>
         <p:nvSpPr>
           <p:cNvPr id="2" name="Title 1">
@@ -23672,64 +18090,6 @@
           </a:p>
         </p:txBody>
       </p:sp>
-      <p:sp>
-        <p:nvSpPr>
-          <p:cNvPr id="7" name="Rectangle 6">
-            <a:extLst>
-              <a:ext uri="{FF2B5EF4-FFF2-40B4-BE49-F238E27FC236}">
-                <a16:creationId xmlns:a16="http://schemas.microsoft.com/office/drawing/2014/main" id="{E79A8B2E-6045-4050-A0BF-52B4B8CA91EA}"/>
-              </a:ext>
-            </a:extLst>
-          </p:cNvPr>
-          <p:cNvSpPr/>
-          <p:nvPr/>
-        </p:nvSpPr>
-        <p:spPr>
-          <a:xfrm>
-            <a:off x="5267314" y="3870348"/>
-            <a:ext cx="1516548" cy="1272386"/>
-          </a:xfrm>
-          <a:prstGeom prst="rect">
-            <a:avLst/>
-          </a:prstGeom>
-          <a:solidFill>
-            <a:srgbClr val="00A7CE"/>
-          </a:solidFill>
-        </p:spPr>
-        <p:style>
-          <a:lnRef idx="2">
-            <a:schemeClr val="accent1">
-              <a:shade val="50000"/>
-            </a:schemeClr>
-          </a:lnRef>
-          <a:fillRef idx="1">
-            <a:schemeClr val="accent1"/>
-          </a:fillRef>
-          <a:effectRef idx="0">
-            <a:schemeClr val="accent1"/>
-          </a:effectRef>
-          <a:fontRef idx="minor">
-            <a:schemeClr val="lt1"/>
-          </a:fontRef>
-        </p:style>
-        <p:txBody>
-          <a:bodyPr rtlCol="0" anchor="ctr"/>
-          <a:lstStyle/>
-          <a:p>
-            <a:pPr algn="ctr"/>
-            <a:r>
-              <a:rPr lang="en-US" sz="1600" dirty="0">
-                <a:latin typeface="Roboto"/>
-                <a:cs typeface="Calibri"/>
-              </a:rPr>
-              <a:t>ft. Middleware</a:t>
-            </a:r>
-            <a:endParaRPr lang="en-US" sz="1600">
-              <a:latin typeface="Roboto"/>
-            </a:endParaRPr>
-          </a:p>
-        </p:txBody>
-      </p:sp>
       <p:pic>
         <p:nvPicPr>
           <p:cNvPr id="9" name="Grafik 12" descr="Ein Bild, das Zeichnung, Schild enthält.&#10;&#10;Automatisch generierte Beschreibung">
@@ -23745,7 +18105,7 @@
           <p:nvPr/>
         </p:nvPicPr>
         <p:blipFill>
-          <a:blip r:embed="rId4">
+          <a:blip r:embed="rId3">
             <a:extLst>
               <a:ext uri="{28A0092B-C50C-407E-A947-70E740481C1C}">
                 <a14:useLocalDpi xmlns:a14="http://schemas.microsoft.com/office/drawing/2010/main" val="0"/>
@@ -23781,7 +18141,7 @@
           <p:nvPr/>
         </p:nvPicPr>
         <p:blipFill rotWithShape="1">
-          <a:blip r:embed="rId5">
+          <a:blip r:embed="rId4">
             <a:alphaModFix amt="15000"/>
             <a:extLst>
               <a:ext uri="{28A0092B-C50C-407E-A947-70E740481C1C}">
@@ -23796,6 +18156,42 @@
           <a:xfrm>
             <a:off x="10313964" y="5093305"/>
             <a:ext cx="1886400" cy="1801618"/>
+          </a:xfrm>
+          <a:prstGeom prst="rect">
+            <a:avLst/>
+          </a:prstGeom>
+        </p:spPr>
+      </p:pic>
+      <p:pic>
+        <p:nvPicPr>
+          <p:cNvPr id="6" name="Picture 5" descr="A picture containing graphical user interface&#10;&#10;Description automatically generated">
+            <a:extLst>
+              <a:ext uri="{FF2B5EF4-FFF2-40B4-BE49-F238E27FC236}">
+                <a16:creationId xmlns:a16="http://schemas.microsoft.com/office/drawing/2014/main" id="{6FC7F80D-A3FB-4543-84BD-43B411AB7F9A}"/>
+              </a:ext>
+            </a:extLst>
+          </p:cNvPr>
+          <p:cNvPicPr>
+            <a:picLocks noChangeAspect="1"/>
+          </p:cNvPicPr>
+          <p:nvPr/>
+        </p:nvPicPr>
+        <p:blipFill>
+          <a:blip r:embed="rId5">
+            <a:extLst>
+              <a:ext uri="{28A0092B-C50C-407E-A947-70E740481C1C}">
+                <a14:useLocalDpi xmlns:a14="http://schemas.microsoft.com/office/drawing/2010/main" val="0"/>
+              </a:ext>
+            </a:extLst>
+          </a:blip>
+          <a:stretch>
+            <a:fillRect/>
+          </a:stretch>
+        </p:blipFill>
+        <p:spPr>
+          <a:xfrm>
+            <a:off x="2844800" y="1733550"/>
+            <a:ext cx="6502400" cy="3390900"/>
           </a:xfrm>
           <a:prstGeom prst="rect">
             <a:avLst/>
@@ -23832,35 +18228,6 @@
           <a:chExt cx="0" cy="0"/>
         </a:xfrm>
       </p:grpSpPr>
-      <p:pic>
-        <p:nvPicPr>
-          <p:cNvPr id="9" name="Content Placeholder 4">
-            <a:extLst>
-              <a:ext uri="{FF2B5EF4-FFF2-40B4-BE49-F238E27FC236}">
-                <a16:creationId xmlns:a16="http://schemas.microsoft.com/office/drawing/2014/main" id="{DB97D1C8-E306-DB4E-BE11-0DAC39FB8349}"/>
-              </a:ext>
-            </a:extLst>
-          </p:cNvPr>
-          <p:cNvPicPr>
-            <a:picLocks noChangeAspect="1"/>
-          </p:cNvPicPr>
-          <p:nvPr/>
-        </p:nvPicPr>
-        <p:blipFill>
-          <a:blip r:embed="rId3"/>
-          <a:srcRect/>
-          <a:stretch/>
-        </p:blipFill>
-        <p:spPr>
-          <a:xfrm>
-            <a:off x="411147" y="1097287"/>
-            <a:ext cx="11394420" cy="5122800"/>
-          </a:xfrm>
-          <a:prstGeom prst="rect">
-            <a:avLst/>
-          </a:prstGeom>
-        </p:spPr>
-      </p:pic>
       <p:sp>
         <p:nvSpPr>
           <p:cNvPr id="2" name="Title 1">
@@ -23891,124 +18258,6 @@
           </a:p>
         </p:txBody>
       </p:sp>
-      <p:sp>
-        <p:nvSpPr>
-          <p:cNvPr id="3" name="Rechteck 2">
-            <a:extLst>
-              <a:ext uri="{FF2B5EF4-FFF2-40B4-BE49-F238E27FC236}">
-                <a16:creationId xmlns:a16="http://schemas.microsoft.com/office/drawing/2014/main" id="{BAE66F9C-C014-49A8-8182-FA47E479BE09}"/>
-              </a:ext>
-            </a:extLst>
-          </p:cNvPr>
-          <p:cNvSpPr/>
-          <p:nvPr/>
-        </p:nvSpPr>
-        <p:spPr>
-          <a:xfrm>
-            <a:off x="5352098" y="3846195"/>
-            <a:ext cx="1340167" cy="1102995"/>
-          </a:xfrm>
-          <a:prstGeom prst="rect">
-            <a:avLst/>
-          </a:prstGeom>
-          <a:solidFill>
-            <a:srgbClr val="00A7CE">
-              <a:alpha val="60000"/>
-            </a:srgbClr>
-          </a:solidFill>
-          <a:ln>
-            <a:noFill/>
-          </a:ln>
-        </p:spPr>
-        <p:style>
-          <a:lnRef idx="2">
-            <a:schemeClr val="accent1">
-              <a:shade val="50000"/>
-            </a:schemeClr>
-          </a:lnRef>
-          <a:fillRef idx="1">
-            <a:schemeClr val="accent1"/>
-          </a:fillRef>
-          <a:effectRef idx="0">
-            <a:schemeClr val="accent1"/>
-          </a:effectRef>
-          <a:fontRef idx="minor">
-            <a:schemeClr val="lt1"/>
-          </a:fontRef>
-        </p:style>
-        <p:txBody>
-          <a:bodyPr rtlCol="0" anchor="ctr"/>
-          <a:lstStyle/>
-          <a:p>
-            <a:pPr algn="ctr"/>
-            <a:r>
-              <a:rPr lang="de-AT" sz="1400" dirty="0">
-                <a:latin typeface="Roboto" panose="02000000000000000000" pitchFamily="2" charset="0"/>
-                <a:ea typeface="Roboto" panose="02000000000000000000" pitchFamily="2" charset="0"/>
-              </a:rPr>
-              <a:t>ft.Middleware</a:t>
-            </a:r>
-          </a:p>
-        </p:txBody>
-      </p:sp>
-      <p:sp>
-        <p:nvSpPr>
-          <p:cNvPr id="4" name="Rectangle 3">
-            <a:extLst>
-              <a:ext uri="{FF2B5EF4-FFF2-40B4-BE49-F238E27FC236}">
-                <a16:creationId xmlns:a16="http://schemas.microsoft.com/office/drawing/2014/main" id="{D13F006E-D64B-42CA-8276-F3601735478A}"/>
-              </a:ext>
-            </a:extLst>
-          </p:cNvPr>
-          <p:cNvSpPr/>
-          <p:nvPr/>
-        </p:nvSpPr>
-        <p:spPr>
-          <a:xfrm>
-            <a:off x="5177449" y="3846195"/>
-            <a:ext cx="1738892" cy="1386235"/>
-          </a:xfrm>
-          <a:prstGeom prst="rect">
-            <a:avLst/>
-          </a:prstGeom>
-          <a:solidFill>
-            <a:srgbClr val="00A7CE"/>
-          </a:solidFill>
-        </p:spPr>
-        <p:style>
-          <a:lnRef idx="2">
-            <a:schemeClr val="accent1">
-              <a:shade val="50000"/>
-            </a:schemeClr>
-          </a:lnRef>
-          <a:fillRef idx="1">
-            <a:schemeClr val="accent1"/>
-          </a:fillRef>
-          <a:effectRef idx="0">
-            <a:schemeClr val="accent1"/>
-          </a:effectRef>
-          <a:fontRef idx="minor">
-            <a:schemeClr val="lt1"/>
-          </a:fontRef>
-        </p:style>
-        <p:txBody>
-          <a:bodyPr rtlCol="0" anchor="ctr"/>
-          <a:lstStyle/>
-          <a:p>
-            <a:pPr algn="ctr"/>
-            <a:r>
-              <a:rPr lang="en-US" sz="1600" dirty="0">
-                <a:latin typeface="Roboto"/>
-                <a:cs typeface="Calibri"/>
-              </a:rPr>
-              <a:t>ft. Middleware</a:t>
-            </a:r>
-            <a:endParaRPr lang="en-US" sz="1600" dirty="0">
-              <a:latin typeface="Roboto"/>
-            </a:endParaRPr>
-          </a:p>
-        </p:txBody>
-      </p:sp>
       <p:pic>
         <p:nvPicPr>
           <p:cNvPr id="7" name="Grafik 12" descr="Ein Bild, das Zeichnung, Schild enthält.&#10;&#10;Automatisch generierte Beschreibung">
@@ -24024,7 +18273,7 @@
           <p:nvPr/>
         </p:nvPicPr>
         <p:blipFill>
-          <a:blip r:embed="rId4">
+          <a:blip r:embed="rId3">
             <a:extLst>
               <a:ext uri="{28A0092B-C50C-407E-A947-70E740481C1C}">
                 <a14:useLocalDpi xmlns:a14="http://schemas.microsoft.com/office/drawing/2010/main" val="0"/>
@@ -24060,7 +18309,7 @@
           <p:nvPr/>
         </p:nvPicPr>
         <p:blipFill rotWithShape="1">
-          <a:blip r:embed="rId5">
+          <a:blip r:embed="rId4">
             <a:alphaModFix amt="15000"/>
             <a:extLst>
               <a:ext uri="{28A0092B-C50C-407E-A947-70E740481C1C}">
@@ -24075,6 +18324,42 @@
           <a:xfrm>
             <a:off x="10313964" y="5093305"/>
             <a:ext cx="1886400" cy="1801618"/>
+          </a:xfrm>
+          <a:prstGeom prst="rect">
+            <a:avLst/>
+          </a:prstGeom>
+        </p:spPr>
+      </p:pic>
+      <p:pic>
+        <p:nvPicPr>
+          <p:cNvPr id="6" name="Picture 5" descr="Graphical user interface, diagram&#10;&#10;Description automatically generated">
+            <a:extLst>
+              <a:ext uri="{FF2B5EF4-FFF2-40B4-BE49-F238E27FC236}">
+                <a16:creationId xmlns:a16="http://schemas.microsoft.com/office/drawing/2014/main" id="{C44A7402-8571-474E-8B2B-B55B07E895E7}"/>
+              </a:ext>
+            </a:extLst>
+          </p:cNvPr>
+          <p:cNvPicPr>
+            <a:picLocks noChangeAspect="1"/>
+          </p:cNvPicPr>
+          <p:nvPr/>
+        </p:nvPicPr>
+        <p:blipFill>
+          <a:blip r:embed="rId5">
+            <a:extLst>
+              <a:ext uri="{28A0092B-C50C-407E-A947-70E740481C1C}">
+                <a14:useLocalDpi xmlns:a14="http://schemas.microsoft.com/office/drawing/2010/main" val="0"/>
+              </a:ext>
+            </a:extLst>
+          </a:blip>
+          <a:stretch>
+            <a:fillRect/>
+          </a:stretch>
+        </p:blipFill>
+        <p:spPr>
+          <a:xfrm>
+            <a:off x="577515" y="202426"/>
+            <a:ext cx="10289498" cy="6467684"/>
           </a:xfrm>
           <a:prstGeom prst="rect">
             <a:avLst/>
@@ -24980,12 +19265,6 @@
 </file>
 
 <file path=customXml/item1.xml><?xml version="1.0" encoding="utf-8"?>
-<p:properties xmlns:p="http://schemas.microsoft.com/office/2006/metadata/properties" xmlns:xsi="http://www.w3.org/2001/XMLSchema-instance" xmlns:pc="http://schemas.microsoft.com/office/infopath/2007/PartnerControls">
-  <documentManagement/>
-</p:properties>
-</file>
-
-<file path=customXml/item2.xml><?xml version="1.0" encoding="utf-8"?>
 <ct:contentTypeSchema xmlns:ct="http://schemas.microsoft.com/office/2006/metadata/contentType" xmlns:ma="http://schemas.microsoft.com/office/2006/metadata/properties/metaAttributes" ct:_="" ma:_="" ma:contentTypeName="Document" ma:contentTypeID="0x01010003A087929988544A956B845A242A1874" ma:contentTypeVersion="9" ma:contentTypeDescription="Create a new document." ma:contentTypeScope="" ma:versionID="a063f29419c0dc871a57124984a5c02e">
   <xsd:schema xmlns:xsd="http://www.w3.org/2001/XMLSchema" xmlns:xs="http://www.w3.org/2001/XMLSchema" xmlns:p="http://schemas.microsoft.com/office/2006/metadata/properties" xmlns:ns2="c3142773-ea53-476f-8961-6b85122cde25" targetNamespace="http://schemas.microsoft.com/office/2006/metadata/properties" ma:root="true" ma:fieldsID="a552620fe450120d7f85de4f65b137a4" ns2:_="">
     <xsd:import namespace="c3142773-ea53-476f-8961-6b85122cde25"/>
@@ -25163,7 +19442,7 @@
 </ct:contentTypeSchema>
 </file>
 
-<file path=customXml/item3.xml><?xml version="1.0" encoding="utf-8"?>
+<file path=customXml/item2.xml><?xml version="1.0" encoding="utf-8"?>
 <?mso-contentType ?>
 <FormTemplates xmlns="http://schemas.microsoft.com/sharepoint/v3/contenttype/forms">
   <Display>DocumentLibraryForm</Display>
@@ -25172,16 +19451,13 @@
 </FormTemplates>
 </file>
 
-<file path=customXml/itemProps1.xml><?xml version="1.0" encoding="utf-8"?>
-<ds:datastoreItem xmlns:ds="http://schemas.openxmlformats.org/officeDocument/2006/customXml" ds:itemID="{A770BCC9-0480-4A5F-A5A5-05648EB42497}">
-  <ds:schemaRefs>
-    <ds:schemaRef ds:uri="http://schemas.microsoft.com/office/2006/metadata/properties"/>
-    <ds:schemaRef ds:uri="http://schemas.microsoft.com/office/infopath/2007/PartnerControls"/>
-  </ds:schemaRefs>
-</ds:datastoreItem>
+<file path=customXml/item3.xml><?xml version="1.0" encoding="utf-8"?>
+<p:properties xmlns:p="http://schemas.microsoft.com/office/2006/metadata/properties" xmlns:xsi="http://www.w3.org/2001/XMLSchema-instance" xmlns:pc="http://schemas.microsoft.com/office/infopath/2007/PartnerControls">
+  <documentManagement/>
+</p:properties>
 </file>
 
-<file path=customXml/itemProps2.xml><?xml version="1.0" encoding="utf-8"?>
+<file path=customXml/itemProps1.xml><?xml version="1.0" encoding="utf-8"?>
 <ds:datastoreItem xmlns:ds="http://schemas.openxmlformats.org/officeDocument/2006/customXml" ds:itemID="{4A4E1077-0687-4F67-BE9D-7A4D4029BB02}">
   <ds:schemaRefs>
     <ds:schemaRef ds:uri="http://schemas.microsoft.com/office/2006/metadata/contentType"/>
@@ -25199,10 +19475,19 @@
 </ds:datastoreItem>
 </file>
 
-<file path=customXml/itemProps3.xml><?xml version="1.0" encoding="utf-8"?>
+<file path=customXml/itemProps2.xml><?xml version="1.0" encoding="utf-8"?>
 <ds:datastoreItem xmlns:ds="http://schemas.openxmlformats.org/officeDocument/2006/customXml" ds:itemID="{3F407387-4BEA-45E7-A546-EAF24BCEADF4}">
   <ds:schemaRefs>
     <ds:schemaRef ds:uri="http://schemas.microsoft.com/sharepoint/v3/contenttype/forms"/>
   </ds:schemaRefs>
 </ds:datastoreItem>
+</file>
+
+<file path=customXml/itemProps3.xml><?xml version="1.0" encoding="utf-8"?>
+<ds:datastoreItem xmlns:ds="http://schemas.openxmlformats.org/officeDocument/2006/customXml" ds:itemID="{A770BCC9-0480-4A5F-A5A5-05648EB42497}">
+  <ds:schemaRefs>
+    <ds:schemaRef ds:uri="http://schemas.microsoft.com/office/2006/metadata/properties"/>
+    <ds:schemaRef ds:uri="http://schemas.microsoft.com/office/infopath/2007/PartnerControls"/>
+  </ds:schemaRefs>
+</ds:datastoreItem>
 </file>
--- a/for-poscreators/presentation/media/lead-presentation-creator-en.pptx
+++ b/for-poscreators/presentation/media/lead-presentation-creator-en.pptx
@@ -2952,6 +2952,50 @@
         </a:p>
       </dgm:t>
     </dgm:pt>
+    <dgm:pt modelId="{CC7159D8-9A0F-4B46-A680-499F9FA36F10}">
+      <dgm:prSet phldrT="[Text]"/>
+      <dgm:spPr/>
+      <dgm:t>
+        <a:bodyPr/>
+        <a:lstStyle/>
+        <a:p>
+          <a:r>
+            <a:rPr lang="en-US" noProof="0" dirty="0"/>
+            <a:t>Master data capture</a:t>
+          </a:r>
+        </a:p>
+      </dgm:t>
+    </dgm:pt>
+    <dgm:pt modelId="{C10B91B7-3986-D447-9F6D-9A87155E82E9}" type="parTrans" cxnId="{834CB0C4-E607-7843-AD0F-6CAF7A4A894F}">
+      <dgm:prSet/>
+      <dgm:spPr/>
+    </dgm:pt>
+    <dgm:pt modelId="{154EE6FB-E7B1-E141-998A-1FFE317E848B}" type="sibTrans" cxnId="{834CB0C4-E607-7843-AD0F-6CAF7A4A894F}">
+      <dgm:prSet/>
+      <dgm:spPr/>
+    </dgm:pt>
+    <dgm:pt modelId="{A94710F9-1EE3-254A-96AA-85A067E0BE72}">
+      <dgm:prSet phldrT="[Text]"/>
+      <dgm:spPr/>
+      <dgm:t>
+        <a:bodyPr/>
+        <a:lstStyle/>
+        <a:p>
+          <a:r>
+            <a:rPr lang="en-US" noProof="0" dirty="0"/>
+            <a:t>Register POS System</a:t>
+          </a:r>
+        </a:p>
+      </dgm:t>
+    </dgm:pt>
+    <dgm:pt modelId="{3BDAE952-4960-FA4A-9D25-082ABD2A4803}" type="parTrans" cxnId="{D1661A38-398E-4243-80C6-9E3AD12D8553}">
+      <dgm:prSet/>
+      <dgm:spPr/>
+    </dgm:pt>
+    <dgm:pt modelId="{F9DB5856-E2C1-D641-85C0-913344E1CB06}" type="sibTrans" cxnId="{D1661A38-398E-4243-80C6-9E3AD12D8553}">
+      <dgm:prSet/>
+      <dgm:spPr/>
+    </dgm:pt>
     <dgm:pt modelId="{4AFD1DCE-7613-4DC5-B92D-15D823546BE3}" type="pres">
       <dgm:prSet presAssocID="{F0F6B17E-9533-4727-B3CC-A6D0466AC596}" presName="Name0" presStyleCnt="0">
         <dgm:presLayoutVars>
@@ -3177,7 +3221,7 @@
     </dgm:pt>
   </dgm:ptLst>
   <dgm:cxnLst>
-    <dgm:cxn modelId="{07689C06-969F-418B-BA84-044AEFFEEE33}" srcId="{A127E4B3-65AD-4248-95B2-95D5289D7EA9}" destId="{D690E6B1-ED93-4978-AC10-25C06B709E1D}" srcOrd="2" destOrd="0" parTransId="{44261E62-8A2B-49C1-93FA-10BEB09B2730}" sibTransId="{4BEE0D3E-BAE9-45E2-B1D4-A457B1CF87CE}"/>
+    <dgm:cxn modelId="{07689C06-969F-418B-BA84-044AEFFEEE33}" srcId="{A127E4B3-65AD-4248-95B2-95D5289D7EA9}" destId="{D690E6B1-ED93-4978-AC10-25C06B709E1D}" srcOrd="3" destOrd="0" parTransId="{44261E62-8A2B-49C1-93FA-10BEB09B2730}" sibTransId="{4BEE0D3E-BAE9-45E2-B1D4-A457B1CF87CE}"/>
     <dgm:cxn modelId="{14AF7A0A-3F77-E545-B630-5BF4B46D4EAE}" srcId="{84ED0DD6-2D8A-0349-9399-576CDDD53DF0}" destId="{1B3290C7-72D7-4746-9957-7044F630C828}" srcOrd="0" destOrd="0" parTransId="{577315EF-C419-1242-8611-BD14A3743ED2}" sibTransId="{4DA289DB-A477-AD48-AA4F-3AF17E9A5593}"/>
     <dgm:cxn modelId="{871F9012-674F-CF45-AEFD-E5C707425E29}" type="presOf" srcId="{AC1C4931-EEA2-E343-8BA4-1A9CD4B76DDA}" destId="{4BA1B2B1-C1B8-47F2-8C0E-ADA73BC9C811}" srcOrd="1" destOrd="0" presId="urn:microsoft.com/office/officeart/2005/8/layout/hProcess4"/>
     <dgm:cxn modelId="{41DA7618-FBD7-EB40-9DA7-0C4400CD7263}" type="presOf" srcId="{15D92C2D-5742-4574-B3E7-79598663529D}" destId="{E5EBECDA-B2A2-1A46-872A-670086EE71E5}" srcOrd="0" destOrd="0" presId="urn:microsoft.com/office/officeart/2005/8/layout/hProcess4"/>
@@ -3188,6 +3232,7 @@
     <dgm:cxn modelId="{09006228-040D-D74B-BBF9-62C8D2869DB9}" srcId="{84ED0DD6-2D8A-0349-9399-576CDDD53DF0}" destId="{47C53EB7-BB9D-3141-AC80-25FEDE4F45C1}" srcOrd="1" destOrd="0" parTransId="{A13A1A98-7E76-0640-8A2F-7A742CE34F5D}" sibTransId="{C9A34C5F-A9A2-5940-A922-FF169D9E5C0F}"/>
     <dgm:cxn modelId="{13C00D2B-F5A5-5E45-8A9C-619A289CCEE9}" srcId="{84ED0DD6-2D8A-0349-9399-576CDDD53DF0}" destId="{580D8CE1-E595-CF43-B1D2-95FB638F080E}" srcOrd="2" destOrd="0" parTransId="{3C97B2F6-008B-9D4B-B73C-334615696978}" sibTransId="{C4673E6D-A4AC-1544-B7F9-FEDE3F9F7A11}"/>
     <dgm:cxn modelId="{43EBF52F-0D6F-8047-B321-9A4E0772EB94}" type="presOf" srcId="{1B3290C7-72D7-4746-9957-7044F630C828}" destId="{846A1EB4-FE5D-EA45-887E-8162064DDF67}" srcOrd="1" destOrd="0" presId="urn:microsoft.com/office/officeart/2005/8/layout/hProcess4"/>
+    <dgm:cxn modelId="{D1661A38-398E-4243-80C6-9E3AD12D8553}" srcId="{A127E4B3-65AD-4248-95B2-95D5289D7EA9}" destId="{A94710F9-1EE3-254A-96AA-85A067E0BE72}" srcOrd="2" destOrd="0" parTransId="{3BDAE952-4960-FA4A-9D25-082ABD2A4803}" sibTransId="{F9DB5856-E2C1-D641-85C0-913344E1CB06}"/>
     <dgm:cxn modelId="{CC9F6A3D-D8F4-EE4C-95A1-F08BCC725B95}" type="presOf" srcId="{526E9F08-5EA3-3D49-8B38-51CB3B3ED9DC}" destId="{DB47F245-2784-474A-9BA8-6F043C5AB87D}" srcOrd="0" destOrd="1" presId="urn:microsoft.com/office/officeart/2005/8/layout/hProcess4"/>
     <dgm:cxn modelId="{981C2443-3091-444F-A294-41054667FBF6}" type="presOf" srcId="{939A1577-2324-43EB-B7C5-B0BEC8FE22DE}" destId="{D0EB118E-DEA3-024F-A526-15F101524331}" srcOrd="0" destOrd="0" presId="urn:microsoft.com/office/officeart/2005/8/layout/hProcess4"/>
     <dgm:cxn modelId="{D90BB746-0804-4898-BF96-356E2B873EAA}" srcId="{F0F6B17E-9533-4727-B3CC-A6D0466AC596}" destId="{939A1577-2324-43EB-B7C5-B0BEC8FE22DE}" srcOrd="4" destOrd="0" parTransId="{54852552-1083-4F9C-9B1F-503522ABD84C}" sibTransId="{5D2CC7DE-FDA6-4D6E-A5F3-358AE7439C44}"/>
@@ -3196,29 +3241,34 @@
     <dgm:cxn modelId="{786AE959-D000-1D4E-911D-67F1B9F41A5E}" type="presOf" srcId="{526E9F08-5EA3-3D49-8B38-51CB3B3ED9DC}" destId="{06CB93B6-4672-464B-AAE1-102A5584ED74}" srcOrd="1" destOrd="1" presId="urn:microsoft.com/office/officeart/2005/8/layout/hProcess4"/>
     <dgm:cxn modelId="{37379B5F-5E38-2447-993B-56E9861CEF2C}" type="presOf" srcId="{20741808-44F9-9443-B020-C2DBEB25E341}" destId="{06CB93B6-4672-464B-AAE1-102A5584ED74}" srcOrd="1" destOrd="0" presId="urn:microsoft.com/office/officeart/2005/8/layout/hProcess4"/>
     <dgm:cxn modelId="{0704B467-B67F-7F41-A3BD-7CBC6D88169F}" type="presOf" srcId="{EAAEEAC4-C2C6-4028-807F-BC6BBE918253}" destId="{F5911F88-6D16-4946-B5AD-4CB523ADAA0D}" srcOrd="1" destOrd="0" presId="urn:microsoft.com/office/officeart/2005/8/layout/hProcess4"/>
-    <dgm:cxn modelId="{BB475C68-EBE9-2744-AF7F-777006E8E003}" type="presOf" srcId="{D690E6B1-ED93-4978-AC10-25C06B709E1D}" destId="{B02BE0EB-C330-4F32-8D7C-9CA39266E853}" srcOrd="0" destOrd="2" presId="urn:microsoft.com/office/officeart/2005/8/layout/hProcess4"/>
+    <dgm:cxn modelId="{3E1CD367-1F08-C548-A5A1-8E308263656F}" type="presOf" srcId="{A94710F9-1EE3-254A-96AA-85A067E0BE72}" destId="{4BA1B2B1-C1B8-47F2-8C0E-ADA73BC9C811}" srcOrd="1" destOrd="2" presId="urn:microsoft.com/office/officeart/2005/8/layout/hProcess4"/>
+    <dgm:cxn modelId="{BB475C68-EBE9-2744-AF7F-777006E8E003}" type="presOf" srcId="{D690E6B1-ED93-4978-AC10-25C06B709E1D}" destId="{B02BE0EB-C330-4F32-8D7C-9CA39266E853}" srcOrd="0" destOrd="3" presId="urn:microsoft.com/office/officeart/2005/8/layout/hProcess4"/>
     <dgm:cxn modelId="{E8EDA369-74A4-1645-AA34-690CC184B9C2}" type="presOf" srcId="{15D92C2D-5742-4574-B3E7-79598663529D}" destId="{42D63F66-5DD2-A047-8839-9A8F5BE3BB79}" srcOrd="1" destOrd="0" presId="urn:microsoft.com/office/officeart/2005/8/layout/hProcess4"/>
     <dgm:cxn modelId="{7AF1A46B-8C9C-49F7-A8C3-D781ADC1DF61}" srcId="{939A1577-2324-43EB-B7C5-B0BEC8FE22DE}" destId="{EAAEEAC4-C2C6-4028-807F-BC6BBE918253}" srcOrd="0" destOrd="0" parTransId="{292A3486-B733-4327-90E8-F23FDDCC573D}" sibTransId="{161BD47E-7386-4BB1-8A0E-FA4BBD79F0B5}"/>
     <dgm:cxn modelId="{E14EF96B-D756-DD4B-AAE7-D9DB486B09B6}" type="presOf" srcId="{315073EB-AD4A-E445-B9F1-C9EC7889E6C7}" destId="{96926518-CE60-6148-9BAA-8671800A1B08}" srcOrd="0" destOrd="0" presId="urn:microsoft.com/office/officeart/2005/8/layout/hProcess4"/>
     <dgm:cxn modelId="{1C73BA6C-95D6-3349-999B-CAC0C8FD07A6}" type="presOf" srcId="{F671BBA3-D45D-4509-982C-C5515B0DCAB4}" destId="{42D63F66-5DD2-A047-8839-9A8F5BE3BB79}" srcOrd="1" destOrd="2" presId="urn:microsoft.com/office/officeart/2005/8/layout/hProcess4"/>
     <dgm:cxn modelId="{22F4146D-58E5-8644-90A0-A692437616CE}" type="presOf" srcId="{47C53EB7-BB9D-3141-AC80-25FEDE4F45C1}" destId="{6C198CF6-4B48-EC47-9895-532AAD4630E7}" srcOrd="0" destOrd="1" presId="urn:microsoft.com/office/officeart/2005/8/layout/hProcess4"/>
+    <dgm:cxn modelId="{9270FA6F-DC73-A548-8FC2-786C928D89E7}" type="presOf" srcId="{A94710F9-1EE3-254A-96AA-85A067E0BE72}" destId="{B02BE0EB-C330-4F32-8D7C-9CA39266E853}" srcOrd="0" destOrd="2" presId="urn:microsoft.com/office/officeart/2005/8/layout/hProcess4"/>
     <dgm:cxn modelId="{563E9C71-D546-B844-9595-25313A0676E1}" type="presOf" srcId="{580D8CE1-E595-CF43-B1D2-95FB638F080E}" destId="{6C198CF6-4B48-EC47-9895-532AAD4630E7}" srcOrd="0" destOrd="2" presId="urn:microsoft.com/office/officeart/2005/8/layout/hProcess4"/>
     <dgm:cxn modelId="{0CABC472-4160-9F4C-A268-93FFE24107B7}" type="presOf" srcId="{F1503044-3191-2B40-BFBF-6E829B69DD55}" destId="{4055B626-3956-BA4B-8E9B-4D853D53EE56}" srcOrd="0" destOrd="0" presId="urn:microsoft.com/office/officeart/2005/8/layout/hProcess4"/>
     <dgm:cxn modelId="{19CAA77D-572B-C14B-850F-460451CF944D}" srcId="{F1503044-3191-2B40-BFBF-6E829B69DD55}" destId="{526E9F08-5EA3-3D49-8B38-51CB3B3ED9DC}" srcOrd="1" destOrd="0" parTransId="{A8FA7B8A-AD7B-7C40-BF90-BED881C03EB5}" sibTransId="{955E6D0C-59A0-274E-AFEA-DA4ED5CD50D2}"/>
     <dgm:cxn modelId="{3031F17F-8F4D-4622-BCE9-55A48FDC59CF}" srcId="{D4F9471E-5DB8-4527-8A9A-3BA1BC9BC03D}" destId="{A4305718-53E2-4A7F-804A-6F3B3A68EDA1}" srcOrd="1" destOrd="0" parTransId="{6352A4B0-029B-47A9-B901-39E39478AA01}" sibTransId="{031F83FA-BA7B-481B-8A9D-B4136C226BCE}"/>
-    <dgm:cxn modelId="{DDC67486-FA59-ED49-988E-A25F5AF8168D}" type="presOf" srcId="{E5852962-6E45-A643-BB41-0565DE04E888}" destId="{F5911F88-6D16-4946-B5AD-4CB523ADAA0D}" srcOrd="1" destOrd="1" presId="urn:microsoft.com/office/officeart/2005/8/layout/hProcess4"/>
+    <dgm:cxn modelId="{DDC67486-FA59-ED49-988E-A25F5AF8168D}" type="presOf" srcId="{E5852962-6E45-A643-BB41-0565DE04E888}" destId="{F5911F88-6D16-4946-B5AD-4CB523ADAA0D}" srcOrd="1" destOrd="2" presId="urn:microsoft.com/office/officeart/2005/8/layout/hProcess4"/>
     <dgm:cxn modelId="{9231DF87-47F1-5A40-B464-64D835BB90FE}" type="presOf" srcId="{31EF9491-34BC-454F-9A90-85D7BFC3D698}" destId="{4BA1B2B1-C1B8-47F2-8C0E-ADA73BC9C811}" srcOrd="1" destOrd="1" presId="urn:microsoft.com/office/officeart/2005/8/layout/hProcess4"/>
     <dgm:cxn modelId="{987E1B8C-B626-FA4E-9F0E-D52747B21A22}" type="presOf" srcId="{47C53EB7-BB9D-3141-AC80-25FEDE4F45C1}" destId="{846A1EB4-FE5D-EA45-887E-8162064DDF67}" srcOrd="1" destOrd="1" presId="urn:microsoft.com/office/officeart/2005/8/layout/hProcess4"/>
-    <dgm:cxn modelId="{5CC9B190-AC53-F34A-B368-85A895D1EBFF}" type="presOf" srcId="{D690E6B1-ED93-4978-AC10-25C06B709E1D}" destId="{4BA1B2B1-C1B8-47F2-8C0E-ADA73BC9C811}" srcOrd="1" destOrd="2" presId="urn:microsoft.com/office/officeart/2005/8/layout/hProcess4"/>
+    <dgm:cxn modelId="{5CC9B190-AC53-F34A-B368-85A895D1EBFF}" type="presOf" srcId="{D690E6B1-ED93-4978-AC10-25C06B709E1D}" destId="{4BA1B2B1-C1B8-47F2-8C0E-ADA73BC9C811}" srcOrd="1" destOrd="3" presId="urn:microsoft.com/office/officeart/2005/8/layout/hProcess4"/>
     <dgm:cxn modelId="{426FE093-C152-4565-8B88-75EEA7DB8FBF}" srcId="{F0F6B17E-9533-4727-B3CC-A6D0466AC596}" destId="{A127E4B3-65AD-4248-95B2-95D5289D7EA9}" srcOrd="0" destOrd="0" parTransId="{7EA8BFFC-7878-4C8B-AD98-3A05865402BF}" sibTransId="{1D659693-0E7A-4638-9B8A-23A860592A72}"/>
     <dgm:cxn modelId="{F9C1B7A9-40E0-564A-B370-1A359B4EDF55}" type="presOf" srcId="{580D8CE1-E595-CF43-B1D2-95FB638F080E}" destId="{846A1EB4-FE5D-EA45-887E-8162064DDF67}" srcOrd="1" destOrd="2" presId="urn:microsoft.com/office/officeart/2005/8/layout/hProcess4"/>
-    <dgm:cxn modelId="{56DA8AB2-6975-BF45-BECC-227E54288CC6}" type="presOf" srcId="{E5852962-6E45-A643-BB41-0565DE04E888}" destId="{F0B01F51-E46F-DA4B-88E1-9F10333DC2ED}" srcOrd="0" destOrd="1" presId="urn:microsoft.com/office/officeart/2005/8/layout/hProcess4"/>
+    <dgm:cxn modelId="{56DA8AB2-6975-BF45-BECC-227E54288CC6}" type="presOf" srcId="{E5852962-6E45-A643-BB41-0565DE04E888}" destId="{F0B01F51-E46F-DA4B-88E1-9F10333DC2ED}" srcOrd="0" destOrd="2" presId="urn:microsoft.com/office/officeart/2005/8/layout/hProcess4"/>
     <dgm:cxn modelId="{D180BFB5-A945-5C46-A4A1-25A3C3358448}" type="presOf" srcId="{20741808-44F9-9443-B020-C2DBEB25E341}" destId="{DB47F245-2784-474A-9BA8-6F043C5AB87D}" srcOrd="0" destOrd="0" presId="urn:microsoft.com/office/officeart/2005/8/layout/hProcess4"/>
+    <dgm:cxn modelId="{DFC888BC-8E39-704A-9795-719F44982596}" type="presOf" srcId="{CC7159D8-9A0F-4B46-A680-499F9FA36F10}" destId="{F5911F88-6D16-4946-B5AD-4CB523ADAA0D}" srcOrd="1" destOrd="1" presId="urn:microsoft.com/office/officeart/2005/8/layout/hProcess4"/>
     <dgm:cxn modelId="{A29646BD-6AE5-4D34-869A-36A9725DDBF3}" srcId="{D4F9471E-5DB8-4527-8A9A-3BA1BC9BC03D}" destId="{F671BBA3-D45D-4509-982C-C5515B0DCAB4}" srcOrd="2" destOrd="0" parTransId="{D64BB036-4186-44AC-B8D2-FD20EC315433}" sibTransId="{486DFC96-35CB-4115-B620-6ED4B09F08B7}"/>
     <dgm:cxn modelId="{C01AB7C0-EDA4-2F4A-8C6C-892B685F58E8}" type="presOf" srcId="{F671BBA3-D45D-4509-982C-C5515B0DCAB4}" destId="{E5EBECDA-B2A2-1A46-872A-670086EE71E5}" srcOrd="0" destOrd="2" presId="urn:microsoft.com/office/officeart/2005/8/layout/hProcess4"/>
+    <dgm:cxn modelId="{834CB0C4-E607-7843-AD0F-6CAF7A4A894F}" srcId="{939A1577-2324-43EB-B7C5-B0BEC8FE22DE}" destId="{CC7159D8-9A0F-4B46-A680-499F9FA36F10}" srcOrd="1" destOrd="0" parTransId="{C10B91B7-3986-D447-9F6D-9A87155E82E9}" sibTransId="{154EE6FB-E7B1-E141-998A-1FFE317E848B}"/>
     <dgm:cxn modelId="{BDF0B3CA-1456-6C44-B1CC-965781A786CD}" srcId="{A127E4B3-65AD-4248-95B2-95D5289D7EA9}" destId="{AC1C4931-EEA2-E343-8BA4-1A9CD4B76DDA}" srcOrd="0" destOrd="0" parTransId="{610A01B0-C715-A64B-BF61-C1FDDCDC9160}" sibTransId="{47E1B64B-7FE6-D843-8E60-74658736FE62}"/>
     <dgm:cxn modelId="{BB8F7CD1-5120-0648-8B95-6150A54C57E7}" type="presOf" srcId="{A4305718-53E2-4A7F-804A-6F3B3A68EDA1}" destId="{42D63F66-5DD2-A047-8839-9A8F5BE3BB79}" srcOrd="1" destOrd="1" presId="urn:microsoft.com/office/officeart/2005/8/layout/hProcess4"/>
-    <dgm:cxn modelId="{D861ADD8-5F0C-AD44-A08B-07166C030EC8}" srcId="{939A1577-2324-43EB-B7C5-B0BEC8FE22DE}" destId="{E5852962-6E45-A643-BB41-0565DE04E888}" srcOrd="1" destOrd="0" parTransId="{BD1F6127-7013-A048-A8AB-EC7EB35F7124}" sibTransId="{A0A9B050-7D96-7E42-9D43-C6A5296F0497}"/>
+    <dgm:cxn modelId="{DB69A8D8-7722-504D-AD78-39C3980E0A96}" type="presOf" srcId="{CC7159D8-9A0F-4B46-A680-499F9FA36F10}" destId="{F0B01F51-E46F-DA4B-88E1-9F10333DC2ED}" srcOrd="0" destOrd="1" presId="urn:microsoft.com/office/officeart/2005/8/layout/hProcess4"/>
+    <dgm:cxn modelId="{D861ADD8-5F0C-AD44-A08B-07166C030EC8}" srcId="{939A1577-2324-43EB-B7C5-B0BEC8FE22DE}" destId="{E5852962-6E45-A643-BB41-0565DE04E888}" srcOrd="2" destOrd="0" parTransId="{BD1F6127-7013-A048-A8AB-EC7EB35F7124}" sibTransId="{A0A9B050-7D96-7E42-9D43-C6A5296F0497}"/>
     <dgm:cxn modelId="{59DBBBD8-B7FC-E840-8989-493236A3A293}" type="presOf" srcId="{A4305718-53E2-4A7F-804A-6F3B3A68EDA1}" destId="{E5EBECDA-B2A2-1A46-872A-670086EE71E5}" srcOrd="0" destOrd="1" presId="urn:microsoft.com/office/officeart/2005/8/layout/hProcess4"/>
     <dgm:cxn modelId="{F783DEE3-F4DF-40F5-A322-430FF15CB4FB}" type="presOf" srcId="{A127E4B3-65AD-4248-95B2-95D5289D7EA9}" destId="{6C29B79F-2D3A-4853-8A7F-3EBEA7DAF6D1}" srcOrd="0" destOrd="0" presId="urn:microsoft.com/office/officeart/2005/8/layout/hProcess4"/>
     <dgm:cxn modelId="{9E9638E8-0DB0-A740-8B49-9BBE3FB39396}" type="presOf" srcId="{1B3290C7-72D7-4746-9957-7044F630C828}" destId="{6C198CF6-4B48-EC47-9895-532AAD4630E7}" srcOrd="0" destOrd="0" presId="urn:microsoft.com/office/officeart/2005/8/layout/hProcess4"/>
@@ -3338,12 +3388,12 @@
         <a:fontRef idx="minor"/>
       </dsp:style>
       <dsp:txBody>
-        <a:bodyPr spcFirstLastPara="0" vert="horz" wrap="square" lIns="24765" tIns="24765" rIns="24765" bIns="24765" numCol="1" spcCol="1270" anchor="t" anchorCtr="0">
+        <a:bodyPr spcFirstLastPara="0" vert="horz" wrap="square" lIns="22860" tIns="22860" rIns="22860" bIns="22860" numCol="1" spcCol="1270" anchor="t" anchorCtr="0">
           <a:noAutofit/>
         </a:bodyPr>
         <a:lstStyle/>
         <a:p>
-          <a:pPr marL="114300" lvl="1" indent="-114300" algn="l" defTabSz="577850">
+          <a:pPr marL="114300" lvl="1" indent="-114300" algn="l" defTabSz="533400">
             <a:lnSpc>
               <a:spcPct val="90000"/>
             </a:lnSpc>
@@ -3355,10 +3405,10 @@
             </a:spcAft>
             <a:buChar char="•"/>
           </a:pPr>
-          <a:endParaRPr lang="en-US" sz="1300" kern="1200" noProof="0" dirty="0"/>
+          <a:endParaRPr lang="en-US" sz="1200" kern="1200" noProof="0" dirty="0"/>
         </a:p>
         <a:p>
-          <a:pPr marL="114300" lvl="1" indent="-114300" algn="l" defTabSz="577850">
+          <a:pPr marL="114300" lvl="1" indent="-114300" algn="l" defTabSz="533400">
             <a:lnSpc>
               <a:spcPct val="90000"/>
             </a:lnSpc>
@@ -3371,12 +3421,12 @@
             <a:buChar char="•"/>
           </a:pPr>
           <a:r>
-            <a:rPr lang="en-US" sz="1300" kern="1200" noProof="0" dirty="0"/>
+            <a:rPr lang="en-US" sz="1200" kern="1200" noProof="0" dirty="0"/>
             <a:t>Sign contract</a:t>
           </a:r>
         </a:p>
         <a:p>
-          <a:pPr marL="114300" lvl="1" indent="-114300" algn="l" defTabSz="577850">
+          <a:pPr marL="114300" lvl="1" indent="-114300" algn="l" defTabSz="533400">
             <a:lnSpc>
               <a:spcPct val="90000"/>
             </a:lnSpc>
@@ -3389,7 +3439,25 @@
             <a:buChar char="•"/>
           </a:pPr>
           <a:r>
-            <a:rPr lang="en-US" sz="1300" kern="1200" noProof="0" dirty="0"/>
+            <a:rPr lang="en-US" sz="1200" kern="1200" noProof="0" dirty="0"/>
+            <a:t>Register POS System</a:t>
+          </a:r>
+        </a:p>
+        <a:p>
+          <a:pPr marL="114300" lvl="1" indent="-114300" algn="l" defTabSz="533400">
+            <a:lnSpc>
+              <a:spcPct val="90000"/>
+            </a:lnSpc>
+            <a:spcBef>
+              <a:spcPct val="0"/>
+            </a:spcBef>
+            <a:spcAft>
+              <a:spcPct val="15000"/>
+            </a:spcAft>
+            <a:buChar char="•"/>
+          </a:pPr>
+          <a:r>
+            <a:rPr lang="en-US" sz="1200" kern="1200" noProof="0" dirty="0"/>
             <a:t>Invitation E-Mail to the dealers</a:t>
           </a:r>
         </a:p>
@@ -3570,12 +3638,12 @@
         <a:fontRef idx="minor"/>
       </dsp:style>
       <dsp:txBody>
-        <a:bodyPr spcFirstLastPara="0" vert="horz" wrap="square" lIns="24765" tIns="24765" rIns="24765" bIns="24765" numCol="1" spcCol="1270" anchor="t" anchorCtr="0">
+        <a:bodyPr spcFirstLastPara="0" vert="horz" wrap="square" lIns="22860" tIns="22860" rIns="22860" bIns="22860" numCol="1" spcCol="1270" anchor="t" anchorCtr="0">
           <a:noAutofit/>
         </a:bodyPr>
         <a:lstStyle/>
         <a:p>
-          <a:pPr marL="114300" lvl="1" indent="-114300" algn="l" defTabSz="577850">
+          <a:pPr marL="114300" lvl="1" indent="-114300" algn="l" defTabSz="533400">
             <a:lnSpc>
               <a:spcPct val="90000"/>
             </a:lnSpc>
@@ -3588,12 +3656,12 @@
             <a:buChar char="•"/>
           </a:pPr>
           <a:r>
-            <a:rPr lang="en-US" sz="1300" kern="1200" noProof="0" dirty="0"/>
+            <a:rPr lang="en-US" sz="1200" kern="1200" noProof="0" dirty="0"/>
             <a:t>E-Mail link</a:t>
           </a:r>
         </a:p>
         <a:p>
-          <a:pPr marL="114300" lvl="1" indent="-114300" algn="l" defTabSz="577850">
+          <a:pPr marL="114300" lvl="1" indent="-114300" algn="l" defTabSz="533400">
             <a:lnSpc>
               <a:spcPct val="90000"/>
             </a:lnSpc>
@@ -3606,12 +3674,12 @@
             <a:buChar char="•"/>
           </a:pPr>
           <a:r>
-            <a:rPr lang="en-US" sz="1300" kern="1200" noProof="0" dirty="0"/>
+            <a:rPr lang="en-US" sz="1200" kern="1200" noProof="0" dirty="0"/>
             <a:t>Set password</a:t>
           </a:r>
         </a:p>
         <a:p>
-          <a:pPr marL="114300" lvl="1" indent="-114300" algn="l" defTabSz="577850">
+          <a:pPr marL="114300" lvl="1" indent="-114300" algn="l" defTabSz="533400">
             <a:lnSpc>
               <a:spcPct val="90000"/>
             </a:lnSpc>
@@ -3624,7 +3692,7 @@
             <a:buChar char="•"/>
           </a:pPr>
           <a:r>
-            <a:rPr lang="en-US" sz="1300" kern="1200" noProof="0" dirty="0"/>
+            <a:rPr lang="en-US" sz="1200" kern="1200" noProof="0" dirty="0"/>
             <a:t>Sign contract</a:t>
           </a:r>
         </a:p>
@@ -3805,12 +3873,12 @@
         <a:fontRef idx="minor"/>
       </dsp:style>
       <dsp:txBody>
-        <a:bodyPr spcFirstLastPara="0" vert="horz" wrap="square" lIns="24765" tIns="24765" rIns="24765" bIns="24765" numCol="1" spcCol="1270" anchor="t" anchorCtr="0">
+        <a:bodyPr spcFirstLastPara="0" vert="horz" wrap="square" lIns="22860" tIns="22860" rIns="22860" bIns="22860" numCol="1" spcCol="1270" anchor="t" anchorCtr="0">
           <a:noAutofit/>
         </a:bodyPr>
         <a:lstStyle/>
         <a:p>
-          <a:pPr marL="114300" lvl="1" indent="-114300" algn="l" defTabSz="577850">
+          <a:pPr marL="114300" lvl="1" indent="-114300" algn="l" defTabSz="533400">
             <a:lnSpc>
               <a:spcPct val="90000"/>
             </a:lnSpc>
@@ -3823,12 +3891,12 @@
             <a:buChar char="•"/>
           </a:pPr>
           <a:r>
-            <a:rPr lang="en-US" sz="1300" kern="1200" noProof="0" dirty="0"/>
+            <a:rPr lang="en-US" sz="1200" kern="1200" noProof="0" dirty="0"/>
             <a:t>Create csv-file (for mass invitation of operators)</a:t>
           </a:r>
         </a:p>
         <a:p>
-          <a:pPr marL="114300" lvl="1" indent="-114300" algn="l" defTabSz="577850">
+          <a:pPr marL="114300" lvl="1" indent="-114300" algn="l" defTabSz="533400">
             <a:lnSpc>
               <a:spcPct val="90000"/>
             </a:lnSpc>
@@ -3841,7 +3909,7 @@
             <a:buChar char="•"/>
           </a:pPr>
           <a:r>
-            <a:rPr lang="en-US" sz="1300" kern="1200" noProof="0" dirty="0"/>
+            <a:rPr lang="en-US" sz="1200" kern="1200" noProof="0" dirty="0"/>
             <a:t>Invitation E-Mail to the operators</a:t>
           </a:r>
         </a:p>
@@ -4022,12 +4090,12 @@
         <a:fontRef idx="minor"/>
       </dsp:style>
       <dsp:txBody>
-        <a:bodyPr spcFirstLastPara="0" vert="horz" wrap="square" lIns="24765" tIns="24765" rIns="24765" bIns="24765" numCol="1" spcCol="1270" anchor="t" anchorCtr="0">
+        <a:bodyPr spcFirstLastPara="0" vert="horz" wrap="square" lIns="22860" tIns="22860" rIns="22860" bIns="22860" numCol="1" spcCol="1270" anchor="t" anchorCtr="0">
           <a:noAutofit/>
         </a:bodyPr>
         <a:lstStyle/>
         <a:p>
-          <a:pPr marL="114300" lvl="1" indent="-114300" algn="l" defTabSz="577850">
+          <a:pPr marL="114300" lvl="1" indent="-114300" algn="l" defTabSz="533400">
             <a:lnSpc>
               <a:spcPct val="90000"/>
             </a:lnSpc>
@@ -4040,12 +4108,12 @@
             <a:buChar char="•"/>
           </a:pPr>
           <a:r>
-            <a:rPr lang="en-US" sz="1300" kern="1200" noProof="0" dirty="0"/>
+            <a:rPr lang="en-US" sz="1200" kern="1200" noProof="0" dirty="0"/>
             <a:t>E-Mail link</a:t>
           </a:r>
         </a:p>
         <a:p>
-          <a:pPr marL="114300" lvl="1" indent="-114300" algn="l" defTabSz="577850">
+          <a:pPr marL="114300" lvl="1" indent="-114300" algn="l" defTabSz="533400">
             <a:lnSpc>
               <a:spcPct val="90000"/>
             </a:lnSpc>
@@ -4058,12 +4126,12 @@
             <a:buChar char="•"/>
           </a:pPr>
           <a:r>
-            <a:rPr lang="en-US" sz="1300" kern="1200" noProof="0" dirty="0"/>
+            <a:rPr lang="en-US" sz="1200" kern="1200" noProof="0" dirty="0"/>
             <a:t>Set password</a:t>
           </a:r>
         </a:p>
         <a:p>
-          <a:pPr marL="114300" lvl="1" indent="-114300" algn="l" defTabSz="577850">
+          <a:pPr marL="114300" lvl="1" indent="-114300" algn="l" defTabSz="533400">
             <a:lnSpc>
               <a:spcPct val="90000"/>
             </a:lnSpc>
@@ -4076,7 +4144,7 @@
             <a:buChar char="•"/>
           </a:pPr>
           <a:r>
-            <a:rPr lang="en-US" sz="1300" kern="1200" noProof="0" dirty="0"/>
+            <a:rPr lang="en-US" sz="1200" kern="1200" noProof="0" dirty="0"/>
             <a:t>Sign contract</a:t>
           </a:r>
         </a:p>
@@ -4257,12 +4325,12 @@
         <a:fontRef idx="minor"/>
       </dsp:style>
       <dsp:txBody>
-        <a:bodyPr spcFirstLastPara="0" vert="horz" wrap="square" lIns="24765" tIns="24765" rIns="24765" bIns="24765" numCol="1" spcCol="1270" anchor="t" anchorCtr="0">
+        <a:bodyPr spcFirstLastPara="0" vert="horz" wrap="square" lIns="22860" tIns="22860" rIns="22860" bIns="22860" numCol="1" spcCol="1270" anchor="t" anchorCtr="0">
           <a:noAutofit/>
         </a:bodyPr>
         <a:lstStyle/>
         <a:p>
-          <a:pPr marL="114300" lvl="1" indent="-114300" algn="l" defTabSz="577850">
+          <a:pPr marL="114300" lvl="1" indent="-114300" algn="l" defTabSz="533400">
             <a:lnSpc>
               <a:spcPct val="90000"/>
             </a:lnSpc>
@@ -4275,12 +4343,12 @@
             <a:buChar char="•"/>
           </a:pPr>
           <a:r>
-            <a:rPr lang="en-US" sz="1300" kern="1200" noProof="0" dirty="0"/>
+            <a:rPr lang="en-US" sz="1200" kern="1200" noProof="0" dirty="0"/>
             <a:t>Access options to the operator account (surrogating)</a:t>
           </a:r>
         </a:p>
         <a:p>
-          <a:pPr marL="114300" lvl="1" indent="-114300" algn="l" defTabSz="577850">
+          <a:pPr marL="114300" lvl="1" indent="-114300" algn="l" defTabSz="533400">
             <a:lnSpc>
               <a:spcPct val="90000"/>
             </a:lnSpc>
@@ -4292,7 +4360,25 @@
             </a:spcAft>
             <a:buChar char="•"/>
           </a:pPr>
-          <a:endParaRPr lang="en-US" sz="1300" kern="1200" noProof="0" dirty="0"/>
+          <a:r>
+            <a:rPr lang="en-US" sz="1200" kern="1200" noProof="0" dirty="0"/>
+            <a:t>Master data capture</a:t>
+          </a:r>
+        </a:p>
+        <a:p>
+          <a:pPr marL="114300" lvl="1" indent="-114300" algn="l" defTabSz="533400">
+            <a:lnSpc>
+              <a:spcPct val="90000"/>
+            </a:lnSpc>
+            <a:spcBef>
+              <a:spcPct val="0"/>
+            </a:spcBef>
+            <a:spcAft>
+              <a:spcPct val="15000"/>
+            </a:spcAft>
+            <a:buChar char="•"/>
+          </a:pPr>
+          <a:endParaRPr lang="en-US" sz="1200" kern="1200" noProof="0" dirty="0"/>
         </a:p>
       </dsp:txBody>
       <dsp:txXfrm>
@@ -15942,7 +16028,7 @@
             <p:ph idx="1"/>
             <p:extLst>
               <p:ext uri="{D42A27DB-BD31-4B8C-83A1-F6EECF244321}">
-                <p14:modId xmlns:p14="http://schemas.microsoft.com/office/powerpoint/2010/main" val="2289918499"/>
+                <p14:modId xmlns:p14="http://schemas.microsoft.com/office/powerpoint/2010/main" val="4070815375"/>
               </p:ext>
             </p:extLst>
           </p:nvPr>
@@ -19265,6 +19351,15 @@
 </file>
 
 <file path=customXml/item1.xml><?xml version="1.0" encoding="utf-8"?>
+<?mso-contentType ?>
+<FormTemplates xmlns="http://schemas.microsoft.com/sharepoint/v3/contenttype/forms">
+  <Display>DocumentLibraryForm</Display>
+  <Edit>DocumentLibraryForm</Edit>
+  <New>DocumentLibraryForm</New>
+</FormTemplates>
+</file>
+
+<file path=customXml/item2.xml><?xml version="1.0" encoding="utf-8"?>
 <ct:contentTypeSchema xmlns:ct="http://schemas.microsoft.com/office/2006/metadata/contentType" xmlns:ma="http://schemas.microsoft.com/office/2006/metadata/properties/metaAttributes" ct:_="" ma:_="" ma:contentTypeName="Document" ma:contentTypeID="0x01010003A087929988544A956B845A242A1874" ma:contentTypeVersion="9" ma:contentTypeDescription="Create a new document." ma:contentTypeScope="" ma:versionID="a063f29419c0dc871a57124984a5c02e">
   <xsd:schema xmlns:xsd="http://www.w3.org/2001/XMLSchema" xmlns:xs="http://www.w3.org/2001/XMLSchema" xmlns:p="http://schemas.microsoft.com/office/2006/metadata/properties" xmlns:ns2="c3142773-ea53-476f-8961-6b85122cde25" targetNamespace="http://schemas.microsoft.com/office/2006/metadata/properties" ma:root="true" ma:fieldsID="a552620fe450120d7f85de4f65b137a4" ns2:_="">
     <xsd:import namespace="c3142773-ea53-476f-8961-6b85122cde25"/>
@@ -19442,15 +19537,6 @@
 </ct:contentTypeSchema>
 </file>
 
-<file path=customXml/item2.xml><?xml version="1.0" encoding="utf-8"?>
-<?mso-contentType ?>
-<FormTemplates xmlns="http://schemas.microsoft.com/sharepoint/v3/contenttype/forms">
-  <Display>DocumentLibraryForm</Display>
-  <Edit>DocumentLibraryForm</Edit>
-  <New>DocumentLibraryForm</New>
-</FormTemplates>
-</file>
-
 <file path=customXml/item3.xml><?xml version="1.0" encoding="utf-8"?>
 <p:properties xmlns:p="http://schemas.microsoft.com/office/2006/metadata/properties" xmlns:xsi="http://www.w3.org/2001/XMLSchema-instance" xmlns:pc="http://schemas.microsoft.com/office/infopath/2007/PartnerControls">
   <documentManagement/>
@@ -19458,6 +19544,14 @@
 </file>
 
 <file path=customXml/itemProps1.xml><?xml version="1.0" encoding="utf-8"?>
+<ds:datastoreItem xmlns:ds="http://schemas.openxmlformats.org/officeDocument/2006/customXml" ds:itemID="{3F407387-4BEA-45E7-A546-EAF24BCEADF4}">
+  <ds:schemaRefs>
+    <ds:schemaRef ds:uri="http://schemas.microsoft.com/sharepoint/v3/contenttype/forms"/>
+  </ds:schemaRefs>
+</ds:datastoreItem>
+</file>
+
+<file path=customXml/itemProps2.xml><?xml version="1.0" encoding="utf-8"?>
 <ds:datastoreItem xmlns:ds="http://schemas.openxmlformats.org/officeDocument/2006/customXml" ds:itemID="{4A4E1077-0687-4F67-BE9D-7A4D4029BB02}">
   <ds:schemaRefs>
     <ds:schemaRef ds:uri="http://schemas.microsoft.com/office/2006/metadata/contentType"/>
@@ -19475,14 +19569,6 @@
 </ds:datastoreItem>
 </file>
 
-<file path=customXml/itemProps2.xml><?xml version="1.0" encoding="utf-8"?>
-<ds:datastoreItem xmlns:ds="http://schemas.openxmlformats.org/officeDocument/2006/customXml" ds:itemID="{3F407387-4BEA-45E7-A546-EAF24BCEADF4}">
-  <ds:schemaRefs>
-    <ds:schemaRef ds:uri="http://schemas.microsoft.com/sharepoint/v3/contenttype/forms"/>
-  </ds:schemaRefs>
-</ds:datastoreItem>
-</file>
-
 <file path=customXml/itemProps3.xml><?xml version="1.0" encoding="utf-8"?>
 <ds:datastoreItem xmlns:ds="http://schemas.openxmlformats.org/officeDocument/2006/customXml" ds:itemID="{A770BCC9-0480-4A5F-A5A5-05648EB42497}">
   <ds:schemaRefs>

--- a/for-poscreators/presentation/media/lead-presentation-creator-en.pptx
+++ b/for-poscreators/presentation/media/lead-presentation-creator-en.pptx
@@ -6328,7 +6328,7 @@
           <a:p>
             <a:fld id="{E52F4C69-7549-4A71-BB0C-341D25F594E8}" type="datetime1">
               <a:rPr lang="de-AT" smtClean="0"/>
-              <a:t>20.10.20</a:t>
+              <a:t>23.10.20</a:t>
             </a:fld>
             <a:endParaRPr lang="de-AT" dirty="0"/>
           </a:p>
@@ -13914,10 +13914,10 @@
       </p:pic>
       <p:pic>
         <p:nvPicPr>
-          <p:cNvPr id="10" name="Picture 9" descr="A picture containing diagram&#10;&#10;Description automatically generated">
+          <p:cNvPr id="4" name="Picture 3" descr="A picture containing diagram&#10;&#10;Description automatically generated">
             <a:extLst>
               <a:ext uri="{FF2B5EF4-FFF2-40B4-BE49-F238E27FC236}">
-                <a16:creationId xmlns:a16="http://schemas.microsoft.com/office/drawing/2014/main" id="{A73D2B2A-4DAE-D942-8DC5-D76D6A162710}"/>
+                <a16:creationId xmlns:a16="http://schemas.microsoft.com/office/drawing/2014/main" id="{430223A1-4218-C146-8017-62F45E058331}"/>
               </a:ext>
             </a:extLst>
           </p:cNvPr>
@@ -13940,8 +13940,8 @@
         </p:blipFill>
         <p:spPr>
           <a:xfrm>
-            <a:off x="719183" y="1446250"/>
-            <a:ext cx="11156950" cy="3965499"/>
+            <a:off x="539750" y="1454150"/>
+            <a:ext cx="11112500" cy="3949700"/>
           </a:xfrm>
           <a:prstGeom prst="rect">
             <a:avLst/>
@@ -14276,10 +14276,10 @@
       </p:pic>
       <p:pic>
         <p:nvPicPr>
-          <p:cNvPr id="9" name="Content Placeholder 8" descr="A picture containing diagram&#10;&#10;Description automatically generated">
+          <p:cNvPr id="8" name="Content Placeholder 7" descr="A picture containing diagram&#10;&#10;Description automatically generated">
             <a:extLst>
               <a:ext uri="{FF2B5EF4-FFF2-40B4-BE49-F238E27FC236}">
-                <a16:creationId xmlns:a16="http://schemas.microsoft.com/office/drawing/2014/main" id="{AB8A4C9D-4124-964F-B0B7-82269485625F}"/>
+                <a16:creationId xmlns:a16="http://schemas.microsoft.com/office/drawing/2014/main" id="{21913E55-6A16-AE46-8D62-80F9EDF1D70D}"/>
               </a:ext>
             </a:extLst>
           </p:cNvPr>
@@ -18418,10 +18418,10 @@
       </p:pic>
       <p:pic>
         <p:nvPicPr>
-          <p:cNvPr id="6" name="Picture 5" descr="Graphical user interface, diagram&#10;&#10;Description automatically generated">
+          <p:cNvPr id="4" name="Picture 3" descr="Graphical user interface, diagram&#10;&#10;Description automatically generated">
             <a:extLst>
               <a:ext uri="{FF2B5EF4-FFF2-40B4-BE49-F238E27FC236}">
-                <a16:creationId xmlns:a16="http://schemas.microsoft.com/office/drawing/2014/main" id="{C44A7402-8571-474E-8B2B-B55B07E895E7}"/>
+                <a16:creationId xmlns:a16="http://schemas.microsoft.com/office/drawing/2014/main" id="{D014A784-B6BE-714F-A3B8-5F6AA821C4A8}"/>
               </a:ext>
             </a:extLst>
           </p:cNvPr>
@@ -18444,8 +18444,8 @@
         </p:blipFill>
         <p:spPr>
           <a:xfrm>
-            <a:off x="577515" y="202426"/>
-            <a:ext cx="10289498" cy="6467684"/>
+            <a:off x="723658" y="118469"/>
+            <a:ext cx="10533506" cy="6621061"/>
           </a:xfrm>
           <a:prstGeom prst="rect">
             <a:avLst/>
@@ -19351,15 +19351,6 @@
 </file>
 
 <file path=customXml/item1.xml><?xml version="1.0" encoding="utf-8"?>
-<?mso-contentType ?>
-<FormTemplates xmlns="http://schemas.microsoft.com/sharepoint/v3/contenttype/forms">
-  <Display>DocumentLibraryForm</Display>
-  <Edit>DocumentLibraryForm</Edit>
-  <New>DocumentLibraryForm</New>
-</FormTemplates>
-</file>
-
-<file path=customXml/item2.xml><?xml version="1.0" encoding="utf-8"?>
 <ct:contentTypeSchema xmlns:ct="http://schemas.microsoft.com/office/2006/metadata/contentType" xmlns:ma="http://schemas.microsoft.com/office/2006/metadata/properties/metaAttributes" ct:_="" ma:_="" ma:contentTypeName="Document" ma:contentTypeID="0x01010003A087929988544A956B845A242A1874" ma:contentTypeVersion="9" ma:contentTypeDescription="Create a new document." ma:contentTypeScope="" ma:versionID="a063f29419c0dc871a57124984a5c02e">
   <xsd:schema xmlns:xsd="http://www.w3.org/2001/XMLSchema" xmlns:xs="http://www.w3.org/2001/XMLSchema" xmlns:p="http://schemas.microsoft.com/office/2006/metadata/properties" xmlns:ns2="c3142773-ea53-476f-8961-6b85122cde25" targetNamespace="http://schemas.microsoft.com/office/2006/metadata/properties" ma:root="true" ma:fieldsID="a552620fe450120d7f85de4f65b137a4" ns2:_="">
     <xsd:import namespace="c3142773-ea53-476f-8961-6b85122cde25"/>
@@ -19537,6 +19528,15 @@
 </ct:contentTypeSchema>
 </file>
 
+<file path=customXml/item2.xml><?xml version="1.0" encoding="utf-8"?>
+<?mso-contentType ?>
+<FormTemplates xmlns="http://schemas.microsoft.com/sharepoint/v3/contenttype/forms">
+  <Display>DocumentLibraryForm</Display>
+  <Edit>DocumentLibraryForm</Edit>
+  <New>DocumentLibraryForm</New>
+</FormTemplates>
+</file>
+
 <file path=customXml/item3.xml><?xml version="1.0" encoding="utf-8"?>
 <p:properties xmlns:p="http://schemas.microsoft.com/office/2006/metadata/properties" xmlns:xsi="http://www.w3.org/2001/XMLSchema-instance" xmlns:pc="http://schemas.microsoft.com/office/infopath/2007/PartnerControls">
   <documentManagement/>
@@ -19544,14 +19544,6 @@
 </file>
 
 <file path=customXml/itemProps1.xml><?xml version="1.0" encoding="utf-8"?>
-<ds:datastoreItem xmlns:ds="http://schemas.openxmlformats.org/officeDocument/2006/customXml" ds:itemID="{3F407387-4BEA-45E7-A546-EAF24BCEADF4}">
-  <ds:schemaRefs>
-    <ds:schemaRef ds:uri="http://schemas.microsoft.com/sharepoint/v3/contenttype/forms"/>
-  </ds:schemaRefs>
-</ds:datastoreItem>
-</file>
-
-<file path=customXml/itemProps2.xml><?xml version="1.0" encoding="utf-8"?>
 <ds:datastoreItem xmlns:ds="http://schemas.openxmlformats.org/officeDocument/2006/customXml" ds:itemID="{4A4E1077-0687-4F67-BE9D-7A4D4029BB02}">
   <ds:schemaRefs>
     <ds:schemaRef ds:uri="http://schemas.microsoft.com/office/2006/metadata/contentType"/>
@@ -19569,6 +19561,14 @@
 </ds:datastoreItem>
 </file>
 
+<file path=customXml/itemProps2.xml><?xml version="1.0" encoding="utf-8"?>
+<ds:datastoreItem xmlns:ds="http://schemas.openxmlformats.org/officeDocument/2006/customXml" ds:itemID="{3F407387-4BEA-45E7-A546-EAF24BCEADF4}">
+  <ds:schemaRefs>
+    <ds:schemaRef ds:uri="http://schemas.microsoft.com/sharepoint/v3/contenttype/forms"/>
+  </ds:schemaRefs>
+</ds:datastoreItem>
+</file>
+
 <file path=customXml/itemProps3.xml><?xml version="1.0" encoding="utf-8"?>
 <ds:datastoreItem xmlns:ds="http://schemas.openxmlformats.org/officeDocument/2006/customXml" ds:itemID="{A770BCC9-0480-4A5F-A5A5-05648EB42497}">
   <ds:schemaRefs>
